--- a/Clean Code.pptx
+++ b/Clean Code.pptx
@@ -2,7 +2,7 @@
 <file path=ppt/presentation.xml><?xml version="1.0" encoding="utf-8"?>
 <p:presentation xmlns:a="http://schemas.openxmlformats.org/drawingml/2006/main" xmlns:r="http://schemas.openxmlformats.org/officeDocument/2006/relationships" xmlns:p="http://schemas.openxmlformats.org/presentationml/2006/main" saveSubsetFonts="1">
   <p:sldMasterIdLst>
-    <p:sldMasterId id="2147483648" r:id="rId1"/>
+    <p:sldMasterId id="2147483660" r:id="rId1"/>
   </p:sldMasterIdLst>
   <p:notesMasterIdLst>
     <p:notesMasterId r:id="rId22"/>
@@ -211,7 +211,7 @@
           <a:p>
             <a:fld id="{D1AF23AB-C847-4667-90C1-8E7B707AE4C0}" type="datetimeFigureOut">
               <a:rPr lang="nl-BE" smtClean="0"/>
-              <a:t>16/08/2014</a:t>
+              <a:t>18/08/2014</a:t>
             </a:fld>
             <a:endParaRPr lang="nl-BE"/>
           </a:p>
@@ -633,68 +633,7 @@
           <a:bodyPr/>
           <a:lstStyle/>
           <a:p>
-            <a:pPr marL="171450" indent="-171450">
-              <a:buFontTx/>
-              <a:buChar char="-"/>
-            </a:pPr>
-            <a:r>
-              <a:rPr lang="nl-BE" dirty="0" smtClean="0"/>
-              <a:t>Mocking</a:t>
-            </a:r>
-            <a:r>
-              <a:rPr lang="nl-BE" baseline="0" dirty="0" smtClean="0"/>
-              <a:t> mogelijk door :</a:t>
-            </a:r>
-          </a:p>
-          <a:p>
-            <a:pPr marL="628650" lvl="1" indent="-171450">
-              <a:buFontTx/>
-              <a:buChar char="-"/>
-            </a:pPr>
-            <a:r>
-              <a:rPr lang="nl-BE" baseline="0" dirty="0" smtClean="0"/>
-              <a:t>Implementeren van Interface</a:t>
-            </a:r>
-          </a:p>
-          <a:p>
-            <a:pPr marL="628650" lvl="1" indent="-171450">
-              <a:buFontTx/>
-              <a:buChar char="-"/>
-            </a:pPr>
-            <a:r>
-              <a:rPr lang="nl-BE" baseline="0" dirty="0" smtClean="0"/>
-              <a:t>“virtual” maken van public members</a:t>
-            </a:r>
-          </a:p>
-          <a:p>
-            <a:pPr marL="171450" lvl="0" indent="-171450">
-              <a:buFontTx/>
-              <a:buChar char="-"/>
-            </a:pPr>
-            <a:r>
-              <a:rPr lang="nl-BE" baseline="0" dirty="0" smtClean="0"/>
-              <a:t>Goed nieuws :</a:t>
-            </a:r>
-          </a:p>
-          <a:p>
-            <a:pPr marL="628650" lvl="1" indent="-171450">
-              <a:buFontTx/>
-              <a:buChar char="-"/>
-            </a:pPr>
-            <a:r>
-              <a:rPr lang="nl-BE" baseline="0" dirty="0" smtClean="0"/>
-              <a:t>Mocking niet nodig voor simpele DTO’s</a:t>
-            </a:r>
-          </a:p>
-          <a:p>
-            <a:pPr marL="628650" lvl="1" indent="-171450">
-              <a:buFontTx/>
-              <a:buChar char="-"/>
-            </a:pPr>
-            <a:r>
-              <a:rPr lang="nl-BE" baseline="0" dirty="0" smtClean="0"/>
-              <a:t>Van POCO’s die aangeleverd worden via NHibernate zijn de members al “virtual”</a:t>
-            </a:r>
+            <a:endParaRPr lang="nl-BE" dirty="0"/>
           </a:p>
         </p:txBody>
       </p:sp>
@@ -715,7 +654,7 @@
           <a:p>
             <a:fld id="{4277DD58-0888-4DED-BA01-09D4D7FCF701}" type="slidenum">
               <a:rPr lang="nl-BE" smtClean="0"/>
-              <a:t>15</a:t>
+              <a:t>14</a:t>
             </a:fld>
             <a:endParaRPr lang="nl-BE"/>
           </a:p>
@@ -724,7 +663,7 @@
     </p:spTree>
     <p:extLst>
       <p:ext uri="{BB962C8B-B14F-4D97-AF65-F5344CB8AC3E}">
-        <p14:creationId xmlns:p14="http://schemas.microsoft.com/office/powerpoint/2010/main" val="3540928179"/>
+        <p14:creationId xmlns:p14="http://schemas.microsoft.com/office/powerpoint/2010/main" val="3645434321"/>
       </p:ext>
     </p:extLst>
   </p:cSld>
@@ -778,6 +717,230 @@
           <a:bodyPr/>
           <a:lstStyle/>
           <a:p>
+            <a:pPr marL="171450" indent="-171450">
+              <a:buFontTx/>
+              <a:buChar char="-"/>
+            </a:pPr>
+            <a:r>
+              <a:rPr lang="nl-BE" dirty="0" smtClean="0"/>
+              <a:t>Waarom</a:t>
+            </a:r>
+            <a:r>
+              <a:rPr lang="nl-BE" baseline="0" dirty="0" smtClean="0"/>
+              <a:t> :</a:t>
+            </a:r>
+          </a:p>
+          <a:p>
+            <a:pPr marL="628650" lvl="1" indent="-171450">
+              <a:buFontTx/>
+              <a:buChar char="-"/>
+            </a:pPr>
+            <a:r>
+              <a:rPr lang="nl-BE" dirty="0" smtClean="0"/>
+              <a:t>Hoofdreden</a:t>
+            </a:r>
+            <a:r>
+              <a:rPr lang="nl-BE" baseline="0" dirty="0" smtClean="0"/>
+              <a:t> : </a:t>
+            </a:r>
+            <a:r>
+              <a:rPr lang="nl-BE" dirty="0" smtClean="0"/>
+              <a:t>Veiligheidsnet</a:t>
+            </a:r>
+            <a:r>
+              <a:rPr lang="nl-BE" baseline="0" dirty="0" smtClean="0"/>
+              <a:t> voor code (1</a:t>
+            </a:r>
+            <a:r>
+              <a:rPr lang="nl-BE" baseline="30000" dirty="0" smtClean="0"/>
+              <a:t>e</a:t>
+            </a:r>
+            <a:r>
+              <a:rPr lang="nl-BE" baseline="0" dirty="0" smtClean="0"/>
+              <a:t> client)</a:t>
+            </a:r>
+          </a:p>
+          <a:p>
+            <a:pPr marL="628650" lvl="1" indent="-171450">
+              <a:buFontTx/>
+              <a:buChar char="-"/>
+            </a:pPr>
+            <a:r>
+              <a:rPr lang="nl-BE" baseline="0" dirty="0" smtClean="0"/>
+              <a:t>Positieve neven-effecten :</a:t>
+            </a:r>
+          </a:p>
+          <a:p>
+            <a:pPr marL="1085850" lvl="2" indent="-171450">
+              <a:buFontTx/>
+              <a:buChar char="-"/>
+            </a:pPr>
+            <a:r>
+              <a:rPr lang="nl-BE" baseline="0" dirty="0" smtClean="0"/>
+              <a:t>Documentatie van code !</a:t>
+            </a:r>
+          </a:p>
+          <a:p>
+            <a:pPr marL="1085850" lvl="2" indent="-171450">
+              <a:buFontTx/>
+              <a:buChar char="-"/>
+            </a:pPr>
+            <a:r>
+              <a:rPr lang="nl-BE" baseline="0" dirty="0" smtClean="0"/>
+              <a:t>Verlaagt de drempel om productie-code aan te passen (code wordt flexibel &amp; agile)</a:t>
+            </a:r>
+            <a:endParaRPr lang="nl-BE" dirty="0" smtClean="0"/>
+          </a:p>
+          <a:p>
+            <a:pPr marL="171450" indent="-171450">
+              <a:buFontTx/>
+              <a:buChar char="-"/>
+            </a:pPr>
+            <a:r>
+              <a:rPr lang="nl-BE" dirty="0" smtClean="0"/>
+              <a:t>Mocking</a:t>
+            </a:r>
+            <a:r>
+              <a:rPr lang="nl-BE" baseline="0" dirty="0" smtClean="0"/>
+              <a:t> </a:t>
+            </a:r>
+            <a:r>
+              <a:rPr lang="nl-BE" baseline="0" dirty="0" smtClean="0"/>
+              <a:t>mogelijk door :</a:t>
+            </a:r>
+          </a:p>
+          <a:p>
+            <a:pPr marL="628650" lvl="1" indent="-171450">
+              <a:buFontTx/>
+              <a:buChar char="-"/>
+            </a:pPr>
+            <a:r>
+              <a:rPr lang="nl-BE" baseline="0" dirty="0" smtClean="0"/>
+              <a:t>Implementeren van Interface</a:t>
+            </a:r>
+          </a:p>
+          <a:p>
+            <a:pPr marL="628650" lvl="1" indent="-171450">
+              <a:buFontTx/>
+              <a:buChar char="-"/>
+            </a:pPr>
+            <a:r>
+              <a:rPr lang="nl-BE" baseline="0" dirty="0" smtClean="0"/>
+              <a:t>“virtual” maken van public members</a:t>
+            </a:r>
+          </a:p>
+          <a:p>
+            <a:pPr marL="171450" lvl="0" indent="-171450">
+              <a:buFontTx/>
+              <a:buChar char="-"/>
+            </a:pPr>
+            <a:r>
+              <a:rPr lang="nl-BE" baseline="0" dirty="0" smtClean="0"/>
+              <a:t>Goed nieuws :</a:t>
+            </a:r>
+          </a:p>
+          <a:p>
+            <a:pPr marL="628650" lvl="1" indent="-171450">
+              <a:buFontTx/>
+              <a:buChar char="-"/>
+            </a:pPr>
+            <a:r>
+              <a:rPr lang="nl-BE" baseline="0" dirty="0" smtClean="0"/>
+              <a:t>Mocking niet nodig voor simpele DTO’s</a:t>
+            </a:r>
+          </a:p>
+          <a:p>
+            <a:pPr marL="628650" lvl="1" indent="-171450">
+              <a:buFontTx/>
+              <a:buChar char="-"/>
+            </a:pPr>
+            <a:r>
+              <a:rPr lang="nl-BE" baseline="0" dirty="0" smtClean="0"/>
+              <a:t>Van POCO’s die aangeleverd worden via NHibernate zijn de members al “virtual”</a:t>
+            </a:r>
+          </a:p>
+        </p:txBody>
+      </p:sp>
+      <p:sp>
+        <p:nvSpPr>
+          <p:cNvPr id="4" name="Slide Number Placeholder 3"/>
+          <p:cNvSpPr>
+            <a:spLocks noGrp="1"/>
+          </p:cNvSpPr>
+          <p:nvPr>
+            <p:ph type="sldNum" sz="quarter" idx="10"/>
+          </p:nvPr>
+        </p:nvSpPr>
+        <p:spPr/>
+        <p:txBody>
+          <a:bodyPr/>
+          <a:lstStyle/>
+          <a:p>
+            <a:fld id="{4277DD58-0888-4DED-BA01-09D4D7FCF701}" type="slidenum">
+              <a:rPr lang="nl-BE" smtClean="0"/>
+              <a:t>15</a:t>
+            </a:fld>
+            <a:endParaRPr lang="nl-BE"/>
+          </a:p>
+        </p:txBody>
+      </p:sp>
+    </p:spTree>
+    <p:extLst>
+      <p:ext uri="{BB962C8B-B14F-4D97-AF65-F5344CB8AC3E}">
+        <p14:creationId xmlns:p14="http://schemas.microsoft.com/office/powerpoint/2010/main" val="3540928179"/>
+      </p:ext>
+    </p:extLst>
+  </p:cSld>
+  <p:clrMapOvr>
+    <a:masterClrMapping/>
+  </p:clrMapOvr>
+</p:notes>
+</file>
+
+<file path=ppt/notesSlides/notesSlide12.xml><?xml version="1.0" encoding="utf-8"?>
+<p:notes xmlns:a="http://schemas.openxmlformats.org/drawingml/2006/main" xmlns:r="http://schemas.openxmlformats.org/officeDocument/2006/relationships" xmlns:p="http://schemas.openxmlformats.org/presentationml/2006/main">
+  <p:cSld>
+    <p:spTree>
+      <p:nvGrpSpPr>
+        <p:cNvPr id="1" name=""/>
+        <p:cNvGrpSpPr/>
+        <p:nvPr/>
+      </p:nvGrpSpPr>
+      <p:grpSpPr>
+        <a:xfrm>
+          <a:off x="0" y="0"/>
+          <a:ext cx="0" cy="0"/>
+          <a:chOff x="0" y="0"/>
+          <a:chExt cx="0" cy="0"/>
+        </a:xfrm>
+      </p:grpSpPr>
+      <p:sp>
+        <p:nvSpPr>
+          <p:cNvPr id="2" name="Slide Image Placeholder 1"/>
+          <p:cNvSpPr>
+            <a:spLocks noGrp="1" noRot="1" noChangeAspect="1"/>
+          </p:cNvSpPr>
+          <p:nvPr>
+            <p:ph type="sldImg"/>
+          </p:nvPr>
+        </p:nvSpPr>
+        <p:spPr/>
+      </p:sp>
+      <p:sp>
+        <p:nvSpPr>
+          <p:cNvPr id="3" name="Notes Placeholder 2"/>
+          <p:cNvSpPr>
+            <a:spLocks noGrp="1"/>
+          </p:cNvSpPr>
+          <p:nvPr>
+            <p:ph type="body" idx="1"/>
+          </p:nvPr>
+        </p:nvSpPr>
+        <p:spPr/>
+        <p:txBody>
+          <a:bodyPr/>
+          <a:lstStyle/>
+          <a:p>
             <a:r>
               <a:rPr lang="nl-BE" dirty="0" smtClean="0"/>
               <a:t>ReSharper</a:t>
@@ -835,7 +998,7 @@
 </p:notes>
 </file>
 
-<file path=ppt/notesSlides/notesSlide12.xml><?xml version="1.0" encoding="utf-8"?>
+<file path=ppt/notesSlides/notesSlide13.xml><?xml version="1.0" encoding="utf-8"?>
 <p:notes xmlns:a="http://schemas.openxmlformats.org/drawingml/2006/main" xmlns:r="http://schemas.openxmlformats.org/officeDocument/2006/relationships" xmlns:p="http://schemas.openxmlformats.org/presentationml/2006/main">
   <p:cSld>
     <p:spTree>
@@ -1259,45 +1422,13 @@
             </a:r>
             <a:r>
               <a:rPr lang="nl-BE" baseline="0" dirty="0" smtClean="0"/>
-              <a:t> sta hier niet als evangelist of prediker. Ik ga niet zeggen hoe </a:t>
-            </a:r>
+              <a:t> sta hier niet als evangelist of prediker. Ik ga niet zeggen hoe je MOET programmeren, enkel maar hoe het KAN. Het is aan ieder om voor zichzelf uit te maken wat hij ervan kan meenemen. Maar alle begin is moeilijk, en in ‘t begin kruipt daar wat meer tijd in. Maar op den duur wordt “proper” coderen een tweede natuur. </a:t>
+            </a:r>
+          </a:p>
+          <a:p>
             <a:r>
               <a:rPr lang="nl-BE" baseline="0" dirty="0" smtClean="0"/>
-              <a:t>je MOET </a:t>
-            </a:r>
-            <a:r>
-              <a:rPr lang="nl-BE" baseline="0" dirty="0" smtClean="0"/>
-              <a:t>programmeren, enkel maar hoe het KAN. Het is aan </a:t>
-            </a:r>
-            <a:r>
-              <a:rPr lang="nl-BE" baseline="0" dirty="0" smtClean="0"/>
-              <a:t>ieder om </a:t>
-            </a:r>
-            <a:r>
-              <a:rPr lang="nl-BE" baseline="0" dirty="0" smtClean="0"/>
-              <a:t>voor </a:t>
-            </a:r>
-            <a:r>
-              <a:rPr lang="nl-BE" baseline="0" dirty="0" smtClean="0"/>
-              <a:t>zichzelf uit te maken wat hij ervan kan meenemen. Maar alle begin is moeilijk, en in ‘t begin kruipt daar wat meer tijd in. Maar </a:t>
-            </a:r>
-            <a:r>
-              <a:rPr lang="nl-BE" baseline="0" dirty="0" smtClean="0"/>
-              <a:t>op den duur wordt “proper” coderen een tweede natuur. </a:t>
-            </a:r>
-          </a:p>
-          <a:p>
-            <a:r>
-              <a:rPr lang="nl-BE" baseline="0" dirty="0" smtClean="0"/>
-              <a:t>Het </a:t>
-            </a:r>
-            <a:r>
-              <a:rPr lang="nl-BE" baseline="0" dirty="0" smtClean="0"/>
-              <a:t>KAN </a:t>
-            </a:r>
-            <a:r>
-              <a:rPr lang="nl-BE" baseline="0" dirty="0" smtClean="0"/>
-              <a:t>dus wèl !</a:t>
+              <a:t>Het KAN dus wèl !</a:t>
             </a:r>
             <a:endParaRPr lang="nl-BE" dirty="0"/>
           </a:p>
@@ -1491,27 +1622,11 @@
           <a:p>
             <a:r>
               <a:rPr lang="nl-BE" dirty="0" smtClean="0"/>
-              <a:t>Wel als </a:t>
-            </a:r>
-            <a:r>
-              <a:rPr lang="nl-BE" dirty="0" smtClean="0"/>
-              <a:t>een “How To” tekst, of een handleiding. Dat wil zeggen dat er een soort inhoudstabel</a:t>
+              <a:t>Wel als een “How To” tekst, of een handleiding. Dat wil zeggen dat er een soort inhoudstabel</a:t>
             </a:r>
             <a:r>
               <a:rPr lang="nl-BE" baseline="0" dirty="0" smtClean="0"/>
-              <a:t> is, of een stappenplan, dat in grote lijnen zegt wat het ding doet. Daarna, als ik dat </a:t>
-            </a:r>
-            <a:r>
-              <a:rPr lang="nl-BE" baseline="0" dirty="0" smtClean="0"/>
-              <a:t>begrepen </a:t>
-            </a:r>
-            <a:r>
-              <a:rPr lang="nl-BE" baseline="0" dirty="0" smtClean="0"/>
-              <a:t>heb en nog steeds geïnteresseerd ben, ga ik naar de details kijken</a:t>
-            </a:r>
-            <a:r>
-              <a:rPr lang="nl-BE" baseline="0" dirty="0" smtClean="0"/>
-              <a:t>.</a:t>
+              <a:t> is, of een stappenplan, dat in grote lijnen zegt wat het ding doet. Daarna, als ik dat begrepen heb en nog steeds geïnteresseerd ben, ga ik naar de details kijken.</a:t>
             </a:r>
           </a:p>
           <a:p>
@@ -2099,6 +2214,96 @@
           <a:bodyPr/>
           <a:lstStyle/>
           <a:p>
+            <a:pPr marL="171450" indent="-171450">
+              <a:buFontTx/>
+              <a:buChar char="-"/>
+            </a:pPr>
+            <a:r>
+              <a:rPr lang="nl-BE" baseline="0" dirty="0" smtClean="0"/>
+              <a:t>Doet 1 ding (Single </a:t>
+            </a:r>
+            <a:r>
+              <a:rPr lang="nl-BE" baseline="0" dirty="0" err="1" smtClean="0"/>
+              <a:t>Responsibilty</a:t>
+            </a:r>
+            <a:r>
+              <a:rPr lang="nl-BE" baseline="0" dirty="0" smtClean="0"/>
+              <a:t> </a:t>
+            </a:r>
+            <a:r>
+              <a:rPr lang="nl-BE" baseline="0" dirty="0" err="1" smtClean="0"/>
+              <a:t>Principle</a:t>
+            </a:r>
+            <a:r>
+              <a:rPr lang="nl-BE" baseline="0" dirty="0" smtClean="0"/>
+              <a:t>)</a:t>
+            </a:r>
+          </a:p>
+          <a:p>
+            <a:pPr marL="171450" indent="-171450">
+              <a:buFontTx/>
+              <a:buChar char="-"/>
+            </a:pPr>
+            <a:r>
+              <a:rPr lang="nl-BE" dirty="0" smtClean="0"/>
+              <a:t>CQRS :</a:t>
+            </a:r>
+            <a:r>
+              <a:rPr lang="nl-BE" baseline="0" dirty="0" smtClean="0"/>
+              <a:t> </a:t>
+            </a:r>
+            <a:r>
+              <a:rPr lang="nl-BE" baseline="0" dirty="0" err="1" smtClean="0"/>
+              <a:t>Command</a:t>
+            </a:r>
+            <a:r>
+              <a:rPr lang="nl-BE" baseline="0" dirty="0" smtClean="0"/>
+              <a:t> Query </a:t>
+            </a:r>
+            <a:r>
+              <a:rPr lang="nl-BE" baseline="0" dirty="0" err="1" smtClean="0"/>
+              <a:t>Request</a:t>
+            </a:r>
+            <a:r>
+              <a:rPr lang="nl-BE" baseline="0" dirty="0" smtClean="0"/>
+              <a:t> </a:t>
+            </a:r>
+            <a:r>
+              <a:rPr lang="nl-BE" baseline="0" dirty="0" err="1" smtClean="0"/>
+              <a:t>Segregation</a:t>
+            </a:r>
+            <a:r>
+              <a:rPr lang="nl-BE" baseline="0" dirty="0" smtClean="0"/>
+              <a:t> :</a:t>
+            </a:r>
+          </a:p>
+          <a:p>
+            <a:pPr marL="628650" lvl="1" indent="-171450">
+              <a:buFontTx/>
+              <a:buChar char="-"/>
+            </a:pPr>
+            <a:r>
+              <a:rPr lang="nl-BE" baseline="0" dirty="0" smtClean="0"/>
+              <a:t>Ofwel haal je informatie op (Get…)</a:t>
+            </a:r>
+          </a:p>
+          <a:p>
+            <a:pPr marL="628650" lvl="1" indent="-171450">
+              <a:buFontTx/>
+              <a:buChar char="-"/>
+            </a:pPr>
+            <a:r>
+              <a:rPr lang="nl-BE" baseline="0" dirty="0" smtClean="0"/>
+              <a:t>Ofwel voer je een commando uit (Set…, </a:t>
+            </a:r>
+            <a:r>
+              <a:rPr lang="nl-BE" baseline="0" dirty="0" err="1" smtClean="0"/>
+              <a:t>Add</a:t>
+            </a:r>
+            <a:r>
+              <a:rPr lang="nl-BE" baseline="0" smtClean="0"/>
+              <a:t>…, Update…)</a:t>
+            </a:r>
             <a:endParaRPr lang="nl-BE" dirty="0"/>
           </a:p>
         </p:txBody>
@@ -2120,7 +2325,7 @@
           <a:p>
             <a:fld id="{4277DD58-0888-4DED-BA01-09D4D7FCF701}" type="slidenum">
               <a:rPr lang="nl-BE" smtClean="0"/>
-              <a:t>14</a:t>
+              <a:t>13</a:t>
             </a:fld>
             <a:endParaRPr lang="nl-BE"/>
           </a:p>
@@ -2129,7 +2334,7 @@
     </p:spTree>
     <p:extLst>
       <p:ext uri="{BB962C8B-B14F-4D97-AF65-F5344CB8AC3E}">
-        <p14:creationId xmlns:p14="http://schemas.microsoft.com/office/powerpoint/2010/main" val="3645434321"/>
+        <p14:creationId xmlns:p14="http://schemas.microsoft.com/office/powerpoint/2010/main" val="550645287"/>
       </p:ext>
     </p:extLst>
   </p:cSld>
@@ -2140,7 +2345,7 @@
 </file>
 
 <file path=ppt/slideLayouts/slideLayout1.xml><?xml version="1.0" encoding="utf-8"?>
-<p:sldLayout xmlns:a="http://schemas.openxmlformats.org/drawingml/2006/main" xmlns:r="http://schemas.openxmlformats.org/officeDocument/2006/relationships" xmlns:p="http://schemas.openxmlformats.org/presentationml/2006/main" type="title" preserve="1">
+<p:sldLayout xmlns:a="http://schemas.openxmlformats.org/drawingml/2006/main" xmlns:r="http://schemas.openxmlformats.org/officeDocument/2006/relationships" xmlns:p="http://schemas.openxmlformats.org/presentationml/2006/main" showMasterSp="0" type="title" preserve="1">
   <p:cSld name="Title Slide">
     <p:spTree>
       <p:nvGrpSpPr>
@@ -2168,19 +2373,25 @@
         </p:nvSpPr>
         <p:spPr>
           <a:xfrm>
-            <a:off x="685800" y="2130425"/>
-            <a:ext cx="7772400" cy="1470025"/>
+            <a:off x="4427152" y="836712"/>
+            <a:ext cx="4537336" cy="1440000"/>
           </a:xfrm>
         </p:spPr>
         <p:txBody>
-          <a:bodyPr/>
-          <a:lstStyle/>
+          <a:bodyPr>
+            <a:normAutofit/>
+          </a:bodyPr>
+          <a:lstStyle>
+            <a:lvl1pPr>
+              <a:defRPr sz="3200"/>
+            </a:lvl1pPr>
+          </a:lstStyle>
           <a:p>
             <a:r>
               <a:rPr lang="en-US" smtClean="0"/>
               <a:t>Click to edit Master title style</a:t>
             </a:r>
-            <a:endParaRPr lang="nl-BE"/>
+            <a:endParaRPr lang="en-US" dirty="0"/>
           </a:p>
         </p:txBody>
       </p:sp>
@@ -2196,20 +2407,20 @@
         </p:nvSpPr>
         <p:spPr>
           <a:xfrm>
-            <a:off x="1371600" y="3886200"/>
-            <a:ext cx="6400800" cy="1752600"/>
+            <a:off x="4404232" y="2420938"/>
+            <a:ext cx="4537336" cy="3420000"/>
           </a:xfrm>
         </p:spPr>
         <p:txBody>
-          <a:bodyPr/>
+          <a:bodyPr>
+            <a:normAutofit/>
+          </a:bodyPr>
           <a:lstStyle>
-            <a:lvl1pPr marL="0" indent="0" algn="ctr">
+            <a:lvl1pPr marL="0" indent="0" algn="l">
               <a:buNone/>
-              <a:defRPr>
+              <a:defRPr sz="2800">
                 <a:solidFill>
-                  <a:schemeClr val="tx1">
-                    <a:tint val="75000"/>
-                  </a:schemeClr>
+                  <a:schemeClr val="accent1"/>
                 </a:solidFill>
               </a:defRPr>
             </a:lvl1pPr>
@@ -2299,7 +2510,7 @@
               <a:rPr lang="en-US" smtClean="0"/>
               <a:t>Click to edit Master subtitle style</a:t>
             </a:r>
-            <a:endParaRPr lang="nl-BE"/>
+            <a:endParaRPr lang="en-US" dirty="0"/>
           </a:p>
         </p:txBody>
       </p:sp>
@@ -2313,14 +2524,19 @@
             <p:ph type="dt" sz="half" idx="10"/>
           </p:nvPr>
         </p:nvSpPr>
-        <p:spPr/>
+        <p:spPr>
+          <a:xfrm>
+            <a:off x="457200" y="6425629"/>
+            <a:ext cx="2133600" cy="360000"/>
+          </a:xfrm>
+        </p:spPr>
         <p:txBody>
           <a:bodyPr/>
           <a:lstStyle/>
           <a:p>
             <a:fld id="{E7EF4F3C-2DF5-4944-8DA1-53B88DB318C7}" type="datetimeFigureOut">
               <a:rPr lang="nl-BE" smtClean="0"/>
-              <a:t>16/08/2014</a:t>
+              <a:t>18/08/2014</a:t>
             </a:fld>
             <a:endParaRPr lang="nl-BE"/>
           </a:p>
@@ -2336,7 +2552,12 @@
             <p:ph type="ftr" sz="quarter" idx="11"/>
           </p:nvPr>
         </p:nvSpPr>
-        <p:spPr/>
+        <p:spPr>
+          <a:xfrm>
+            <a:off x="2699792" y="6425629"/>
+            <a:ext cx="2895600" cy="360000"/>
+          </a:xfrm>
+        </p:spPr>
         <p:txBody>
           <a:bodyPr/>
           <a:lstStyle/>
@@ -2355,7 +2576,12 @@
             <p:ph type="sldNum" sz="quarter" idx="12"/>
           </p:nvPr>
         </p:nvSpPr>
-        <p:spPr/>
+        <p:spPr>
+          <a:xfrm>
+            <a:off x="5768976" y="6425629"/>
+            <a:ext cx="603224" cy="360000"/>
+          </a:xfrm>
+        </p:spPr>
         <p:txBody>
           <a:bodyPr/>
           <a:lstStyle/>
@@ -2368,360 +2594,92 @@
           </a:p>
         </p:txBody>
       </p:sp>
+      <p:pic>
+        <p:nvPicPr>
+          <p:cNvPr id="7" name="Picture 4" descr="093542-ATTENTIA-BLOEM-ORANJE-left"/>
+          <p:cNvPicPr>
+            <a:picLocks noChangeAspect="1" noChangeArrowheads="1"/>
+          </p:cNvPicPr>
+          <p:nvPr/>
+        </p:nvPicPr>
+        <p:blipFill>
+          <a:blip r:embed="rId2">
+            <a:extLst>
+              <a:ext uri="{28A0092B-C50C-407E-A947-70E740481C1C}">
+                <a14:useLocalDpi xmlns:a14="http://schemas.microsoft.com/office/drawing/2010/main" val="0"/>
+              </a:ext>
+            </a:extLst>
+          </a:blip>
+          <a:srcRect/>
+          <a:stretch>
+            <a:fillRect/>
+          </a:stretch>
+        </p:blipFill>
+        <p:spPr bwMode="auto">
+          <a:xfrm>
+            <a:off x="0" y="0"/>
+            <a:ext cx="4591050" cy="4591050"/>
+          </a:xfrm>
+          <a:prstGeom prst="rect">
+            <a:avLst/>
+          </a:prstGeom>
+          <a:noFill/>
+          <a:extLst>
+            <a:ext uri="{909E8E84-426E-40DD-AFC4-6F175D3DCCD1}">
+              <a14:hiddenFill xmlns:a14="http://schemas.microsoft.com/office/drawing/2010/main">
+                <a:solidFill>
+                  <a:srgbClr val="FFFFFF"/>
+                </a:solidFill>
+              </a14:hiddenFill>
+            </a:ext>
+          </a:extLst>
+        </p:spPr>
+      </p:pic>
+      <p:pic>
+        <p:nvPicPr>
+          <p:cNvPr id="8" name="Picture 6" descr="ATTENTIA-LOGO-RGB"/>
+          <p:cNvPicPr>
+            <a:picLocks noChangeAspect="1" noChangeArrowheads="1"/>
+          </p:cNvPicPr>
+          <p:nvPr/>
+        </p:nvPicPr>
+        <p:blipFill>
+          <a:blip r:embed="rId3">
+            <a:extLst>
+              <a:ext uri="{28A0092B-C50C-407E-A947-70E740481C1C}">
+                <a14:useLocalDpi xmlns:a14="http://schemas.microsoft.com/office/drawing/2010/main" val="0"/>
+              </a:ext>
+            </a:extLst>
+          </a:blip>
+          <a:srcRect/>
+          <a:stretch>
+            <a:fillRect/>
+          </a:stretch>
+        </p:blipFill>
+        <p:spPr bwMode="auto">
+          <a:xfrm>
+            <a:off x="6494463" y="6065663"/>
+            <a:ext cx="2173287" cy="747713"/>
+          </a:xfrm>
+          <a:prstGeom prst="rect">
+            <a:avLst/>
+          </a:prstGeom>
+          <a:noFill/>
+          <a:extLst>
+            <a:ext uri="{909E8E84-426E-40DD-AFC4-6F175D3DCCD1}">
+              <a14:hiddenFill xmlns:a14="http://schemas.microsoft.com/office/drawing/2010/main">
+                <a:solidFill>
+                  <a:srgbClr val="FFFFFF"/>
+                </a:solidFill>
+              </a14:hiddenFill>
+            </a:ext>
+          </a:extLst>
+        </p:spPr>
+      </p:pic>
     </p:spTree>
     <p:extLst>
       <p:ext uri="{BB962C8B-B14F-4D97-AF65-F5344CB8AC3E}">
-        <p14:creationId xmlns:p14="http://schemas.microsoft.com/office/powerpoint/2010/main" val="557884493"/>
-      </p:ext>
-    </p:extLst>
-  </p:cSld>
-  <p:clrMapOvr>
-    <a:masterClrMapping/>
-  </p:clrMapOvr>
-</p:sldLayout>
-</file>
-
-<file path=ppt/slideLayouts/slideLayout10.xml><?xml version="1.0" encoding="utf-8"?>
-<p:sldLayout xmlns:a="http://schemas.openxmlformats.org/drawingml/2006/main" xmlns:r="http://schemas.openxmlformats.org/officeDocument/2006/relationships" xmlns:p="http://schemas.openxmlformats.org/presentationml/2006/main" type="vertTx" preserve="1">
-  <p:cSld name="Title and Vertical Text">
-    <p:spTree>
-      <p:nvGrpSpPr>
-        <p:cNvPr id="1" name=""/>
-        <p:cNvGrpSpPr/>
-        <p:nvPr/>
-      </p:nvGrpSpPr>
-      <p:grpSpPr>
-        <a:xfrm>
-          <a:off x="0" y="0"/>
-          <a:ext cx="0" cy="0"/>
-          <a:chOff x="0" y="0"/>
-          <a:chExt cx="0" cy="0"/>
-        </a:xfrm>
-      </p:grpSpPr>
-      <p:sp>
-        <p:nvSpPr>
-          <p:cNvPr id="2" name="Title 1"/>
-          <p:cNvSpPr>
-            <a:spLocks noGrp="1"/>
-          </p:cNvSpPr>
-          <p:nvPr>
-            <p:ph type="title"/>
-          </p:nvPr>
-        </p:nvSpPr>
-        <p:spPr/>
-        <p:txBody>
-          <a:bodyPr/>
-          <a:lstStyle/>
-          <a:p>
-            <a:r>
-              <a:rPr lang="en-US" smtClean="0"/>
-              <a:t>Click to edit Master title style</a:t>
-            </a:r>
-            <a:endParaRPr lang="nl-BE"/>
-          </a:p>
-        </p:txBody>
-      </p:sp>
-      <p:sp>
-        <p:nvSpPr>
-          <p:cNvPr id="3" name="Vertical Text Placeholder 2"/>
-          <p:cNvSpPr>
-            <a:spLocks noGrp="1"/>
-          </p:cNvSpPr>
-          <p:nvPr>
-            <p:ph type="body" orient="vert" idx="1"/>
-          </p:nvPr>
-        </p:nvSpPr>
-        <p:spPr/>
-        <p:txBody>
-          <a:bodyPr vert="eaVert"/>
-          <a:lstStyle/>
-          <a:p>
-            <a:pPr lvl="0"/>
-            <a:r>
-              <a:rPr lang="en-US" smtClean="0"/>
-              <a:t>Click to edit Master text styles</a:t>
-            </a:r>
-          </a:p>
-          <a:p>
-            <a:pPr lvl="1"/>
-            <a:r>
-              <a:rPr lang="en-US" smtClean="0"/>
-              <a:t>Second level</a:t>
-            </a:r>
-          </a:p>
-          <a:p>
-            <a:pPr lvl="2"/>
-            <a:r>
-              <a:rPr lang="en-US" smtClean="0"/>
-              <a:t>Third level</a:t>
-            </a:r>
-          </a:p>
-          <a:p>
-            <a:pPr lvl="3"/>
-            <a:r>
-              <a:rPr lang="en-US" smtClean="0"/>
-              <a:t>Fourth level</a:t>
-            </a:r>
-          </a:p>
-          <a:p>
-            <a:pPr lvl="4"/>
-            <a:r>
-              <a:rPr lang="en-US" smtClean="0"/>
-              <a:t>Fifth level</a:t>
-            </a:r>
-            <a:endParaRPr lang="nl-BE"/>
-          </a:p>
-        </p:txBody>
-      </p:sp>
-      <p:sp>
-        <p:nvSpPr>
-          <p:cNvPr id="4" name="Date Placeholder 3"/>
-          <p:cNvSpPr>
-            <a:spLocks noGrp="1"/>
-          </p:cNvSpPr>
-          <p:nvPr>
-            <p:ph type="dt" sz="half" idx="10"/>
-          </p:nvPr>
-        </p:nvSpPr>
-        <p:spPr/>
-        <p:txBody>
-          <a:bodyPr/>
-          <a:lstStyle/>
-          <a:p>
-            <a:fld id="{E7EF4F3C-2DF5-4944-8DA1-53B88DB318C7}" type="datetimeFigureOut">
-              <a:rPr lang="nl-BE" smtClean="0"/>
-              <a:t>16/08/2014</a:t>
-            </a:fld>
-            <a:endParaRPr lang="nl-BE"/>
-          </a:p>
-        </p:txBody>
-      </p:sp>
-      <p:sp>
-        <p:nvSpPr>
-          <p:cNvPr id="5" name="Footer Placeholder 4"/>
-          <p:cNvSpPr>
-            <a:spLocks noGrp="1"/>
-          </p:cNvSpPr>
-          <p:nvPr>
-            <p:ph type="ftr" sz="quarter" idx="11"/>
-          </p:nvPr>
-        </p:nvSpPr>
-        <p:spPr/>
-        <p:txBody>
-          <a:bodyPr/>
-          <a:lstStyle/>
-          <a:p>
-            <a:endParaRPr lang="nl-BE"/>
-          </a:p>
-        </p:txBody>
-      </p:sp>
-      <p:sp>
-        <p:nvSpPr>
-          <p:cNvPr id="6" name="Slide Number Placeholder 5"/>
-          <p:cNvSpPr>
-            <a:spLocks noGrp="1"/>
-          </p:cNvSpPr>
-          <p:nvPr>
-            <p:ph type="sldNum" sz="quarter" idx="12"/>
-          </p:nvPr>
-        </p:nvSpPr>
-        <p:spPr/>
-        <p:txBody>
-          <a:bodyPr/>
-          <a:lstStyle/>
-          <a:p>
-            <a:fld id="{5AB112F5-B3FD-4651-97F7-E37348451229}" type="slidenum">
-              <a:rPr lang="nl-BE" smtClean="0"/>
-              <a:t>‹#›</a:t>
-            </a:fld>
-            <a:endParaRPr lang="nl-BE"/>
-          </a:p>
-        </p:txBody>
-      </p:sp>
-    </p:spTree>
-    <p:extLst>
-      <p:ext uri="{BB962C8B-B14F-4D97-AF65-F5344CB8AC3E}">
-        <p14:creationId xmlns:p14="http://schemas.microsoft.com/office/powerpoint/2010/main" val="693332612"/>
-      </p:ext>
-    </p:extLst>
-  </p:cSld>
-  <p:clrMapOvr>
-    <a:masterClrMapping/>
-  </p:clrMapOvr>
-</p:sldLayout>
-</file>
-
-<file path=ppt/slideLayouts/slideLayout11.xml><?xml version="1.0" encoding="utf-8"?>
-<p:sldLayout xmlns:a="http://schemas.openxmlformats.org/drawingml/2006/main" xmlns:r="http://schemas.openxmlformats.org/officeDocument/2006/relationships" xmlns:p="http://schemas.openxmlformats.org/presentationml/2006/main" type="vertTitleAndTx" preserve="1">
-  <p:cSld name="Vertical Title and Text">
-    <p:spTree>
-      <p:nvGrpSpPr>
-        <p:cNvPr id="1" name=""/>
-        <p:cNvGrpSpPr/>
-        <p:nvPr/>
-      </p:nvGrpSpPr>
-      <p:grpSpPr>
-        <a:xfrm>
-          <a:off x="0" y="0"/>
-          <a:ext cx="0" cy="0"/>
-          <a:chOff x="0" y="0"/>
-          <a:chExt cx="0" cy="0"/>
-        </a:xfrm>
-      </p:grpSpPr>
-      <p:sp>
-        <p:nvSpPr>
-          <p:cNvPr id="2" name="Vertical Title 1"/>
-          <p:cNvSpPr>
-            <a:spLocks noGrp="1"/>
-          </p:cNvSpPr>
-          <p:nvPr>
-            <p:ph type="title" orient="vert"/>
-          </p:nvPr>
-        </p:nvSpPr>
-        <p:spPr>
-          <a:xfrm>
-            <a:off x="6629400" y="274638"/>
-            <a:ext cx="2057400" cy="5851525"/>
-          </a:xfrm>
-        </p:spPr>
-        <p:txBody>
-          <a:bodyPr vert="eaVert"/>
-          <a:lstStyle/>
-          <a:p>
-            <a:r>
-              <a:rPr lang="en-US" smtClean="0"/>
-              <a:t>Click to edit Master title style</a:t>
-            </a:r>
-            <a:endParaRPr lang="nl-BE"/>
-          </a:p>
-        </p:txBody>
-      </p:sp>
-      <p:sp>
-        <p:nvSpPr>
-          <p:cNvPr id="3" name="Vertical Text Placeholder 2"/>
-          <p:cNvSpPr>
-            <a:spLocks noGrp="1"/>
-          </p:cNvSpPr>
-          <p:nvPr>
-            <p:ph type="body" orient="vert" idx="1"/>
-          </p:nvPr>
-        </p:nvSpPr>
-        <p:spPr>
-          <a:xfrm>
-            <a:off x="457200" y="274638"/>
-            <a:ext cx="6019800" cy="5851525"/>
-          </a:xfrm>
-        </p:spPr>
-        <p:txBody>
-          <a:bodyPr vert="eaVert"/>
-          <a:lstStyle/>
-          <a:p>
-            <a:pPr lvl="0"/>
-            <a:r>
-              <a:rPr lang="en-US" smtClean="0"/>
-              <a:t>Click to edit Master text styles</a:t>
-            </a:r>
-          </a:p>
-          <a:p>
-            <a:pPr lvl="1"/>
-            <a:r>
-              <a:rPr lang="en-US" smtClean="0"/>
-              <a:t>Second level</a:t>
-            </a:r>
-          </a:p>
-          <a:p>
-            <a:pPr lvl="2"/>
-            <a:r>
-              <a:rPr lang="en-US" smtClean="0"/>
-              <a:t>Third level</a:t>
-            </a:r>
-          </a:p>
-          <a:p>
-            <a:pPr lvl="3"/>
-            <a:r>
-              <a:rPr lang="en-US" smtClean="0"/>
-              <a:t>Fourth level</a:t>
-            </a:r>
-          </a:p>
-          <a:p>
-            <a:pPr lvl="4"/>
-            <a:r>
-              <a:rPr lang="en-US" smtClean="0"/>
-              <a:t>Fifth level</a:t>
-            </a:r>
-            <a:endParaRPr lang="nl-BE"/>
-          </a:p>
-        </p:txBody>
-      </p:sp>
-      <p:sp>
-        <p:nvSpPr>
-          <p:cNvPr id="4" name="Date Placeholder 3"/>
-          <p:cNvSpPr>
-            <a:spLocks noGrp="1"/>
-          </p:cNvSpPr>
-          <p:nvPr>
-            <p:ph type="dt" sz="half" idx="10"/>
-          </p:nvPr>
-        </p:nvSpPr>
-        <p:spPr/>
-        <p:txBody>
-          <a:bodyPr/>
-          <a:lstStyle/>
-          <a:p>
-            <a:fld id="{E7EF4F3C-2DF5-4944-8DA1-53B88DB318C7}" type="datetimeFigureOut">
-              <a:rPr lang="nl-BE" smtClean="0"/>
-              <a:t>16/08/2014</a:t>
-            </a:fld>
-            <a:endParaRPr lang="nl-BE"/>
-          </a:p>
-        </p:txBody>
-      </p:sp>
-      <p:sp>
-        <p:nvSpPr>
-          <p:cNvPr id="5" name="Footer Placeholder 4"/>
-          <p:cNvSpPr>
-            <a:spLocks noGrp="1"/>
-          </p:cNvSpPr>
-          <p:nvPr>
-            <p:ph type="ftr" sz="quarter" idx="11"/>
-          </p:nvPr>
-        </p:nvSpPr>
-        <p:spPr/>
-        <p:txBody>
-          <a:bodyPr/>
-          <a:lstStyle/>
-          <a:p>
-            <a:endParaRPr lang="nl-BE"/>
-          </a:p>
-        </p:txBody>
-      </p:sp>
-      <p:sp>
-        <p:nvSpPr>
-          <p:cNvPr id="6" name="Slide Number Placeholder 5"/>
-          <p:cNvSpPr>
-            <a:spLocks noGrp="1"/>
-          </p:cNvSpPr>
-          <p:nvPr>
-            <p:ph type="sldNum" sz="quarter" idx="12"/>
-          </p:nvPr>
-        </p:nvSpPr>
-        <p:spPr/>
-        <p:txBody>
-          <a:bodyPr/>
-          <a:lstStyle/>
-          <a:p>
-            <a:fld id="{5AB112F5-B3FD-4651-97F7-E37348451229}" type="slidenum">
-              <a:rPr lang="nl-BE" smtClean="0"/>
-              <a:t>‹#›</a:t>
-            </a:fld>
-            <a:endParaRPr lang="nl-BE"/>
-          </a:p>
-        </p:txBody>
-      </p:sp>
-    </p:spTree>
-    <p:extLst>
-      <p:ext uri="{BB962C8B-B14F-4D97-AF65-F5344CB8AC3E}">
-        <p14:creationId xmlns:p14="http://schemas.microsoft.com/office/powerpoint/2010/main" val="3154670834"/>
+        <p14:creationId xmlns:p14="http://schemas.microsoft.com/office/powerpoint/2010/main" val="2085856472"/>
       </p:ext>
     </p:extLst>
   </p:cSld>
@@ -2767,7 +2725,7 @@
               <a:rPr lang="en-US" smtClean="0"/>
               <a:t>Click to edit Master title style</a:t>
             </a:r>
-            <a:endParaRPr lang="nl-BE"/>
+            <a:endParaRPr lang="en-US"/>
           </a:p>
         </p:txBody>
       </p:sp>
@@ -2819,7 +2777,7 @@
               <a:rPr lang="en-US" smtClean="0"/>
               <a:t>Fifth level</a:t>
             </a:r>
-            <a:endParaRPr lang="nl-BE"/>
+            <a:endParaRPr lang="en-US" dirty="0"/>
           </a:p>
         </p:txBody>
       </p:sp>
@@ -2840,7 +2798,7 @@
           <a:p>
             <a:fld id="{E7EF4F3C-2DF5-4944-8DA1-53B88DB318C7}" type="datetimeFigureOut">
               <a:rPr lang="nl-BE" smtClean="0"/>
-              <a:t>16/08/2014</a:t>
+              <a:t>18/08/2014</a:t>
             </a:fld>
             <a:endParaRPr lang="nl-BE"/>
           </a:p>
@@ -2891,7 +2849,7 @@
     </p:spTree>
     <p:extLst>
       <p:ext uri="{BB962C8B-B14F-4D97-AF65-F5344CB8AC3E}">
-        <p14:creationId xmlns:p14="http://schemas.microsoft.com/office/powerpoint/2010/main" val="3494634386"/>
+        <p14:creationId xmlns:p14="http://schemas.microsoft.com/office/powerpoint/2010/main" val="853113458"/>
       </p:ext>
     </p:extLst>
   </p:cSld>
@@ -2930,8 +2888,8 @@
         </p:nvSpPr>
         <p:spPr>
           <a:xfrm>
-            <a:off x="722313" y="4406900"/>
-            <a:ext cx="7772400" cy="1362075"/>
+            <a:off x="472008" y="4406900"/>
+            <a:ext cx="8348464" cy="1362075"/>
           </a:xfrm>
         </p:spPr>
         <p:txBody>
@@ -2946,7 +2904,7 @@
               <a:rPr lang="en-US" smtClean="0"/>
               <a:t>Click to edit Master title style</a:t>
             </a:r>
-            <a:endParaRPr lang="nl-BE"/>
+            <a:endParaRPr lang="en-US" dirty="0"/>
           </a:p>
         </p:txBody>
       </p:sp>
@@ -2962,20 +2920,20 @@
         </p:nvSpPr>
         <p:spPr>
           <a:xfrm>
-            <a:off x="722313" y="2906713"/>
-            <a:ext cx="7772400" cy="1500187"/>
+            <a:off x="472008" y="2906713"/>
+            <a:ext cx="8348464" cy="1500187"/>
           </a:xfrm>
         </p:spPr>
         <p:txBody>
-          <a:bodyPr anchor="b"/>
+          <a:bodyPr anchor="b">
+            <a:normAutofit/>
+          </a:bodyPr>
           <a:lstStyle>
             <a:lvl1pPr marL="0" indent="0">
               <a:buNone/>
-              <a:defRPr sz="2000">
+              <a:defRPr sz="2400">
                 <a:solidFill>
-                  <a:schemeClr val="tx1">
-                    <a:tint val="75000"/>
-                  </a:schemeClr>
+                  <a:schemeClr val="tx1"/>
                 </a:solidFill>
               </a:defRPr>
             </a:lvl1pPr>
@@ -3086,7 +3044,7 @@
           <a:p>
             <a:fld id="{E7EF4F3C-2DF5-4944-8DA1-53B88DB318C7}" type="datetimeFigureOut">
               <a:rPr lang="nl-BE" smtClean="0"/>
-              <a:t>16/08/2014</a:t>
+              <a:t>18/08/2014</a:t>
             </a:fld>
             <a:endParaRPr lang="nl-BE"/>
           </a:p>
@@ -3137,7 +3095,7 @@
     </p:spTree>
     <p:extLst>
       <p:ext uri="{BB962C8B-B14F-4D97-AF65-F5344CB8AC3E}">
-        <p14:creationId xmlns:p14="http://schemas.microsoft.com/office/powerpoint/2010/main" val="1679026099"/>
+        <p14:creationId xmlns:p14="http://schemas.microsoft.com/office/powerpoint/2010/main" val="3678023857"/>
       </p:ext>
     </p:extLst>
   </p:cSld>
@@ -3183,7 +3141,7 @@
               <a:rPr lang="en-US" smtClean="0"/>
               <a:t>Click to edit Master title style</a:t>
             </a:r>
-            <a:endParaRPr lang="nl-BE"/>
+            <a:endParaRPr lang="en-US" dirty="0"/>
           </a:p>
         </p:txBody>
       </p:sp>
@@ -3268,7 +3226,7 @@
               <a:rPr lang="en-US" smtClean="0"/>
               <a:t>Fifth level</a:t>
             </a:r>
-            <a:endParaRPr lang="nl-BE"/>
+            <a:endParaRPr lang="en-US" dirty="0"/>
           </a:p>
         </p:txBody>
       </p:sp>
@@ -3353,7 +3311,7 @@
               <a:rPr lang="en-US" smtClean="0"/>
               <a:t>Fifth level</a:t>
             </a:r>
-            <a:endParaRPr lang="nl-BE"/>
+            <a:endParaRPr lang="en-US" dirty="0"/>
           </a:p>
         </p:txBody>
       </p:sp>
@@ -3374,7 +3332,7 @@
           <a:p>
             <a:fld id="{E7EF4F3C-2DF5-4944-8DA1-53B88DB318C7}" type="datetimeFigureOut">
               <a:rPr lang="nl-BE" smtClean="0"/>
-              <a:t>16/08/2014</a:t>
+              <a:t>18/08/2014</a:t>
             </a:fld>
             <a:endParaRPr lang="nl-BE"/>
           </a:p>
@@ -3425,7 +3383,7 @@
     </p:spTree>
     <p:extLst>
       <p:ext uri="{BB962C8B-B14F-4D97-AF65-F5344CB8AC3E}">
-        <p14:creationId xmlns:p14="http://schemas.microsoft.com/office/powerpoint/2010/main" val="3424516613"/>
+        <p14:creationId xmlns:p14="http://schemas.microsoft.com/office/powerpoint/2010/main" val="3450705259"/>
       </p:ext>
     </p:extLst>
   </p:cSld>
@@ -3464,7 +3422,9 @@
         </p:nvSpPr>
         <p:spPr/>
         <p:txBody>
-          <a:bodyPr/>
+          <a:bodyPr>
+            <a:normAutofit/>
+          </a:bodyPr>
           <a:lstStyle>
             <a:lvl1pPr>
               <a:defRPr/>
@@ -3475,7 +3435,7 @@
               <a:rPr lang="en-US" smtClean="0"/>
               <a:t>Click to edit Master title style</a:t>
             </a:r>
-            <a:endParaRPr lang="nl-BE"/>
+            <a:endParaRPr lang="en-US" dirty="0"/>
           </a:p>
         </p:txBody>
       </p:sp>
@@ -3496,7 +3456,9 @@
           </a:xfrm>
         </p:spPr>
         <p:txBody>
-          <a:bodyPr anchor="b"/>
+          <a:bodyPr anchor="b">
+            <a:normAutofit/>
+          </a:bodyPr>
           <a:lstStyle>
             <a:lvl1pPr marL="0" indent="0">
               <a:buNone/>
@@ -3561,7 +3523,9 @@
           </a:xfrm>
         </p:spPr>
         <p:txBody>
-          <a:bodyPr/>
+          <a:bodyPr>
+            <a:normAutofit/>
+          </a:bodyPr>
           <a:lstStyle>
             <a:lvl1pPr>
               <a:defRPr sz="2400"/>
@@ -3625,7 +3589,7 @@
               <a:rPr lang="en-US" smtClean="0"/>
               <a:t>Fifth level</a:t>
             </a:r>
-            <a:endParaRPr lang="nl-BE"/>
+            <a:endParaRPr lang="en-US" dirty="0"/>
           </a:p>
         </p:txBody>
       </p:sp>
@@ -3646,7 +3610,9 @@
           </a:xfrm>
         </p:spPr>
         <p:txBody>
-          <a:bodyPr anchor="b"/>
+          <a:bodyPr anchor="b">
+            <a:normAutofit/>
+          </a:bodyPr>
           <a:lstStyle>
             <a:lvl1pPr marL="0" indent="0">
               <a:buNone/>
@@ -3711,7 +3677,9 @@
           </a:xfrm>
         </p:spPr>
         <p:txBody>
-          <a:bodyPr/>
+          <a:bodyPr>
+            <a:normAutofit/>
+          </a:bodyPr>
           <a:lstStyle>
             <a:lvl1pPr>
               <a:defRPr sz="2400"/>
@@ -3775,7 +3743,7 @@
               <a:rPr lang="en-US" smtClean="0"/>
               <a:t>Fifth level</a:t>
             </a:r>
-            <a:endParaRPr lang="nl-BE"/>
+            <a:endParaRPr lang="en-US" dirty="0"/>
           </a:p>
         </p:txBody>
       </p:sp>
@@ -3796,7 +3764,7 @@
           <a:p>
             <a:fld id="{E7EF4F3C-2DF5-4944-8DA1-53B88DB318C7}" type="datetimeFigureOut">
               <a:rPr lang="nl-BE" smtClean="0"/>
-              <a:t>16/08/2014</a:t>
+              <a:t>18/08/2014</a:t>
             </a:fld>
             <a:endParaRPr lang="nl-BE"/>
           </a:p>
@@ -3847,7 +3815,7 @@
     </p:spTree>
     <p:extLst>
       <p:ext uri="{BB962C8B-B14F-4D97-AF65-F5344CB8AC3E}">
-        <p14:creationId xmlns:p14="http://schemas.microsoft.com/office/powerpoint/2010/main" val="3444380753"/>
+        <p14:creationId xmlns:p14="http://schemas.microsoft.com/office/powerpoint/2010/main" val="3590159020"/>
       </p:ext>
     </p:extLst>
   </p:cSld>
@@ -3893,7 +3861,7 @@
               <a:rPr lang="en-US" smtClean="0"/>
               <a:t>Click to edit Master title style</a:t>
             </a:r>
-            <a:endParaRPr lang="nl-BE"/>
+            <a:endParaRPr lang="en-US" dirty="0"/>
           </a:p>
         </p:txBody>
       </p:sp>
@@ -3914,7 +3882,7 @@
           <a:p>
             <a:fld id="{E7EF4F3C-2DF5-4944-8DA1-53B88DB318C7}" type="datetimeFigureOut">
               <a:rPr lang="nl-BE" smtClean="0"/>
-              <a:t>16/08/2014</a:t>
+              <a:t>18/08/2014</a:t>
             </a:fld>
             <a:endParaRPr lang="nl-BE"/>
           </a:p>
@@ -3965,7 +3933,7 @@
     </p:spTree>
     <p:extLst>
       <p:ext uri="{BB962C8B-B14F-4D97-AF65-F5344CB8AC3E}">
-        <p14:creationId xmlns:p14="http://schemas.microsoft.com/office/powerpoint/2010/main" val="447688805"/>
+        <p14:creationId xmlns:p14="http://schemas.microsoft.com/office/powerpoint/2010/main" val="330864040"/>
       </p:ext>
     </p:extLst>
   </p:cSld>
@@ -4009,7 +3977,7 @@
           <a:p>
             <a:fld id="{E7EF4F3C-2DF5-4944-8DA1-53B88DB318C7}" type="datetimeFigureOut">
               <a:rPr lang="nl-BE" smtClean="0"/>
-              <a:t>16/08/2014</a:t>
+              <a:t>18/08/2014</a:t>
             </a:fld>
             <a:endParaRPr lang="nl-BE"/>
           </a:p>
@@ -4060,7 +4028,7 @@
     </p:spTree>
     <p:extLst>
       <p:ext uri="{BB962C8B-B14F-4D97-AF65-F5344CB8AC3E}">
-        <p14:creationId xmlns:p14="http://schemas.microsoft.com/office/powerpoint/2010/main" val="2024482648"/>
+        <p14:creationId xmlns:p14="http://schemas.microsoft.com/office/powerpoint/2010/main" val="2167261030"/>
       </p:ext>
     </p:extLst>
   </p:cSld>
@@ -4071,8 +4039,8 @@
 </file>
 
 <file path=ppt/slideLayouts/slideLayout8.xml><?xml version="1.0" encoding="utf-8"?>
-<p:sldLayout xmlns:a="http://schemas.openxmlformats.org/drawingml/2006/main" xmlns:r="http://schemas.openxmlformats.org/officeDocument/2006/relationships" xmlns:p="http://schemas.openxmlformats.org/presentationml/2006/main" type="objTx" preserve="1">
-  <p:cSld name="Content with Caption">
+<p:sldLayout xmlns:a="http://schemas.openxmlformats.org/drawingml/2006/main" xmlns:r="http://schemas.openxmlformats.org/officeDocument/2006/relationships" xmlns:p="http://schemas.openxmlformats.org/presentationml/2006/main" preserve="1">
+  <p:cSld name="Picture with Caption">
     <p:spTree>
       <p:nvGrpSpPr>
         <p:cNvPr id="1" name=""/>
@@ -4099,15 +4067,17 @@
         </p:nvSpPr>
         <p:spPr>
           <a:xfrm>
-            <a:off x="457200" y="273050"/>
-            <a:ext cx="3008313" cy="1162050"/>
+            <a:off x="1792288" y="4800600"/>
+            <a:ext cx="5486400" cy="566738"/>
           </a:xfrm>
         </p:spPr>
         <p:txBody>
-          <a:bodyPr anchor="b"/>
+          <a:bodyPr anchor="b">
+            <a:normAutofit/>
+          </a:bodyPr>
           <a:lstStyle>
             <a:lvl1pPr algn="l">
-              <a:defRPr sz="2000" b="1"/>
+              <a:defRPr sz="2800" b="1"/>
             </a:lvl1pPr>
           </a:lstStyle>
           <a:p>
@@ -4115,117 +4085,34 @@
               <a:rPr lang="en-US" smtClean="0"/>
               <a:t>Click to edit Master title style</a:t>
             </a:r>
-            <a:endParaRPr lang="nl-BE"/>
-          </a:p>
-        </p:txBody>
-      </p:sp>
-      <p:sp>
-        <p:nvSpPr>
-          <p:cNvPr id="3" name="Content Placeholder 2"/>
-          <p:cNvSpPr>
-            <a:spLocks noGrp="1"/>
-          </p:cNvSpPr>
-          <p:nvPr>
-            <p:ph idx="1"/>
+            <a:endParaRPr lang="en-US" dirty="0"/>
+          </a:p>
+        </p:txBody>
+      </p:sp>
+      <p:sp>
+        <p:nvSpPr>
+          <p:cNvPr id="4" name="Text Placeholder 3"/>
+          <p:cNvSpPr>
+            <a:spLocks noGrp="1"/>
+          </p:cNvSpPr>
+          <p:nvPr>
+            <p:ph type="body" sz="half" idx="2"/>
           </p:nvPr>
         </p:nvSpPr>
         <p:spPr>
           <a:xfrm>
-            <a:off x="3575050" y="273050"/>
-            <a:ext cx="5111750" cy="5853113"/>
+            <a:off x="1792288" y="5367338"/>
+            <a:ext cx="5486400" cy="804862"/>
           </a:xfrm>
         </p:spPr>
         <p:txBody>
-          <a:bodyPr/>
-          <a:lstStyle>
-            <a:lvl1pPr>
-              <a:defRPr sz="3200"/>
-            </a:lvl1pPr>
-            <a:lvl2pPr>
-              <a:defRPr sz="2800"/>
-            </a:lvl2pPr>
-            <a:lvl3pPr>
-              <a:defRPr sz="2400"/>
-            </a:lvl3pPr>
-            <a:lvl4pPr>
-              <a:defRPr sz="2000"/>
-            </a:lvl4pPr>
-            <a:lvl5pPr>
-              <a:defRPr sz="2000"/>
-            </a:lvl5pPr>
-            <a:lvl6pPr>
-              <a:defRPr sz="2000"/>
-            </a:lvl6pPr>
-            <a:lvl7pPr>
-              <a:defRPr sz="2000"/>
-            </a:lvl7pPr>
-            <a:lvl8pPr>
-              <a:defRPr sz="2000"/>
-            </a:lvl8pPr>
-            <a:lvl9pPr>
-              <a:defRPr sz="2000"/>
-            </a:lvl9pPr>
-          </a:lstStyle>
-          <a:p>
-            <a:pPr lvl="0"/>
-            <a:r>
-              <a:rPr lang="en-US" smtClean="0"/>
-              <a:t>Click to edit Master text styles</a:t>
-            </a:r>
-          </a:p>
-          <a:p>
-            <a:pPr lvl="1"/>
-            <a:r>
-              <a:rPr lang="en-US" smtClean="0"/>
-              <a:t>Second level</a:t>
-            </a:r>
-          </a:p>
-          <a:p>
-            <a:pPr lvl="2"/>
-            <a:r>
-              <a:rPr lang="en-US" smtClean="0"/>
-              <a:t>Third level</a:t>
-            </a:r>
-          </a:p>
-          <a:p>
-            <a:pPr lvl="3"/>
-            <a:r>
-              <a:rPr lang="en-US" smtClean="0"/>
-              <a:t>Fourth level</a:t>
-            </a:r>
-          </a:p>
-          <a:p>
-            <a:pPr lvl="4"/>
-            <a:r>
-              <a:rPr lang="en-US" smtClean="0"/>
-              <a:t>Fifth level</a:t>
-            </a:r>
-            <a:endParaRPr lang="nl-BE"/>
-          </a:p>
-        </p:txBody>
-      </p:sp>
-      <p:sp>
-        <p:nvSpPr>
-          <p:cNvPr id="4" name="Text Placeholder 3"/>
-          <p:cNvSpPr>
-            <a:spLocks noGrp="1"/>
-          </p:cNvSpPr>
-          <p:nvPr>
-            <p:ph type="body" sz="half" idx="2"/>
-          </p:nvPr>
-        </p:nvSpPr>
-        <p:spPr>
-          <a:xfrm>
-            <a:off x="457200" y="1435100"/>
-            <a:ext cx="3008313" cy="4691063"/>
-          </a:xfrm>
-        </p:spPr>
-        <p:txBody>
-          <a:bodyPr/>
+          <a:bodyPr>
+            <a:normAutofit/>
+          </a:bodyPr>
           <a:lstStyle>
             <a:lvl1pPr marL="0" indent="0">
               <a:buNone/>
-              <a:defRPr sz="1400"/>
+              <a:defRPr sz="1800"/>
             </a:lvl1pPr>
             <a:lvl2pPr marL="457200" indent="0">
               <a:buNone/>
@@ -4286,7 +4173,7 @@
           <a:p>
             <a:fld id="{E7EF4F3C-2DF5-4944-8DA1-53B88DB318C7}" type="datetimeFigureOut">
               <a:rPr lang="nl-BE" smtClean="0"/>
-              <a:t>16/08/2014</a:t>
+              <a:t>18/08/2014</a:t>
             </a:fld>
             <a:endParaRPr lang="nl-BE"/>
           </a:p>
@@ -4334,263 +4221,67 @@
           </a:p>
         </p:txBody>
       </p:sp>
+      <p:sp>
+        <p:nvSpPr>
+          <p:cNvPr id="9" name="Content Placeholder 8"/>
+          <p:cNvSpPr>
+            <a:spLocks noGrp="1"/>
+          </p:cNvSpPr>
+          <p:nvPr>
+            <p:ph sz="quarter" idx="13"/>
+          </p:nvPr>
+        </p:nvSpPr>
+        <p:spPr>
+          <a:xfrm>
+            <a:off x="1763713" y="620713"/>
+            <a:ext cx="5545137" cy="4103687"/>
+          </a:xfrm>
+        </p:spPr>
+        <p:txBody>
+          <a:bodyPr/>
+          <a:lstStyle/>
+          <a:p>
+            <a:pPr lvl="0"/>
+            <a:r>
+              <a:rPr lang="en-US" smtClean="0"/>
+              <a:t>Click to edit Master text styles</a:t>
+            </a:r>
+          </a:p>
+          <a:p>
+            <a:pPr lvl="1"/>
+            <a:r>
+              <a:rPr lang="en-US" smtClean="0"/>
+              <a:t>Second level</a:t>
+            </a:r>
+          </a:p>
+          <a:p>
+            <a:pPr lvl="2"/>
+            <a:r>
+              <a:rPr lang="en-US" smtClean="0"/>
+              <a:t>Third level</a:t>
+            </a:r>
+          </a:p>
+          <a:p>
+            <a:pPr lvl="3"/>
+            <a:r>
+              <a:rPr lang="en-US" smtClean="0"/>
+              <a:t>Fourth level</a:t>
+            </a:r>
+          </a:p>
+          <a:p>
+            <a:pPr lvl="4"/>
+            <a:r>
+              <a:rPr lang="en-US" smtClean="0"/>
+              <a:t>Fifth level</a:t>
+            </a:r>
+            <a:endParaRPr lang="en-US"/>
+          </a:p>
+        </p:txBody>
+      </p:sp>
     </p:spTree>
     <p:extLst>
       <p:ext uri="{BB962C8B-B14F-4D97-AF65-F5344CB8AC3E}">
-        <p14:creationId xmlns:p14="http://schemas.microsoft.com/office/powerpoint/2010/main" val="804169766"/>
-      </p:ext>
-    </p:extLst>
-  </p:cSld>
-  <p:clrMapOvr>
-    <a:masterClrMapping/>
-  </p:clrMapOvr>
-</p:sldLayout>
-</file>
-
-<file path=ppt/slideLayouts/slideLayout9.xml><?xml version="1.0" encoding="utf-8"?>
-<p:sldLayout xmlns:a="http://schemas.openxmlformats.org/drawingml/2006/main" xmlns:r="http://schemas.openxmlformats.org/officeDocument/2006/relationships" xmlns:p="http://schemas.openxmlformats.org/presentationml/2006/main" type="picTx" preserve="1">
-  <p:cSld name="Picture with Caption">
-    <p:spTree>
-      <p:nvGrpSpPr>
-        <p:cNvPr id="1" name=""/>
-        <p:cNvGrpSpPr/>
-        <p:nvPr/>
-      </p:nvGrpSpPr>
-      <p:grpSpPr>
-        <a:xfrm>
-          <a:off x="0" y="0"/>
-          <a:ext cx="0" cy="0"/>
-          <a:chOff x="0" y="0"/>
-          <a:chExt cx="0" cy="0"/>
-        </a:xfrm>
-      </p:grpSpPr>
-      <p:sp>
-        <p:nvSpPr>
-          <p:cNvPr id="2" name="Title 1"/>
-          <p:cNvSpPr>
-            <a:spLocks noGrp="1"/>
-          </p:cNvSpPr>
-          <p:nvPr>
-            <p:ph type="title"/>
-          </p:nvPr>
-        </p:nvSpPr>
-        <p:spPr>
-          <a:xfrm>
-            <a:off x="1792288" y="4800600"/>
-            <a:ext cx="5486400" cy="566738"/>
-          </a:xfrm>
-        </p:spPr>
-        <p:txBody>
-          <a:bodyPr anchor="b"/>
-          <a:lstStyle>
-            <a:lvl1pPr algn="l">
-              <a:defRPr sz="2000" b="1"/>
-            </a:lvl1pPr>
-          </a:lstStyle>
-          <a:p>
-            <a:r>
-              <a:rPr lang="en-US" smtClean="0"/>
-              <a:t>Click to edit Master title style</a:t>
-            </a:r>
-            <a:endParaRPr lang="nl-BE"/>
-          </a:p>
-        </p:txBody>
-      </p:sp>
-      <p:sp>
-        <p:nvSpPr>
-          <p:cNvPr id="3" name="Picture Placeholder 2"/>
-          <p:cNvSpPr>
-            <a:spLocks noGrp="1"/>
-          </p:cNvSpPr>
-          <p:nvPr>
-            <p:ph type="pic" idx="1"/>
-          </p:nvPr>
-        </p:nvSpPr>
-        <p:spPr>
-          <a:xfrm>
-            <a:off x="1792288" y="612775"/>
-            <a:ext cx="5486400" cy="4114800"/>
-          </a:xfrm>
-        </p:spPr>
-        <p:txBody>
-          <a:bodyPr/>
-          <a:lstStyle>
-            <a:lvl1pPr marL="0" indent="0">
-              <a:buNone/>
-              <a:defRPr sz="3200"/>
-            </a:lvl1pPr>
-            <a:lvl2pPr marL="457200" indent="0">
-              <a:buNone/>
-              <a:defRPr sz="2800"/>
-            </a:lvl2pPr>
-            <a:lvl3pPr marL="914400" indent="0">
-              <a:buNone/>
-              <a:defRPr sz="2400"/>
-            </a:lvl3pPr>
-            <a:lvl4pPr marL="1371600" indent="0">
-              <a:buNone/>
-              <a:defRPr sz="2000"/>
-            </a:lvl4pPr>
-            <a:lvl5pPr marL="1828800" indent="0">
-              <a:buNone/>
-              <a:defRPr sz="2000"/>
-            </a:lvl5pPr>
-            <a:lvl6pPr marL="2286000" indent="0">
-              <a:buNone/>
-              <a:defRPr sz="2000"/>
-            </a:lvl6pPr>
-            <a:lvl7pPr marL="2743200" indent="0">
-              <a:buNone/>
-              <a:defRPr sz="2000"/>
-            </a:lvl7pPr>
-            <a:lvl8pPr marL="3200400" indent="0">
-              <a:buNone/>
-              <a:defRPr sz="2000"/>
-            </a:lvl8pPr>
-            <a:lvl9pPr marL="3657600" indent="0">
-              <a:buNone/>
-              <a:defRPr sz="2000"/>
-            </a:lvl9pPr>
-          </a:lstStyle>
-          <a:p>
-            <a:endParaRPr lang="nl-BE"/>
-          </a:p>
-        </p:txBody>
-      </p:sp>
-      <p:sp>
-        <p:nvSpPr>
-          <p:cNvPr id="4" name="Text Placeholder 3"/>
-          <p:cNvSpPr>
-            <a:spLocks noGrp="1"/>
-          </p:cNvSpPr>
-          <p:nvPr>
-            <p:ph type="body" sz="half" idx="2"/>
-          </p:nvPr>
-        </p:nvSpPr>
-        <p:spPr>
-          <a:xfrm>
-            <a:off x="1792288" y="5367338"/>
-            <a:ext cx="5486400" cy="804862"/>
-          </a:xfrm>
-        </p:spPr>
-        <p:txBody>
-          <a:bodyPr/>
-          <a:lstStyle>
-            <a:lvl1pPr marL="0" indent="0">
-              <a:buNone/>
-              <a:defRPr sz="1400"/>
-            </a:lvl1pPr>
-            <a:lvl2pPr marL="457200" indent="0">
-              <a:buNone/>
-              <a:defRPr sz="1200"/>
-            </a:lvl2pPr>
-            <a:lvl3pPr marL="914400" indent="0">
-              <a:buNone/>
-              <a:defRPr sz="1000"/>
-            </a:lvl3pPr>
-            <a:lvl4pPr marL="1371600" indent="0">
-              <a:buNone/>
-              <a:defRPr sz="900"/>
-            </a:lvl4pPr>
-            <a:lvl5pPr marL="1828800" indent="0">
-              <a:buNone/>
-              <a:defRPr sz="900"/>
-            </a:lvl5pPr>
-            <a:lvl6pPr marL="2286000" indent="0">
-              <a:buNone/>
-              <a:defRPr sz="900"/>
-            </a:lvl6pPr>
-            <a:lvl7pPr marL="2743200" indent="0">
-              <a:buNone/>
-              <a:defRPr sz="900"/>
-            </a:lvl7pPr>
-            <a:lvl8pPr marL="3200400" indent="0">
-              <a:buNone/>
-              <a:defRPr sz="900"/>
-            </a:lvl8pPr>
-            <a:lvl9pPr marL="3657600" indent="0">
-              <a:buNone/>
-              <a:defRPr sz="900"/>
-            </a:lvl9pPr>
-          </a:lstStyle>
-          <a:p>
-            <a:pPr lvl="0"/>
-            <a:r>
-              <a:rPr lang="en-US" smtClean="0"/>
-              <a:t>Click to edit Master text styles</a:t>
-            </a:r>
-          </a:p>
-        </p:txBody>
-      </p:sp>
-      <p:sp>
-        <p:nvSpPr>
-          <p:cNvPr id="5" name="Date Placeholder 4"/>
-          <p:cNvSpPr>
-            <a:spLocks noGrp="1"/>
-          </p:cNvSpPr>
-          <p:nvPr>
-            <p:ph type="dt" sz="half" idx="10"/>
-          </p:nvPr>
-        </p:nvSpPr>
-        <p:spPr/>
-        <p:txBody>
-          <a:bodyPr/>
-          <a:lstStyle/>
-          <a:p>
-            <a:fld id="{E7EF4F3C-2DF5-4944-8DA1-53B88DB318C7}" type="datetimeFigureOut">
-              <a:rPr lang="nl-BE" smtClean="0"/>
-              <a:t>16/08/2014</a:t>
-            </a:fld>
-            <a:endParaRPr lang="nl-BE"/>
-          </a:p>
-        </p:txBody>
-      </p:sp>
-      <p:sp>
-        <p:nvSpPr>
-          <p:cNvPr id="6" name="Footer Placeholder 5"/>
-          <p:cNvSpPr>
-            <a:spLocks noGrp="1"/>
-          </p:cNvSpPr>
-          <p:nvPr>
-            <p:ph type="ftr" sz="quarter" idx="11"/>
-          </p:nvPr>
-        </p:nvSpPr>
-        <p:spPr/>
-        <p:txBody>
-          <a:bodyPr/>
-          <a:lstStyle/>
-          <a:p>
-            <a:endParaRPr lang="nl-BE"/>
-          </a:p>
-        </p:txBody>
-      </p:sp>
-      <p:sp>
-        <p:nvSpPr>
-          <p:cNvPr id="7" name="Slide Number Placeholder 6"/>
-          <p:cNvSpPr>
-            <a:spLocks noGrp="1"/>
-          </p:cNvSpPr>
-          <p:nvPr>
-            <p:ph type="sldNum" sz="quarter" idx="12"/>
-          </p:nvPr>
-        </p:nvSpPr>
-        <p:spPr/>
-        <p:txBody>
-          <a:bodyPr/>
-          <a:lstStyle/>
-          <a:p>
-            <a:fld id="{5AB112F5-B3FD-4651-97F7-E37348451229}" type="slidenum">
-              <a:rPr lang="nl-BE" smtClean="0"/>
-              <a:t>‹#›</a:t>
-            </a:fld>
-            <a:endParaRPr lang="nl-BE"/>
-          </a:p>
-        </p:txBody>
-      </p:sp>
-    </p:spTree>
-    <p:extLst>
-      <p:ext uri="{BB962C8B-B14F-4D97-AF65-F5344CB8AC3E}">
-        <p14:creationId xmlns:p14="http://schemas.microsoft.com/office/powerpoint/2010/main" val="202173212"/>
+        <p14:creationId xmlns:p14="http://schemas.microsoft.com/office/powerpoint/2010/main" val="3405490472"/>
       </p:ext>
     </p:extLst>
   </p:cSld>
@@ -4634,15 +4325,15 @@
         </p:nvSpPr>
         <p:spPr>
           <a:xfrm>
-            <a:off x="457200" y="274638"/>
-            <a:ext cx="8229600" cy="1143000"/>
+            <a:off x="457199" y="274638"/>
+            <a:ext cx="7445375" cy="1143000"/>
           </a:xfrm>
           <a:prstGeom prst="rect">
             <a:avLst/>
           </a:prstGeom>
         </p:spPr>
         <p:txBody>
-          <a:bodyPr vert="horz" lIns="91440" tIns="45720" rIns="91440" bIns="45720" rtlCol="0" anchor="ctr">
+          <a:bodyPr vert="horz" lIns="91440" tIns="45720" rIns="91440" bIns="45720" rtlCol="0" anchor="t">
             <a:normAutofit/>
           </a:bodyPr>
           <a:lstStyle/>
@@ -4651,7 +4342,7 @@
               <a:rPr lang="en-US" smtClean="0"/>
               <a:t>Click to edit Master title style</a:t>
             </a:r>
-            <a:endParaRPr lang="nl-BE"/>
+            <a:endParaRPr lang="en-US" dirty="0"/>
           </a:p>
         </p:txBody>
       </p:sp>
@@ -4713,7 +4404,7 @@
               <a:rPr lang="en-US" smtClean="0"/>
               <a:t>Fifth level</a:t>
             </a:r>
-            <a:endParaRPr lang="nl-BE"/>
+            <a:endParaRPr lang="en-US" dirty="0"/>
           </a:p>
         </p:txBody>
       </p:sp>
@@ -4729,8 +4420,8 @@
         </p:nvSpPr>
         <p:spPr>
           <a:xfrm>
-            <a:off x="457200" y="6356350"/>
-            <a:ext cx="2133600" cy="365125"/>
+            <a:off x="457200" y="6372622"/>
+            <a:ext cx="2133600" cy="360000"/>
           </a:xfrm>
           <a:prstGeom prst="rect">
             <a:avLst/>
@@ -4740,11 +4431,9 @@
           <a:bodyPr vert="horz" lIns="91440" tIns="45720" rIns="91440" bIns="45720" rtlCol="0" anchor="ctr"/>
           <a:lstStyle>
             <a:lvl1pPr algn="l">
-              <a:defRPr sz="1200">
+              <a:defRPr sz="1400" b="0">
                 <a:solidFill>
-                  <a:schemeClr val="tx1">
-                    <a:tint val="75000"/>
-                  </a:schemeClr>
+                  <a:schemeClr val="tx1"/>
                 </a:solidFill>
               </a:defRPr>
             </a:lvl1pPr>
@@ -4752,7 +4441,7 @@
           <a:p>
             <a:fld id="{E7EF4F3C-2DF5-4944-8DA1-53B88DB318C7}" type="datetimeFigureOut">
               <a:rPr lang="nl-BE" smtClean="0"/>
-              <a:t>16/08/2014</a:t>
+              <a:t>18/08/2014</a:t>
             </a:fld>
             <a:endParaRPr lang="nl-BE"/>
           </a:p>
@@ -4770,8 +4459,8 @@
         </p:nvSpPr>
         <p:spPr>
           <a:xfrm>
-            <a:off x="3124200" y="6356350"/>
-            <a:ext cx="2895600" cy="365125"/>
+            <a:off x="2699792" y="6372622"/>
+            <a:ext cx="2895600" cy="360000"/>
           </a:xfrm>
           <a:prstGeom prst="rect">
             <a:avLst/>
@@ -4781,11 +4470,9 @@
           <a:bodyPr vert="horz" lIns="91440" tIns="45720" rIns="91440" bIns="45720" rtlCol="0" anchor="ctr"/>
           <a:lstStyle>
             <a:lvl1pPr algn="ctr">
-              <a:defRPr sz="1200">
+              <a:defRPr sz="1400" b="0">
                 <a:solidFill>
-                  <a:schemeClr val="tx1">
-                    <a:tint val="75000"/>
-                  </a:schemeClr>
+                  <a:schemeClr val="tx1"/>
                 </a:solidFill>
               </a:defRPr>
             </a:lvl1pPr>
@@ -4807,8 +4494,8 @@
         </p:nvSpPr>
         <p:spPr>
           <a:xfrm>
-            <a:off x="6553200" y="6356350"/>
-            <a:ext cx="2133600" cy="365125"/>
+            <a:off x="5768975" y="6372622"/>
+            <a:ext cx="1899369" cy="360000"/>
           </a:xfrm>
           <a:prstGeom prst="rect">
             <a:avLst/>
@@ -4818,11 +4505,9 @@
           <a:bodyPr vert="horz" lIns="91440" tIns="45720" rIns="91440" bIns="45720" rtlCol="0" anchor="ctr"/>
           <a:lstStyle>
             <a:lvl1pPr algn="r">
-              <a:defRPr sz="1200">
+              <a:defRPr sz="1400" b="0">
                 <a:solidFill>
-                  <a:schemeClr val="tx1">
-                    <a:tint val="75000"/>
-                  </a:schemeClr>
+                  <a:schemeClr val="tx1"/>
                 </a:solidFill>
               </a:defRPr>
             </a:lvl1pPr>
@@ -4836,35 +4521,114 @@
           </a:p>
         </p:txBody>
       </p:sp>
+      <p:pic>
+        <p:nvPicPr>
+          <p:cNvPr id="7" name="Picture 6" descr="093542-ATTENTIA-BLOEM-ORANJE-stukje-right"/>
+          <p:cNvPicPr>
+            <a:picLocks noChangeAspect="1" noChangeArrowheads="1"/>
+          </p:cNvPicPr>
+          <p:nvPr/>
+        </p:nvPicPr>
+        <p:blipFill>
+          <a:blip r:embed="rId10">
+            <a:extLst>
+              <a:ext uri="{28A0092B-C50C-407E-A947-70E740481C1C}">
+                <a14:useLocalDpi xmlns:a14="http://schemas.microsoft.com/office/drawing/2010/main" val="0"/>
+              </a:ext>
+            </a:extLst>
+          </a:blip>
+          <a:srcRect/>
+          <a:stretch>
+            <a:fillRect/>
+          </a:stretch>
+        </p:blipFill>
+        <p:spPr bwMode="auto">
+          <a:xfrm>
+            <a:off x="7902575" y="0"/>
+            <a:ext cx="1241425" cy="1241425"/>
+          </a:xfrm>
+          <a:prstGeom prst="rect">
+            <a:avLst/>
+          </a:prstGeom>
+          <a:noFill/>
+          <a:extLst>
+            <a:ext uri="{909E8E84-426E-40DD-AFC4-6F175D3DCCD1}">
+              <a14:hiddenFill xmlns:a14="http://schemas.microsoft.com/office/drawing/2010/main">
+                <a:solidFill>
+                  <a:srgbClr val="FFFFFF"/>
+                </a:solidFill>
+              </a14:hiddenFill>
+            </a:ext>
+          </a:extLst>
+        </p:spPr>
+      </p:pic>
+      <p:pic>
+        <p:nvPicPr>
+          <p:cNvPr id="8" name="Picture 10" descr="ATTENTIA-LOGO-RGB-200px"/>
+          <p:cNvPicPr>
+            <a:picLocks noChangeAspect="1" noChangeArrowheads="1"/>
+          </p:cNvPicPr>
+          <p:nvPr/>
+        </p:nvPicPr>
+        <p:blipFill>
+          <a:blip r:embed="rId11">
+            <a:extLst>
+              <a:ext uri="{28A0092B-C50C-407E-A947-70E740481C1C}">
+                <a14:useLocalDpi xmlns:a14="http://schemas.microsoft.com/office/drawing/2010/main" val="0"/>
+              </a:ext>
+            </a:extLst>
+          </a:blip>
+          <a:srcRect/>
+          <a:stretch>
+            <a:fillRect/>
+          </a:stretch>
+        </p:blipFill>
+        <p:spPr bwMode="auto">
+          <a:xfrm>
+            <a:off x="7923213" y="6343650"/>
+            <a:ext cx="1133475" cy="425450"/>
+          </a:xfrm>
+          <a:prstGeom prst="rect">
+            <a:avLst/>
+          </a:prstGeom>
+          <a:noFill/>
+          <a:extLst>
+            <a:ext uri="{909E8E84-426E-40DD-AFC4-6F175D3DCCD1}">
+              <a14:hiddenFill xmlns:a14="http://schemas.microsoft.com/office/drawing/2010/main">
+                <a:solidFill>
+                  <a:srgbClr val="FFFFFF"/>
+                </a:solidFill>
+              </a14:hiddenFill>
+            </a:ext>
+          </a:extLst>
+        </p:spPr>
+      </p:pic>
     </p:spTree>
     <p:extLst>
       <p:ext uri="{BB962C8B-B14F-4D97-AF65-F5344CB8AC3E}">
-        <p14:creationId xmlns:p14="http://schemas.microsoft.com/office/powerpoint/2010/main" val="1523701418"/>
+        <p14:creationId xmlns:p14="http://schemas.microsoft.com/office/powerpoint/2010/main" val="2184765042"/>
       </p:ext>
     </p:extLst>
   </p:cSld>
   <p:clrMap bg1="lt1" tx1="dk1" bg2="lt2" tx2="dk2" accent1="accent1" accent2="accent2" accent3="accent3" accent4="accent4" accent5="accent5" accent6="accent6" hlink="hlink" folHlink="folHlink"/>
   <p:sldLayoutIdLst>
-    <p:sldLayoutId id="2147483649" r:id="rId1"/>
-    <p:sldLayoutId id="2147483650" r:id="rId2"/>
-    <p:sldLayoutId id="2147483651" r:id="rId3"/>
-    <p:sldLayoutId id="2147483652" r:id="rId4"/>
-    <p:sldLayoutId id="2147483653" r:id="rId5"/>
-    <p:sldLayoutId id="2147483654" r:id="rId6"/>
-    <p:sldLayoutId id="2147483655" r:id="rId7"/>
-    <p:sldLayoutId id="2147483656" r:id="rId8"/>
-    <p:sldLayoutId id="2147483657" r:id="rId9"/>
-    <p:sldLayoutId id="2147483658" r:id="rId10"/>
-    <p:sldLayoutId id="2147483659" r:id="rId11"/>
+    <p:sldLayoutId id="2147483661" r:id="rId1"/>
+    <p:sldLayoutId id="2147483662" r:id="rId2"/>
+    <p:sldLayoutId id="2147483663" r:id="rId3"/>
+    <p:sldLayoutId id="2147483664" r:id="rId4"/>
+    <p:sldLayoutId id="2147483665" r:id="rId5"/>
+    <p:sldLayoutId id="2147483666" r:id="rId6"/>
+    <p:sldLayoutId id="2147483667" r:id="rId7"/>
+    <p:sldLayoutId id="2147483668" r:id="rId8"/>
   </p:sldLayoutIdLst>
   <p:txStyles>
     <p:titleStyle>
-      <a:lvl1pPr algn="ctr" defTabSz="914400" rtl="0" eaLnBrk="1" latinLnBrk="0" hangingPunct="1">
+      <a:lvl1pPr algn="l" defTabSz="914400" rtl="0" eaLnBrk="1" latinLnBrk="0" hangingPunct="1">
         <a:spcBef>
           <a:spcPct val="0"/>
         </a:spcBef>
         <a:buNone/>
-        <a:defRPr sz="4400" kern="1200">
+        <a:defRPr sz="4000" b="1" kern="1200">
           <a:solidFill>
             <a:schemeClr val="tx1"/>
           </a:solidFill>
@@ -4879,8 +4643,8 @@
         <a:spcBef>
           <a:spcPct val="20000"/>
         </a:spcBef>
-        <a:buFont typeface="Arial" panose="020B0604020202020204" pitchFamily="34" charset="0"/>
-        <a:buChar char="•"/>
+        <a:buFont typeface="Courier New" pitchFamily="49" charset="0"/>
+        <a:buChar char="o"/>
         <a:defRPr sz="3200" kern="1200">
           <a:solidFill>
             <a:schemeClr val="tx1"/>
@@ -4894,11 +4658,11 @@
         <a:spcBef>
           <a:spcPct val="20000"/>
         </a:spcBef>
-        <a:buFont typeface="Arial" panose="020B0604020202020204" pitchFamily="34" charset="0"/>
-        <a:buChar char="–"/>
+        <a:buFont typeface="Courier New" pitchFamily="49" charset="0"/>
+        <a:buChar char="o"/>
         <a:defRPr sz="2800" kern="1200">
           <a:solidFill>
-            <a:schemeClr val="tx1"/>
+            <a:schemeClr val="accent1"/>
           </a:solidFill>
           <a:latin typeface="+mn-lt"/>
           <a:ea typeface="+mn-ea"/>
@@ -4909,11 +4673,11 @@
         <a:spcBef>
           <a:spcPct val="20000"/>
         </a:spcBef>
-        <a:buFont typeface="Arial" panose="020B0604020202020204" pitchFamily="34" charset="0"/>
-        <a:buChar char="•"/>
+        <a:buFont typeface="Courier New" pitchFamily="49" charset="0"/>
+        <a:buChar char="o"/>
         <a:defRPr sz="2400" kern="1200">
           <a:solidFill>
-            <a:schemeClr val="tx1"/>
+            <a:schemeClr val="accent2"/>
           </a:solidFill>
           <a:latin typeface="+mn-lt"/>
           <a:ea typeface="+mn-ea"/>
@@ -4924,11 +4688,12 @@
         <a:spcBef>
           <a:spcPct val="20000"/>
         </a:spcBef>
-        <a:buFont typeface="Arial" panose="020B0604020202020204" pitchFamily="34" charset="0"/>
-        <a:buChar char="–"/>
+        <a:buSzPct val="120000"/>
+        <a:buFont typeface="Arial" pitchFamily="34" charset="0"/>
+        <a:buChar char="•"/>
         <a:defRPr sz="2000" kern="1200">
           <a:solidFill>
-            <a:schemeClr val="tx1"/>
+            <a:schemeClr val="accent1"/>
           </a:solidFill>
           <a:latin typeface="+mn-lt"/>
           <a:ea typeface="+mn-ea"/>
@@ -4939,11 +4704,12 @@
         <a:spcBef>
           <a:spcPct val="20000"/>
         </a:spcBef>
-        <a:buFont typeface="Arial" panose="020B0604020202020204" pitchFamily="34" charset="0"/>
-        <a:buChar char="»"/>
+        <a:buSzPct val="120000"/>
+        <a:buFont typeface="Arial" pitchFamily="34" charset="0"/>
+        <a:buChar char="•"/>
         <a:defRPr sz="2000" kern="1200">
           <a:solidFill>
-            <a:schemeClr val="tx1"/>
+            <a:schemeClr val="accent2"/>
           </a:solidFill>
           <a:latin typeface="+mn-lt"/>
           <a:ea typeface="+mn-ea"/>
@@ -4954,7 +4720,7 @@
         <a:spcBef>
           <a:spcPct val="20000"/>
         </a:spcBef>
-        <a:buFont typeface="Arial" panose="020B0604020202020204" pitchFamily="34" charset="0"/>
+        <a:buFont typeface="Arial" pitchFamily="34" charset="0"/>
         <a:buChar char="•"/>
         <a:defRPr sz="2000" kern="1200">
           <a:solidFill>
@@ -4969,7 +4735,7 @@
         <a:spcBef>
           <a:spcPct val="20000"/>
         </a:spcBef>
-        <a:buFont typeface="Arial" panose="020B0604020202020204" pitchFamily="34" charset="0"/>
+        <a:buFont typeface="Arial" pitchFamily="34" charset="0"/>
         <a:buChar char="•"/>
         <a:defRPr sz="2000" kern="1200">
           <a:solidFill>
@@ -4984,7 +4750,7 @@
         <a:spcBef>
           <a:spcPct val="20000"/>
         </a:spcBef>
-        <a:buFont typeface="Arial" panose="020B0604020202020204" pitchFamily="34" charset="0"/>
+        <a:buFont typeface="Arial" pitchFamily="34" charset="0"/>
         <a:buChar char="•"/>
         <a:defRPr sz="2000" kern="1200">
           <a:solidFill>
@@ -4999,7 +4765,7 @@
         <a:spcBef>
           <a:spcPct val="20000"/>
         </a:spcBef>
-        <a:buFont typeface="Arial" panose="020B0604020202020204" pitchFamily="34" charset="0"/>
+        <a:buFont typeface="Arial" pitchFamily="34" charset="0"/>
         <a:buChar char="•"/>
         <a:defRPr sz="2000" kern="1200">
           <a:solidFill>
@@ -5013,7 +4779,7 @@
     </p:bodyStyle>
     <p:otherStyle>
       <a:defPPr>
-        <a:defRPr lang="nl-BE"/>
+        <a:defRPr lang="en-US"/>
       </a:defPPr>
       <a:lvl1pPr marL="0" algn="l" defTabSz="914400" rtl="0" eaLnBrk="1" latinLnBrk="0" hangingPunct="1">
         <a:defRPr sz="1800" kern="1200">
@@ -5175,11 +4941,7 @@
             </a:r>
             <a:r>
               <a:rPr lang="nl-BE" baseline="0" dirty="0" smtClean="0"/>
-              <a:t> </a:t>
-            </a:r>
-            <a:r>
-              <a:rPr lang="nl-BE" baseline="0" dirty="0" smtClean="0"/>
-              <a:t>principes</a:t>
+              <a:t> principes</a:t>
             </a:r>
           </a:p>
         </p:txBody>
@@ -7314,13 +7076,13 @@
   <p:clrMapOvr>
     <a:masterClrMapping/>
   </p:clrMapOvr>
-  <mc:AlternateContent xmlns:mc="http://schemas.openxmlformats.org/markup-compatibility/2006">
-    <mc:Choice xmlns:p14="http://schemas.microsoft.com/office/powerpoint/2010/main" Requires="p14">
+  <mc:AlternateContent xmlns:mc="http://schemas.openxmlformats.org/markup-compatibility/2006" xmlns:p14="http://schemas.microsoft.com/office/powerpoint/2010/main">
+    <mc:Choice Requires="p14">
       <p:transition spd="med" p14:dur="700">
         <p:fade/>
       </p:transition>
     </mc:Choice>
-    <mc:Fallback>
+    <mc:Fallback xmlns="">
       <p:transition spd="med">
         <p:fade/>
       </p:transition>
@@ -7792,11 +7554,7 @@
             </a:pPr>
             <a:r>
               <a:rPr lang="nl-BE" baseline="0" dirty="0" smtClean="0"/>
-              <a:t> of C++, of COBOL, of JavaScript, of</a:t>
-            </a:r>
-            <a:r>
-              <a:rPr lang="nl-BE" baseline="0" dirty="0" smtClean="0"/>
-              <a:t>...</a:t>
+              <a:t> of C++, of COBOL, of JavaScript, of...</a:t>
             </a:r>
           </a:p>
           <a:p>
@@ -8836,11 +8594,6 @@
               </a:rPr>
               <a:t>Hoe toepassen ?</a:t>
             </a:r>
-            <a:endParaRPr lang="nl-BE" dirty="0">
-              <a:solidFill>
-                <a:schemeClr val="bg2"/>
-              </a:solidFill>
-            </a:endParaRPr>
           </a:p>
         </p:txBody>
       </p:sp>
@@ -8865,44 +8618,44 @@
 </file>
 
 <file path=ppt/theme/theme1.xml><?xml version="1.0" encoding="utf-8"?>
-<a:theme xmlns:a="http://schemas.openxmlformats.org/drawingml/2006/main" name="Office Theme">
+<a:theme xmlns:a="http://schemas.openxmlformats.org/drawingml/2006/main" name="ATTENTIA Powerpoint template">
   <a:themeElements>
-    <a:clrScheme name="Office">
+    <a:clrScheme name="Attentia V6">
       <a:dk1>
-        <a:sysClr val="windowText" lastClr="000000"/>
+        <a:srgbClr val="BF311A"/>
       </a:dk1>
       <a:lt1>
         <a:sysClr val="window" lastClr="FFFFFF"/>
       </a:lt1>
       <a:dk2>
-        <a:srgbClr val="1F497D"/>
+        <a:srgbClr val="000000"/>
       </a:dk2>
       <a:lt2>
-        <a:srgbClr val="EEECE1"/>
+        <a:srgbClr val="FFFFFF"/>
       </a:lt2>
       <a:accent1>
-        <a:srgbClr val="4F81BD"/>
+        <a:srgbClr val="F8981D"/>
       </a:accent1>
       <a:accent2>
-        <a:srgbClr val="C0504D"/>
+        <a:srgbClr val="555555"/>
       </a:accent2>
       <a:accent3>
-        <a:srgbClr val="9BBB59"/>
+        <a:srgbClr val="5F180C"/>
       </a:accent3>
       <a:accent4>
-        <a:srgbClr val="8064A2"/>
+        <a:srgbClr val="C97306"/>
       </a:accent4>
       <a:accent5>
-        <a:srgbClr val="4BACC6"/>
+        <a:srgbClr val="3F3F3F"/>
       </a:accent5>
       <a:accent6>
-        <a:srgbClr val="F79646"/>
+        <a:srgbClr val="BBBBBB"/>
       </a:accent6>
       <a:hlink>
-        <a:srgbClr val="0000FF"/>
+        <a:srgbClr val="BF311A"/>
       </a:hlink>
       <a:folHlink>
-        <a:srgbClr val="800080"/>
+        <a:srgbClr val="F8981D"/>
       </a:folHlink>
     </a:clrScheme>
     <a:fontScheme name="Office">

--- a/Clean Code.pptx
+++ b/Clean Code.pptx
@@ -633,6 +633,38 @@
           <a:bodyPr/>
           <a:lstStyle/>
           <a:p>
+            <a:r>
+              <a:rPr lang="nl-BE" dirty="0" err="1" smtClean="0"/>
+              <a:t>Law</a:t>
+            </a:r>
+            <a:r>
+              <a:rPr lang="nl-BE" dirty="0" smtClean="0"/>
+              <a:t> of Demeter != </a:t>
+            </a:r>
+            <a:r>
+              <a:rPr lang="nl-BE" dirty="0" err="1" smtClean="0"/>
+              <a:t>chaining</a:t>
+            </a:r>
+            <a:r>
+              <a:rPr lang="nl-BE" baseline="0" dirty="0" smtClean="0"/>
+              <a:t> of </a:t>
+            </a:r>
+            <a:r>
+              <a:rPr lang="nl-BE" baseline="0" dirty="0" err="1" smtClean="0"/>
+              <a:t>methods</a:t>
+            </a:r>
+            <a:r>
+              <a:rPr lang="nl-BE" baseline="0" dirty="0" smtClean="0"/>
+              <a:t> ! (bv. </a:t>
+            </a:r>
+            <a:r>
+              <a:rPr lang="nl-BE" baseline="0" dirty="0" err="1" smtClean="0"/>
+              <a:t>Moq</a:t>
+            </a:r>
+            <a:r>
+              <a:rPr lang="nl-BE" baseline="0" dirty="0" smtClean="0"/>
+              <a:t>). Het gaat hier immers om hetzelfde object !</a:t>
+            </a:r>
             <a:endParaRPr lang="nl-BE" dirty="0"/>
           </a:p>
         </p:txBody>
@@ -737,12 +769,18 @@
             </a:pPr>
             <a:r>
               <a:rPr lang="nl-BE" dirty="0" smtClean="0"/>
-              <a:t>Hoofdreden</a:t>
+              <a:t>Hoofdredenen</a:t>
             </a:r>
             <a:r>
               <a:rPr lang="nl-BE" baseline="0" dirty="0" smtClean="0"/>
               <a:t> : </a:t>
             </a:r>
+          </a:p>
+          <a:p>
+            <a:pPr marL="1085850" lvl="2" indent="-171450">
+              <a:buFontTx/>
+              <a:buChar char="-"/>
+            </a:pPr>
             <a:r>
               <a:rPr lang="nl-BE" dirty="0" smtClean="0"/>
               <a:t>Veiligheidsnet</a:t>
@@ -758,6 +796,24 @@
             <a:r>
               <a:rPr lang="nl-BE" baseline="0" dirty="0" smtClean="0"/>
               <a:t> client)</a:t>
+            </a:r>
+          </a:p>
+          <a:p>
+            <a:pPr marL="1085850" lvl="2" indent="-171450">
+              <a:buFontTx/>
+              <a:buChar char="-"/>
+            </a:pPr>
+            <a:r>
+              <a:rPr lang="nl-BE" baseline="0" dirty="0" smtClean="0"/>
+              <a:t>Efficiëntie (</a:t>
+            </a:r>
+            <a:r>
+              <a:rPr lang="nl-BE" baseline="0" dirty="0" err="1" smtClean="0"/>
+              <a:t>bvb</a:t>
+            </a:r>
+            <a:r>
+              <a:rPr lang="nl-BE" baseline="0" dirty="0" smtClean="0"/>
+              <a:t>. tijdwinst) opsporen bugs (zie demo)</a:t>
             </a:r>
           </a:p>
           <a:p>
@@ -802,11 +858,7 @@
             </a:r>
             <a:r>
               <a:rPr lang="nl-BE" baseline="0" dirty="0" smtClean="0"/>
-              <a:t> </a:t>
-            </a:r>
-            <a:r>
-              <a:rPr lang="nl-BE" baseline="0" dirty="0" smtClean="0"/>
-              <a:t>mogelijk door :</a:t>
+              <a:t> mogelijk door :</a:t>
             </a:r>
           </a:p>
           <a:p>
@@ -956,7 +1008,24 @@
           <a:p>
             <a:r>
               <a:rPr lang="nl-BE" baseline="0" dirty="0" smtClean="0"/>
-              <a:t>Dan moet je de vraag stellen : vergroot dit de leesbaarheid, of verkleint die daardoor ? Als de begrijpbaarheid verkleint, moet je NIET op de suggestie van ReSharper ingaan !</a:t>
+              <a:t>Dan moet je de vraag stellen : vergroot dit de leesbaarheid, of verkleint die daardoor ? Als de begrijpbaarheid verkleint, moet je NIET op de suggestie van ReSharper ingaan </a:t>
+            </a:r>
+            <a:r>
+              <a:rPr lang="nl-BE" baseline="0" dirty="0" smtClean="0"/>
+              <a:t>!</a:t>
+            </a:r>
+          </a:p>
+          <a:p>
+            <a:endParaRPr lang="nl-BE" baseline="0" dirty="0" smtClean="0"/>
+          </a:p>
+          <a:p>
+            <a:r>
+              <a:rPr lang="nl-BE" baseline="0" smtClean="0"/>
+              <a:t>(demo</a:t>
+            </a:r>
+            <a:r>
+              <a:rPr lang="nl-BE" baseline="0" dirty="0" smtClean="0"/>
+              <a:t>)</a:t>
             </a:r>
             <a:endParaRPr lang="nl-BE" dirty="0"/>
           </a:p>
@@ -7259,6 +7328,54 @@
           </a:p>
         </p:txBody>
       </p:sp>
+      <p:pic>
+        <p:nvPicPr>
+          <p:cNvPr id="1026" name="Picture 2" descr="http://transmissionsmedia.com/wp-content/uploads/2013/01/206868-binary-code-hacking.jpg"/>
+          <p:cNvPicPr>
+            <a:picLocks noChangeAspect="1" noChangeArrowheads="1"/>
+          </p:cNvPicPr>
+          <p:nvPr/>
+        </p:nvPicPr>
+        <p:blipFill>
+          <a:blip r:embed="rId3">
+            <a:extLst>
+              <a:ext uri="{28A0092B-C50C-407E-A947-70E740481C1C}">
+                <a14:useLocalDpi xmlns:a14="http://schemas.microsoft.com/office/drawing/2010/main" val="0"/>
+              </a:ext>
+            </a:extLst>
+          </a:blip>
+          <a:srcRect/>
+          <a:stretch>
+            <a:fillRect/>
+          </a:stretch>
+        </p:blipFill>
+        <p:spPr bwMode="auto">
+          <a:xfrm>
+            <a:off x="2123728" y="3573016"/>
+            <a:ext cx="4680520" cy="2635494"/>
+          </a:xfrm>
+          <a:prstGeom prst="rect">
+            <a:avLst/>
+          </a:prstGeom>
+          <a:noFill/>
+          <a:effectLst>
+            <a:outerShdw blurRad="50800" dist="254000" dir="2700000" algn="tl" rotWithShape="0">
+              <a:prstClr val="black">
+                <a:alpha val="40000"/>
+              </a:prstClr>
+            </a:outerShdw>
+          </a:effectLst>
+          <a:extLst>
+            <a:ext uri="{909E8E84-426E-40DD-AFC4-6F175D3DCCD1}">
+              <a14:hiddenFill xmlns:a14="http://schemas.microsoft.com/office/drawing/2010/main">
+                <a:solidFill>
+                  <a:srgbClr val="FFFFFF"/>
+                </a:solidFill>
+              </a14:hiddenFill>
+            </a:ext>
+          </a:extLst>
+        </p:spPr>
+      </p:pic>
     </p:spTree>
     <p:extLst>
       <p:ext uri="{BB962C8B-B14F-4D97-AF65-F5344CB8AC3E}">
@@ -7448,6 +7565,41 @@
                                               <p:pRg st="2" end="2"/>
                                             </p:txEl>
                                           </p:spTgt>
+                                        </p:tgtEl>
+                                      </p:cBhvr>
+                                    </p:animEffect>
+                                  </p:childTnLst>
+                                </p:cTn>
+                              </p:par>
+                              <p:par>
+                                <p:cTn id="18" presetID="10" presetClass="entr" presetSubtype="0" fill="hold" nodeType="withEffect">
+                                  <p:stCondLst>
+                                    <p:cond delay="0"/>
+                                  </p:stCondLst>
+                                  <p:childTnLst>
+                                    <p:set>
+                                      <p:cBhvr>
+                                        <p:cTn id="19" dur="1" fill="hold">
+                                          <p:stCondLst>
+                                            <p:cond delay="0"/>
+                                          </p:stCondLst>
+                                        </p:cTn>
+                                        <p:tgtEl>
+                                          <p:spTgt spid="1026"/>
+                                        </p:tgtEl>
+                                        <p:attrNameLst>
+                                          <p:attrName>style.visibility</p:attrName>
+                                        </p:attrNameLst>
+                                      </p:cBhvr>
+                                      <p:to>
+                                        <p:strVal val="visible"/>
+                                      </p:to>
+                                    </p:set>
+                                    <p:animEffect transition="in" filter="fade">
+                                      <p:cBhvr>
+                                        <p:cTn id="20" dur="500"/>
+                                        <p:tgtEl>
+                                          <p:spTgt spid="1026"/>
                                         </p:tgtEl>
                                       </p:cBhvr>
                                     </p:animEffect>

--- a/Clean Code.pptx
+++ b/Clean Code.pptx
@@ -211,7 +211,7 @@
           <a:p>
             <a:fld id="{D1AF23AB-C847-4667-90C1-8E7B707AE4C0}" type="datetimeFigureOut">
               <a:rPr lang="nl-BE" smtClean="0"/>
-              <a:t>18/08/2014</a:t>
+              <a:t>19/08/2014</a:t>
             </a:fld>
             <a:endParaRPr lang="nl-BE"/>
           </a:p>
@@ -1008,11 +1008,7 @@
           <a:p>
             <a:r>
               <a:rPr lang="nl-BE" baseline="0" dirty="0" smtClean="0"/>
-              <a:t>Dan moet je de vraag stellen : vergroot dit de leesbaarheid, of verkleint die daardoor ? Als de begrijpbaarheid verkleint, moet je NIET op de suggestie van ReSharper ingaan </a:t>
-            </a:r>
-            <a:r>
-              <a:rPr lang="nl-BE" baseline="0" dirty="0" smtClean="0"/>
-              <a:t>!</a:t>
+              <a:t>Dan moet je de vraag stellen : vergroot dit de leesbaarheid, of verkleint die daardoor ? Als de begrijpbaarheid verkleint, moet je NIET op de suggestie van ReSharper ingaan !</a:t>
             </a:r>
           </a:p>
           <a:p>
@@ -2370,8 +2366,30 @@
               <a:t>Add</a:t>
             </a:r>
             <a:r>
+              <a:rPr lang="nl-BE" baseline="0" dirty="0" smtClean="0"/>
+              <a:t>…, Update</a:t>
+            </a:r>
+            <a:r>
+              <a:rPr lang="nl-BE" baseline="0" dirty="0" smtClean="0"/>
+              <a:t>…)</a:t>
+            </a:r>
+          </a:p>
+          <a:p>
+            <a:pPr marL="171450" lvl="0" indent="-171450">
+              <a:buFontTx/>
+              <a:buChar char="-"/>
+            </a:pPr>
+            <a:r>
+              <a:rPr lang="nl-BE" baseline="0" dirty="0" smtClean="0"/>
+              <a:t>In een functie : homogeen “level of </a:t>
+            </a:r>
+            <a:r>
+              <a:rPr lang="nl-BE" baseline="0" dirty="0" err="1" smtClean="0"/>
+              <a:t>abstraction</a:t>
+            </a:r>
+            <a:r>
               <a:rPr lang="nl-BE" baseline="0" smtClean="0"/>
-              <a:t>…, Update…)</a:t>
+              <a:t>”</a:t>
             </a:r>
             <a:endParaRPr lang="nl-BE" dirty="0"/>
           </a:p>
@@ -2605,7 +2623,7 @@
           <a:p>
             <a:fld id="{E7EF4F3C-2DF5-4944-8DA1-53B88DB318C7}" type="datetimeFigureOut">
               <a:rPr lang="nl-BE" smtClean="0"/>
-              <a:t>18/08/2014</a:t>
+              <a:t>19/08/2014</a:t>
             </a:fld>
             <a:endParaRPr lang="nl-BE"/>
           </a:p>
@@ -2867,7 +2885,7 @@
           <a:p>
             <a:fld id="{E7EF4F3C-2DF5-4944-8DA1-53B88DB318C7}" type="datetimeFigureOut">
               <a:rPr lang="nl-BE" smtClean="0"/>
-              <a:t>18/08/2014</a:t>
+              <a:t>19/08/2014</a:t>
             </a:fld>
             <a:endParaRPr lang="nl-BE"/>
           </a:p>
@@ -3113,7 +3131,7 @@
           <a:p>
             <a:fld id="{E7EF4F3C-2DF5-4944-8DA1-53B88DB318C7}" type="datetimeFigureOut">
               <a:rPr lang="nl-BE" smtClean="0"/>
-              <a:t>18/08/2014</a:t>
+              <a:t>19/08/2014</a:t>
             </a:fld>
             <a:endParaRPr lang="nl-BE"/>
           </a:p>
@@ -3401,7 +3419,7 @@
           <a:p>
             <a:fld id="{E7EF4F3C-2DF5-4944-8DA1-53B88DB318C7}" type="datetimeFigureOut">
               <a:rPr lang="nl-BE" smtClean="0"/>
-              <a:t>18/08/2014</a:t>
+              <a:t>19/08/2014</a:t>
             </a:fld>
             <a:endParaRPr lang="nl-BE"/>
           </a:p>
@@ -3833,7 +3851,7 @@
           <a:p>
             <a:fld id="{E7EF4F3C-2DF5-4944-8DA1-53B88DB318C7}" type="datetimeFigureOut">
               <a:rPr lang="nl-BE" smtClean="0"/>
-              <a:t>18/08/2014</a:t>
+              <a:t>19/08/2014</a:t>
             </a:fld>
             <a:endParaRPr lang="nl-BE"/>
           </a:p>
@@ -3951,7 +3969,7 @@
           <a:p>
             <a:fld id="{E7EF4F3C-2DF5-4944-8DA1-53B88DB318C7}" type="datetimeFigureOut">
               <a:rPr lang="nl-BE" smtClean="0"/>
-              <a:t>18/08/2014</a:t>
+              <a:t>19/08/2014</a:t>
             </a:fld>
             <a:endParaRPr lang="nl-BE"/>
           </a:p>
@@ -4046,7 +4064,7 @@
           <a:p>
             <a:fld id="{E7EF4F3C-2DF5-4944-8DA1-53B88DB318C7}" type="datetimeFigureOut">
               <a:rPr lang="nl-BE" smtClean="0"/>
-              <a:t>18/08/2014</a:t>
+              <a:t>19/08/2014</a:t>
             </a:fld>
             <a:endParaRPr lang="nl-BE"/>
           </a:p>
@@ -4242,7 +4260,7 @@
           <a:p>
             <a:fld id="{E7EF4F3C-2DF5-4944-8DA1-53B88DB318C7}" type="datetimeFigureOut">
               <a:rPr lang="nl-BE" smtClean="0"/>
-              <a:t>18/08/2014</a:t>
+              <a:t>19/08/2014</a:t>
             </a:fld>
             <a:endParaRPr lang="nl-BE"/>
           </a:p>
@@ -4510,7 +4528,7 @@
           <a:p>
             <a:fld id="{E7EF4F3C-2DF5-4944-8DA1-53B88DB318C7}" type="datetimeFigureOut">
               <a:rPr lang="nl-BE" smtClean="0"/>
-              <a:t>18/08/2014</a:t>
+              <a:t>19/08/2014</a:t>
             </a:fld>
             <a:endParaRPr lang="nl-BE"/>
           </a:p>

--- a/Clean Code.pptx
+++ b/Clean Code.pptx
@@ -211,7 +211,7 @@
           <a:p>
             <a:fld id="{D1AF23AB-C847-4667-90C1-8E7B707AE4C0}" type="datetimeFigureOut">
               <a:rPr lang="nl-BE" smtClean="0"/>
-              <a:t>19/08/2014</a:t>
+              <a:t>20/08/2014</a:t>
             </a:fld>
             <a:endParaRPr lang="nl-BE"/>
           </a:p>
@@ -1395,6 +1395,23 @@
           </a:p>
           <a:p>
             <a:r>
+              <a:rPr lang="nl-BE" b="0" baseline="0" dirty="0" err="1" smtClean="0"/>
+              <a:t>Maw</a:t>
+            </a:r>
+            <a:r>
+              <a:rPr lang="nl-BE" b="0" baseline="0" smtClean="0"/>
+              <a:t> Code </a:t>
+            </a:r>
+            <a:r>
+              <a:rPr lang="nl-BE" b="0" baseline="0" dirty="0" smtClean="0"/>
+              <a:t>= documentatie </a:t>
+            </a:r>
+          </a:p>
+          <a:p>
+            <a:endParaRPr lang="nl-BE" b="0" baseline="0" dirty="0" smtClean="0"/>
+          </a:p>
+          <a:p>
+            <a:r>
               <a:rPr lang="nl-BE" b="0" baseline="0" dirty="0" smtClean="0"/>
               <a:t>Maar als we dit als stelling aannemen, moeten we dan de consequenties niet uit trekken ? Moeten we niet proberen zo duidelijk en “proper” mogelijk code te schrijven ?</a:t>
             </a:r>
@@ -1493,7 +1510,48 @@
           <a:p>
             <a:r>
               <a:rPr lang="nl-BE" baseline="0" dirty="0" smtClean="0"/>
-              <a:t>Het KAN dus wèl !</a:t>
+              <a:t>Het KAN dus </a:t>
+            </a:r>
+            <a:r>
+              <a:rPr lang="nl-BE" baseline="0" dirty="0" err="1" smtClean="0"/>
+              <a:t>wèl</a:t>
+            </a:r>
+            <a:r>
+              <a:rPr lang="nl-BE" baseline="0" dirty="0" smtClean="0"/>
+              <a:t> !</a:t>
+            </a:r>
+          </a:p>
+          <a:p>
+            <a:endParaRPr lang="nl-BE" baseline="0" dirty="0" smtClean="0"/>
+          </a:p>
+          <a:p>
+            <a:r>
+              <a:rPr lang="nl-BE" baseline="0" dirty="0" smtClean="0"/>
+              <a:t>Ook : “les </a:t>
+            </a:r>
+            <a:r>
+              <a:rPr lang="nl-BE" baseline="0" dirty="0" err="1" smtClean="0"/>
+              <a:t>goûts</a:t>
+            </a:r>
+            <a:r>
+              <a:rPr lang="nl-BE" baseline="0" dirty="0" smtClean="0"/>
+              <a:t> et les </a:t>
+            </a:r>
+            <a:r>
+              <a:rPr lang="nl-BE" baseline="0" dirty="0" err="1" smtClean="0"/>
+              <a:t>couleurs</a:t>
+            </a:r>
+            <a:r>
+              <a:rPr lang="nl-BE" baseline="0" dirty="0" smtClean="0"/>
+              <a:t> ne se </a:t>
+            </a:r>
+            <a:r>
+              <a:rPr lang="nl-BE" baseline="0" dirty="0" err="1" smtClean="0"/>
+              <a:t>discutent</a:t>
+            </a:r>
+            <a:r>
+              <a:rPr lang="nl-BE" baseline="0" dirty="0" smtClean="0"/>
+              <a:t> pas” : iedereen heeft wel zijn/haar manier om code te schrijven en te lezen. </a:t>
             </a:r>
             <a:endParaRPr lang="nl-BE" dirty="0"/>
           </a:p>
@@ -2367,11 +2425,7 @@
             </a:r>
             <a:r>
               <a:rPr lang="nl-BE" baseline="0" dirty="0" smtClean="0"/>
-              <a:t>…, Update</a:t>
-            </a:r>
-            <a:r>
-              <a:rPr lang="nl-BE" baseline="0" dirty="0" smtClean="0"/>
-              <a:t>…)</a:t>
+              <a:t>…, Update…)</a:t>
             </a:r>
           </a:p>
           <a:p>
@@ -2623,7 +2677,7 @@
           <a:p>
             <a:fld id="{E7EF4F3C-2DF5-4944-8DA1-53B88DB318C7}" type="datetimeFigureOut">
               <a:rPr lang="nl-BE" smtClean="0"/>
-              <a:t>19/08/2014</a:t>
+              <a:t>20/08/2014</a:t>
             </a:fld>
             <a:endParaRPr lang="nl-BE"/>
           </a:p>
@@ -2885,7 +2939,7 @@
           <a:p>
             <a:fld id="{E7EF4F3C-2DF5-4944-8DA1-53B88DB318C7}" type="datetimeFigureOut">
               <a:rPr lang="nl-BE" smtClean="0"/>
-              <a:t>19/08/2014</a:t>
+              <a:t>20/08/2014</a:t>
             </a:fld>
             <a:endParaRPr lang="nl-BE"/>
           </a:p>
@@ -3131,7 +3185,7 @@
           <a:p>
             <a:fld id="{E7EF4F3C-2DF5-4944-8DA1-53B88DB318C7}" type="datetimeFigureOut">
               <a:rPr lang="nl-BE" smtClean="0"/>
-              <a:t>19/08/2014</a:t>
+              <a:t>20/08/2014</a:t>
             </a:fld>
             <a:endParaRPr lang="nl-BE"/>
           </a:p>
@@ -3419,7 +3473,7 @@
           <a:p>
             <a:fld id="{E7EF4F3C-2DF5-4944-8DA1-53B88DB318C7}" type="datetimeFigureOut">
               <a:rPr lang="nl-BE" smtClean="0"/>
-              <a:t>19/08/2014</a:t>
+              <a:t>20/08/2014</a:t>
             </a:fld>
             <a:endParaRPr lang="nl-BE"/>
           </a:p>
@@ -3851,7 +3905,7 @@
           <a:p>
             <a:fld id="{E7EF4F3C-2DF5-4944-8DA1-53B88DB318C7}" type="datetimeFigureOut">
               <a:rPr lang="nl-BE" smtClean="0"/>
-              <a:t>19/08/2014</a:t>
+              <a:t>20/08/2014</a:t>
             </a:fld>
             <a:endParaRPr lang="nl-BE"/>
           </a:p>
@@ -3969,7 +4023,7 @@
           <a:p>
             <a:fld id="{E7EF4F3C-2DF5-4944-8DA1-53B88DB318C7}" type="datetimeFigureOut">
               <a:rPr lang="nl-BE" smtClean="0"/>
-              <a:t>19/08/2014</a:t>
+              <a:t>20/08/2014</a:t>
             </a:fld>
             <a:endParaRPr lang="nl-BE"/>
           </a:p>
@@ -4064,7 +4118,7 @@
           <a:p>
             <a:fld id="{E7EF4F3C-2DF5-4944-8DA1-53B88DB318C7}" type="datetimeFigureOut">
               <a:rPr lang="nl-BE" smtClean="0"/>
-              <a:t>19/08/2014</a:t>
+              <a:t>20/08/2014</a:t>
             </a:fld>
             <a:endParaRPr lang="nl-BE"/>
           </a:p>
@@ -4260,7 +4314,7 @@
           <a:p>
             <a:fld id="{E7EF4F3C-2DF5-4944-8DA1-53B88DB318C7}" type="datetimeFigureOut">
               <a:rPr lang="nl-BE" smtClean="0"/>
-              <a:t>19/08/2014</a:t>
+              <a:t>20/08/2014</a:t>
             </a:fld>
             <a:endParaRPr lang="nl-BE"/>
           </a:p>
@@ -4528,7 +4582,7 @@
           <a:p>
             <a:fld id="{E7EF4F3C-2DF5-4944-8DA1-53B88DB318C7}" type="datetimeFigureOut">
               <a:rPr lang="nl-BE" smtClean="0"/>
-              <a:t>19/08/2014</a:t>
+              <a:t>20/08/2014</a:t>
             </a:fld>
             <a:endParaRPr lang="nl-BE"/>
           </a:p>
@@ -7736,7 +7790,21 @@
           <a:p>
             <a:r>
               <a:rPr lang="nl-BE" baseline="0" dirty="0" smtClean="0"/>
-              <a:t>Wat is</a:t>
+              <a:t>Code </a:t>
+            </a:r>
+            <a:r>
+              <a:rPr lang="nl-BE" dirty="0" smtClean="0"/>
+              <a:t>= Documentatie</a:t>
+            </a:r>
+          </a:p>
+          <a:p>
+            <a:r>
+              <a:rPr lang="nl-BE" baseline="0" dirty="0" smtClean="0"/>
+              <a:t>Wat </a:t>
+            </a:r>
+            <a:r>
+              <a:rPr lang="nl-BE" baseline="0" dirty="0" smtClean="0"/>
+              <a:t>is</a:t>
             </a:r>
             <a:r>
               <a:rPr lang="nl-BE" dirty="0" smtClean="0"/>
@@ -7904,6 +7972,67 @@
                       </p:childTnLst>
                     </p:cTn>
                   </p:par>
+                  <p:par>
+                    <p:cTn id="13" fill="hold">
+                      <p:stCondLst>
+                        <p:cond delay="indefinite"/>
+                      </p:stCondLst>
+                      <p:childTnLst>
+                        <p:par>
+                          <p:cTn id="14" fill="hold">
+                            <p:stCondLst>
+                              <p:cond delay="0"/>
+                            </p:stCondLst>
+                            <p:childTnLst>
+                              <p:par>
+                                <p:cTn id="15" presetID="10" presetClass="entr" presetSubtype="0" fill="hold" grpId="0" nodeType="clickEffect">
+                                  <p:stCondLst>
+                                    <p:cond delay="0"/>
+                                  </p:stCondLst>
+                                  <p:childTnLst>
+                                    <p:set>
+                                      <p:cBhvr>
+                                        <p:cTn id="16" dur="1" fill="hold">
+                                          <p:stCondLst>
+                                            <p:cond delay="0"/>
+                                          </p:stCondLst>
+                                        </p:cTn>
+                                        <p:tgtEl>
+                                          <p:spTgt spid="3">
+                                            <p:txEl>
+                                              <p:pRg st="4" end="4"/>
+                                            </p:txEl>
+                                          </p:spTgt>
+                                        </p:tgtEl>
+                                        <p:attrNameLst>
+                                          <p:attrName>style.visibility</p:attrName>
+                                        </p:attrNameLst>
+                                      </p:cBhvr>
+                                      <p:to>
+                                        <p:strVal val="visible"/>
+                                      </p:to>
+                                    </p:set>
+                                    <p:animEffect transition="in" filter="fade">
+                                      <p:cBhvr>
+                                        <p:cTn id="17" dur="500"/>
+                                        <p:tgtEl>
+                                          <p:spTgt spid="3">
+                                            <p:txEl>
+                                              <p:pRg st="4" end="4"/>
+                                            </p:txEl>
+                                          </p:spTgt>
+                                        </p:tgtEl>
+                                      </p:cBhvr>
+                                    </p:animEffect>
+                                  </p:childTnLst>
+                                </p:cTn>
+                              </p:par>
+                            </p:childTnLst>
+                          </p:cTn>
+                        </p:par>
+                      </p:childTnLst>
+                    </p:cTn>
+                  </p:par>
                 </p:childTnLst>
               </p:cTn>
               <p:prevCondLst>
@@ -7965,8 +8094,8 @@
           <a:lstStyle/>
           <a:p>
             <a:r>
-              <a:rPr lang="nl-BE" dirty="0" smtClean="0"/>
-              <a:t>Disclaimer</a:t>
+              <a:rPr lang="nl-BE" dirty="0" err="1" smtClean="0"/>
+              <a:t>Disclaimers</a:t>
             </a:r>
             <a:endParaRPr lang="nl-BE" dirty="0"/>
           </a:p>
@@ -7995,7 +8124,7 @@
         </p:blipFill>
         <p:spPr bwMode="auto">
           <a:xfrm>
-            <a:off x="3385215" y="1410220"/>
+            <a:off x="1043608" y="1410220"/>
             <a:ext cx="2507456" cy="3203972"/>
           </a:xfrm>
           <a:prstGeom prst="rect">
@@ -8021,7 +8150,7 @@
         </p:nvSpPr>
         <p:spPr>
           <a:xfrm rot="18715092">
-            <a:off x="3305352" y="1735310"/>
+            <a:off x="963745" y="1735310"/>
             <a:ext cx="2955212" cy="2945908"/>
           </a:xfrm>
           <a:prstGeom prst="plus">
@@ -8063,6 +8192,216 @@
           </a:p>
         </p:txBody>
       </p:sp>
+      <p:sp>
+        <p:nvSpPr>
+          <p:cNvPr id="3" name="AutoShape 2" descr="data:image/jpeg;base64,/9j/4AAQSkZJRgABAQAAAQABAAD/2wCEAAkGBxQTEhUUExQUFRUXGRwaFxcYFxgYHBkcGBsXGBceGhcaHCggGBwlGxwVITEhJSkrLi4uGB8zODMsNygtLisBCgoKDg0OGxAQGywkICQsLzQ0MCwsLyw0LywsLCwsLCwsLCwsLCwsLCwsLC8sLSwsLCwsLCwsLCwsLCwsLCwsLP/AABEIAKoBKAMBIgACEQEDEQH/xAAcAAACAwEBAQEAAAAAAAAAAAAABgQFBwMBAgj/xABDEAABAwEFBQUFBgUCBQUAAAABAgMRAAQFEiExBkFRYXETIoGRoQcyscHRFCNCUnLwM2KCkuEVokOywtLxFzRTc5P/xAAaAQACAwEBAAAAAAAAAAAAAAAABAECAwUG/8QALREAAgEDAwEHBQADAQAAAAAAAAECAxEhBBIxQQUTIlFhgcEycZGh8BSx0UL/2gAMAwEAAhEDEQA/ANxooooAKKKKACiiigAooooAKKKKACiiigAooooAK+HkSkjiCPOvm0vhAk+A41CZvBS80hOE6HP47/KobSJSfJkF13la7of7FYkQFLaJlC0nLEhX4Tkc+WYrXNn9oGbY3jaVmPeQclJ6j56Gl7aFVnL3aONdq6EhOQkAAkiRvzJry6HGv4jCUpKcu6IOfLeDw+lYqqk7HS1NWFeKk42l5rr7DvRVVYr5SrJcJ3TunTPhUxVvaGrjY/rT9a2TT4OdsfkSaK5svpX7qkq6EH4V0qStrBRRRQAUUV8OupSCpRCUjMkkAAcydKAPuiky8fadYGlQFrc/mQmU+CiQD4VKu/2hXe6BFoSgnc4Cj1OXrQA00VzZeStIUhQUk6FJBB6EV0oAKKKKACiiigAooooAKKKKACiiigAooooAK8UYzOQr2sW9pu2i1uqZaWAwjIxP3qt+Y1SOA69KydkXhDcx32h9oDDEpQUrVxmR4Aa+lJr3tNtSj3QlI5JBPkZrNVvrcVmTyE1fXPOh14fQGlJyl5nQpUoeQ/3T7RngR2oS4nfAwqHll6U/3NfjNpTLSpI1SclDw+YrDrTagnSCeBEHy3+BqJZ79UhYW2ooWDIg5GphUmuckVKEJcYP0dRSjsNtkm2JwOQl8ajcrmPpTdTcZKSujnyi4uzCiioN8Wvs2ydNfQE5c/8APChuxCVxNt95LtltNnQYYbGJ4g5lP4Wxwx5TyNTn7yzy3ECB+EZDTpSfslbVtIdtChKn3CojgBMeGJShHIVftQ4VOBREq4dJ/ennS0pD1eKjLYuFj36/sj7RMKjGgmYnQHPjnw0oW+GYMwXEJUeeoUSBoNPFR51Y2m1pEBK2iRr3VKV/aFYZ61D/ANH7RZWoqJIMlWp3QeA5bqz6lFFsonL8BWtsnMyM9/CfrwFK1tu1SYVAOM5AJgydBE5+fhT/AG7Z5tQjDoNd/WautkboZcIcdbSp9kxizjP3VYZictY4cBWlPLsO6fVf412729CVsRsimxJK8Si44hAcGWFJEkhMDSTvnSmmiimkrHKq1Z1Zuc3dsKKKKDM4Wy1IaQpxwhKEiVE7gKwrbDbNy3OFKQoMpkoaGWKPxLOk/DLqXD2yXwUpas4MBQLjnMDJI858hWXqdICQIBOf6QMyTxiRlpiOdVbLJFLe+IRjPeOYG4cIHzNeJbKG0KgDFO46DjnrUm+bESqUyZ6mfHU9aubXs7ahd6Fdke6okgawQMwBnVLmii2RLn2ktVhXjszikIOam1HEhXVJy8RBrfth9q27ws4dSMK05OtzOFXI70nUH6V+cGXCWiMxGsaeI/fxpk9j9+/ZbwShXuWgdkrkqZbP90p/rmroysfoyivaKsQeV7RRQAUUUUAFFFFABRRRQAUUUUAKHtNv/wCy2QpSSHHQUpI3D8R9QPGvz04ytWg+lfoL2sIR/p6ypIUQtGE7x3hMHdlIrMmtk0qMh8NAnuzGc9awqSsxyhFNClZpRkpBFMdldBSIEn1/fnV8vYdQTIfCo1EATFVDN0WgxhQ1GcnEtJSASBJwwSdYE65xWFt2RtSUVZFTeT2PLUjcdR4GqZSSTrB4HL40xX1s/aEpxFKiORx+kBXpS1250kGNx+hqYkTJt2Xm6w6laZC0kEeGkV+jdk9omrcwHWznotJ1QqMwRw4HeK/MziVQCRl0+VM2wd/qs1qQtM4VEJcE+8gmDI3kag8RzrWD2sWqw3I/RtQb7aCmHATHcV3uGRBPlNTq5WlvEhSeII8xTDE07O5lqLKGUIanEUCCRvkk/P8Ac163Y+3aKW3ClTa5ISYnLLTd9KrdoLUtJwkbjijLPfI6cYr25bGoEOpUUEjUc+W8UhIeSbd+ox3LalqVgeAKkgQoCJGYz50wFQ3aUmWm9QwoFS0dor3WyFFZ54EA1cXJe63/AH2sHmMwYIKVAFJ61aKaWSXa5ZrFfezi4tCgNCiT4HL986WNoNoFoc7JrFIBUspbLhATmYToYGZpo2HCXG/tCXC4FgBJKQDHvGYy38K0hF3TMqsltaGiiiimRQKKKWdu9o/sjBCD984CEfyge8s8k/GKASuZF7VL5Dl4O4SCEJDXiJx+RJpKftinFpGZMwBx4Dziu15LCjiBJxFUzrlvmrfYm5CUqtikLWlokNoQJUpQGZHIadZ4VlJ2VzaMbuw/7GbJYAFvd5esbh4U7vJEQBkKQrovl8ufwltDm52qFx7wzzSdcxl45UzXvfgZRiIBkTmYAB4n5DOl7NYY2rPK4EL2ibOhBVamBhP/ABUjQ/zRpNZzYrRhcSsapUFDqCD4VrV5Xum0Wd0JcQslJCkJSpJR/dmoeArIWG5P7y31rSvazF66V7o/XlhtSXW0OIMpWkKSeShIrvSf7KVH/Tmkme6BE/zIQsj+5Sqb6YFj2ivK9oAKKK8UYzOVAHtFeAzmKKAPaKKKACivKKAFv2jWfHd72/DhV5KTPpNYxYb4UUpaShCnZwFxaCvCkDuQBOZiOuuVbxtM1isrqToU59AQT6TX55uW0Bm2QrIL7mfHulPqI8axqcjdDMbGk3C253sYE4UlQTkkHTjG6rezspUAsQoHMQZkcQd451V29zsihePC2UwtMAhUaa1cJBUkFalBShKUIAK+RJOSR9DnurBLcNvwoLeyFjJMZaRSHtHs8knFEHcoa+PGtBsrGEQSSTmZUVeEndpw6VWX7HZqBElQgDmao1m4Rl0MSty1JcUgBQw8TOfgBXS6HYUCBJ4DeBn8qY9pbvJtJCUlRhBIEToJhOqhzGlUps4aKiuAsghDcgq7w95Q/AACYBhRVhyiSNcNFHdM/QexNrDtnStDvaIgABU40GBKVmYJHEAZRTDSN7MH0hkoUMLgMe6BiEYk5jU5nLUZ080zD6Uc+orSZm+3l1S9OQSZUZ3yBAH9c+dVV1umEcorQNr0o7EFQcJQcY7MJJhAJVJUCAMM+kZ0lvWHsXMMEA5gKyImFAEDQgFIPMGlasLO47RndK5cNWJtZx4E4t5iD5ivu0EJjDqTmdSTzO/SuKHcDeIhRSNcKSo8MgKi220lxJizWsEDuqCYmNNFZjXJVRdtGsaacsFkuzJJOICZkSB++NX2ziQG1AQAFZR0FJNgtDri+ycaeQ5GIqWAkBIMAwCYznLPQ7qe7gZKWROqiT8h6AVrTbcjDUQUI2LGiiimBEKwr2x2ubepJVkG209AZUR6g+VbPfttLNnddSJUhClAbpA38hqelfl7aW3do844FqcKlSXFarVGZjcOA3ACoZKI7jiQkyZTmBGRMax1rVvZw8Aw2nLICR11rGVuk5qM5ZcOdal7OXEvMZEhSSUmDwgj0NL1+ExvStbmn5D9eBQMkgSrIkDzzrk/Z0KcwLGWER1jd4E1V2aXQppxucCjBbXBI3KSDB0OaZO/XU8rQVId7OHnHVjMrwgISN5APc5ZSfOMc8jaiuCPtTZbPZWXXUpAVgIKtTEEgTwndWP2Me6eIz8DB9abvaXeKgAyVgyZIHBPHxgedJ7LhSByPxGf76cK3pLFxPUtblFdD9R7FWXs7DZxlJbSpUcVAExyGg5AVeUp+zG+kWm72cJBU0A04N6VJGWXAiCOtNdMCh7RRRQB8POhIKlGAN9Itt2hWpaUp+9JcCCE6D8RMbgE5550zbSKBawEe+fKIOXPSl9DbNlSVhKUlWZga9edY1Hmw3QUVHc1dlxdVqDbnZqJCXPcncrenx3dKKX7gsL1sfFoXiQwgygaYyDu5cT4dCrU27GVZR3YH+iiitDEKKKKAPh5IKSDmN/TfX5g2pu0tuPIMyhak569xRTPoK/UJr8+e2Gy9na1LQZSvvH+oCeveB86zqdBig+UGzO0aLTZ1WW1DEsA4FHVQG/nz89+T3s1aRhGDM/iUSST1JrBw32jfcntW1FQAyJQQmSDrKVCSOCp/CaudnNtbRZ1YDhViyk5EfI1lKm+UMQqp+GRudvtaWxKiPCoNhsqnFdq4I/IngOPWqXZV77Qe0dkqG45inNtYzHKseWbS8OEZ17R7lKoeSJyg9RJHpIrMVEhWVfo16yhxCkKzBrHbxuxItLiGwFYT7sxMEYgDvEyOOXKrxuTGEqie1cGjezHaHBZ0trSspPukIWpQJ3EJBkaQR0IG/RbK8ViSkpG4K18RupX2RZDFmShsuYTKvvMMpxQSnLKAZ0y1O+pqLUoFWEmTnOs+dbqW1ZEJQ3Nstr0s5WggCZyImJEgkTziOhNJe36+yeaUfdWiDG4pUSD/ujp0pjuy8148LkQd8xH74VQ+0JSVPMIO5JJ/qIA+FVqSTg2i1KLjUSZ8XLbUqGRBBrou61jEWX3WsWiZxpT+lJOXTTkKT7Td7rBxNkxUhvbFxCYUgKOg3UtGduR/bJZi/73G64roIWQtxbq1++4rXCJyA/CMzpxpzSIyFJWx14rUvG6AgKGEDhMESfCnamqNmrnP1Tk5+IKqL/vkMJhJT2iiAMRgCZJUd5gA5DMkpG+vL8vMoltsw4RrrhnTxrGNttqEpdwNJCngIU4o4igkAkSrUjichV3NXsikKV8ydkMHtCvi1M2YuF99PaLDaG8KEgpIUVKcGGUghJAQD11gZA4wSQPEc5/xUi1W5xwkKcKyMyVEngMvj4VzW0SJmRGtBTHQj2lvCMB11B6jQ+lMWxdods57RPulXeHGMj460rIEk+lbJs7cWKwN5ZkFX9yioehrGs8WGdNHxXZcps7T6e0QsDEMwQFZ8wd9Lm1F8t3ejuQ4+5OBAhMcVEDQVT3ndr6CSkqSORI+FKl83Q4JcWVEmMRJkx1NZQSbyNVqk4wsitctKnXC46rEScz00A4AVa2WzF0JQhMqJgAb9cv3oJO41Tr3fD5+NTbNeDjawW1FBjIjWmzl8mwexmwLatNrRkUtpQhxSTKVOTiHRSUkgjcTFazWdex1TbTLlnUkotJParkgh1K4CHGljJaIEayCDNaLVkQwr2vK9qSCmvvNxocMR+FUy7p+02lIX/CQMSx+YzCU9DmfCre3ql/9KQPOT9K8uBcuvdE/wDVWDScxlNxpl2hIAAAAAyAG6ivaK3FgooooAKKKKAFzae9SlQZRqRKjy3D5+VI22FzB9DRWCqFwYOeEgzHQwRzAq4LvavOOH8SjHQZD0rreOaU8iD/AG51zqk3KTZ06UFFJGP31sgtgkp7wEqkagCMx5jnS9arKtRkmQBixchv5mtlt0vrQ2lClyoRhGpiQMWiREkk6Cd8ROe2RYsjKMaUrtCyolWeESQThQchHdAMbzpTEbxjdm9ejCO2L+p9Ck2DtgdZEjC43koHIkbjHOnGxrzV0Hqap7qsbbRKgIJEGrBFqk91MqUQEp4/sml01ciUWdL/ALUtqzuKbCioJABSJwlWU9QJPhWVNsKKimCFyBB1TGZmeHyrW9o09m20yTKlHE4f3uACqWlI7RQEfmPmok+vwpl+CNzoaDU9xQlJLnr+kWez1vhGBQIaRmjiYGhPPXrV4u0lGeBThyK8AnCDwGpgSYEnKqRm3MtJhWfEAfWpF1XsC40kH3goa5wk92RuMSKzhJ2ycipG7ci9QtDgkQQd/wAarr0uYOQoe8NOg3VLvRopAcbHfBEpmAvMTO6Y0PLPKolw30H0k6EEgpOqSIkGpkk8MyjdLdE5sWXEmD0qL/ojIViKc6trYCk4k+NVzlok8ayaQxBt8H244hIipNkv1SMsUjgoE+utV+XCvm02fEhXMR50Rbvgl04ywyA/fyXXnOzJWTJUsCEJ4CZk+A8daWbDsQ3CipxanFTKwlIMkkkgGY4U52K70hA0kyfU/SpibOBQ5STwXl3cZeBcGSbSbCqs7RdZcK0IErSpIxQNSCkDFHA0n2da1nAkkzlxMfKv0LaWcsxkcj0OtLzGw1mQZbCkk/zKV6kya0jVdsisqKbwZ/cGyqnHEgzrpBy5qJ1PLpW22NgIbCBoAAPDKuF23QhlPdGfGppFQ227s0iklZC9tfeKbNZXHVAEgAIScsSlZJH73A1iNpvB20KKnFiB+HRI5JTv9Tzpw9sN5hVoaYkkNIxKAOWNek8wgD+/nS1s1YFLeaUllSwJUEhSUle4QVQkRmc61glFXMZ76knGN7LkqLSghQ94KmcxFfTMlY3xl9PlVntY6pb5dCA2mcKQDi9zfOhz4ZVduXUyi7y+twdqoJITkJx+7hH4gczI4HQgir7sFJ0JQbT6F5sHeLhSnApJW0S4zJIMSEOtriYGgJg5LSc8IjXLFtZZ1JBdV9nO8Pw2J07rh7i/6VGsW9jtjUXX3I7oQEzGclU5Hwz8OFa3c1pDbgSSQhWUTkCdCRpy8qqqlpWfBV0rwuuRksltbdEtrSsbikyD0IyNSK8Arhb3sDalbwMupyHrFbi6yUyXMS3FcVGOgyHwrzZs/fPdE/FVfNmRCPCvnZlX37v6R8aXi/GhuatBoZqKKKYFAooooAKr7/tXZ2dxW+IHVWQ+NWFK229oybaG84j4ZD1J8qpUlti2aUo7ppFPdzcAVQ7ZXvgBaR7y0weSSc/E6eJpmsicqr7h2UNptDlqeMICoaSP5cgTO4axxPKk6UNzO1pp0qc3Uq8R/b6IrLhu82VntFE9orQT7m8ADcc5JqyetLjoSpxRUYynhJO6ru87hVhUvEkhIMDMZAZnQ51XpayFaahtJIvU1Maz38u/49CvcyFdLvtRbcSUQVnISJgbz5ZeddnLI4swhtSucZeJr4csTrSHXlNq7qSE5b4gZDTOoo0//TCOyWG19hX2h2wcXaCcKCEFQBzzA7nGNc6vroggHPQRPDd9fGs4eGauWXz+VaHs6ruI/Sn4CrV3hHR7ToQo0oKCsTrbdiV8ialXPdiEOoOBIOGZHH3T6g12dTCSrgCfKul0CQV/mOXIEkj4k+NYw5PPzvYn38+UtHDqRCesGPWKzDYV5dmtbjDqicfeBO9Q18SP+WtIv5QAQVGAD8jFJG29zLQEWxtJ7kKmMo1GdaTvcKMVsz1H4qBEVV2hnCeVFz3gl5lDiTIUAfOrFaAoVV5KpuLK9tudK73mOzs7i4nCkqg5ThzOdRbXZ1p91RA5V0sd4ISysTjdX3QlSTkNCTIjj6VMLcs3thTWcrBDuV7GhtZBBCAI5ySfjVoVVGszECK+nTFUIlmTaPl9WgqQbMpJ58DrUBrvKpW2kMvED8IA+fzq8YXVxjTad1pbb29hyvG90WdsrdMAaCQCokwAJIzJikDaX2lKQCmzFtTm+EKUlHGVqKcZ6JjnRdt1i0PJS+4taRJwlZ3AwBnPgKur12PYWyWmkJaClJKiBBITnE68K0jApX0k6ctt0Z7s3sjabwc7Z3EGyZU4rMrJMnCN/XSp9qsgaWtoDJtRSP6TlTFZb4fbQlCHVBKUgJACMgNN1WzOyzdosirY+66HFFRUU4Y7qsMkYeAz86mzbH9JSXZ731Xh4xl3f48jNL0RPZnIhKu8D+UggyKr7BZC6+GwTgBOZkhCc1JAHTdzNP8AtBd1n+zBFnAUrFJdEKIGqpWNSdMPpArr7Lti1OoW+4IQod0KkGVDiOCcO7f1q1n0Fe0K9OpU3SWH/tY/ePwMuy9mQwwltuMOvUnnvNT7S2apvs7ljc7JwZfhVqCORpjsawoVhboxHjK4Lu4bw7RGFR76deY3Gvm/nPcR+Yyeif8AJHlVO+yUnEiQoaEV82W1recxLiUjCIEaEyesz5VqqnhszDurS3LgsHskGouyipfd/SPjUm2qhNQtjBLz53AJHmVH5VEfrQT+hjdRRRTIoFFFFABSHtA9jta+CAEjwEn1Jp7UYEndWbtKxuLX+ZRPmSaW1LwkN6RZbLJkxGmZAEmB4nhTZZWwEAJMgb+PE5cTnSNbHwFBPCPNWL5D1qwsjpAkEjplVqKtEaq6dzincudoX4R2Y1Vr+nf50tMukkN5Y5A1nWIJ8CDFLFv2xe7VSpC0EnCFD8CchBEHM55zXtwbQKW+VJbCTmslSsQ4JTEDTdwCedWmlLk6FPsyrSo5S8/c1WzthIyHTpu/fOuF7LhATvJny/z8KqWL7dOoT/afrS5eG3QDriXWz3O6nBvjWQdM5z9Kvc5un7PrTqYV7HHam5g6AltCe1UvIhOZyIgwJM17dNmU0Q0uMSISqMxIABg785qLcO2LyrQo4G4wd1MEkQpAjFOpk51ctCXSTqTJ6nWlq9sI6Wr76nFUqnCz5lnaldzCNVZfWp9mahKRUFhvGscB+zVuhOfSqxV2cmTF3b0q7CEa4h5ZzVHcTSl2eCpRiUwYzBzETug+lWPtBc7iBxXPkD9a9uDOztznlHkSK3jk6tHwaRerKHZm0qs767MsQk99rgQfeA8c/E09MOVUbSsOuIsyGGQSQvE9hnBg4kaeOtQ9mb8S83MwoZLTPun6VlUjZilaO/x2/rtfA1uImq60WLeNam2V6uy0xnWbjcWUnEr20ka1GtTgrvbnq4XY2FuZkZZxx4fPyojG7si7dluZLuW7y6gqQRkopUDIIKT04QfGli8bidU64ZbPeV+I8TyrR7Jksn84BP6kiPVOH+2le8iEuuA5d4+pkelN7UlY20Wpmpvb5FTs7sw4XcSgnuCU97ecp8qZ3rodCTkNDvHCoWzjAVagtLygEoMoCu6rcJE7pnwFOC8wRxFTFYK63V1O9V3fC6cGQJuB7LJI/qHypmZvb7NYuyKEkgEEhRglaieHOuSnppY2gtckIByTmeu7986q3Y6qjLVSUanCdyLeV49rDSUYZ1GIkRvA0wzplxrWNjbOUWRrEACoYoHA+7/tisy2WuntXBkZUoAHlqo/vhWzNoCQEgQAAAOQyFFPzOf2zsjJQjyRL1uxFoRgWOh3pPEUku2d2yLwrzSfdUND9DyrQ65WizpWkpWkKSdQatOCkcmlWcMPgVrNbAuutgbw661ztezK2yVWdUj8itfA6Go32oo/iJUg8wY86wkmuRpbZfSybeLvdqTsWxDBXvcWpXgO6Ph61U2q0dqnA0MazkAN3MncOdNl2WTsmm29cKQCeJjM+Jk1NFXlcy1HhikSqKKKZFAooooAgX6/gs7iv5SB45fOk+6mMppj2wXFnj8ygPn8qqLCiEUnXd5pD2nxBv1KF+wuOWtzs4OFLZwkwY74kTka77ROLZsq8QKCoYQSI97I59K7O2xLFsaWowlxJbUdwzBST4mPGmS+GlrahIxQQSPzATIralmA4tTKnUgprw4/XqYhaQIVnoAAMtd85yN5mDTFsjYe6pzeThHRMz6lXpXW8nGFCSgEgzgEJkmMRiQCY48Kd9jS2ttSewSmDizSn8RORjfIJ8askdrXa5x099r5IlnbOHwNZlfyYtLwP/yK9VE/A1vwsTf5E+VIO0twWYuOLLcEkyQpQ9AYqzVhDsvtGEarunlCVsU3itPIJJPmmPX4U9NctVE+AnKqXZmwoQXFNg94xmZyTMepPlVzdZkpPH9ikakt02T2pWVSs2uBhsLMCpJMV41pXO0KitlhHG5Yl7b4nHW0ISpUAkwCdYA+Bq02Sut1TEQE4VEd48e9oJ418XhiR31JWQv3YGWmmcZ+lS7hvnsUuFaYTGKZ73dmZTpp/NWsFY6k6k3plCmr2/vkuLXeLdhZSHySFrwjCn82sydBBNZ3tBcAs1o7dlZGJIJiMJ3EEbxIq9tu1DFqSVuNhKGyAMRxEk5jIDIiNM6rbXfKMJZcQVYSvMEGQpalpyMaYqmVmGm01SHMXd/Vx+vt8ljs5egc7sjFrE+dX1otIArJLWlbDiXGgEgwUmCDnnmQaarqvN5yxrcISp0KwhRVpJSMkjeASfCsthTUadRd11diTeV4wrAjvL9E9eJ5VZC7vsiWLQpajKkB0qI/4iSJmBAGnjVbdVgwJlWtNu2iUC7rRjGQQI5KGHAfBUGtIwSRlWtTlGC4eH/e5LcvNsoVgdRiAlOY1G7x08aRb/vZ3tiSRmkHQHlw5Ur3btUsRKEnxNdLffPaqScOGBBnqT86hzudHRdnd3K9rr1sXdyvqVaULxEKSDBEDQHXjqaa13o+NF+GFP0pFu+yYiCXGkjf34UOkxTBaLxSjMqbPRxB/wCqpTJ1dGM5qyTx5FPdtve+0lJCSElRgp1wmEzmcpIqQ8yDMs5/mASR5Kg1V/68lNoW5gKkkRAInRP0NdVbWt72nR/+f/fVcDVSnUUlJRthGq3NdSGgISkFKQBkAc9SSN5q2qm2Xv1u1trcbBASvCQqJkJSdxI31c1svQ8dV372p8hRRRUmYV4RXtFAHyhsDQAdBFfVFFABRRRQAUUUUALe2Ssmk8VH0ioeLC3XLau0YrUhA/4Yz6qzPphr6vFP3WXCkarvNs6FFeFIS9v3iUspBgle7h/5imqw7QuwMQQY1MYT/tgUkbQuly1MnVCMAPIqhRnhkU1YXvaylhakdJ/UYy+NbUlaKO7/AIsZ0qcJK9/llZa79aWsFaCClZUlQhWispyEgiRT1sVfjKiuMSZCdQY1VGfSPCsntFnyCgcyopwxuEYSDv3jlHOnbZN8NsqABKlLMADcAlIz4ZGtRrtDR03p7K/99zVUWpB0Wn+4Vnm1VugKPGTXS91KbYdcWRiwEJA/CVZDqc/Ss+uWwOWl5LYUvAM15mI4eP1qJyssnN0GhhTjKs5YQ/7HWU9mknfn551KXZC3aMCfdIxp5SSCPA/EVd2FgNpArhbz30rGqZHUGPpSajjJz6lVzqORYNmBS5tbfAZaMe+ruoHM7+gGdXrDhV3cKsR3EGlnam70C0JCkhRS2M1Cc1KUTE6ZAeVb7bhpYxdVKX3OdilSEFRUpRSmSSSTkNSa9vfusOEfl4cYHzp6s9gawj7tvQfhTw6VFvywM9gsFCN24D8Qre2C8ddF1Fjr8iNszc32izKxILg7TcYzCRvkcaXrxQsOKC0FCuByjcKfXLpYcsga7YWdPaFRwqGeUQROf+BUa0WRpxal4WlE594JUfM1Wx0KWsXeSb4u8eXxn4Id22FDlnbxAe78zHpFTW7ubTokU43bY2w039237qdEjh0qQqztjVKB4Jq205dTX+J4fJjlot7iHVhK1ABZgTI1O4zApy2jtK7RYGGYBctRQCcgEjEFFXLd4TwqPaC3iUfuxJJ/DvJq0sJS7aGsMYWkwI07qSD/ALifKqoc1FWEtstv05/C/wCinadiGgoJThTAzwlZzOgzUNB8aYrH7OrN2acePHEkhSh6EmpSEYnI/Mr0J+lNThhJ5CpUULV9dqIRjGMmvtgzhvZhkb1+af8Atq9d9n1lVvd8FJ/7a+UHOm+hRRXU6yvFq03+TLbRsSwlahjdyJylOgP6auP/AExspB+8fMju95OU6aIzqzvVMOq/eoBpgsSpbQf5R8KFFFq+v1GyLU2KWwd3psvatIxyTiVizB/DlwIyFOaTNK14vdhaCoGM8+aTBPzq9s9ubKsIWkk7gZqVjApqlKcu881cm0UUVYTCiiigAooooAKKKKACiiigBCtiJtbx/mj0FWFrTKI5VHtf/unv1D/lTUm06Vz5cs6UeF9ik2EuVKsVoXJlRCAeWRPy8DVltlZ2VthsoTJIUSO7AGmm8nLzq0uEQw3H5RVTtR/E8BTqVomlOrKrq9zfHHtwJbOyiVuJwOKkmADBzJABnkTNaBZNlQwgBtYUoAAYhGmQ0mqnZQffDqPnTyfeqYo27S11bcobsGZbf2V9DSEYFKxEqUU94ZdMwM9/Cpuxd1BloSO8c1Hmf3FWu2h76eg+JrpdvuCl63KRaeplLSxh55fqd3DVNbLd32205rdWEJgzE5qJ5BIJq1tfu0v3GJvVmc4bcI5ZbqygrzsL00rNvom/wrmh3jbAy2pw/hGQ4ncPOkRCy8src7yjnpp05Uw7bn7lH6/kapbtGlaV5NysL6ZJR3FhZ2ABMCpDZE6CgaV8s61VYJeSWK+Usp/KnyFfSa+hVyhzcSOA8qiOoHAeVS11wcqrJRU2u0pZSVmBh067st+ecVU3RtCENuFKVYg3hBVGSlkQd86TXTa/+D/UPgqlqze6rqj4OVaDsdrR6aE6LlLzGK47zeU7mrJKTuA1hO4cCfKry8Le4lpw41e4rfyNLWzX8RXT5mrq+P4Lv6a2XBGopx79Ky6Ct9oXI76/7j9adftCgonEdNZPGkXeOtOq9T0NQjTWxXh9/godoHVJeJxKzSM5PT5VZ3e+osI7ypjidxIqp2m99P8A9fzVVncn8FHQ/wDMaOpFRLuIsrNpBKkK4pjyP+al3e8cCFA5gDPmn/IqLf8A+Dqr/pr25/4f9R+AqOpo1egv7zNOu21h1tKxvGY4HePOpNLmxp7ro3Yh8P8AxTHWqd0eYr01Co4oKKKKkxCiiigAooooA//Z"/>
+          <p:cNvSpPr>
+            <a:spLocks noChangeAspect="1" noChangeArrowheads="1"/>
+          </p:cNvSpPr>
+          <p:nvPr/>
+        </p:nvSpPr>
+        <p:spPr bwMode="auto">
+          <a:xfrm>
+            <a:off x="155575" y="-144463"/>
+            <a:ext cx="304800" cy="304801"/>
+          </a:xfrm>
+          <a:prstGeom prst="rect">
+            <a:avLst/>
+          </a:prstGeom>
+          <a:noFill/>
+          <a:extLst>
+            <a:ext uri="{909E8E84-426E-40DD-AFC4-6F175D3DCCD1}">
+              <a14:hiddenFill xmlns:a14="http://schemas.microsoft.com/office/drawing/2010/main">
+                <a:solidFill>
+                  <a:srgbClr val="FFFFFF"/>
+                </a:solidFill>
+              </a14:hiddenFill>
+            </a:ext>
+          </a:extLst>
+        </p:spPr>
+        <p:txBody>
+          <a:bodyPr vert="horz" wrap="square" lIns="91440" tIns="45720" rIns="91440" bIns="45720" numCol="1" anchor="t" anchorCtr="0" compatLnSpc="1">
+            <a:prstTxWarp prst="textNoShape">
+              <a:avLst/>
+            </a:prstTxWarp>
+          </a:bodyPr>
+          <a:lstStyle/>
+          <a:p>
+            <a:endParaRPr lang="nl-BE"/>
+          </a:p>
+        </p:txBody>
+      </p:sp>
+      <p:sp>
+        <p:nvSpPr>
+          <p:cNvPr id="5" name="AutoShape 4" descr="data:image/jpeg;base64,/9j/4AAQSkZJRgABAQAAAQABAAD/2wCEAAkGBxQTEhUUExQUFRUXGRwaFxcYFxgYHBkcGBsXGBceGhcaHCggGBwlGxwVITEhJSkrLi4uGB8zODMsNygtLisBCgoKDg0OGxAQGywkICQsLzQ0MCwsLyw0LywsLCwsLCwsLCwsLCwsLCwsLC8sLSwsLCwsLCwsLCwsLCwsLCwsLP/AABEIAKoBKAMBIgACEQEDEQH/xAAcAAACAwEBAQEAAAAAAAAAAAAABgQFBwMBAgj/xABDEAABAwEFBQUFBgUCBQUAAAABAgMRAAQFEiExBkFRYXETIoGRoQcyscHRFCNCUnLwM2KCkuEVokOywtLxFzRTc5P/xAAaAQACAwEBAAAAAAAAAAAAAAAABAECAwUG/8QALREAAgEDAwEHBQADAQAAAAAAAAECAxEhBBIxQQUTIlFhgcEycZGh8BSx0UL/2gAMAwEAAhEDEQA/ANxooooAKKKKACiiigAooooAKKKKACiiigAooooAK+HkSkjiCPOvm0vhAk+A41CZvBS80hOE6HP47/KobSJSfJkF13la7of7FYkQFLaJlC0nLEhX4Tkc+WYrXNn9oGbY3jaVmPeQclJ6j56Gl7aFVnL3aONdq6EhOQkAAkiRvzJry6HGv4jCUpKcu6IOfLeDw+lYqqk7HS1NWFeKk42l5rr7DvRVVYr5SrJcJ3TunTPhUxVvaGrjY/rT9a2TT4OdsfkSaK5svpX7qkq6EH4V0qStrBRRRQAUUV8OupSCpRCUjMkkAAcydKAPuiky8fadYGlQFrc/mQmU+CiQD4VKu/2hXe6BFoSgnc4Cj1OXrQA00VzZeStIUhQUk6FJBB6EV0oAKKKKACiiigAooooAKKKKACiiigAooooAK8UYzOQr2sW9pu2i1uqZaWAwjIxP3qt+Y1SOA69KydkXhDcx32h9oDDEpQUrVxmR4Aa+lJr3tNtSj3QlI5JBPkZrNVvrcVmTyE1fXPOh14fQGlJyl5nQpUoeQ/3T7RngR2oS4nfAwqHll6U/3NfjNpTLSpI1SclDw+YrDrTagnSCeBEHy3+BqJZ79UhYW2ooWDIg5GphUmuckVKEJcYP0dRSjsNtkm2JwOQl8ajcrmPpTdTcZKSujnyi4uzCiioN8Wvs2ydNfQE5c/8APChuxCVxNt95LtltNnQYYbGJ4g5lP4Wxwx5TyNTn7yzy3ECB+EZDTpSfslbVtIdtChKn3CojgBMeGJShHIVftQ4VOBREq4dJ/ennS0pD1eKjLYuFj36/sj7RMKjGgmYnQHPjnw0oW+GYMwXEJUeeoUSBoNPFR51Y2m1pEBK2iRr3VKV/aFYZ61D/ANH7RZWoqJIMlWp3QeA5bqz6lFFsonL8BWtsnMyM9/CfrwFK1tu1SYVAOM5AJgydBE5+fhT/AG7Z5tQjDoNd/WautkboZcIcdbSp9kxizjP3VYZictY4cBWlPLsO6fVf412729CVsRsimxJK8Si44hAcGWFJEkhMDSTvnSmmiimkrHKq1Z1Zuc3dsKKKKDM4Wy1IaQpxwhKEiVE7gKwrbDbNy3OFKQoMpkoaGWKPxLOk/DLqXD2yXwUpas4MBQLjnMDJI858hWXqdICQIBOf6QMyTxiRlpiOdVbLJFLe+IRjPeOYG4cIHzNeJbKG0KgDFO46DjnrUm+bESqUyZ6mfHU9aubXs7ahd6Fdke6okgawQMwBnVLmii2RLn2ktVhXjszikIOam1HEhXVJy8RBrfth9q27ws4dSMK05OtzOFXI70nUH6V+cGXCWiMxGsaeI/fxpk9j9+/ZbwShXuWgdkrkqZbP90p/rmroysfoyivaKsQeV7RRQAUUUUAFFFFABRRRQAUUUUAKHtNv/wCy2QpSSHHQUpI3D8R9QPGvz04ytWg+lfoL2sIR/p6ypIUQtGE7x3hMHdlIrMmtk0qMh8NAnuzGc9awqSsxyhFNClZpRkpBFMdldBSIEn1/fnV8vYdQTIfCo1EATFVDN0WgxhQ1GcnEtJSASBJwwSdYE65xWFt2RtSUVZFTeT2PLUjcdR4GqZSSTrB4HL40xX1s/aEpxFKiORx+kBXpS1250kGNx+hqYkTJt2Xm6w6laZC0kEeGkV+jdk9omrcwHWznotJ1QqMwRw4HeK/MziVQCRl0+VM2wd/qs1qQtM4VEJcE+8gmDI3kag8RzrWD2sWqw3I/RtQb7aCmHATHcV3uGRBPlNTq5WlvEhSeII8xTDE07O5lqLKGUIanEUCCRvkk/P8Ac163Y+3aKW3ClTa5ISYnLLTd9KrdoLUtJwkbjijLPfI6cYr25bGoEOpUUEjUc+W8UhIeSbd+ox3LalqVgeAKkgQoCJGYz50wFQ3aUmWm9QwoFS0dor3WyFFZ54EA1cXJe63/AH2sHmMwYIKVAFJ61aKaWSXa5ZrFfezi4tCgNCiT4HL986WNoNoFoc7JrFIBUspbLhATmYToYGZpo2HCXG/tCXC4FgBJKQDHvGYy38K0hF3TMqsltaGiiiimRQKKKWdu9o/sjBCD984CEfyge8s8k/GKASuZF7VL5Dl4O4SCEJDXiJx+RJpKftinFpGZMwBx4Dziu15LCjiBJxFUzrlvmrfYm5CUqtikLWlokNoQJUpQGZHIadZ4VlJ2VzaMbuw/7GbJYAFvd5esbh4U7vJEQBkKQrovl8ufwltDm52qFx7wzzSdcxl45UzXvfgZRiIBkTmYAB4n5DOl7NYY2rPK4EL2ibOhBVamBhP/ABUjQ/zRpNZzYrRhcSsapUFDqCD4VrV5Xum0Wd0JcQslJCkJSpJR/dmoeArIWG5P7y31rSvazF66V7o/XlhtSXW0OIMpWkKSeShIrvSf7KVH/Tmkme6BE/zIQsj+5Sqb6YFj2ivK9oAKKK8UYzOVAHtFeAzmKKAPaKKKACivKKAFv2jWfHd72/DhV5KTPpNYxYb4UUpaShCnZwFxaCvCkDuQBOZiOuuVbxtM1isrqToU59AQT6TX55uW0Bm2QrIL7mfHulPqI8axqcjdDMbGk3C253sYE4UlQTkkHTjG6rezspUAsQoHMQZkcQd451V29zsihePC2UwtMAhUaa1cJBUkFalBShKUIAK+RJOSR9DnurBLcNvwoLeyFjJMZaRSHtHs8knFEHcoa+PGtBsrGEQSSTmZUVeEndpw6VWX7HZqBElQgDmao1m4Rl0MSty1JcUgBQw8TOfgBXS6HYUCBJ4DeBn8qY9pbvJtJCUlRhBIEToJhOqhzGlUps4aKiuAsghDcgq7w95Q/AACYBhRVhyiSNcNFHdM/QexNrDtnStDvaIgABU40GBKVmYJHEAZRTDSN7MH0hkoUMLgMe6BiEYk5jU5nLUZ080zD6Uc+orSZm+3l1S9OQSZUZ3yBAH9c+dVV1umEcorQNr0o7EFQcJQcY7MJJhAJVJUCAMM+kZ0lvWHsXMMEA5gKyImFAEDQgFIPMGlasLO47RndK5cNWJtZx4E4t5iD5ivu0EJjDqTmdSTzO/SuKHcDeIhRSNcKSo8MgKi220lxJizWsEDuqCYmNNFZjXJVRdtGsaacsFkuzJJOICZkSB++NX2ziQG1AQAFZR0FJNgtDri+ycaeQ5GIqWAkBIMAwCYznLPQ7qe7gZKWROqiT8h6AVrTbcjDUQUI2LGiiimBEKwr2x2ubepJVkG209AZUR6g+VbPfttLNnddSJUhClAbpA38hqelfl7aW3do844FqcKlSXFarVGZjcOA3ACoZKI7jiQkyZTmBGRMax1rVvZw8Aw2nLICR11rGVuk5qM5ZcOdal7OXEvMZEhSSUmDwgj0NL1+ExvStbmn5D9eBQMkgSrIkDzzrk/Z0KcwLGWER1jd4E1V2aXQppxucCjBbXBI3KSDB0OaZO/XU8rQVId7OHnHVjMrwgISN5APc5ZSfOMc8jaiuCPtTZbPZWXXUpAVgIKtTEEgTwndWP2Me6eIz8DB9abvaXeKgAyVgyZIHBPHxgedJ7LhSByPxGf76cK3pLFxPUtblFdD9R7FWXs7DZxlJbSpUcVAExyGg5AVeUp+zG+kWm72cJBU0A04N6VJGWXAiCOtNdMCh7RRRQB8POhIKlGAN9Itt2hWpaUp+9JcCCE6D8RMbgE5550zbSKBawEe+fKIOXPSl9DbNlSVhKUlWZga9edY1Hmw3QUVHc1dlxdVqDbnZqJCXPcncrenx3dKKX7gsL1sfFoXiQwgygaYyDu5cT4dCrU27GVZR3YH+iiitDEKKKKAPh5IKSDmN/TfX5g2pu0tuPIMyhak569xRTPoK/UJr8+e2Gy9na1LQZSvvH+oCeveB86zqdBig+UGzO0aLTZ1WW1DEsA4FHVQG/nz89+T3s1aRhGDM/iUSST1JrBw32jfcntW1FQAyJQQmSDrKVCSOCp/CaudnNtbRZ1YDhViyk5EfI1lKm+UMQqp+GRudvtaWxKiPCoNhsqnFdq4I/IngOPWqXZV77Qe0dkqG45inNtYzHKseWbS8OEZ17R7lKoeSJyg9RJHpIrMVEhWVfo16yhxCkKzBrHbxuxItLiGwFYT7sxMEYgDvEyOOXKrxuTGEqie1cGjezHaHBZ0trSspPukIWpQJ3EJBkaQR0IG/RbK8ViSkpG4K18RupX2RZDFmShsuYTKvvMMpxQSnLKAZ0y1O+pqLUoFWEmTnOs+dbqW1ZEJQ3Nstr0s5WggCZyImJEgkTziOhNJe36+yeaUfdWiDG4pUSD/ujp0pjuy8148LkQd8xH74VQ+0JSVPMIO5JJ/qIA+FVqSTg2i1KLjUSZ8XLbUqGRBBrou61jEWX3WsWiZxpT+lJOXTTkKT7Td7rBxNkxUhvbFxCYUgKOg3UtGduR/bJZi/73G64roIWQtxbq1++4rXCJyA/CMzpxpzSIyFJWx14rUvG6AgKGEDhMESfCnamqNmrnP1Tk5+IKqL/vkMJhJT2iiAMRgCZJUd5gA5DMkpG+vL8vMoltsw4RrrhnTxrGNttqEpdwNJCngIU4o4igkAkSrUjichV3NXsikKV8ydkMHtCvi1M2YuF99PaLDaG8KEgpIUVKcGGUghJAQD11gZA4wSQPEc5/xUi1W5xwkKcKyMyVEngMvj4VzW0SJmRGtBTHQj2lvCMB11B6jQ+lMWxdods57RPulXeHGMj460rIEk+lbJs7cWKwN5ZkFX9yioehrGs8WGdNHxXZcps7T6e0QsDEMwQFZ8wd9Lm1F8t3ejuQ4+5OBAhMcVEDQVT3ndr6CSkqSORI+FKl83Q4JcWVEmMRJkx1NZQSbyNVqk4wsitctKnXC46rEScz00A4AVa2WzF0JQhMqJgAb9cv3oJO41Tr3fD5+NTbNeDjawW1FBjIjWmzl8mwexmwLatNrRkUtpQhxSTKVOTiHRSUkgjcTFazWdex1TbTLlnUkotJParkgh1K4CHGljJaIEayCDNaLVkQwr2vK9qSCmvvNxocMR+FUy7p+02lIX/CQMSx+YzCU9DmfCre3ql/9KQPOT9K8uBcuvdE/wDVWDScxlNxpl2hIAAAAAyAG6ivaK3FgooooAKKKKAFzae9SlQZRqRKjy3D5+VI22FzB9DRWCqFwYOeEgzHQwRzAq4LvavOOH8SjHQZD0rreOaU8iD/AG51zqk3KTZ06UFFJGP31sgtgkp7wEqkagCMx5jnS9arKtRkmQBixchv5mtlt0vrQ2lClyoRhGpiQMWiREkk6Cd8ROe2RYsjKMaUrtCyolWeESQThQchHdAMbzpTEbxjdm9ejCO2L+p9Ck2DtgdZEjC43koHIkbjHOnGxrzV0Hqap7qsbbRKgIJEGrBFqk91MqUQEp4/sml01ciUWdL/ALUtqzuKbCioJABSJwlWU9QJPhWVNsKKimCFyBB1TGZmeHyrW9o09m20yTKlHE4f3uACqWlI7RQEfmPmok+vwpl+CNzoaDU9xQlJLnr+kWez1vhGBQIaRmjiYGhPPXrV4u0lGeBThyK8AnCDwGpgSYEnKqRm3MtJhWfEAfWpF1XsC40kH3goa5wk92RuMSKzhJ2ycipG7ci9QtDgkQQd/wAarr0uYOQoe8NOg3VLvRopAcbHfBEpmAvMTO6Y0PLPKolw30H0k6EEgpOqSIkGpkk8MyjdLdE5sWXEmD0qL/ojIViKc6trYCk4k+NVzlok8ayaQxBt8H244hIipNkv1SMsUjgoE+utV+XCvm02fEhXMR50Rbvgl04ywyA/fyXXnOzJWTJUsCEJ4CZk+A8daWbDsQ3CipxanFTKwlIMkkkgGY4U52K70hA0kyfU/SpibOBQ5STwXl3cZeBcGSbSbCqs7RdZcK0IErSpIxQNSCkDFHA0n2da1nAkkzlxMfKv0LaWcsxkcj0OtLzGw1mQZbCkk/zKV6kya0jVdsisqKbwZ/cGyqnHEgzrpBy5qJ1PLpW22NgIbCBoAAPDKuF23QhlPdGfGppFQ227s0iklZC9tfeKbNZXHVAEgAIScsSlZJH73A1iNpvB20KKnFiB+HRI5JTv9Tzpw9sN5hVoaYkkNIxKAOWNek8wgD+/nS1s1YFLeaUllSwJUEhSUle4QVQkRmc61glFXMZ76knGN7LkqLSghQ94KmcxFfTMlY3xl9PlVntY6pb5dCA2mcKQDi9zfOhz4ZVduXUyi7y+twdqoJITkJx+7hH4gczI4HQgir7sFJ0JQbT6F5sHeLhSnApJW0S4zJIMSEOtriYGgJg5LSc8IjXLFtZZ1JBdV9nO8Pw2J07rh7i/6VGsW9jtjUXX3I7oQEzGclU5Hwz8OFa3c1pDbgSSQhWUTkCdCRpy8qqqlpWfBV0rwuuRksltbdEtrSsbikyD0IyNSK8Arhb3sDalbwMupyHrFbi6yUyXMS3FcVGOgyHwrzZs/fPdE/FVfNmRCPCvnZlX37v6R8aXi/GhuatBoZqKKKYFAooooAKr7/tXZ2dxW+IHVWQ+NWFK229oybaG84j4ZD1J8qpUlti2aUo7ppFPdzcAVQ7ZXvgBaR7y0weSSc/E6eJpmsicqr7h2UNptDlqeMICoaSP5cgTO4axxPKk6UNzO1pp0qc3Uq8R/b6IrLhu82VntFE9orQT7m8ADcc5JqyetLjoSpxRUYynhJO6ru87hVhUvEkhIMDMZAZnQ51XpayFaahtJIvU1Maz38u/49CvcyFdLvtRbcSUQVnISJgbz5ZeddnLI4swhtSucZeJr4csTrSHXlNq7qSE5b4gZDTOoo0//TCOyWG19hX2h2wcXaCcKCEFQBzzA7nGNc6vroggHPQRPDd9fGs4eGauWXz+VaHs6ruI/Sn4CrV3hHR7ToQo0oKCsTrbdiV8ialXPdiEOoOBIOGZHH3T6g12dTCSrgCfKul0CQV/mOXIEkj4k+NYw5PPzvYn38+UtHDqRCesGPWKzDYV5dmtbjDqicfeBO9Q18SP+WtIv5QAQVGAD8jFJG29zLQEWxtJ7kKmMo1GdaTvcKMVsz1H4qBEVV2hnCeVFz3gl5lDiTIUAfOrFaAoVV5KpuLK9tudK73mOzs7i4nCkqg5ThzOdRbXZ1p91RA5V0sd4ISysTjdX3QlSTkNCTIjj6VMLcs3thTWcrBDuV7GhtZBBCAI5ySfjVoVVGszECK+nTFUIlmTaPl9WgqQbMpJ58DrUBrvKpW2kMvED8IA+fzq8YXVxjTad1pbb29hyvG90WdsrdMAaCQCokwAJIzJikDaX2lKQCmzFtTm+EKUlHGVqKcZ6JjnRdt1i0PJS+4taRJwlZ3AwBnPgKur12PYWyWmkJaClJKiBBITnE68K0jApX0k6ctt0Z7s3sjabwc7Z3EGyZU4rMrJMnCN/XSp9qsgaWtoDJtRSP6TlTFZb4fbQlCHVBKUgJACMgNN1WzOyzdosirY+66HFFRUU4Y7qsMkYeAz86mzbH9JSXZ731Xh4xl3f48jNL0RPZnIhKu8D+UggyKr7BZC6+GwTgBOZkhCc1JAHTdzNP8AtBd1n+zBFnAUrFJdEKIGqpWNSdMPpArr7Lti1OoW+4IQod0KkGVDiOCcO7f1q1n0Fe0K9OpU3SWH/tY/ePwMuy9mQwwltuMOvUnnvNT7S2apvs7ljc7JwZfhVqCORpjsawoVhboxHjK4Lu4bw7RGFR76deY3Gvm/nPcR+Yyeif8AJHlVO+yUnEiQoaEV82W1recxLiUjCIEaEyesz5VqqnhszDurS3LgsHskGouyipfd/SPjUm2qhNQtjBLz53AJHmVH5VEfrQT+hjdRRRTIoFFFFABSHtA9jta+CAEjwEn1Jp7UYEndWbtKxuLX+ZRPmSaW1LwkN6RZbLJkxGmZAEmB4nhTZZWwEAJMgb+PE5cTnSNbHwFBPCPNWL5D1qwsjpAkEjplVqKtEaq6dzincudoX4R2Y1Vr+nf50tMukkN5Y5A1nWIJ8CDFLFv2xe7VSpC0EnCFD8CchBEHM55zXtwbQKW+VJbCTmslSsQ4JTEDTdwCedWmlLk6FPsyrSo5S8/c1WzthIyHTpu/fOuF7LhATvJny/z8KqWL7dOoT/afrS5eG3QDriXWz3O6nBvjWQdM5z9Kvc5un7PrTqYV7HHam5g6AltCe1UvIhOZyIgwJM17dNmU0Q0uMSISqMxIABg785qLcO2LyrQo4G4wd1MEkQpAjFOpk51ctCXSTqTJ6nWlq9sI6Wr76nFUqnCz5lnaldzCNVZfWp9mahKRUFhvGscB+zVuhOfSqxV2cmTF3b0q7CEa4h5ZzVHcTSl2eCpRiUwYzBzETug+lWPtBc7iBxXPkD9a9uDOztznlHkSK3jk6tHwaRerKHZm0qs767MsQk99rgQfeA8c/E09MOVUbSsOuIsyGGQSQvE9hnBg4kaeOtQ9mb8S83MwoZLTPun6VlUjZilaO/x2/rtfA1uImq60WLeNam2V6uy0xnWbjcWUnEr20ka1GtTgrvbnq4XY2FuZkZZxx4fPyojG7si7dluZLuW7y6gqQRkopUDIIKT04QfGli8bidU64ZbPeV+I8TyrR7Jksn84BP6kiPVOH+2le8iEuuA5d4+pkelN7UlY20Wpmpvb5FTs7sw4XcSgnuCU97ecp8qZ3rodCTkNDvHCoWzjAVagtLygEoMoCu6rcJE7pnwFOC8wRxFTFYK63V1O9V3fC6cGQJuB7LJI/qHypmZvb7NYuyKEkgEEhRglaieHOuSnppY2gtckIByTmeu7986q3Y6qjLVSUanCdyLeV49rDSUYZ1GIkRvA0wzplxrWNjbOUWRrEACoYoHA+7/tisy2WuntXBkZUoAHlqo/vhWzNoCQEgQAAAOQyFFPzOf2zsjJQjyRL1uxFoRgWOh3pPEUku2d2yLwrzSfdUND9DyrQ65WizpWkpWkKSdQatOCkcmlWcMPgVrNbAuutgbw661ztezK2yVWdUj8itfA6Go32oo/iJUg8wY86wkmuRpbZfSybeLvdqTsWxDBXvcWpXgO6Ph61U2q0dqnA0MazkAN3MncOdNl2WTsmm29cKQCeJjM+Jk1NFXlcy1HhikSqKKKZFAooooAgX6/gs7iv5SB45fOk+6mMppj2wXFnj8ygPn8qqLCiEUnXd5pD2nxBv1KF+wuOWtzs4OFLZwkwY74kTka77ROLZsq8QKCoYQSI97I59K7O2xLFsaWowlxJbUdwzBST4mPGmS+GlrahIxQQSPzATIralmA4tTKnUgprw4/XqYhaQIVnoAAMtd85yN5mDTFsjYe6pzeThHRMz6lXpXW8nGFCSgEgzgEJkmMRiQCY48Kd9jS2ttSewSmDizSn8RORjfIJ8askdrXa5x099r5IlnbOHwNZlfyYtLwP/yK9VE/A1vwsTf5E+VIO0twWYuOLLcEkyQpQ9AYqzVhDsvtGEarunlCVsU3itPIJJPmmPX4U9NctVE+AnKqXZmwoQXFNg94xmZyTMepPlVzdZkpPH9ikakt02T2pWVSs2uBhsLMCpJMV41pXO0KitlhHG5Yl7b4nHW0ISpUAkwCdYA+Bq02Sut1TEQE4VEd48e9oJ418XhiR31JWQv3YGWmmcZ+lS7hvnsUuFaYTGKZ73dmZTpp/NWsFY6k6k3plCmr2/vkuLXeLdhZSHySFrwjCn82sydBBNZ3tBcAs1o7dlZGJIJiMJ3EEbxIq9tu1DFqSVuNhKGyAMRxEk5jIDIiNM6rbXfKMJZcQVYSvMEGQpalpyMaYqmVmGm01SHMXd/Vx+vt8ljs5egc7sjFrE+dX1otIArJLWlbDiXGgEgwUmCDnnmQaarqvN5yxrcISp0KwhRVpJSMkjeASfCsthTUadRd11diTeV4wrAjvL9E9eJ5VZC7vsiWLQpajKkB0qI/4iSJmBAGnjVbdVgwJlWtNu2iUC7rRjGQQI5KGHAfBUGtIwSRlWtTlGC4eH/e5LcvNsoVgdRiAlOY1G7x08aRb/vZ3tiSRmkHQHlw5Ur3btUsRKEnxNdLffPaqScOGBBnqT86hzudHRdnd3K9rr1sXdyvqVaULxEKSDBEDQHXjqaa13o+NF+GFP0pFu+yYiCXGkjf34UOkxTBaLxSjMqbPRxB/wCqpTJ1dGM5qyTx5FPdtve+0lJCSElRgp1wmEzmcpIqQ8yDMs5/mASR5Kg1V/68lNoW5gKkkRAInRP0NdVbWt72nR/+f/fVcDVSnUUlJRthGq3NdSGgISkFKQBkAc9SSN5q2qm2Xv1u1trcbBASvCQqJkJSdxI31c1svQ8dV372p8hRRRUmYV4RXtFAHyhsDQAdBFfVFFABRRRQAUUUUALe2Ssmk8VH0ioeLC3XLau0YrUhA/4Yz6qzPphr6vFP3WXCkarvNs6FFeFIS9v3iUspBgle7h/5imqw7QuwMQQY1MYT/tgUkbQuly1MnVCMAPIqhRnhkU1YXvaylhakdJ/UYy+NbUlaKO7/AIsZ0qcJK9/llZa79aWsFaCClZUlQhWispyEgiRT1sVfjKiuMSZCdQY1VGfSPCsntFnyCgcyopwxuEYSDv3jlHOnbZN8NsqABKlLMADcAlIz4ZGtRrtDR03p7K/99zVUWpB0Wn+4Vnm1VugKPGTXS91KbYdcWRiwEJA/CVZDqc/Ss+uWwOWl5LYUvAM15mI4eP1qJyssnN0GhhTjKs5YQ/7HWU9mknfn551KXZC3aMCfdIxp5SSCPA/EVd2FgNpArhbz30rGqZHUGPpSajjJz6lVzqORYNmBS5tbfAZaMe+ruoHM7+gGdXrDhV3cKsR3EGlnam70C0JCkhRS2M1Cc1KUTE6ZAeVb7bhpYxdVKX3OdilSEFRUpRSmSSSTkNSa9vfusOEfl4cYHzp6s9gawj7tvQfhTw6VFvywM9gsFCN24D8Qre2C8ddF1Fjr8iNszc32izKxILg7TcYzCRvkcaXrxQsOKC0FCuByjcKfXLpYcsga7YWdPaFRwqGeUQROf+BUa0WRpxal4WlE594JUfM1Wx0KWsXeSb4u8eXxn4Id22FDlnbxAe78zHpFTW7ubTokU43bY2w039237qdEjh0qQqztjVKB4Jq205dTX+J4fJjlot7iHVhK1ABZgTI1O4zApy2jtK7RYGGYBctRQCcgEjEFFXLd4TwqPaC3iUfuxJJ/DvJq0sJS7aGsMYWkwI07qSD/ALifKqoc1FWEtstv05/C/wCinadiGgoJThTAzwlZzOgzUNB8aYrH7OrN2acePHEkhSh6EmpSEYnI/Mr0J+lNThhJ5CpUULV9dqIRjGMmvtgzhvZhkb1+af8Atq9d9n1lVvd8FJ/7a+UHOm+hRRXU6yvFq03+TLbRsSwlahjdyJylOgP6auP/AExspB+8fMju95OU6aIzqzvVMOq/eoBpgsSpbQf5R8KFFFq+v1GyLU2KWwd3psvatIxyTiVizB/DlwIyFOaTNK14vdhaCoGM8+aTBPzq9s9ubKsIWkk7gZqVjApqlKcu881cm0UUVYTCiiigAooooAKKKKACiiigBCtiJtbx/mj0FWFrTKI5VHtf/unv1D/lTUm06Vz5cs6UeF9ik2EuVKsVoXJlRCAeWRPy8DVltlZ2VthsoTJIUSO7AGmm8nLzq0uEQw3H5RVTtR/E8BTqVomlOrKrq9zfHHtwJbOyiVuJwOKkmADBzJABnkTNaBZNlQwgBtYUoAAYhGmQ0mqnZQffDqPnTyfeqYo27S11bcobsGZbf2V9DSEYFKxEqUU94ZdMwM9/Cpuxd1BloSO8c1Hmf3FWu2h76eg+JrpdvuCl63KRaeplLSxh55fqd3DVNbLd32205rdWEJgzE5qJ5BIJq1tfu0v3GJvVmc4bcI5ZbqygrzsL00rNvom/wrmh3jbAy2pw/hGQ4ncPOkRCy8src7yjnpp05Uw7bn7lH6/kapbtGlaV5NysL6ZJR3FhZ2ABMCpDZE6CgaV8s61VYJeSWK+Usp/KnyFfSa+hVyhzcSOA8qiOoHAeVS11wcqrJRU2u0pZSVmBh067st+ecVU3RtCENuFKVYg3hBVGSlkQd86TXTa/+D/UPgqlqze6rqj4OVaDsdrR6aE6LlLzGK47zeU7mrJKTuA1hO4cCfKry8Le4lpw41e4rfyNLWzX8RXT5mrq+P4Lv6a2XBGopx79Ky6Ct9oXI76/7j9adftCgonEdNZPGkXeOtOq9T0NQjTWxXh9/godoHVJeJxKzSM5PT5VZ3e+osI7ypjidxIqp2m99P8A9fzVVncn8FHQ/wDMaOpFRLuIsrNpBKkK4pjyP+al3e8cCFA5gDPmn/IqLf8A+Dqr/pr25/4f9R+AqOpo1egv7zNOu21h1tKxvGY4HePOpNLmxp7ro3Yh8P8AxTHWqd0eYr01Co4oKKKKkxCiiigAooooA//Z"/>
+          <p:cNvSpPr>
+            <a:spLocks noChangeAspect="1" noChangeArrowheads="1"/>
+          </p:cNvSpPr>
+          <p:nvPr/>
+        </p:nvSpPr>
+        <p:spPr bwMode="auto">
+          <a:xfrm>
+            <a:off x="307975" y="7937"/>
+            <a:ext cx="304800" cy="304801"/>
+          </a:xfrm>
+          <a:prstGeom prst="rect">
+            <a:avLst/>
+          </a:prstGeom>
+          <a:noFill/>
+          <a:extLst>
+            <a:ext uri="{909E8E84-426E-40DD-AFC4-6F175D3DCCD1}">
+              <a14:hiddenFill xmlns:a14="http://schemas.microsoft.com/office/drawing/2010/main">
+                <a:solidFill>
+                  <a:srgbClr val="FFFFFF"/>
+                </a:solidFill>
+              </a14:hiddenFill>
+            </a:ext>
+          </a:extLst>
+        </p:spPr>
+        <p:txBody>
+          <a:bodyPr vert="horz" wrap="square" lIns="91440" tIns="45720" rIns="91440" bIns="45720" numCol="1" anchor="t" anchorCtr="0" compatLnSpc="1">
+            <a:prstTxWarp prst="textNoShape">
+              <a:avLst/>
+            </a:prstTxWarp>
+          </a:bodyPr>
+          <a:lstStyle/>
+          <a:p>
+            <a:endParaRPr lang="nl-BE"/>
+          </a:p>
+        </p:txBody>
+      </p:sp>
+      <p:sp>
+        <p:nvSpPr>
+          <p:cNvPr id="6" name="AutoShape 6" descr="data:image/jpeg;base64,/9j/4AAQSkZJRgABAQAAAQABAAD/2wCEAAkGBxQTEhUUExQUFRUXGRwaFxcYFxgYHBkcGBsXGBceGhcaHCggGBwlGxwVITEhJSkrLi4uGB8zODMsNygtLisBCgoKDg0OGxAQGywkICQsLzQ0MCwsLyw0LywsLCwsLCwsLCwsLCwsLCwsLC8sLSwsLCwsLCwsLCwsLCwsLCwsLP/AABEIAKoBKAMBIgACEQEDEQH/xAAcAAACAwEBAQEAAAAAAAAAAAAABgQFBwMBAgj/xABDEAABAwEFBQUFBgUCBQUAAAABAgMRAAQFEiExBkFRYXETIoGRoQcyscHRFCNCUnLwM2KCkuEVokOywtLxFzRTc5P/xAAaAQACAwEBAAAAAAAAAAAAAAAABAECAwUG/8QALREAAgEDAwEHBQADAQAAAAAAAAECAxEhBBIxQQUTIlFhgcEycZGh8BSx0UL/2gAMAwEAAhEDEQA/ANxooooAKKKKACiiigAooooAKKKKACiiigAooooAK+HkSkjiCPOvm0vhAk+A41CZvBS80hOE6HP47/KobSJSfJkF13la7of7FYkQFLaJlC0nLEhX4Tkc+WYrXNn9oGbY3jaVmPeQclJ6j56Gl7aFVnL3aONdq6EhOQkAAkiRvzJry6HGv4jCUpKcu6IOfLeDw+lYqqk7HS1NWFeKk42l5rr7DvRVVYr5SrJcJ3TunTPhUxVvaGrjY/rT9a2TT4OdsfkSaK5svpX7qkq6EH4V0qStrBRRRQAUUV8OupSCpRCUjMkkAAcydKAPuiky8fadYGlQFrc/mQmU+CiQD4VKu/2hXe6BFoSgnc4Cj1OXrQA00VzZeStIUhQUk6FJBB6EV0oAKKKKACiiigAooooAKKKKACiiigAooooAK8UYzOQr2sW9pu2i1uqZaWAwjIxP3qt+Y1SOA69KydkXhDcx32h9oDDEpQUrVxmR4Aa+lJr3tNtSj3QlI5JBPkZrNVvrcVmTyE1fXPOh14fQGlJyl5nQpUoeQ/3T7RngR2oS4nfAwqHll6U/3NfjNpTLSpI1SclDw+YrDrTagnSCeBEHy3+BqJZ79UhYW2ooWDIg5GphUmuckVKEJcYP0dRSjsNtkm2JwOQl8ajcrmPpTdTcZKSujnyi4uzCiioN8Wvs2ydNfQE5c/8APChuxCVxNt95LtltNnQYYbGJ4g5lP4Wxwx5TyNTn7yzy3ECB+EZDTpSfslbVtIdtChKn3CojgBMeGJShHIVftQ4VOBREq4dJ/ennS0pD1eKjLYuFj36/sj7RMKjGgmYnQHPjnw0oW+GYMwXEJUeeoUSBoNPFR51Y2m1pEBK2iRr3VKV/aFYZ61D/ANH7RZWoqJIMlWp3QeA5bqz6lFFsonL8BWtsnMyM9/CfrwFK1tu1SYVAOM5AJgydBE5+fhT/AG7Z5tQjDoNd/WautkboZcIcdbSp9kxizjP3VYZictY4cBWlPLsO6fVf412729CVsRsimxJK8Si44hAcGWFJEkhMDSTvnSmmiimkrHKq1Z1Zuc3dsKKKKDM4Wy1IaQpxwhKEiVE7gKwrbDbNy3OFKQoMpkoaGWKPxLOk/DLqXD2yXwUpas4MBQLjnMDJI858hWXqdICQIBOf6QMyTxiRlpiOdVbLJFLe+IRjPeOYG4cIHzNeJbKG0KgDFO46DjnrUm+bESqUyZ6mfHU9aubXs7ahd6Fdke6okgawQMwBnVLmii2RLn2ktVhXjszikIOam1HEhXVJy8RBrfth9q27ws4dSMK05OtzOFXI70nUH6V+cGXCWiMxGsaeI/fxpk9j9+/ZbwShXuWgdkrkqZbP90p/rmroysfoyivaKsQeV7RRQAUUUUAFFFFABRRRQAUUUUAKHtNv/wCy2QpSSHHQUpI3D8R9QPGvz04ytWg+lfoL2sIR/p6ypIUQtGE7x3hMHdlIrMmtk0qMh8NAnuzGc9awqSsxyhFNClZpRkpBFMdldBSIEn1/fnV8vYdQTIfCo1EATFVDN0WgxhQ1GcnEtJSASBJwwSdYE65xWFt2RtSUVZFTeT2PLUjcdR4GqZSSTrB4HL40xX1s/aEpxFKiORx+kBXpS1250kGNx+hqYkTJt2Xm6w6laZC0kEeGkV+jdk9omrcwHWznotJ1QqMwRw4HeK/MziVQCRl0+VM2wd/qs1qQtM4VEJcE+8gmDI3kag8RzrWD2sWqw3I/RtQb7aCmHATHcV3uGRBPlNTq5WlvEhSeII8xTDE07O5lqLKGUIanEUCCRvkk/P8Ac163Y+3aKW3ClTa5ISYnLLTd9KrdoLUtJwkbjijLPfI6cYr25bGoEOpUUEjUc+W8UhIeSbd+ox3LalqVgeAKkgQoCJGYz50wFQ3aUmWm9QwoFS0dor3WyFFZ54EA1cXJe63/AH2sHmMwYIKVAFJ61aKaWSXa5ZrFfezi4tCgNCiT4HL986WNoNoFoc7JrFIBUspbLhATmYToYGZpo2HCXG/tCXC4FgBJKQDHvGYy38K0hF3TMqsltaGiiiimRQKKKWdu9o/sjBCD984CEfyge8s8k/GKASuZF7VL5Dl4O4SCEJDXiJx+RJpKftinFpGZMwBx4Dziu15LCjiBJxFUzrlvmrfYm5CUqtikLWlokNoQJUpQGZHIadZ4VlJ2VzaMbuw/7GbJYAFvd5esbh4U7vJEQBkKQrovl8ufwltDm52qFx7wzzSdcxl45UzXvfgZRiIBkTmYAB4n5DOl7NYY2rPK4EL2ibOhBVamBhP/ABUjQ/zRpNZzYrRhcSsapUFDqCD4VrV5Xum0Wd0JcQslJCkJSpJR/dmoeArIWG5P7y31rSvazF66V7o/XlhtSXW0OIMpWkKSeShIrvSf7KVH/Tmkme6BE/zIQsj+5Sqb6YFj2ivK9oAKKK8UYzOVAHtFeAzmKKAPaKKKACivKKAFv2jWfHd72/DhV5KTPpNYxYb4UUpaShCnZwFxaCvCkDuQBOZiOuuVbxtM1isrqToU59AQT6TX55uW0Bm2QrIL7mfHulPqI8axqcjdDMbGk3C253sYE4UlQTkkHTjG6rezspUAsQoHMQZkcQd451V29zsihePC2UwtMAhUaa1cJBUkFalBShKUIAK+RJOSR9DnurBLcNvwoLeyFjJMZaRSHtHs8knFEHcoa+PGtBsrGEQSSTmZUVeEndpw6VWX7HZqBElQgDmao1m4Rl0MSty1JcUgBQw8TOfgBXS6HYUCBJ4DeBn8qY9pbvJtJCUlRhBIEToJhOqhzGlUps4aKiuAsghDcgq7w95Q/AACYBhRVhyiSNcNFHdM/QexNrDtnStDvaIgABU40GBKVmYJHEAZRTDSN7MH0hkoUMLgMe6BiEYk5jU5nLUZ080zD6Uc+orSZm+3l1S9OQSZUZ3yBAH9c+dVV1umEcorQNr0o7EFQcJQcY7MJJhAJVJUCAMM+kZ0lvWHsXMMEA5gKyImFAEDQgFIPMGlasLO47RndK5cNWJtZx4E4t5iD5ivu0EJjDqTmdSTzO/SuKHcDeIhRSNcKSo8MgKi220lxJizWsEDuqCYmNNFZjXJVRdtGsaacsFkuzJJOICZkSB++NX2ziQG1AQAFZR0FJNgtDri+ycaeQ5GIqWAkBIMAwCYznLPQ7qe7gZKWROqiT8h6AVrTbcjDUQUI2LGiiimBEKwr2x2ubepJVkG209AZUR6g+VbPfttLNnddSJUhClAbpA38hqelfl7aW3do844FqcKlSXFarVGZjcOA3ACoZKI7jiQkyZTmBGRMax1rVvZw8Aw2nLICR11rGVuk5qM5ZcOdal7OXEvMZEhSSUmDwgj0NL1+ExvStbmn5D9eBQMkgSrIkDzzrk/Z0KcwLGWER1jd4E1V2aXQppxucCjBbXBI3KSDB0OaZO/XU8rQVId7OHnHVjMrwgISN5APc5ZSfOMc8jaiuCPtTZbPZWXXUpAVgIKtTEEgTwndWP2Me6eIz8DB9abvaXeKgAyVgyZIHBPHxgedJ7LhSByPxGf76cK3pLFxPUtblFdD9R7FWXs7DZxlJbSpUcVAExyGg5AVeUp+zG+kWm72cJBU0A04N6VJGWXAiCOtNdMCh7RRRQB8POhIKlGAN9Itt2hWpaUp+9JcCCE6D8RMbgE5550zbSKBawEe+fKIOXPSl9DbNlSVhKUlWZga9edY1Hmw3QUVHc1dlxdVqDbnZqJCXPcncrenx3dKKX7gsL1sfFoXiQwgygaYyDu5cT4dCrU27GVZR3YH+iiitDEKKKKAPh5IKSDmN/TfX5g2pu0tuPIMyhak569xRTPoK/UJr8+e2Gy9na1LQZSvvH+oCeveB86zqdBig+UGzO0aLTZ1WW1DEsA4FHVQG/nz89+T3s1aRhGDM/iUSST1JrBw32jfcntW1FQAyJQQmSDrKVCSOCp/CaudnNtbRZ1YDhViyk5EfI1lKm+UMQqp+GRudvtaWxKiPCoNhsqnFdq4I/IngOPWqXZV77Qe0dkqG45inNtYzHKseWbS8OEZ17R7lKoeSJyg9RJHpIrMVEhWVfo16yhxCkKzBrHbxuxItLiGwFYT7sxMEYgDvEyOOXKrxuTGEqie1cGjezHaHBZ0trSspPukIWpQJ3EJBkaQR0IG/RbK8ViSkpG4K18RupX2RZDFmShsuYTKvvMMpxQSnLKAZ0y1O+pqLUoFWEmTnOs+dbqW1ZEJQ3Nstr0s5WggCZyImJEgkTziOhNJe36+yeaUfdWiDG4pUSD/ujp0pjuy8148LkQd8xH74VQ+0JSVPMIO5JJ/qIA+FVqSTg2i1KLjUSZ8XLbUqGRBBrou61jEWX3WsWiZxpT+lJOXTTkKT7Td7rBxNkxUhvbFxCYUgKOg3UtGduR/bJZi/73G64roIWQtxbq1++4rXCJyA/CMzpxpzSIyFJWx14rUvG6AgKGEDhMESfCnamqNmrnP1Tk5+IKqL/vkMJhJT2iiAMRgCZJUd5gA5DMkpG+vL8vMoltsw4RrrhnTxrGNttqEpdwNJCngIU4o4igkAkSrUjichV3NXsikKV8ydkMHtCvi1M2YuF99PaLDaG8KEgpIUVKcGGUghJAQD11gZA4wSQPEc5/xUi1W5xwkKcKyMyVEngMvj4VzW0SJmRGtBTHQj2lvCMB11B6jQ+lMWxdods57RPulXeHGMj460rIEk+lbJs7cWKwN5ZkFX9yioehrGs8WGdNHxXZcps7T6e0QsDEMwQFZ8wd9Lm1F8t3ejuQ4+5OBAhMcVEDQVT3ndr6CSkqSORI+FKl83Q4JcWVEmMRJkx1NZQSbyNVqk4wsitctKnXC46rEScz00A4AVa2WzF0JQhMqJgAb9cv3oJO41Tr3fD5+NTbNeDjawW1FBjIjWmzl8mwexmwLatNrRkUtpQhxSTKVOTiHRSUkgjcTFazWdex1TbTLlnUkotJParkgh1K4CHGljJaIEayCDNaLVkQwr2vK9qSCmvvNxocMR+FUy7p+02lIX/CQMSx+YzCU9DmfCre3ql/9KQPOT9K8uBcuvdE/wDVWDScxlNxpl2hIAAAAAyAG6ivaK3FgooooAKKKKAFzae9SlQZRqRKjy3D5+VI22FzB9DRWCqFwYOeEgzHQwRzAq4LvavOOH8SjHQZD0rreOaU8iD/AG51zqk3KTZ06UFFJGP31sgtgkp7wEqkagCMx5jnS9arKtRkmQBixchv5mtlt0vrQ2lClyoRhGpiQMWiREkk6Cd8ROe2RYsjKMaUrtCyolWeESQThQchHdAMbzpTEbxjdm9ejCO2L+p9Ck2DtgdZEjC43koHIkbjHOnGxrzV0Hqap7qsbbRKgIJEGrBFqk91MqUQEp4/sml01ciUWdL/ALUtqzuKbCioJABSJwlWU9QJPhWVNsKKimCFyBB1TGZmeHyrW9o09m20yTKlHE4f3uACqWlI7RQEfmPmok+vwpl+CNzoaDU9xQlJLnr+kWez1vhGBQIaRmjiYGhPPXrV4u0lGeBThyK8AnCDwGpgSYEnKqRm3MtJhWfEAfWpF1XsC40kH3goa5wk92RuMSKzhJ2ycipG7ci9QtDgkQQd/wAarr0uYOQoe8NOg3VLvRopAcbHfBEpmAvMTO6Y0PLPKolw30H0k6EEgpOqSIkGpkk8MyjdLdE5sWXEmD0qL/ojIViKc6trYCk4k+NVzlok8ayaQxBt8H244hIipNkv1SMsUjgoE+utV+XCvm02fEhXMR50Rbvgl04ywyA/fyXXnOzJWTJUsCEJ4CZk+A8daWbDsQ3CipxanFTKwlIMkkkgGY4U52K70hA0kyfU/SpibOBQ5STwXl3cZeBcGSbSbCqs7RdZcK0IErSpIxQNSCkDFHA0n2da1nAkkzlxMfKv0LaWcsxkcj0OtLzGw1mQZbCkk/zKV6kya0jVdsisqKbwZ/cGyqnHEgzrpBy5qJ1PLpW22NgIbCBoAAPDKuF23QhlPdGfGppFQ227s0iklZC9tfeKbNZXHVAEgAIScsSlZJH73A1iNpvB20KKnFiB+HRI5JTv9Tzpw9sN5hVoaYkkNIxKAOWNek8wgD+/nS1s1YFLeaUllSwJUEhSUle4QVQkRmc61glFXMZ76knGN7LkqLSghQ94KmcxFfTMlY3xl9PlVntY6pb5dCA2mcKQDi9zfOhz4ZVduXUyi7y+twdqoJITkJx+7hH4gczI4HQgir7sFJ0JQbT6F5sHeLhSnApJW0S4zJIMSEOtriYGgJg5LSc8IjXLFtZZ1JBdV9nO8Pw2J07rh7i/6VGsW9jtjUXX3I7oQEzGclU5Hwz8OFa3c1pDbgSSQhWUTkCdCRpy8qqqlpWfBV0rwuuRksltbdEtrSsbikyD0IyNSK8Arhb3sDalbwMupyHrFbi6yUyXMS3FcVGOgyHwrzZs/fPdE/FVfNmRCPCvnZlX37v6R8aXi/GhuatBoZqKKKYFAooooAKr7/tXZ2dxW+IHVWQ+NWFK229oybaG84j4ZD1J8qpUlti2aUo7ppFPdzcAVQ7ZXvgBaR7y0weSSc/E6eJpmsicqr7h2UNptDlqeMICoaSP5cgTO4axxPKk6UNzO1pp0qc3Uq8R/b6IrLhu82VntFE9orQT7m8ADcc5JqyetLjoSpxRUYynhJO6ru87hVhUvEkhIMDMZAZnQ51XpayFaahtJIvU1Maz38u/49CvcyFdLvtRbcSUQVnISJgbz5ZeddnLI4swhtSucZeJr4csTrSHXlNq7qSE5b4gZDTOoo0//TCOyWG19hX2h2wcXaCcKCEFQBzzA7nGNc6vroggHPQRPDd9fGs4eGauWXz+VaHs6ruI/Sn4CrV3hHR7ToQo0oKCsTrbdiV8ialXPdiEOoOBIOGZHH3T6g12dTCSrgCfKul0CQV/mOXIEkj4k+NYw5PPzvYn38+UtHDqRCesGPWKzDYV5dmtbjDqicfeBO9Q18SP+WtIv5QAQVGAD8jFJG29zLQEWxtJ7kKmMo1GdaTvcKMVsz1H4qBEVV2hnCeVFz3gl5lDiTIUAfOrFaAoVV5KpuLK9tudK73mOzs7i4nCkqg5ThzOdRbXZ1p91RA5V0sd4ISysTjdX3QlSTkNCTIjj6VMLcs3thTWcrBDuV7GhtZBBCAI5ySfjVoVVGszECK+nTFUIlmTaPl9WgqQbMpJ58DrUBrvKpW2kMvED8IA+fzq8YXVxjTad1pbb29hyvG90WdsrdMAaCQCokwAJIzJikDaX2lKQCmzFtTm+EKUlHGVqKcZ6JjnRdt1i0PJS+4taRJwlZ3AwBnPgKur12PYWyWmkJaClJKiBBITnE68K0jApX0k6ctt0Z7s3sjabwc7Z3EGyZU4rMrJMnCN/XSp9qsgaWtoDJtRSP6TlTFZb4fbQlCHVBKUgJACMgNN1WzOyzdosirY+66HFFRUU4Y7qsMkYeAz86mzbH9JSXZ731Xh4xl3f48jNL0RPZnIhKu8D+UggyKr7BZC6+GwTgBOZkhCc1JAHTdzNP8AtBd1n+zBFnAUrFJdEKIGqpWNSdMPpArr7Lti1OoW+4IQod0KkGVDiOCcO7f1q1n0Fe0K9OpU3SWH/tY/ePwMuy9mQwwltuMOvUnnvNT7S2apvs7ljc7JwZfhVqCORpjsawoVhboxHjK4Lu4bw7RGFR76deY3Gvm/nPcR+Yyeif8AJHlVO+yUnEiQoaEV82W1recxLiUjCIEaEyesz5VqqnhszDurS3LgsHskGouyipfd/SPjUm2qhNQtjBLz53AJHmVH5VEfrQT+hjdRRRTIoFFFFABSHtA9jta+CAEjwEn1Jp7UYEndWbtKxuLX+ZRPmSaW1LwkN6RZbLJkxGmZAEmB4nhTZZWwEAJMgb+PE5cTnSNbHwFBPCPNWL5D1qwsjpAkEjplVqKtEaq6dzincudoX4R2Y1Vr+nf50tMukkN5Y5A1nWIJ8CDFLFv2xe7VSpC0EnCFD8CchBEHM55zXtwbQKW+VJbCTmslSsQ4JTEDTdwCedWmlLk6FPsyrSo5S8/c1WzthIyHTpu/fOuF7LhATvJny/z8KqWL7dOoT/afrS5eG3QDriXWz3O6nBvjWQdM5z9Kvc5un7PrTqYV7HHam5g6AltCe1UvIhOZyIgwJM17dNmU0Q0uMSISqMxIABg785qLcO2LyrQo4G4wd1MEkQpAjFOpk51ctCXSTqTJ6nWlq9sI6Wr76nFUqnCz5lnaldzCNVZfWp9mahKRUFhvGscB+zVuhOfSqxV2cmTF3b0q7CEa4h5ZzVHcTSl2eCpRiUwYzBzETug+lWPtBc7iBxXPkD9a9uDOztznlHkSK3jk6tHwaRerKHZm0qs767MsQk99rgQfeA8c/E09MOVUbSsOuIsyGGQSQvE9hnBg4kaeOtQ9mb8S83MwoZLTPun6VlUjZilaO/x2/rtfA1uImq60WLeNam2V6uy0xnWbjcWUnEr20ka1GtTgrvbnq4XY2FuZkZZxx4fPyojG7si7dluZLuW7y6gqQRkopUDIIKT04QfGli8bidU64ZbPeV+I8TyrR7Jksn84BP6kiPVOH+2le8iEuuA5d4+pkelN7UlY20Wpmpvb5FTs7sw4XcSgnuCU97ecp8qZ3rodCTkNDvHCoWzjAVagtLygEoMoCu6rcJE7pnwFOC8wRxFTFYK63V1O9V3fC6cGQJuB7LJI/qHypmZvb7NYuyKEkgEEhRglaieHOuSnppY2gtckIByTmeu7986q3Y6qjLVSUanCdyLeV49rDSUYZ1GIkRvA0wzplxrWNjbOUWRrEACoYoHA+7/tisy2WuntXBkZUoAHlqo/vhWzNoCQEgQAAAOQyFFPzOf2zsjJQjyRL1uxFoRgWOh3pPEUku2d2yLwrzSfdUND9DyrQ65WizpWkpWkKSdQatOCkcmlWcMPgVrNbAuutgbw661ztezK2yVWdUj8itfA6Go32oo/iJUg8wY86wkmuRpbZfSybeLvdqTsWxDBXvcWpXgO6Ph61U2q0dqnA0MazkAN3MncOdNl2WTsmm29cKQCeJjM+Jk1NFXlcy1HhikSqKKKZFAooooAgX6/gs7iv5SB45fOk+6mMppj2wXFnj8ygPn8qqLCiEUnXd5pD2nxBv1KF+wuOWtzs4OFLZwkwY74kTka77ROLZsq8QKCoYQSI97I59K7O2xLFsaWowlxJbUdwzBST4mPGmS+GlrahIxQQSPzATIralmA4tTKnUgprw4/XqYhaQIVnoAAMtd85yN5mDTFsjYe6pzeThHRMz6lXpXW8nGFCSgEgzgEJkmMRiQCY48Kd9jS2ttSewSmDizSn8RORjfIJ8askdrXa5x099r5IlnbOHwNZlfyYtLwP/yK9VE/A1vwsTf5E+VIO0twWYuOLLcEkyQpQ9AYqzVhDsvtGEarunlCVsU3itPIJJPmmPX4U9NctVE+AnKqXZmwoQXFNg94xmZyTMepPlVzdZkpPH9ikakt02T2pWVSs2uBhsLMCpJMV41pXO0KitlhHG5Yl7b4nHW0ISpUAkwCdYA+Bq02Sut1TEQE4VEd48e9oJ418XhiR31JWQv3YGWmmcZ+lS7hvnsUuFaYTGKZ73dmZTpp/NWsFY6k6k3plCmr2/vkuLXeLdhZSHySFrwjCn82sydBBNZ3tBcAs1o7dlZGJIJiMJ3EEbxIq9tu1DFqSVuNhKGyAMRxEk5jIDIiNM6rbXfKMJZcQVYSvMEGQpalpyMaYqmVmGm01SHMXd/Vx+vt8ljs5egc7sjFrE+dX1otIArJLWlbDiXGgEgwUmCDnnmQaarqvN5yxrcISp0KwhRVpJSMkjeASfCsthTUadRd11diTeV4wrAjvL9E9eJ5VZC7vsiWLQpajKkB0qI/4iSJmBAGnjVbdVgwJlWtNu2iUC7rRjGQQI5KGHAfBUGtIwSRlWtTlGC4eH/e5LcvNsoVgdRiAlOY1G7x08aRb/vZ3tiSRmkHQHlw5Ur3btUsRKEnxNdLffPaqScOGBBnqT86hzudHRdnd3K9rr1sXdyvqVaULxEKSDBEDQHXjqaa13o+NF+GFP0pFu+yYiCXGkjf34UOkxTBaLxSjMqbPRxB/wCqpTJ1dGM5qyTx5FPdtve+0lJCSElRgp1wmEzmcpIqQ8yDMs5/mASR5Kg1V/68lNoW5gKkkRAInRP0NdVbWt72nR/+f/fVcDVSnUUlJRthGq3NdSGgISkFKQBkAc9SSN5q2qm2Xv1u1trcbBASvCQqJkJSdxI31c1svQ8dV372p8hRRRUmYV4RXtFAHyhsDQAdBFfVFFABRRRQAUUUUALe2Ssmk8VH0ioeLC3XLau0YrUhA/4Yz6qzPphr6vFP3WXCkarvNs6FFeFIS9v3iUspBgle7h/5imqw7QuwMQQY1MYT/tgUkbQuly1MnVCMAPIqhRnhkU1YXvaylhakdJ/UYy+NbUlaKO7/AIsZ0qcJK9/llZa79aWsFaCClZUlQhWispyEgiRT1sVfjKiuMSZCdQY1VGfSPCsntFnyCgcyopwxuEYSDv3jlHOnbZN8NsqABKlLMADcAlIz4ZGtRrtDR03p7K/99zVUWpB0Wn+4Vnm1VugKPGTXS91KbYdcWRiwEJA/CVZDqc/Ss+uWwOWl5LYUvAM15mI4eP1qJyssnN0GhhTjKs5YQ/7HWU9mknfn551KXZC3aMCfdIxp5SSCPA/EVd2FgNpArhbz30rGqZHUGPpSajjJz6lVzqORYNmBS5tbfAZaMe+ruoHM7+gGdXrDhV3cKsR3EGlnam70C0JCkhRS2M1Cc1KUTE6ZAeVb7bhpYxdVKX3OdilSEFRUpRSmSSSTkNSa9vfusOEfl4cYHzp6s9gawj7tvQfhTw6VFvywM9gsFCN24D8Qre2C8ddF1Fjr8iNszc32izKxILg7TcYzCRvkcaXrxQsOKC0FCuByjcKfXLpYcsga7YWdPaFRwqGeUQROf+BUa0WRpxal4WlE594JUfM1Wx0KWsXeSb4u8eXxn4Id22FDlnbxAe78zHpFTW7ubTokU43bY2w039237qdEjh0qQqztjVKB4Jq205dTX+J4fJjlot7iHVhK1ABZgTI1O4zApy2jtK7RYGGYBctRQCcgEjEFFXLd4TwqPaC3iUfuxJJ/DvJq0sJS7aGsMYWkwI07qSD/ALifKqoc1FWEtstv05/C/wCinadiGgoJThTAzwlZzOgzUNB8aYrH7OrN2acePHEkhSh6EmpSEYnI/Mr0J+lNThhJ5CpUULV9dqIRjGMmvtgzhvZhkb1+af8Atq9d9n1lVvd8FJ/7a+UHOm+hRRXU6yvFq03+TLbRsSwlahjdyJylOgP6auP/AExspB+8fMju95OU6aIzqzvVMOq/eoBpgsSpbQf5R8KFFFq+v1GyLU2KWwd3psvatIxyTiVizB/DlwIyFOaTNK14vdhaCoGM8+aTBPzq9s9ubKsIWkk7gZqVjApqlKcu881cm0UUVYTCiiigAooooAKKKKACiiigBCtiJtbx/mj0FWFrTKI5VHtf/unv1D/lTUm06Vz5cs6UeF9ik2EuVKsVoXJlRCAeWRPy8DVltlZ2VthsoTJIUSO7AGmm8nLzq0uEQw3H5RVTtR/E8BTqVomlOrKrq9zfHHtwJbOyiVuJwOKkmADBzJABnkTNaBZNlQwgBtYUoAAYhGmQ0mqnZQffDqPnTyfeqYo27S11bcobsGZbf2V9DSEYFKxEqUU94ZdMwM9/Cpuxd1BloSO8c1Hmf3FWu2h76eg+JrpdvuCl63KRaeplLSxh55fqd3DVNbLd32205rdWEJgzE5qJ5BIJq1tfu0v3GJvVmc4bcI5ZbqygrzsL00rNvom/wrmh3jbAy2pw/hGQ4ncPOkRCy8src7yjnpp05Uw7bn7lH6/kapbtGlaV5NysL6ZJR3FhZ2ABMCpDZE6CgaV8s61VYJeSWK+Usp/KnyFfSa+hVyhzcSOA8qiOoHAeVS11wcqrJRU2u0pZSVmBh067st+ecVU3RtCENuFKVYg3hBVGSlkQd86TXTa/+D/UPgqlqze6rqj4OVaDsdrR6aE6LlLzGK47zeU7mrJKTuA1hO4cCfKry8Le4lpw41e4rfyNLWzX8RXT5mrq+P4Lv6a2XBGopx79Ky6Ct9oXI76/7j9adftCgonEdNZPGkXeOtOq9T0NQjTWxXh9/godoHVJeJxKzSM5PT5VZ3e+osI7ypjidxIqp2m99P8A9fzVVncn8FHQ/wDMaOpFRLuIsrNpBKkK4pjyP+al3e8cCFA5gDPmn/IqLf8A+Dqr/pr25/4f9R+AqOpo1egv7zNOu21h1tKxvGY4HePOpNLmxp7ro3Yh8P8AxTHWqd0eYr01Co4oKKKKkxCiiigAooooA//Z"/>
+          <p:cNvSpPr>
+            <a:spLocks noChangeAspect="1" noChangeArrowheads="1"/>
+          </p:cNvSpPr>
+          <p:nvPr/>
+        </p:nvSpPr>
+        <p:spPr bwMode="auto">
+          <a:xfrm>
+            <a:off x="460375" y="160337"/>
+            <a:ext cx="304800" cy="304801"/>
+          </a:xfrm>
+          <a:prstGeom prst="rect">
+            <a:avLst/>
+          </a:prstGeom>
+          <a:noFill/>
+          <a:extLst>
+            <a:ext uri="{909E8E84-426E-40DD-AFC4-6F175D3DCCD1}">
+              <a14:hiddenFill xmlns:a14="http://schemas.microsoft.com/office/drawing/2010/main">
+                <a:solidFill>
+                  <a:srgbClr val="FFFFFF"/>
+                </a:solidFill>
+              </a14:hiddenFill>
+            </a:ext>
+          </a:extLst>
+        </p:spPr>
+        <p:txBody>
+          <a:bodyPr vert="horz" wrap="square" lIns="91440" tIns="45720" rIns="91440" bIns="45720" numCol="1" anchor="t" anchorCtr="0" compatLnSpc="1">
+            <a:prstTxWarp prst="textNoShape">
+              <a:avLst/>
+            </a:prstTxWarp>
+          </a:bodyPr>
+          <a:lstStyle/>
+          <a:p>
+            <a:endParaRPr lang="nl-BE"/>
+          </a:p>
+        </p:txBody>
+      </p:sp>
+      <p:sp>
+        <p:nvSpPr>
+          <p:cNvPr id="7" name="AutoShape 8" descr="data:image/jpeg;base64,/9j/4AAQSkZJRgABAQAAAQABAAD/2wCEAAkGBxQTEhUUExQUFRUXGRwaFxcYFxgYHBkcGBsXGBceGhcaHCggGBwlGxwVITEhJSkrLi4uGB8zODMsNygtLisBCgoKDg0OGxAQGywkICQsLzQ0MCwsLyw0LywsLCwsLCwsLCwsLCwsLCwsLC8sLSwsLCwsLCwsLCwsLCwsLCwsLP/AABEIAKoBKAMBIgACEQEDEQH/xAAcAAACAwEBAQEAAAAAAAAAAAAABgQFBwMBAgj/xABDEAABAwEFBQUFBgUCBQUAAAABAgMRAAQFEiExBkFRYXETIoGRoQcyscHRFCNCUnLwM2KCkuEVokOywtLxFzRTc5P/xAAaAQACAwEBAAAAAAAAAAAAAAAABAECAwUG/8QALREAAgEDAwEHBQADAQAAAAAAAAECAxEhBBIxQQUTIlFhgcEycZGh8BSx0UL/2gAMAwEAAhEDEQA/ANxooooAKKKKACiiigAooooAKKKKACiiigAooooAK+HkSkjiCPOvm0vhAk+A41CZvBS80hOE6HP47/KobSJSfJkF13la7of7FYkQFLaJlC0nLEhX4Tkc+WYrXNn9oGbY3jaVmPeQclJ6j56Gl7aFVnL3aONdq6EhOQkAAkiRvzJry6HGv4jCUpKcu6IOfLeDw+lYqqk7HS1NWFeKk42l5rr7DvRVVYr5SrJcJ3TunTPhUxVvaGrjY/rT9a2TT4OdsfkSaK5svpX7qkq6EH4V0qStrBRRRQAUUV8OupSCpRCUjMkkAAcydKAPuiky8fadYGlQFrc/mQmU+CiQD4VKu/2hXe6BFoSgnc4Cj1OXrQA00VzZeStIUhQUk6FJBB6EV0oAKKKKACiiigAooooAKKKKACiiigAooooAK8UYzOQr2sW9pu2i1uqZaWAwjIxP3qt+Y1SOA69KydkXhDcx32h9oDDEpQUrVxmR4Aa+lJr3tNtSj3QlI5JBPkZrNVvrcVmTyE1fXPOh14fQGlJyl5nQpUoeQ/3T7RngR2oS4nfAwqHll6U/3NfjNpTLSpI1SclDw+YrDrTagnSCeBEHy3+BqJZ79UhYW2ooWDIg5GphUmuckVKEJcYP0dRSjsNtkm2JwOQl8ajcrmPpTdTcZKSujnyi4uzCiioN8Wvs2ydNfQE5c/8APChuxCVxNt95LtltNnQYYbGJ4g5lP4Wxwx5TyNTn7yzy3ECB+EZDTpSfslbVtIdtChKn3CojgBMeGJShHIVftQ4VOBREq4dJ/ennS0pD1eKjLYuFj36/sj7RMKjGgmYnQHPjnw0oW+GYMwXEJUeeoUSBoNPFR51Y2m1pEBK2iRr3VKV/aFYZ61D/ANH7RZWoqJIMlWp3QeA5bqz6lFFsonL8BWtsnMyM9/CfrwFK1tu1SYVAOM5AJgydBE5+fhT/AG7Z5tQjDoNd/WautkboZcIcdbSp9kxizjP3VYZictY4cBWlPLsO6fVf412729CVsRsimxJK8Si44hAcGWFJEkhMDSTvnSmmiimkrHKq1Z1Zuc3dsKKKKDM4Wy1IaQpxwhKEiVE7gKwrbDbNy3OFKQoMpkoaGWKPxLOk/DLqXD2yXwUpas4MBQLjnMDJI858hWXqdICQIBOf6QMyTxiRlpiOdVbLJFLe+IRjPeOYG4cIHzNeJbKG0KgDFO46DjnrUm+bESqUyZ6mfHU9aubXs7ahd6Fdke6okgawQMwBnVLmii2RLn2ktVhXjszikIOam1HEhXVJy8RBrfth9q27ws4dSMK05OtzOFXI70nUH6V+cGXCWiMxGsaeI/fxpk9j9+/ZbwShXuWgdkrkqZbP90p/rmroysfoyivaKsQeV7RRQAUUUUAFFFFABRRRQAUUUUAKHtNv/wCy2QpSSHHQUpI3D8R9QPGvz04ytWg+lfoL2sIR/p6ypIUQtGE7x3hMHdlIrMmtk0qMh8NAnuzGc9awqSsxyhFNClZpRkpBFMdldBSIEn1/fnV8vYdQTIfCo1EATFVDN0WgxhQ1GcnEtJSASBJwwSdYE65xWFt2RtSUVZFTeT2PLUjcdR4GqZSSTrB4HL40xX1s/aEpxFKiORx+kBXpS1250kGNx+hqYkTJt2Xm6w6laZC0kEeGkV+jdk9omrcwHWznotJ1QqMwRw4HeK/MziVQCRl0+VM2wd/qs1qQtM4VEJcE+8gmDI3kag8RzrWD2sWqw3I/RtQb7aCmHATHcV3uGRBPlNTq5WlvEhSeII8xTDE07O5lqLKGUIanEUCCRvkk/P8Ac163Y+3aKW3ClTa5ISYnLLTd9KrdoLUtJwkbjijLPfI6cYr25bGoEOpUUEjUc+W8UhIeSbd+ox3LalqVgeAKkgQoCJGYz50wFQ3aUmWm9QwoFS0dor3WyFFZ54EA1cXJe63/AH2sHmMwYIKVAFJ61aKaWSXa5ZrFfezi4tCgNCiT4HL986WNoNoFoc7JrFIBUspbLhATmYToYGZpo2HCXG/tCXC4FgBJKQDHvGYy38K0hF3TMqsltaGiiiimRQKKKWdu9o/sjBCD984CEfyge8s8k/GKASuZF7VL5Dl4O4SCEJDXiJx+RJpKftinFpGZMwBx4Dziu15LCjiBJxFUzrlvmrfYm5CUqtikLWlokNoQJUpQGZHIadZ4VlJ2VzaMbuw/7GbJYAFvd5esbh4U7vJEQBkKQrovl8ufwltDm52qFx7wzzSdcxl45UzXvfgZRiIBkTmYAB4n5DOl7NYY2rPK4EL2ibOhBVamBhP/ABUjQ/zRpNZzYrRhcSsapUFDqCD4VrV5Xum0Wd0JcQslJCkJSpJR/dmoeArIWG5P7y31rSvazF66V7o/XlhtSXW0OIMpWkKSeShIrvSf7KVH/Tmkme6BE/zIQsj+5Sqb6YFj2ivK9oAKKK8UYzOVAHtFeAzmKKAPaKKKACivKKAFv2jWfHd72/DhV5KTPpNYxYb4UUpaShCnZwFxaCvCkDuQBOZiOuuVbxtM1isrqToU59AQT6TX55uW0Bm2QrIL7mfHulPqI8axqcjdDMbGk3C253sYE4UlQTkkHTjG6rezspUAsQoHMQZkcQd451V29zsihePC2UwtMAhUaa1cJBUkFalBShKUIAK+RJOSR9DnurBLcNvwoLeyFjJMZaRSHtHs8knFEHcoa+PGtBsrGEQSSTmZUVeEndpw6VWX7HZqBElQgDmao1m4Rl0MSty1JcUgBQw8TOfgBXS6HYUCBJ4DeBn8qY9pbvJtJCUlRhBIEToJhOqhzGlUps4aKiuAsghDcgq7w95Q/AACYBhRVhyiSNcNFHdM/QexNrDtnStDvaIgABU40GBKVmYJHEAZRTDSN7MH0hkoUMLgMe6BiEYk5jU5nLUZ080zD6Uc+orSZm+3l1S9OQSZUZ3yBAH9c+dVV1umEcorQNr0o7EFQcJQcY7MJJhAJVJUCAMM+kZ0lvWHsXMMEA5gKyImFAEDQgFIPMGlasLO47RndK5cNWJtZx4E4t5iD5ivu0EJjDqTmdSTzO/SuKHcDeIhRSNcKSo8MgKi220lxJizWsEDuqCYmNNFZjXJVRdtGsaacsFkuzJJOICZkSB++NX2ziQG1AQAFZR0FJNgtDri+ycaeQ5GIqWAkBIMAwCYznLPQ7qe7gZKWROqiT8h6AVrTbcjDUQUI2LGiiimBEKwr2x2ubepJVkG209AZUR6g+VbPfttLNnddSJUhClAbpA38hqelfl7aW3do844FqcKlSXFarVGZjcOA3ACoZKI7jiQkyZTmBGRMax1rVvZw8Aw2nLICR11rGVuk5qM5ZcOdal7OXEvMZEhSSUmDwgj0NL1+ExvStbmn5D9eBQMkgSrIkDzzrk/Z0KcwLGWER1jd4E1V2aXQppxucCjBbXBI3KSDB0OaZO/XU8rQVId7OHnHVjMrwgISN5APc5ZSfOMc8jaiuCPtTZbPZWXXUpAVgIKtTEEgTwndWP2Me6eIz8DB9abvaXeKgAyVgyZIHBPHxgedJ7LhSByPxGf76cK3pLFxPUtblFdD9R7FWXs7DZxlJbSpUcVAExyGg5AVeUp+zG+kWm72cJBU0A04N6VJGWXAiCOtNdMCh7RRRQB8POhIKlGAN9Itt2hWpaUp+9JcCCE6D8RMbgE5550zbSKBawEe+fKIOXPSl9DbNlSVhKUlWZga9edY1Hmw3QUVHc1dlxdVqDbnZqJCXPcncrenx3dKKX7gsL1sfFoXiQwgygaYyDu5cT4dCrU27GVZR3YH+iiitDEKKKKAPh5IKSDmN/TfX5g2pu0tuPIMyhak569xRTPoK/UJr8+e2Gy9na1LQZSvvH+oCeveB86zqdBig+UGzO0aLTZ1WW1DEsA4FHVQG/nz89+T3s1aRhGDM/iUSST1JrBw32jfcntW1FQAyJQQmSDrKVCSOCp/CaudnNtbRZ1YDhViyk5EfI1lKm+UMQqp+GRudvtaWxKiPCoNhsqnFdq4I/IngOPWqXZV77Qe0dkqG45inNtYzHKseWbS8OEZ17R7lKoeSJyg9RJHpIrMVEhWVfo16yhxCkKzBrHbxuxItLiGwFYT7sxMEYgDvEyOOXKrxuTGEqie1cGjezHaHBZ0trSspPukIWpQJ3EJBkaQR0IG/RbK8ViSkpG4K18RupX2RZDFmShsuYTKvvMMpxQSnLKAZ0y1O+pqLUoFWEmTnOs+dbqW1ZEJQ3Nstr0s5WggCZyImJEgkTziOhNJe36+yeaUfdWiDG4pUSD/ujp0pjuy8148LkQd8xH74VQ+0JSVPMIO5JJ/qIA+FVqSTg2i1KLjUSZ8XLbUqGRBBrou61jEWX3WsWiZxpT+lJOXTTkKT7Td7rBxNkxUhvbFxCYUgKOg3UtGduR/bJZi/73G64roIWQtxbq1++4rXCJyA/CMzpxpzSIyFJWx14rUvG6AgKGEDhMESfCnamqNmrnP1Tk5+IKqL/vkMJhJT2iiAMRgCZJUd5gA5DMkpG+vL8vMoltsw4RrrhnTxrGNttqEpdwNJCngIU4o4igkAkSrUjichV3NXsikKV8ydkMHtCvi1M2YuF99PaLDaG8KEgpIUVKcGGUghJAQD11gZA4wSQPEc5/xUi1W5xwkKcKyMyVEngMvj4VzW0SJmRGtBTHQj2lvCMB11B6jQ+lMWxdods57RPulXeHGMj460rIEk+lbJs7cWKwN5ZkFX9yioehrGs8WGdNHxXZcps7T6e0QsDEMwQFZ8wd9Lm1F8t3ejuQ4+5OBAhMcVEDQVT3ndr6CSkqSORI+FKl83Q4JcWVEmMRJkx1NZQSbyNVqk4wsitctKnXC46rEScz00A4AVa2WzF0JQhMqJgAb9cv3oJO41Tr3fD5+NTbNeDjawW1FBjIjWmzl8mwexmwLatNrRkUtpQhxSTKVOTiHRSUkgjcTFazWdex1TbTLlnUkotJParkgh1K4CHGljJaIEayCDNaLVkQwr2vK9qSCmvvNxocMR+FUy7p+02lIX/CQMSx+YzCU9DmfCre3ql/9KQPOT9K8uBcuvdE/wDVWDScxlNxpl2hIAAAAAyAG6ivaK3FgooooAKKKKAFzae9SlQZRqRKjy3D5+VI22FzB9DRWCqFwYOeEgzHQwRzAq4LvavOOH8SjHQZD0rreOaU8iD/AG51zqk3KTZ06UFFJGP31sgtgkp7wEqkagCMx5jnS9arKtRkmQBixchv5mtlt0vrQ2lClyoRhGpiQMWiREkk6Cd8ROe2RYsjKMaUrtCyolWeESQThQchHdAMbzpTEbxjdm9ejCO2L+p9Ck2DtgdZEjC43koHIkbjHOnGxrzV0Hqap7qsbbRKgIJEGrBFqk91MqUQEp4/sml01ciUWdL/ALUtqzuKbCioJABSJwlWU9QJPhWVNsKKimCFyBB1TGZmeHyrW9o09m20yTKlHE4f3uACqWlI7RQEfmPmok+vwpl+CNzoaDU9xQlJLnr+kWez1vhGBQIaRmjiYGhPPXrV4u0lGeBThyK8AnCDwGpgSYEnKqRm3MtJhWfEAfWpF1XsC40kH3goa5wk92RuMSKzhJ2ycipG7ci9QtDgkQQd/wAarr0uYOQoe8NOg3VLvRopAcbHfBEpmAvMTO6Y0PLPKolw30H0k6EEgpOqSIkGpkk8MyjdLdE5sWXEmD0qL/ojIViKc6trYCk4k+NVzlok8ayaQxBt8H244hIipNkv1SMsUjgoE+utV+XCvm02fEhXMR50Rbvgl04ywyA/fyXXnOzJWTJUsCEJ4CZk+A8daWbDsQ3CipxanFTKwlIMkkkgGY4U52K70hA0kyfU/SpibOBQ5STwXl3cZeBcGSbSbCqs7RdZcK0IErSpIxQNSCkDFHA0n2da1nAkkzlxMfKv0LaWcsxkcj0OtLzGw1mQZbCkk/zKV6kya0jVdsisqKbwZ/cGyqnHEgzrpBy5qJ1PLpW22NgIbCBoAAPDKuF23QhlPdGfGppFQ227s0iklZC9tfeKbNZXHVAEgAIScsSlZJH73A1iNpvB20KKnFiB+HRI5JTv9Tzpw9sN5hVoaYkkNIxKAOWNek8wgD+/nS1s1YFLeaUllSwJUEhSUle4QVQkRmc61glFXMZ76knGN7LkqLSghQ94KmcxFfTMlY3xl9PlVntY6pb5dCA2mcKQDi9zfOhz4ZVduXUyi7y+twdqoJITkJx+7hH4gczI4HQgir7sFJ0JQbT6F5sHeLhSnApJW0S4zJIMSEOtriYGgJg5LSc8IjXLFtZZ1JBdV9nO8Pw2J07rh7i/6VGsW9jtjUXX3I7oQEzGclU5Hwz8OFa3c1pDbgSSQhWUTkCdCRpy8qqqlpWfBV0rwuuRksltbdEtrSsbikyD0IyNSK8Arhb3sDalbwMupyHrFbi6yUyXMS3FcVGOgyHwrzZs/fPdE/FVfNmRCPCvnZlX37v6R8aXi/GhuatBoZqKKKYFAooooAKr7/tXZ2dxW+IHVWQ+NWFK229oybaG84j4ZD1J8qpUlti2aUo7ppFPdzcAVQ7ZXvgBaR7y0weSSc/E6eJpmsicqr7h2UNptDlqeMICoaSP5cgTO4axxPKk6UNzO1pp0qc3Uq8R/b6IrLhu82VntFE9orQT7m8ADcc5JqyetLjoSpxRUYynhJO6ru87hVhUvEkhIMDMZAZnQ51XpayFaahtJIvU1Maz38u/49CvcyFdLvtRbcSUQVnISJgbz5ZeddnLI4swhtSucZeJr4csTrSHXlNq7qSE5b4gZDTOoo0//TCOyWG19hX2h2wcXaCcKCEFQBzzA7nGNc6vroggHPQRPDd9fGs4eGauWXz+VaHs6ruI/Sn4CrV3hHR7ToQo0oKCsTrbdiV8ialXPdiEOoOBIOGZHH3T6g12dTCSrgCfKul0CQV/mOXIEkj4k+NYw5PPzvYn38+UtHDqRCesGPWKzDYV5dmtbjDqicfeBO9Q18SP+WtIv5QAQVGAD8jFJG29zLQEWxtJ7kKmMo1GdaTvcKMVsz1H4qBEVV2hnCeVFz3gl5lDiTIUAfOrFaAoVV5KpuLK9tudK73mOzs7i4nCkqg5ThzOdRbXZ1p91RA5V0sd4ISysTjdX3QlSTkNCTIjj6VMLcs3thTWcrBDuV7GhtZBBCAI5ySfjVoVVGszECK+nTFUIlmTaPl9WgqQbMpJ58DrUBrvKpW2kMvED8IA+fzq8YXVxjTad1pbb29hyvG90WdsrdMAaCQCokwAJIzJikDaX2lKQCmzFtTm+EKUlHGVqKcZ6JjnRdt1i0PJS+4taRJwlZ3AwBnPgKur12PYWyWmkJaClJKiBBITnE68K0jApX0k6ctt0Z7s3sjabwc7Z3EGyZU4rMrJMnCN/XSp9qsgaWtoDJtRSP6TlTFZb4fbQlCHVBKUgJACMgNN1WzOyzdosirY+66HFFRUU4Y7qsMkYeAz86mzbH9JSXZ731Xh4xl3f48jNL0RPZnIhKu8D+UggyKr7BZC6+GwTgBOZkhCc1JAHTdzNP8AtBd1n+zBFnAUrFJdEKIGqpWNSdMPpArr7Lti1OoW+4IQod0KkGVDiOCcO7f1q1n0Fe0K9OpU3SWH/tY/ePwMuy9mQwwltuMOvUnnvNT7S2apvs7ljc7JwZfhVqCORpjsawoVhboxHjK4Lu4bw7RGFR76deY3Gvm/nPcR+Yyeif8AJHlVO+yUnEiQoaEV82W1recxLiUjCIEaEyesz5VqqnhszDurS3LgsHskGouyipfd/SPjUm2qhNQtjBLz53AJHmVH5VEfrQT+hjdRRRTIoFFFFABSHtA9jta+CAEjwEn1Jp7UYEndWbtKxuLX+ZRPmSaW1LwkN6RZbLJkxGmZAEmB4nhTZZWwEAJMgb+PE5cTnSNbHwFBPCPNWL5D1qwsjpAkEjplVqKtEaq6dzincudoX4R2Y1Vr+nf50tMukkN5Y5A1nWIJ8CDFLFv2xe7VSpC0EnCFD8CchBEHM55zXtwbQKW+VJbCTmslSsQ4JTEDTdwCedWmlLk6FPsyrSo5S8/c1WzthIyHTpu/fOuF7LhATvJny/z8KqWL7dOoT/afrS5eG3QDriXWz3O6nBvjWQdM5z9Kvc5un7PrTqYV7HHam5g6AltCe1UvIhOZyIgwJM17dNmU0Q0uMSISqMxIABg785qLcO2LyrQo4G4wd1MEkQpAjFOpk51ctCXSTqTJ6nWlq9sI6Wr76nFUqnCz5lnaldzCNVZfWp9mahKRUFhvGscB+zVuhOfSqxV2cmTF3b0q7CEa4h5ZzVHcTSl2eCpRiUwYzBzETug+lWPtBc7iBxXPkD9a9uDOztznlHkSK3jk6tHwaRerKHZm0qs767MsQk99rgQfeA8c/E09MOVUbSsOuIsyGGQSQvE9hnBg4kaeOtQ9mb8S83MwoZLTPun6VlUjZilaO/x2/rtfA1uImq60WLeNam2V6uy0xnWbjcWUnEr20ka1GtTgrvbnq4XY2FuZkZZxx4fPyojG7si7dluZLuW7y6gqQRkopUDIIKT04QfGli8bidU64ZbPeV+I8TyrR7Jksn84BP6kiPVOH+2le8iEuuA5d4+pkelN7UlY20Wpmpvb5FTs7sw4XcSgnuCU97ecp8qZ3rodCTkNDvHCoWzjAVagtLygEoMoCu6rcJE7pnwFOC8wRxFTFYK63V1O9V3fC6cGQJuB7LJI/qHypmZvb7NYuyKEkgEEhRglaieHOuSnppY2gtckIByTmeu7986q3Y6qjLVSUanCdyLeV49rDSUYZ1GIkRvA0wzplxrWNjbOUWRrEACoYoHA+7/tisy2WuntXBkZUoAHlqo/vhWzNoCQEgQAAAOQyFFPzOf2zsjJQjyRL1uxFoRgWOh3pPEUku2d2yLwrzSfdUND9DyrQ65WizpWkpWkKSdQatOCkcmlWcMPgVrNbAuutgbw661ztezK2yVWdUj8itfA6Go32oo/iJUg8wY86wkmuRpbZfSybeLvdqTsWxDBXvcWpXgO6Ph61U2q0dqnA0MazkAN3MncOdNl2WTsmm29cKQCeJjM+Jk1NFXlcy1HhikSqKKKZFAooooAgX6/gs7iv5SB45fOk+6mMppj2wXFnj8ygPn8qqLCiEUnXd5pD2nxBv1KF+wuOWtzs4OFLZwkwY74kTka77ROLZsq8QKCoYQSI97I59K7O2xLFsaWowlxJbUdwzBST4mPGmS+GlrahIxQQSPzATIralmA4tTKnUgprw4/XqYhaQIVnoAAMtd85yN5mDTFsjYe6pzeThHRMz6lXpXW8nGFCSgEgzgEJkmMRiQCY48Kd9jS2ttSewSmDizSn8RORjfIJ8askdrXa5x099r5IlnbOHwNZlfyYtLwP/yK9VE/A1vwsTf5E+VIO0twWYuOLLcEkyQpQ9AYqzVhDsvtGEarunlCVsU3itPIJJPmmPX4U9NctVE+AnKqXZmwoQXFNg94xmZyTMepPlVzdZkpPH9ikakt02T2pWVSs2uBhsLMCpJMV41pXO0KitlhHG5Yl7b4nHW0ISpUAkwCdYA+Bq02Sut1TEQE4VEd48e9oJ418XhiR31JWQv3YGWmmcZ+lS7hvnsUuFaYTGKZ73dmZTpp/NWsFY6k6k3plCmr2/vkuLXeLdhZSHySFrwjCn82sydBBNZ3tBcAs1o7dlZGJIJiMJ3EEbxIq9tu1DFqSVuNhKGyAMRxEk5jIDIiNM6rbXfKMJZcQVYSvMEGQpalpyMaYqmVmGm01SHMXd/Vx+vt8ljs5egc7sjFrE+dX1otIArJLWlbDiXGgEgwUmCDnnmQaarqvN5yxrcISp0KwhRVpJSMkjeASfCsthTUadRd11diTeV4wrAjvL9E9eJ5VZC7vsiWLQpajKkB0qI/4iSJmBAGnjVbdVgwJlWtNu2iUC7rRjGQQI5KGHAfBUGtIwSRlWtTlGC4eH/e5LcvNsoVgdRiAlOY1G7x08aRb/vZ3tiSRmkHQHlw5Ur3btUsRKEnxNdLffPaqScOGBBnqT86hzudHRdnd3K9rr1sXdyvqVaULxEKSDBEDQHXjqaa13o+NF+GFP0pFu+yYiCXGkjf34UOkxTBaLxSjMqbPRxB/wCqpTJ1dGM5qyTx5FPdtve+0lJCSElRgp1wmEzmcpIqQ8yDMs5/mASR5Kg1V/68lNoW5gKkkRAInRP0NdVbWt72nR/+f/fVcDVSnUUlJRthGq3NdSGgISkFKQBkAc9SSN5q2qm2Xv1u1trcbBASvCQqJkJSdxI31c1svQ8dV372p8hRRRUmYV4RXtFAHyhsDQAdBFfVFFABRRRQAUUUUALe2Ssmk8VH0ioeLC3XLau0YrUhA/4Yz6qzPphr6vFP3WXCkarvNs6FFeFIS9v3iUspBgle7h/5imqw7QuwMQQY1MYT/tgUkbQuly1MnVCMAPIqhRnhkU1YXvaylhakdJ/UYy+NbUlaKO7/AIsZ0qcJK9/llZa79aWsFaCClZUlQhWispyEgiRT1sVfjKiuMSZCdQY1VGfSPCsntFnyCgcyopwxuEYSDv3jlHOnbZN8NsqABKlLMADcAlIz4ZGtRrtDR03p7K/99zVUWpB0Wn+4Vnm1VugKPGTXS91KbYdcWRiwEJA/CVZDqc/Ss+uWwOWl5LYUvAM15mI4eP1qJyssnN0GhhTjKs5YQ/7HWU9mknfn551KXZC3aMCfdIxp5SSCPA/EVd2FgNpArhbz30rGqZHUGPpSajjJz6lVzqORYNmBS5tbfAZaMe+ruoHM7+gGdXrDhV3cKsR3EGlnam70C0JCkhRS2M1Cc1KUTE6ZAeVb7bhpYxdVKX3OdilSEFRUpRSmSSSTkNSa9vfusOEfl4cYHzp6s9gawj7tvQfhTw6VFvywM9gsFCN24D8Qre2C8ddF1Fjr8iNszc32izKxILg7TcYzCRvkcaXrxQsOKC0FCuByjcKfXLpYcsga7YWdPaFRwqGeUQROf+BUa0WRpxal4WlE594JUfM1Wx0KWsXeSb4u8eXxn4Id22FDlnbxAe78zHpFTW7ubTokU43bY2w039237qdEjh0qQqztjVKB4Jq205dTX+J4fJjlot7iHVhK1ABZgTI1O4zApy2jtK7RYGGYBctRQCcgEjEFFXLd4TwqPaC3iUfuxJJ/DvJq0sJS7aGsMYWkwI07qSD/ALifKqoc1FWEtstv05/C/wCinadiGgoJThTAzwlZzOgzUNB8aYrH7OrN2acePHEkhSh6EmpSEYnI/Mr0J+lNThhJ5CpUULV9dqIRjGMmvtgzhvZhkb1+af8Atq9d9n1lVvd8FJ/7a+UHOm+hRRXU6yvFq03+TLbRsSwlahjdyJylOgP6auP/AExspB+8fMju95OU6aIzqzvVMOq/eoBpgsSpbQf5R8KFFFq+v1GyLU2KWwd3psvatIxyTiVizB/DlwIyFOaTNK14vdhaCoGM8+aTBPzq9s9ubKsIWkk7gZqVjApqlKcu881cm0UUVYTCiiigAooooAKKKKACiiigBCtiJtbx/mj0FWFrTKI5VHtf/unv1D/lTUm06Vz5cs6UeF9ik2EuVKsVoXJlRCAeWRPy8DVltlZ2VthsoTJIUSO7AGmm8nLzq0uEQw3H5RVTtR/E8BTqVomlOrKrq9zfHHtwJbOyiVuJwOKkmADBzJABnkTNaBZNlQwgBtYUoAAYhGmQ0mqnZQffDqPnTyfeqYo27S11bcobsGZbf2V9DSEYFKxEqUU94ZdMwM9/Cpuxd1BloSO8c1Hmf3FWu2h76eg+JrpdvuCl63KRaeplLSxh55fqd3DVNbLd32205rdWEJgzE5qJ5BIJq1tfu0v3GJvVmc4bcI5ZbqygrzsL00rNvom/wrmh3jbAy2pw/hGQ4ncPOkRCy8src7yjnpp05Uw7bn7lH6/kapbtGlaV5NysL6ZJR3FhZ2ABMCpDZE6CgaV8s61VYJeSWK+Usp/KnyFfSa+hVyhzcSOA8qiOoHAeVS11wcqrJRU2u0pZSVmBh067st+ecVU3RtCENuFKVYg3hBVGSlkQd86TXTa/+D/UPgqlqze6rqj4OVaDsdrR6aE6LlLzGK47zeU7mrJKTuA1hO4cCfKry8Le4lpw41e4rfyNLWzX8RXT5mrq+P4Lv6a2XBGopx79Ky6Ct9oXI76/7j9adftCgonEdNZPGkXeOtOq9T0NQjTWxXh9/godoHVJeJxKzSM5PT5VZ3e+osI7ypjidxIqp2m99P8A9fzVVncn8FHQ/wDMaOpFRLuIsrNpBKkK4pjyP+al3e8cCFA5gDPmn/IqLf8A+Dqr/pr25/4f9R+AqOpo1egv7zNOu21h1tKxvGY4HePOpNLmxp7ro3Yh8P8AxTHWqd0eYr01Co4oKKKKkxCiiigAooooA//Z"/>
+          <p:cNvSpPr>
+            <a:spLocks noChangeAspect="1" noChangeArrowheads="1"/>
+          </p:cNvSpPr>
+          <p:nvPr/>
+        </p:nvSpPr>
+        <p:spPr bwMode="auto">
+          <a:xfrm>
+            <a:off x="612775" y="312737"/>
+            <a:ext cx="304800" cy="304801"/>
+          </a:xfrm>
+          <a:prstGeom prst="rect">
+            <a:avLst/>
+          </a:prstGeom>
+          <a:noFill/>
+          <a:extLst>
+            <a:ext uri="{909E8E84-426E-40DD-AFC4-6F175D3DCCD1}">
+              <a14:hiddenFill xmlns:a14="http://schemas.microsoft.com/office/drawing/2010/main">
+                <a:solidFill>
+                  <a:srgbClr val="FFFFFF"/>
+                </a:solidFill>
+              </a14:hiddenFill>
+            </a:ext>
+          </a:extLst>
+        </p:spPr>
+        <p:txBody>
+          <a:bodyPr vert="horz" wrap="square" lIns="91440" tIns="45720" rIns="91440" bIns="45720" numCol="1" anchor="t" anchorCtr="0" compatLnSpc="1">
+            <a:prstTxWarp prst="textNoShape">
+              <a:avLst/>
+            </a:prstTxWarp>
+          </a:bodyPr>
+          <a:lstStyle/>
+          <a:p>
+            <a:endParaRPr lang="nl-BE"/>
+          </a:p>
+        </p:txBody>
+      </p:sp>
+      <p:pic>
+        <p:nvPicPr>
+          <p:cNvPr id="1033" name="Picture 9"/>
+          <p:cNvPicPr>
+            <a:picLocks noChangeAspect="1" noChangeArrowheads="1"/>
+          </p:cNvPicPr>
+          <p:nvPr/>
+        </p:nvPicPr>
+        <p:blipFill>
+          <a:blip r:embed="rId4">
+            <a:extLst>
+              <a:ext uri="{28A0092B-C50C-407E-A947-70E740481C1C}">
+                <a14:useLocalDpi xmlns:a14="http://schemas.microsoft.com/office/drawing/2010/main" val="0"/>
+              </a:ext>
+            </a:extLst>
+          </a:blip>
+          <a:srcRect/>
+          <a:stretch>
+            <a:fillRect/>
+          </a:stretch>
+        </p:blipFill>
+        <p:spPr bwMode="auto">
+          <a:xfrm>
+            <a:off x="4355976" y="1772815"/>
+            <a:ext cx="4241668" cy="2436093"/>
+          </a:xfrm>
+          <a:prstGeom prst="rect">
+            <a:avLst/>
+          </a:prstGeom>
+          <a:noFill/>
+          <a:ln>
+            <a:noFill/>
+          </a:ln>
+          <a:extLst>
+            <a:ext uri="{909E8E84-426E-40DD-AFC4-6F175D3DCCD1}">
+              <a14:hiddenFill xmlns:a14="http://schemas.microsoft.com/office/drawing/2010/main">
+                <a:solidFill>
+                  <a:schemeClr val="accent1"/>
+                </a:solidFill>
+              </a14:hiddenFill>
+            </a:ext>
+            <a:ext uri="{91240B29-F687-4F45-9708-019B960494DF}">
+              <a14:hiddenLine xmlns:a14="http://schemas.microsoft.com/office/drawing/2010/main" w="9525">
+                <a:solidFill>
+                  <a:schemeClr val="tx1"/>
+                </a:solidFill>
+                <a:miter lim="800000"/>
+                <a:headEnd/>
+                <a:tailEnd/>
+              </a14:hiddenLine>
+            </a:ext>
+          </a:extLst>
+        </p:spPr>
+      </p:pic>
     </p:spTree>
     <p:extLst>
       <p:ext uri="{BB962C8B-B14F-4D97-AF65-F5344CB8AC3E}">

--- a/Clean Code.pptx
+++ b/Clean Code.pptx
@@ -2433,17 +2433,41 @@
               <a:buFontTx/>
               <a:buChar char="-"/>
             </a:pPr>
-            <a:r>
-              <a:rPr lang="nl-BE" baseline="0" dirty="0" smtClean="0"/>
-              <a:t>In een functie : homogeen “level of </a:t>
-            </a:r>
-            <a:r>
-              <a:rPr lang="nl-BE" baseline="0" dirty="0" err="1" smtClean="0"/>
-              <a:t>abstraction</a:t>
-            </a:r>
+            <a:endParaRPr lang="nl-BE" baseline="0" dirty="0" smtClean="0"/>
+          </a:p>
+          <a:p>
+            <a:pPr marL="171450" lvl="0" indent="-171450">
+              <a:buFontTx/>
+              <a:buChar char="-"/>
+            </a:pPr>
+            <a:r>
+              <a:rPr lang="nl-BE" baseline="0" dirty="0" smtClean="0"/>
+              <a:t>In </a:t>
+            </a:r>
+            <a:r>
+              <a:rPr lang="nl-BE" baseline="0" dirty="0" smtClean="0"/>
+              <a:t>een functie : homogeen “level of abstraction</a:t>
+            </a:r>
+            <a:r>
+              <a:rPr lang="nl-BE" baseline="0" dirty="0" smtClean="0"/>
+              <a:t>”</a:t>
+            </a:r>
+          </a:p>
+          <a:p>
+            <a:pPr marL="171450" lvl="0" indent="-171450">
+              <a:buFontTx/>
+              <a:buChar char="-"/>
+            </a:pPr>
+            <a:endParaRPr lang="nl-BE" baseline="0" dirty="0" smtClean="0"/>
+          </a:p>
+          <a:p>
+            <a:pPr marL="171450" lvl="0" indent="-171450">
+              <a:buFontTx/>
+              <a:buChar char="-"/>
+            </a:pPr>
             <a:r>
               <a:rPr lang="nl-BE" baseline="0" smtClean="0"/>
-              <a:t>”</a:t>
+              <a:t>Magic strings and magic numbers</a:t>
             </a:r>
             <a:endParaRPr lang="nl-BE" dirty="0"/>
           </a:p>
@@ -7800,11 +7824,7 @@
           <a:p>
             <a:r>
               <a:rPr lang="nl-BE" baseline="0" dirty="0" smtClean="0"/>
-              <a:t>Wat </a:t>
-            </a:r>
-            <a:r>
-              <a:rPr lang="nl-BE" baseline="0" dirty="0" smtClean="0"/>
-              <a:t>is</a:t>
+              <a:t>Wat is</a:t>
             </a:r>
             <a:r>
               <a:rPr lang="nl-BE" dirty="0" smtClean="0"/>

--- a/Clean Code.pptx
+++ b/Clean Code.pptx
@@ -129,6 +129,3062 @@
 </p:presentation>
 </file>
 
+<file path=ppt/diagrams/colors1.xml><?xml version="1.0" encoding="utf-8"?>
+<dgm:colorsDef xmlns:dgm="http://schemas.openxmlformats.org/drawingml/2006/diagram" xmlns:a="http://schemas.openxmlformats.org/drawingml/2006/main" uniqueId="urn:microsoft.com/office/officeart/2005/8/colors/accent1_2">
+  <dgm:title val=""/>
+  <dgm:desc val=""/>
+  <dgm:catLst>
+    <dgm:cat type="accent1" pri="11200"/>
+  </dgm:catLst>
+  <dgm:styleLbl name="node0">
+    <dgm:fillClrLst meth="repeat">
+      <a:schemeClr val="accent1"/>
+    </dgm:fillClrLst>
+    <dgm:linClrLst meth="repeat">
+      <a:schemeClr val="lt1"/>
+    </dgm:linClrLst>
+    <dgm:effectClrLst/>
+    <dgm:txLinClrLst/>
+    <dgm:txFillClrLst/>
+    <dgm:txEffectClrLst/>
+  </dgm:styleLbl>
+  <dgm:styleLbl name="alignNode1">
+    <dgm:fillClrLst meth="repeat">
+      <a:schemeClr val="accent1"/>
+    </dgm:fillClrLst>
+    <dgm:linClrLst meth="repeat">
+      <a:schemeClr val="accent1"/>
+    </dgm:linClrLst>
+    <dgm:effectClrLst/>
+    <dgm:txLinClrLst/>
+    <dgm:txFillClrLst/>
+    <dgm:txEffectClrLst/>
+  </dgm:styleLbl>
+  <dgm:styleLbl name="node1">
+    <dgm:fillClrLst meth="repeat">
+      <a:schemeClr val="accent1"/>
+    </dgm:fillClrLst>
+    <dgm:linClrLst meth="repeat">
+      <a:schemeClr val="lt1"/>
+    </dgm:linClrLst>
+    <dgm:effectClrLst/>
+    <dgm:txLinClrLst/>
+    <dgm:txFillClrLst/>
+    <dgm:txEffectClrLst/>
+  </dgm:styleLbl>
+  <dgm:styleLbl name="lnNode1">
+    <dgm:fillClrLst meth="repeat">
+      <a:schemeClr val="accent1"/>
+    </dgm:fillClrLst>
+    <dgm:linClrLst meth="repeat">
+      <a:schemeClr val="lt1"/>
+    </dgm:linClrLst>
+    <dgm:effectClrLst/>
+    <dgm:txLinClrLst/>
+    <dgm:txFillClrLst/>
+    <dgm:txEffectClrLst/>
+  </dgm:styleLbl>
+  <dgm:styleLbl name="vennNode1">
+    <dgm:fillClrLst meth="repeat">
+      <a:schemeClr val="accent1">
+        <a:alpha val="50000"/>
+      </a:schemeClr>
+    </dgm:fillClrLst>
+    <dgm:linClrLst meth="repeat">
+      <a:schemeClr val="lt1"/>
+    </dgm:linClrLst>
+    <dgm:effectClrLst/>
+    <dgm:txLinClrLst/>
+    <dgm:txFillClrLst/>
+    <dgm:txEffectClrLst/>
+  </dgm:styleLbl>
+  <dgm:styleLbl name="node2">
+    <dgm:fillClrLst meth="repeat">
+      <a:schemeClr val="accent1"/>
+    </dgm:fillClrLst>
+    <dgm:linClrLst meth="repeat">
+      <a:schemeClr val="lt1"/>
+    </dgm:linClrLst>
+    <dgm:effectClrLst/>
+    <dgm:txLinClrLst/>
+    <dgm:txFillClrLst/>
+    <dgm:txEffectClrLst/>
+  </dgm:styleLbl>
+  <dgm:styleLbl name="node3">
+    <dgm:fillClrLst meth="repeat">
+      <a:schemeClr val="accent1"/>
+    </dgm:fillClrLst>
+    <dgm:linClrLst meth="repeat">
+      <a:schemeClr val="lt1"/>
+    </dgm:linClrLst>
+    <dgm:effectClrLst/>
+    <dgm:txLinClrLst/>
+    <dgm:txFillClrLst/>
+    <dgm:txEffectClrLst/>
+  </dgm:styleLbl>
+  <dgm:styleLbl name="node4">
+    <dgm:fillClrLst meth="repeat">
+      <a:schemeClr val="accent1"/>
+    </dgm:fillClrLst>
+    <dgm:linClrLst meth="repeat">
+      <a:schemeClr val="lt1"/>
+    </dgm:linClrLst>
+    <dgm:effectClrLst/>
+    <dgm:txLinClrLst/>
+    <dgm:txFillClrLst/>
+    <dgm:txEffectClrLst/>
+  </dgm:styleLbl>
+  <dgm:styleLbl name="fgImgPlace1">
+    <dgm:fillClrLst meth="repeat">
+      <a:schemeClr val="accent1">
+        <a:tint val="50000"/>
+      </a:schemeClr>
+    </dgm:fillClrLst>
+    <dgm:linClrLst meth="repeat">
+      <a:schemeClr val="lt1"/>
+    </dgm:linClrLst>
+    <dgm:effectClrLst/>
+    <dgm:txLinClrLst/>
+    <dgm:txFillClrLst meth="repeat">
+      <a:schemeClr val="lt1"/>
+    </dgm:txFillClrLst>
+    <dgm:txEffectClrLst/>
+  </dgm:styleLbl>
+  <dgm:styleLbl name="alignImgPlace1">
+    <dgm:fillClrLst meth="repeat">
+      <a:schemeClr val="accent1">
+        <a:tint val="50000"/>
+      </a:schemeClr>
+    </dgm:fillClrLst>
+    <dgm:linClrLst meth="repeat">
+      <a:schemeClr val="lt1"/>
+    </dgm:linClrLst>
+    <dgm:effectClrLst/>
+    <dgm:txLinClrLst/>
+    <dgm:txFillClrLst meth="repeat">
+      <a:schemeClr val="lt1"/>
+    </dgm:txFillClrLst>
+    <dgm:txEffectClrLst/>
+  </dgm:styleLbl>
+  <dgm:styleLbl name="bgImgPlace1">
+    <dgm:fillClrLst meth="repeat">
+      <a:schemeClr val="accent1">
+        <a:tint val="50000"/>
+      </a:schemeClr>
+    </dgm:fillClrLst>
+    <dgm:linClrLst meth="repeat">
+      <a:schemeClr val="lt1"/>
+    </dgm:linClrLst>
+    <dgm:effectClrLst/>
+    <dgm:txLinClrLst/>
+    <dgm:txFillClrLst meth="repeat">
+      <a:schemeClr val="lt1"/>
+    </dgm:txFillClrLst>
+    <dgm:txEffectClrLst/>
+  </dgm:styleLbl>
+  <dgm:styleLbl name="sibTrans2D1">
+    <dgm:fillClrLst meth="repeat">
+      <a:schemeClr val="accent1">
+        <a:tint val="60000"/>
+      </a:schemeClr>
+    </dgm:fillClrLst>
+    <dgm:linClrLst meth="repeat">
+      <a:schemeClr val="accent1">
+        <a:tint val="60000"/>
+      </a:schemeClr>
+    </dgm:linClrLst>
+    <dgm:effectClrLst/>
+    <dgm:txLinClrLst/>
+    <dgm:txFillClrLst/>
+    <dgm:txEffectClrLst/>
+  </dgm:styleLbl>
+  <dgm:styleLbl name="fgSibTrans2D1">
+    <dgm:fillClrLst meth="repeat">
+      <a:schemeClr val="accent1">
+        <a:tint val="60000"/>
+      </a:schemeClr>
+    </dgm:fillClrLst>
+    <dgm:linClrLst meth="repeat">
+      <a:schemeClr val="accent1">
+        <a:tint val="60000"/>
+      </a:schemeClr>
+    </dgm:linClrLst>
+    <dgm:effectClrLst/>
+    <dgm:txLinClrLst/>
+    <dgm:txFillClrLst/>
+    <dgm:txEffectClrLst/>
+  </dgm:styleLbl>
+  <dgm:styleLbl name="bgSibTrans2D1">
+    <dgm:fillClrLst meth="repeat">
+      <a:schemeClr val="accent1">
+        <a:tint val="60000"/>
+      </a:schemeClr>
+    </dgm:fillClrLst>
+    <dgm:linClrLst meth="repeat">
+      <a:schemeClr val="accent1">
+        <a:tint val="60000"/>
+      </a:schemeClr>
+    </dgm:linClrLst>
+    <dgm:effectClrLst/>
+    <dgm:txLinClrLst/>
+    <dgm:txFillClrLst/>
+    <dgm:txEffectClrLst/>
+  </dgm:styleLbl>
+  <dgm:styleLbl name="sibTrans1D1">
+    <dgm:fillClrLst meth="repeat">
+      <a:schemeClr val="accent1"/>
+    </dgm:fillClrLst>
+    <dgm:linClrLst meth="repeat">
+      <a:schemeClr val="accent1"/>
+    </dgm:linClrLst>
+    <dgm:effectClrLst/>
+    <dgm:txLinClrLst/>
+    <dgm:txFillClrLst meth="repeat">
+      <a:schemeClr val="tx1"/>
+    </dgm:txFillClrLst>
+    <dgm:txEffectClrLst/>
+  </dgm:styleLbl>
+  <dgm:styleLbl name="callout">
+    <dgm:fillClrLst meth="repeat">
+      <a:schemeClr val="accent1"/>
+    </dgm:fillClrLst>
+    <dgm:linClrLst meth="repeat">
+      <a:schemeClr val="accent1">
+        <a:tint val="50000"/>
+      </a:schemeClr>
+    </dgm:linClrLst>
+    <dgm:effectClrLst/>
+    <dgm:txLinClrLst/>
+    <dgm:txFillClrLst meth="repeat">
+      <a:schemeClr val="tx1"/>
+    </dgm:txFillClrLst>
+    <dgm:txEffectClrLst/>
+  </dgm:styleLbl>
+  <dgm:styleLbl name="asst0">
+    <dgm:fillClrLst meth="repeat">
+      <a:schemeClr val="accent1"/>
+    </dgm:fillClrLst>
+    <dgm:linClrLst meth="repeat">
+      <a:schemeClr val="lt1"/>
+    </dgm:linClrLst>
+    <dgm:effectClrLst/>
+    <dgm:txLinClrLst/>
+    <dgm:txFillClrLst/>
+    <dgm:txEffectClrLst/>
+  </dgm:styleLbl>
+  <dgm:styleLbl name="asst1">
+    <dgm:fillClrLst meth="repeat">
+      <a:schemeClr val="accent1"/>
+    </dgm:fillClrLst>
+    <dgm:linClrLst meth="repeat">
+      <a:schemeClr val="lt1"/>
+    </dgm:linClrLst>
+    <dgm:effectClrLst/>
+    <dgm:txLinClrLst/>
+    <dgm:txFillClrLst/>
+    <dgm:txEffectClrLst/>
+  </dgm:styleLbl>
+  <dgm:styleLbl name="asst2">
+    <dgm:fillClrLst meth="repeat">
+      <a:schemeClr val="accent1"/>
+    </dgm:fillClrLst>
+    <dgm:linClrLst meth="repeat">
+      <a:schemeClr val="lt1"/>
+    </dgm:linClrLst>
+    <dgm:effectClrLst/>
+    <dgm:txLinClrLst/>
+    <dgm:txFillClrLst/>
+    <dgm:txEffectClrLst/>
+  </dgm:styleLbl>
+  <dgm:styleLbl name="asst3">
+    <dgm:fillClrLst meth="repeat">
+      <a:schemeClr val="accent1"/>
+    </dgm:fillClrLst>
+    <dgm:linClrLst meth="repeat">
+      <a:schemeClr val="lt1"/>
+    </dgm:linClrLst>
+    <dgm:effectClrLst/>
+    <dgm:txLinClrLst/>
+    <dgm:txFillClrLst/>
+    <dgm:txEffectClrLst/>
+  </dgm:styleLbl>
+  <dgm:styleLbl name="asst4">
+    <dgm:fillClrLst meth="repeat">
+      <a:schemeClr val="accent1"/>
+    </dgm:fillClrLst>
+    <dgm:linClrLst meth="repeat">
+      <a:schemeClr val="lt1"/>
+    </dgm:linClrLst>
+    <dgm:effectClrLst/>
+    <dgm:txLinClrLst/>
+    <dgm:txFillClrLst/>
+    <dgm:txEffectClrLst/>
+  </dgm:styleLbl>
+  <dgm:styleLbl name="parChTrans2D1">
+    <dgm:fillClrLst meth="repeat">
+      <a:schemeClr val="accent1">
+        <a:tint val="60000"/>
+      </a:schemeClr>
+    </dgm:fillClrLst>
+    <dgm:linClrLst meth="repeat">
+      <a:schemeClr val="accent1">
+        <a:tint val="60000"/>
+      </a:schemeClr>
+    </dgm:linClrLst>
+    <dgm:effectClrLst/>
+    <dgm:txLinClrLst/>
+    <dgm:txFillClrLst meth="repeat">
+      <a:schemeClr val="lt1"/>
+    </dgm:txFillClrLst>
+    <dgm:txEffectClrLst/>
+  </dgm:styleLbl>
+  <dgm:styleLbl name="parChTrans2D2">
+    <dgm:fillClrLst meth="repeat">
+      <a:schemeClr val="accent1"/>
+    </dgm:fillClrLst>
+    <dgm:linClrLst meth="repeat">
+      <a:schemeClr val="accent1"/>
+    </dgm:linClrLst>
+    <dgm:effectClrLst/>
+    <dgm:txLinClrLst/>
+    <dgm:txFillClrLst meth="repeat">
+      <a:schemeClr val="lt1"/>
+    </dgm:txFillClrLst>
+    <dgm:txEffectClrLst/>
+  </dgm:styleLbl>
+  <dgm:styleLbl name="parChTrans2D3">
+    <dgm:fillClrLst meth="repeat">
+      <a:schemeClr val="accent1"/>
+    </dgm:fillClrLst>
+    <dgm:linClrLst meth="repeat">
+      <a:schemeClr val="accent1"/>
+    </dgm:linClrLst>
+    <dgm:effectClrLst/>
+    <dgm:txLinClrLst/>
+    <dgm:txFillClrLst meth="repeat">
+      <a:schemeClr val="lt1"/>
+    </dgm:txFillClrLst>
+    <dgm:txEffectClrLst/>
+  </dgm:styleLbl>
+  <dgm:styleLbl name="parChTrans2D4">
+    <dgm:fillClrLst meth="repeat">
+      <a:schemeClr val="accent1"/>
+    </dgm:fillClrLst>
+    <dgm:linClrLst meth="repeat">
+      <a:schemeClr val="accent1"/>
+    </dgm:linClrLst>
+    <dgm:effectClrLst/>
+    <dgm:txLinClrLst/>
+    <dgm:txFillClrLst meth="repeat">
+      <a:schemeClr val="lt1"/>
+    </dgm:txFillClrLst>
+    <dgm:txEffectClrLst/>
+  </dgm:styleLbl>
+  <dgm:styleLbl name="parChTrans1D1">
+    <dgm:fillClrLst meth="repeat">
+      <a:schemeClr val="accent1"/>
+    </dgm:fillClrLst>
+    <dgm:linClrLst meth="repeat">
+      <a:schemeClr val="accent1">
+        <a:shade val="60000"/>
+      </a:schemeClr>
+    </dgm:linClrLst>
+    <dgm:effectClrLst/>
+    <dgm:txLinClrLst/>
+    <dgm:txFillClrLst meth="repeat">
+      <a:schemeClr val="tx1"/>
+    </dgm:txFillClrLst>
+    <dgm:txEffectClrLst/>
+  </dgm:styleLbl>
+  <dgm:styleLbl name="parChTrans1D2">
+    <dgm:fillClrLst meth="repeat">
+      <a:schemeClr val="accent1"/>
+    </dgm:fillClrLst>
+    <dgm:linClrLst meth="repeat">
+      <a:schemeClr val="accent1">
+        <a:shade val="60000"/>
+      </a:schemeClr>
+    </dgm:linClrLst>
+    <dgm:effectClrLst/>
+    <dgm:txLinClrLst/>
+    <dgm:txFillClrLst meth="repeat">
+      <a:schemeClr val="tx1"/>
+    </dgm:txFillClrLst>
+    <dgm:txEffectClrLst/>
+  </dgm:styleLbl>
+  <dgm:styleLbl name="parChTrans1D3">
+    <dgm:fillClrLst meth="repeat">
+      <a:schemeClr val="accent1"/>
+    </dgm:fillClrLst>
+    <dgm:linClrLst meth="repeat">
+      <a:schemeClr val="accent1">
+        <a:shade val="80000"/>
+      </a:schemeClr>
+    </dgm:linClrLst>
+    <dgm:effectClrLst/>
+    <dgm:txLinClrLst/>
+    <dgm:txFillClrLst meth="repeat">
+      <a:schemeClr val="tx1"/>
+    </dgm:txFillClrLst>
+    <dgm:txEffectClrLst/>
+  </dgm:styleLbl>
+  <dgm:styleLbl name="parChTrans1D4">
+    <dgm:fillClrLst meth="repeat">
+      <a:schemeClr val="accent1"/>
+    </dgm:fillClrLst>
+    <dgm:linClrLst meth="repeat">
+      <a:schemeClr val="accent1">
+        <a:shade val="80000"/>
+      </a:schemeClr>
+    </dgm:linClrLst>
+    <dgm:effectClrLst/>
+    <dgm:txLinClrLst/>
+    <dgm:txFillClrLst meth="repeat">
+      <a:schemeClr val="tx1"/>
+    </dgm:txFillClrLst>
+    <dgm:txEffectClrLst/>
+  </dgm:styleLbl>
+  <dgm:styleLbl name="fgAcc1">
+    <dgm:fillClrLst meth="repeat">
+      <a:schemeClr val="lt1">
+        <a:alpha val="90000"/>
+      </a:schemeClr>
+    </dgm:fillClrLst>
+    <dgm:linClrLst meth="repeat">
+      <a:schemeClr val="accent1"/>
+    </dgm:linClrLst>
+    <dgm:effectClrLst/>
+    <dgm:txLinClrLst/>
+    <dgm:txFillClrLst meth="repeat">
+      <a:schemeClr val="dk1"/>
+    </dgm:txFillClrLst>
+    <dgm:txEffectClrLst/>
+  </dgm:styleLbl>
+  <dgm:styleLbl name="conFgAcc1">
+    <dgm:fillClrLst meth="repeat">
+      <a:schemeClr val="lt1">
+        <a:alpha val="90000"/>
+      </a:schemeClr>
+    </dgm:fillClrLst>
+    <dgm:linClrLst meth="repeat">
+      <a:schemeClr val="accent1"/>
+    </dgm:linClrLst>
+    <dgm:effectClrLst/>
+    <dgm:txLinClrLst/>
+    <dgm:txFillClrLst meth="repeat">
+      <a:schemeClr val="dk1"/>
+    </dgm:txFillClrLst>
+    <dgm:txEffectClrLst/>
+  </dgm:styleLbl>
+  <dgm:styleLbl name="alignAcc1">
+    <dgm:fillClrLst meth="repeat">
+      <a:schemeClr val="lt1">
+        <a:alpha val="90000"/>
+      </a:schemeClr>
+    </dgm:fillClrLst>
+    <dgm:linClrLst meth="repeat">
+      <a:schemeClr val="accent1"/>
+    </dgm:linClrLst>
+    <dgm:effectClrLst/>
+    <dgm:txLinClrLst/>
+    <dgm:txFillClrLst meth="repeat">
+      <a:schemeClr val="dk1"/>
+    </dgm:txFillClrLst>
+    <dgm:txEffectClrLst/>
+  </dgm:styleLbl>
+  <dgm:styleLbl name="trAlignAcc1">
+    <dgm:fillClrLst meth="repeat">
+      <a:schemeClr val="lt1">
+        <a:alpha val="40000"/>
+      </a:schemeClr>
+    </dgm:fillClrLst>
+    <dgm:linClrLst meth="repeat">
+      <a:schemeClr val="accent1"/>
+    </dgm:linClrLst>
+    <dgm:effectClrLst/>
+    <dgm:txLinClrLst/>
+    <dgm:txFillClrLst meth="repeat">
+      <a:schemeClr val="dk1"/>
+    </dgm:txFillClrLst>
+    <dgm:txEffectClrLst/>
+  </dgm:styleLbl>
+  <dgm:styleLbl name="bgAcc1">
+    <dgm:fillClrLst meth="repeat">
+      <a:schemeClr val="lt1">
+        <a:alpha val="90000"/>
+      </a:schemeClr>
+    </dgm:fillClrLst>
+    <dgm:linClrLst meth="repeat">
+      <a:schemeClr val="accent1"/>
+    </dgm:linClrLst>
+    <dgm:effectClrLst/>
+    <dgm:txLinClrLst/>
+    <dgm:txFillClrLst meth="repeat">
+      <a:schemeClr val="dk1"/>
+    </dgm:txFillClrLst>
+    <dgm:txEffectClrLst/>
+  </dgm:styleLbl>
+  <dgm:styleLbl name="solidFgAcc1">
+    <dgm:fillClrLst meth="repeat">
+      <a:schemeClr val="lt1"/>
+    </dgm:fillClrLst>
+    <dgm:linClrLst meth="repeat">
+      <a:schemeClr val="accent1"/>
+    </dgm:linClrLst>
+    <dgm:effectClrLst/>
+    <dgm:txLinClrLst/>
+    <dgm:txFillClrLst meth="repeat">
+      <a:schemeClr val="dk1"/>
+    </dgm:txFillClrLst>
+    <dgm:txEffectClrLst/>
+  </dgm:styleLbl>
+  <dgm:styleLbl name="solidAlignAcc1">
+    <dgm:fillClrLst meth="repeat">
+      <a:schemeClr val="lt1"/>
+    </dgm:fillClrLst>
+    <dgm:linClrLst meth="repeat">
+      <a:schemeClr val="accent1"/>
+    </dgm:linClrLst>
+    <dgm:effectClrLst/>
+    <dgm:txLinClrLst/>
+    <dgm:txFillClrLst meth="repeat">
+      <a:schemeClr val="dk1"/>
+    </dgm:txFillClrLst>
+    <dgm:txEffectClrLst/>
+  </dgm:styleLbl>
+  <dgm:styleLbl name="solidBgAcc1">
+    <dgm:fillClrLst meth="repeat">
+      <a:schemeClr val="lt1"/>
+    </dgm:fillClrLst>
+    <dgm:linClrLst meth="repeat">
+      <a:schemeClr val="accent1"/>
+    </dgm:linClrLst>
+    <dgm:effectClrLst/>
+    <dgm:txLinClrLst/>
+    <dgm:txFillClrLst meth="repeat">
+      <a:schemeClr val="dk1"/>
+    </dgm:txFillClrLst>
+    <dgm:txEffectClrLst/>
+  </dgm:styleLbl>
+  <dgm:styleLbl name="fgAccFollowNode1">
+    <dgm:fillClrLst meth="repeat">
+      <a:schemeClr val="accent1">
+        <a:alpha val="90000"/>
+        <a:tint val="40000"/>
+      </a:schemeClr>
+    </dgm:fillClrLst>
+    <dgm:linClrLst meth="repeat">
+      <a:schemeClr val="accent1">
+        <a:alpha val="90000"/>
+        <a:tint val="40000"/>
+      </a:schemeClr>
+    </dgm:linClrLst>
+    <dgm:effectClrLst/>
+    <dgm:txLinClrLst/>
+    <dgm:txFillClrLst meth="repeat">
+      <a:schemeClr val="dk1"/>
+    </dgm:txFillClrLst>
+    <dgm:txEffectClrLst/>
+  </dgm:styleLbl>
+  <dgm:styleLbl name="alignAccFollowNode1">
+    <dgm:fillClrLst meth="repeat">
+      <a:schemeClr val="accent1">
+        <a:alpha val="90000"/>
+        <a:tint val="40000"/>
+      </a:schemeClr>
+    </dgm:fillClrLst>
+    <dgm:linClrLst meth="repeat">
+      <a:schemeClr val="accent1">
+        <a:alpha val="90000"/>
+        <a:tint val="40000"/>
+      </a:schemeClr>
+    </dgm:linClrLst>
+    <dgm:effectClrLst/>
+    <dgm:txLinClrLst/>
+    <dgm:txFillClrLst meth="repeat">
+      <a:schemeClr val="dk1"/>
+    </dgm:txFillClrLst>
+    <dgm:txEffectClrLst/>
+  </dgm:styleLbl>
+  <dgm:styleLbl name="bgAccFollowNode1">
+    <dgm:fillClrLst meth="repeat">
+      <a:schemeClr val="accent1">
+        <a:alpha val="90000"/>
+        <a:tint val="40000"/>
+      </a:schemeClr>
+    </dgm:fillClrLst>
+    <dgm:linClrLst meth="repeat">
+      <a:schemeClr val="accent1">
+        <a:alpha val="90000"/>
+        <a:tint val="40000"/>
+      </a:schemeClr>
+    </dgm:linClrLst>
+    <dgm:effectClrLst/>
+    <dgm:txLinClrLst/>
+    <dgm:txFillClrLst meth="repeat">
+      <a:schemeClr val="dk1"/>
+    </dgm:txFillClrLst>
+    <dgm:txEffectClrLst/>
+  </dgm:styleLbl>
+  <dgm:styleLbl name="fgAcc0">
+    <dgm:fillClrLst meth="repeat">
+      <a:schemeClr val="lt1">
+        <a:alpha val="90000"/>
+      </a:schemeClr>
+    </dgm:fillClrLst>
+    <dgm:linClrLst meth="repeat">
+      <a:schemeClr val="accent1"/>
+    </dgm:linClrLst>
+    <dgm:effectClrLst/>
+    <dgm:txLinClrLst/>
+    <dgm:txFillClrLst meth="repeat">
+      <a:schemeClr val="dk1"/>
+    </dgm:txFillClrLst>
+    <dgm:txEffectClrLst/>
+  </dgm:styleLbl>
+  <dgm:styleLbl name="fgAcc2">
+    <dgm:fillClrLst meth="repeat">
+      <a:schemeClr val="lt1">
+        <a:alpha val="90000"/>
+      </a:schemeClr>
+    </dgm:fillClrLst>
+    <dgm:linClrLst meth="repeat">
+      <a:schemeClr val="accent1"/>
+    </dgm:linClrLst>
+    <dgm:effectClrLst/>
+    <dgm:txLinClrLst/>
+    <dgm:txFillClrLst meth="repeat">
+      <a:schemeClr val="dk1"/>
+    </dgm:txFillClrLst>
+    <dgm:txEffectClrLst/>
+  </dgm:styleLbl>
+  <dgm:styleLbl name="fgAcc3">
+    <dgm:fillClrLst meth="repeat">
+      <a:schemeClr val="lt1">
+        <a:alpha val="90000"/>
+      </a:schemeClr>
+    </dgm:fillClrLst>
+    <dgm:linClrLst meth="repeat">
+      <a:schemeClr val="accent1"/>
+    </dgm:linClrLst>
+    <dgm:effectClrLst/>
+    <dgm:txLinClrLst/>
+    <dgm:txFillClrLst meth="repeat">
+      <a:schemeClr val="dk1"/>
+    </dgm:txFillClrLst>
+    <dgm:txEffectClrLst/>
+  </dgm:styleLbl>
+  <dgm:styleLbl name="fgAcc4">
+    <dgm:fillClrLst meth="repeat">
+      <a:schemeClr val="lt1">
+        <a:alpha val="90000"/>
+      </a:schemeClr>
+    </dgm:fillClrLst>
+    <dgm:linClrLst meth="repeat">
+      <a:schemeClr val="accent1"/>
+    </dgm:linClrLst>
+    <dgm:effectClrLst/>
+    <dgm:txLinClrLst/>
+    <dgm:txFillClrLst meth="repeat">
+      <a:schemeClr val="dk1"/>
+    </dgm:txFillClrLst>
+    <dgm:txEffectClrLst/>
+  </dgm:styleLbl>
+  <dgm:styleLbl name="bgShp">
+    <dgm:fillClrLst meth="repeat">
+      <a:schemeClr val="accent1">
+        <a:tint val="40000"/>
+      </a:schemeClr>
+    </dgm:fillClrLst>
+    <dgm:linClrLst meth="repeat">
+      <a:schemeClr val="accent1"/>
+    </dgm:linClrLst>
+    <dgm:effectClrLst/>
+    <dgm:txLinClrLst/>
+    <dgm:txFillClrLst meth="repeat">
+      <a:schemeClr val="dk1"/>
+    </dgm:txFillClrLst>
+    <dgm:txEffectClrLst/>
+  </dgm:styleLbl>
+  <dgm:styleLbl name="dkBgShp">
+    <dgm:fillClrLst meth="repeat">
+      <a:schemeClr val="accent1">
+        <a:shade val="80000"/>
+      </a:schemeClr>
+    </dgm:fillClrLst>
+    <dgm:linClrLst meth="repeat">
+      <a:schemeClr val="accent1"/>
+    </dgm:linClrLst>
+    <dgm:effectClrLst/>
+    <dgm:txLinClrLst/>
+    <dgm:txFillClrLst meth="repeat">
+      <a:schemeClr val="lt1"/>
+    </dgm:txFillClrLst>
+    <dgm:txEffectClrLst/>
+  </dgm:styleLbl>
+  <dgm:styleLbl name="trBgShp">
+    <dgm:fillClrLst meth="repeat">
+      <a:schemeClr val="accent1">
+        <a:tint val="50000"/>
+        <a:alpha val="40000"/>
+      </a:schemeClr>
+    </dgm:fillClrLst>
+    <dgm:linClrLst meth="repeat">
+      <a:schemeClr val="accent1"/>
+    </dgm:linClrLst>
+    <dgm:effectClrLst/>
+    <dgm:txLinClrLst/>
+    <dgm:txFillClrLst meth="repeat">
+      <a:schemeClr val="lt1"/>
+    </dgm:txFillClrLst>
+    <dgm:txEffectClrLst/>
+  </dgm:styleLbl>
+  <dgm:styleLbl name="fgShp">
+    <dgm:fillClrLst meth="repeat">
+      <a:schemeClr val="accent1">
+        <a:tint val="60000"/>
+      </a:schemeClr>
+    </dgm:fillClrLst>
+    <dgm:linClrLst meth="repeat">
+      <a:schemeClr val="lt1"/>
+    </dgm:linClrLst>
+    <dgm:effectClrLst/>
+    <dgm:txLinClrLst/>
+    <dgm:txFillClrLst meth="repeat">
+      <a:schemeClr val="dk1"/>
+    </dgm:txFillClrLst>
+    <dgm:txEffectClrLst/>
+  </dgm:styleLbl>
+  <dgm:styleLbl name="revTx">
+    <dgm:fillClrLst meth="repeat">
+      <a:schemeClr val="lt1">
+        <a:alpha val="0"/>
+      </a:schemeClr>
+    </dgm:fillClrLst>
+    <dgm:linClrLst meth="repeat">
+      <a:schemeClr val="dk1">
+        <a:alpha val="0"/>
+      </a:schemeClr>
+    </dgm:linClrLst>
+    <dgm:effectClrLst/>
+    <dgm:txLinClrLst/>
+    <dgm:txFillClrLst meth="repeat">
+      <a:schemeClr val="tx1"/>
+    </dgm:txFillClrLst>
+    <dgm:txEffectClrLst/>
+  </dgm:styleLbl>
+</dgm:colorsDef>
+</file>
+
+<file path=ppt/diagrams/data1.xml><?xml version="1.0" encoding="utf-8"?>
+<dgm:dataModel xmlns:dgm="http://schemas.openxmlformats.org/drawingml/2006/diagram" xmlns:a="http://schemas.openxmlformats.org/drawingml/2006/main">
+  <dgm:ptLst>
+    <dgm:pt modelId="{17688A5E-2CB5-48A9-9ED4-7EE56DB2A670}" type="doc">
+      <dgm:prSet loTypeId="urn:microsoft.com/office/officeart/2005/8/layout/cycle6" loCatId="relationship" qsTypeId="urn:microsoft.com/office/officeart/2005/8/quickstyle/simple1" qsCatId="simple" csTypeId="urn:microsoft.com/office/officeart/2005/8/colors/accent1_2" csCatId="accent1" phldr="1"/>
+      <dgm:spPr/>
+      <dgm:t>
+        <a:bodyPr/>
+        <a:lstStyle/>
+        <a:p>
+          <a:endParaRPr lang="nl-BE"/>
+        </a:p>
+      </dgm:t>
+    </dgm:pt>
+    <dgm:pt modelId="{36DE71AC-D546-49CA-8E77-83DD56A6E7A4}">
+      <dgm:prSet phldrT="[Text]"/>
+      <dgm:spPr/>
+      <dgm:t>
+        <a:bodyPr/>
+        <a:lstStyle/>
+        <a:p>
+          <a:r>
+            <a:rPr lang="nl-BE" dirty="0" smtClean="0"/>
+            <a:t>Geen commentaar</a:t>
+          </a:r>
+          <a:endParaRPr lang="nl-BE" dirty="0"/>
+        </a:p>
+      </dgm:t>
+    </dgm:pt>
+    <dgm:pt modelId="{93C2C42F-17C9-4305-8A73-C50A5B9DC3D8}" type="parTrans" cxnId="{477AFE4F-27A1-4D3B-BAF4-0D9C4E7B2361}">
+      <dgm:prSet/>
+      <dgm:spPr/>
+      <dgm:t>
+        <a:bodyPr/>
+        <a:lstStyle/>
+        <a:p>
+          <a:endParaRPr lang="nl-BE"/>
+        </a:p>
+      </dgm:t>
+    </dgm:pt>
+    <dgm:pt modelId="{97AD3E9A-C9B0-44DD-9C63-0E6D8AEDFB0B}" type="sibTrans" cxnId="{477AFE4F-27A1-4D3B-BAF4-0D9C4E7B2361}">
+      <dgm:prSet/>
+      <dgm:spPr/>
+      <dgm:t>
+        <a:bodyPr/>
+        <a:lstStyle/>
+        <a:p>
+          <a:endParaRPr lang="nl-BE"/>
+        </a:p>
+      </dgm:t>
+    </dgm:pt>
+    <dgm:pt modelId="{7F3F6267-9A58-4F7C-9886-5257DFD3E8CC}">
+      <dgm:prSet phldrT="[Text]"/>
+      <dgm:spPr/>
+      <dgm:t>
+        <a:bodyPr/>
+        <a:lstStyle/>
+        <a:p>
+          <a:r>
+            <a:rPr lang="nl-BE" dirty="0" smtClean="0"/>
+            <a:t>Betere namen</a:t>
+          </a:r>
+          <a:endParaRPr lang="nl-BE" dirty="0"/>
+        </a:p>
+      </dgm:t>
+    </dgm:pt>
+    <dgm:pt modelId="{DDB47620-D339-48F1-AB4E-9974B7AA59E5}" type="parTrans" cxnId="{E8384680-8CA5-4295-B16D-F789501A5989}">
+      <dgm:prSet/>
+      <dgm:spPr/>
+      <dgm:t>
+        <a:bodyPr/>
+        <a:lstStyle/>
+        <a:p>
+          <a:endParaRPr lang="nl-BE"/>
+        </a:p>
+      </dgm:t>
+    </dgm:pt>
+    <dgm:pt modelId="{FE9ECE1F-3B8C-4A16-95B5-E25A8D77BF62}" type="sibTrans" cxnId="{E8384680-8CA5-4295-B16D-F789501A5989}">
+      <dgm:prSet/>
+      <dgm:spPr/>
+      <dgm:t>
+        <a:bodyPr/>
+        <a:lstStyle/>
+        <a:p>
+          <a:endParaRPr lang="nl-BE"/>
+        </a:p>
+      </dgm:t>
+    </dgm:pt>
+    <dgm:pt modelId="{978AE140-12EC-426D-93F5-54FBB7485B96}">
+      <dgm:prSet phldrT="[Text]"/>
+      <dgm:spPr/>
+      <dgm:t>
+        <a:bodyPr/>
+        <a:lstStyle/>
+        <a:p>
+          <a:r>
+            <a:rPr lang="nl-BE" dirty="0" smtClean="0"/>
+            <a:t>Kleinere functies</a:t>
+          </a:r>
+          <a:endParaRPr lang="nl-BE" dirty="0"/>
+        </a:p>
+      </dgm:t>
+    </dgm:pt>
+    <dgm:pt modelId="{631B4B25-7714-4221-98E7-E6F1E3810994}" type="parTrans" cxnId="{23B64A01-B48A-4D9B-8535-DE97E7B48B88}">
+      <dgm:prSet/>
+      <dgm:spPr/>
+      <dgm:t>
+        <a:bodyPr/>
+        <a:lstStyle/>
+        <a:p>
+          <a:endParaRPr lang="nl-BE"/>
+        </a:p>
+      </dgm:t>
+    </dgm:pt>
+    <dgm:pt modelId="{C2FBC8A9-FDEB-486A-BE2D-4D0E4B6F6C27}" type="sibTrans" cxnId="{23B64A01-B48A-4D9B-8535-DE97E7B48B88}">
+      <dgm:prSet/>
+      <dgm:spPr/>
+      <dgm:t>
+        <a:bodyPr/>
+        <a:lstStyle/>
+        <a:p>
+          <a:endParaRPr lang="nl-BE"/>
+        </a:p>
+      </dgm:t>
+    </dgm:pt>
+    <dgm:pt modelId="{0AA3D2BB-081B-46AF-B4FF-B1F206BD4D5C}">
+      <dgm:prSet phldrT="[Text]"/>
+      <dgm:spPr/>
+      <dgm:t>
+        <a:bodyPr/>
+        <a:lstStyle/>
+        <a:p>
+          <a:r>
+            <a:rPr lang="nl-BE" dirty="0" smtClean="0"/>
+            <a:t>SOLID</a:t>
+          </a:r>
+          <a:endParaRPr lang="nl-BE" dirty="0"/>
+        </a:p>
+      </dgm:t>
+    </dgm:pt>
+    <dgm:pt modelId="{9DE866A2-2BB8-4FCF-BB87-491E943C3CA3}" type="parTrans" cxnId="{CC5A7CCD-C65A-4F2F-9561-A4DF90DAD35C}">
+      <dgm:prSet/>
+      <dgm:spPr/>
+      <dgm:t>
+        <a:bodyPr/>
+        <a:lstStyle/>
+        <a:p>
+          <a:endParaRPr lang="nl-BE"/>
+        </a:p>
+      </dgm:t>
+    </dgm:pt>
+    <dgm:pt modelId="{703DC627-10A7-49C9-8E59-24C0F2B787F3}" type="sibTrans" cxnId="{CC5A7CCD-C65A-4F2F-9561-A4DF90DAD35C}">
+      <dgm:prSet/>
+      <dgm:spPr/>
+      <dgm:t>
+        <a:bodyPr/>
+        <a:lstStyle/>
+        <a:p>
+          <a:endParaRPr lang="nl-BE"/>
+        </a:p>
+      </dgm:t>
+    </dgm:pt>
+    <dgm:pt modelId="{C50AC550-FDA0-413D-BF91-4649768F98BC}">
+      <dgm:prSet phldrT="[Text]"/>
+      <dgm:spPr/>
+      <dgm:t>
+        <a:bodyPr/>
+        <a:lstStyle/>
+        <a:p>
+          <a:r>
+            <a:rPr lang="nl-BE" dirty="0" smtClean="0"/>
+            <a:t>DI &amp; Unit Testing</a:t>
+          </a:r>
+          <a:endParaRPr lang="nl-BE" dirty="0"/>
+        </a:p>
+      </dgm:t>
+    </dgm:pt>
+    <dgm:pt modelId="{97DDB3B8-6D67-47C8-898C-01691D0CB3C9}" type="parTrans" cxnId="{51B5DE1D-698F-495A-AAE5-F9162A6DA18D}">
+      <dgm:prSet/>
+      <dgm:spPr/>
+      <dgm:t>
+        <a:bodyPr/>
+        <a:lstStyle/>
+        <a:p>
+          <a:endParaRPr lang="nl-BE"/>
+        </a:p>
+      </dgm:t>
+    </dgm:pt>
+    <dgm:pt modelId="{437BEC1D-ECAD-4DBD-8023-5BE2F72E631A}" type="sibTrans" cxnId="{51B5DE1D-698F-495A-AAE5-F9162A6DA18D}">
+      <dgm:prSet/>
+      <dgm:spPr/>
+      <dgm:t>
+        <a:bodyPr/>
+        <a:lstStyle/>
+        <a:p>
+          <a:endParaRPr lang="nl-BE"/>
+        </a:p>
+      </dgm:t>
+    </dgm:pt>
+    <dgm:pt modelId="{6B489734-4C99-448B-96DD-94C6EAFA8EAF}" type="pres">
+      <dgm:prSet presAssocID="{17688A5E-2CB5-48A9-9ED4-7EE56DB2A670}" presName="cycle" presStyleCnt="0">
+        <dgm:presLayoutVars>
+          <dgm:dir/>
+          <dgm:resizeHandles val="exact"/>
+        </dgm:presLayoutVars>
+      </dgm:prSet>
+      <dgm:spPr/>
+      <dgm:t>
+        <a:bodyPr/>
+        <a:lstStyle/>
+        <a:p>
+          <a:endParaRPr lang="nl-BE"/>
+        </a:p>
+      </dgm:t>
+    </dgm:pt>
+    <dgm:pt modelId="{2B0B578A-BF18-4116-BE46-FCA005D4A827}" type="pres">
+      <dgm:prSet presAssocID="{36DE71AC-D546-49CA-8E77-83DD56A6E7A4}" presName="node" presStyleLbl="node1" presStyleIdx="0" presStyleCnt="5">
+        <dgm:presLayoutVars>
+          <dgm:bulletEnabled val="1"/>
+        </dgm:presLayoutVars>
+      </dgm:prSet>
+      <dgm:spPr/>
+      <dgm:t>
+        <a:bodyPr/>
+        <a:lstStyle/>
+        <a:p>
+          <a:endParaRPr lang="nl-BE"/>
+        </a:p>
+      </dgm:t>
+    </dgm:pt>
+    <dgm:pt modelId="{04273047-587D-42DD-9F91-9C47CC959A5D}" type="pres">
+      <dgm:prSet presAssocID="{36DE71AC-D546-49CA-8E77-83DD56A6E7A4}" presName="spNode" presStyleCnt="0"/>
+      <dgm:spPr/>
+    </dgm:pt>
+    <dgm:pt modelId="{25D6F62C-D817-4BFF-B994-0353F0AF6C62}" type="pres">
+      <dgm:prSet presAssocID="{97AD3E9A-C9B0-44DD-9C63-0E6D8AEDFB0B}" presName="sibTrans" presStyleLbl="sibTrans1D1" presStyleIdx="0" presStyleCnt="5"/>
+      <dgm:spPr/>
+      <dgm:t>
+        <a:bodyPr/>
+        <a:lstStyle/>
+        <a:p>
+          <a:endParaRPr lang="nl-BE"/>
+        </a:p>
+      </dgm:t>
+    </dgm:pt>
+    <dgm:pt modelId="{0810CC07-744C-45C0-BA70-83E14B5F35E9}" type="pres">
+      <dgm:prSet presAssocID="{7F3F6267-9A58-4F7C-9886-5257DFD3E8CC}" presName="node" presStyleLbl="node1" presStyleIdx="1" presStyleCnt="5">
+        <dgm:presLayoutVars>
+          <dgm:bulletEnabled val="1"/>
+        </dgm:presLayoutVars>
+      </dgm:prSet>
+      <dgm:spPr/>
+      <dgm:t>
+        <a:bodyPr/>
+        <a:lstStyle/>
+        <a:p>
+          <a:endParaRPr lang="nl-BE"/>
+        </a:p>
+      </dgm:t>
+    </dgm:pt>
+    <dgm:pt modelId="{865C7CDD-98BB-478B-A813-A89DA50F646B}" type="pres">
+      <dgm:prSet presAssocID="{7F3F6267-9A58-4F7C-9886-5257DFD3E8CC}" presName="spNode" presStyleCnt="0"/>
+      <dgm:spPr/>
+    </dgm:pt>
+    <dgm:pt modelId="{4AB43272-5F2E-4F9A-ACFE-B0E5E6435972}" type="pres">
+      <dgm:prSet presAssocID="{FE9ECE1F-3B8C-4A16-95B5-E25A8D77BF62}" presName="sibTrans" presStyleLbl="sibTrans1D1" presStyleIdx="1" presStyleCnt="5"/>
+      <dgm:spPr/>
+      <dgm:t>
+        <a:bodyPr/>
+        <a:lstStyle/>
+        <a:p>
+          <a:endParaRPr lang="nl-BE"/>
+        </a:p>
+      </dgm:t>
+    </dgm:pt>
+    <dgm:pt modelId="{57CC0353-B57A-4593-9322-B08FAE93CA20}" type="pres">
+      <dgm:prSet presAssocID="{978AE140-12EC-426D-93F5-54FBB7485B96}" presName="node" presStyleLbl="node1" presStyleIdx="2" presStyleCnt="5">
+        <dgm:presLayoutVars>
+          <dgm:bulletEnabled val="1"/>
+        </dgm:presLayoutVars>
+      </dgm:prSet>
+      <dgm:spPr/>
+      <dgm:t>
+        <a:bodyPr/>
+        <a:lstStyle/>
+        <a:p>
+          <a:endParaRPr lang="nl-BE"/>
+        </a:p>
+      </dgm:t>
+    </dgm:pt>
+    <dgm:pt modelId="{E679F8FB-FB35-4103-9CFA-D68B6167AA78}" type="pres">
+      <dgm:prSet presAssocID="{978AE140-12EC-426D-93F5-54FBB7485B96}" presName="spNode" presStyleCnt="0"/>
+      <dgm:spPr/>
+    </dgm:pt>
+    <dgm:pt modelId="{6267FEE5-6593-4914-A1D6-44B8E3A125C0}" type="pres">
+      <dgm:prSet presAssocID="{C2FBC8A9-FDEB-486A-BE2D-4D0E4B6F6C27}" presName="sibTrans" presStyleLbl="sibTrans1D1" presStyleIdx="2" presStyleCnt="5"/>
+      <dgm:spPr/>
+      <dgm:t>
+        <a:bodyPr/>
+        <a:lstStyle/>
+        <a:p>
+          <a:endParaRPr lang="nl-BE"/>
+        </a:p>
+      </dgm:t>
+    </dgm:pt>
+    <dgm:pt modelId="{1705D0AE-FDA5-4537-8AC6-57B1ED0EB0F5}" type="pres">
+      <dgm:prSet presAssocID="{0AA3D2BB-081B-46AF-B4FF-B1F206BD4D5C}" presName="node" presStyleLbl="node1" presStyleIdx="3" presStyleCnt="5">
+        <dgm:presLayoutVars>
+          <dgm:bulletEnabled val="1"/>
+        </dgm:presLayoutVars>
+      </dgm:prSet>
+      <dgm:spPr/>
+      <dgm:t>
+        <a:bodyPr/>
+        <a:lstStyle/>
+        <a:p>
+          <a:endParaRPr lang="nl-BE"/>
+        </a:p>
+      </dgm:t>
+    </dgm:pt>
+    <dgm:pt modelId="{116C706D-22D0-42B9-854F-E2043D6E5B96}" type="pres">
+      <dgm:prSet presAssocID="{0AA3D2BB-081B-46AF-B4FF-B1F206BD4D5C}" presName="spNode" presStyleCnt="0"/>
+      <dgm:spPr/>
+    </dgm:pt>
+    <dgm:pt modelId="{DBD75833-00DC-4294-B216-7A62FC04BBAE}" type="pres">
+      <dgm:prSet presAssocID="{703DC627-10A7-49C9-8E59-24C0F2B787F3}" presName="sibTrans" presStyleLbl="sibTrans1D1" presStyleIdx="3" presStyleCnt="5"/>
+      <dgm:spPr/>
+      <dgm:t>
+        <a:bodyPr/>
+        <a:lstStyle/>
+        <a:p>
+          <a:endParaRPr lang="nl-BE"/>
+        </a:p>
+      </dgm:t>
+    </dgm:pt>
+    <dgm:pt modelId="{BE8D759B-841D-41EE-B738-065764C8BA34}" type="pres">
+      <dgm:prSet presAssocID="{C50AC550-FDA0-413D-BF91-4649768F98BC}" presName="node" presStyleLbl="node1" presStyleIdx="4" presStyleCnt="5">
+        <dgm:presLayoutVars>
+          <dgm:bulletEnabled val="1"/>
+        </dgm:presLayoutVars>
+      </dgm:prSet>
+      <dgm:spPr/>
+      <dgm:t>
+        <a:bodyPr/>
+        <a:lstStyle/>
+        <a:p>
+          <a:endParaRPr lang="nl-BE"/>
+        </a:p>
+      </dgm:t>
+    </dgm:pt>
+    <dgm:pt modelId="{D07E9547-DCFE-49C5-9F67-C42E3AEEE689}" type="pres">
+      <dgm:prSet presAssocID="{C50AC550-FDA0-413D-BF91-4649768F98BC}" presName="spNode" presStyleCnt="0"/>
+      <dgm:spPr/>
+    </dgm:pt>
+    <dgm:pt modelId="{5643E929-4A9C-431E-90AA-BD6B10508C0B}" type="pres">
+      <dgm:prSet presAssocID="{437BEC1D-ECAD-4DBD-8023-5BE2F72E631A}" presName="sibTrans" presStyleLbl="sibTrans1D1" presStyleIdx="4" presStyleCnt="5"/>
+      <dgm:spPr/>
+      <dgm:t>
+        <a:bodyPr/>
+        <a:lstStyle/>
+        <a:p>
+          <a:endParaRPr lang="nl-BE"/>
+        </a:p>
+      </dgm:t>
+    </dgm:pt>
+  </dgm:ptLst>
+  <dgm:cxnLst>
+    <dgm:cxn modelId="{23B64A01-B48A-4D9B-8535-DE97E7B48B88}" srcId="{17688A5E-2CB5-48A9-9ED4-7EE56DB2A670}" destId="{978AE140-12EC-426D-93F5-54FBB7485B96}" srcOrd="2" destOrd="0" parTransId="{631B4B25-7714-4221-98E7-E6F1E3810994}" sibTransId="{C2FBC8A9-FDEB-486A-BE2D-4D0E4B6F6C27}"/>
+    <dgm:cxn modelId="{AF729EBB-D5D0-4886-A8FA-BF49CC9F061A}" type="presOf" srcId="{437BEC1D-ECAD-4DBD-8023-5BE2F72E631A}" destId="{5643E929-4A9C-431E-90AA-BD6B10508C0B}" srcOrd="0" destOrd="0" presId="urn:microsoft.com/office/officeart/2005/8/layout/cycle6"/>
+    <dgm:cxn modelId="{480706DA-E5B5-4F8D-B639-03A66220D4B8}" type="presOf" srcId="{97AD3E9A-C9B0-44DD-9C63-0E6D8AEDFB0B}" destId="{25D6F62C-D817-4BFF-B994-0353F0AF6C62}" srcOrd="0" destOrd="0" presId="urn:microsoft.com/office/officeart/2005/8/layout/cycle6"/>
+    <dgm:cxn modelId="{3715311B-113A-4AF3-8A69-C69D81EECA83}" type="presOf" srcId="{978AE140-12EC-426D-93F5-54FBB7485B96}" destId="{57CC0353-B57A-4593-9322-B08FAE93CA20}" srcOrd="0" destOrd="0" presId="urn:microsoft.com/office/officeart/2005/8/layout/cycle6"/>
+    <dgm:cxn modelId="{4BFE7B05-7A74-40DF-BF31-8C7A3D04FB70}" type="presOf" srcId="{7F3F6267-9A58-4F7C-9886-5257DFD3E8CC}" destId="{0810CC07-744C-45C0-BA70-83E14B5F35E9}" srcOrd="0" destOrd="0" presId="urn:microsoft.com/office/officeart/2005/8/layout/cycle6"/>
+    <dgm:cxn modelId="{3CF68CD3-0CDE-4A3D-AAB8-7A3A2D0D7CFF}" type="presOf" srcId="{0AA3D2BB-081B-46AF-B4FF-B1F206BD4D5C}" destId="{1705D0AE-FDA5-4537-8AC6-57B1ED0EB0F5}" srcOrd="0" destOrd="0" presId="urn:microsoft.com/office/officeart/2005/8/layout/cycle6"/>
+    <dgm:cxn modelId="{51B5DE1D-698F-495A-AAE5-F9162A6DA18D}" srcId="{17688A5E-2CB5-48A9-9ED4-7EE56DB2A670}" destId="{C50AC550-FDA0-413D-BF91-4649768F98BC}" srcOrd="4" destOrd="0" parTransId="{97DDB3B8-6D67-47C8-898C-01691D0CB3C9}" sibTransId="{437BEC1D-ECAD-4DBD-8023-5BE2F72E631A}"/>
+    <dgm:cxn modelId="{477AFE4F-27A1-4D3B-BAF4-0D9C4E7B2361}" srcId="{17688A5E-2CB5-48A9-9ED4-7EE56DB2A670}" destId="{36DE71AC-D546-49CA-8E77-83DD56A6E7A4}" srcOrd="0" destOrd="0" parTransId="{93C2C42F-17C9-4305-8A73-C50A5B9DC3D8}" sibTransId="{97AD3E9A-C9B0-44DD-9C63-0E6D8AEDFB0B}"/>
+    <dgm:cxn modelId="{CC5A7CCD-C65A-4F2F-9561-A4DF90DAD35C}" srcId="{17688A5E-2CB5-48A9-9ED4-7EE56DB2A670}" destId="{0AA3D2BB-081B-46AF-B4FF-B1F206BD4D5C}" srcOrd="3" destOrd="0" parTransId="{9DE866A2-2BB8-4FCF-BB87-491E943C3CA3}" sibTransId="{703DC627-10A7-49C9-8E59-24C0F2B787F3}"/>
+    <dgm:cxn modelId="{84D8ED00-3E65-41E2-B152-B040F16ECFE2}" type="presOf" srcId="{C50AC550-FDA0-413D-BF91-4649768F98BC}" destId="{BE8D759B-841D-41EE-B738-065764C8BA34}" srcOrd="0" destOrd="0" presId="urn:microsoft.com/office/officeart/2005/8/layout/cycle6"/>
+    <dgm:cxn modelId="{6A165359-9752-4442-8535-1B0DFDDD2ADE}" type="presOf" srcId="{FE9ECE1F-3B8C-4A16-95B5-E25A8D77BF62}" destId="{4AB43272-5F2E-4F9A-ACFE-B0E5E6435972}" srcOrd="0" destOrd="0" presId="urn:microsoft.com/office/officeart/2005/8/layout/cycle6"/>
+    <dgm:cxn modelId="{19B81505-BAB3-4174-BD1E-D34034D5D882}" type="presOf" srcId="{17688A5E-2CB5-48A9-9ED4-7EE56DB2A670}" destId="{6B489734-4C99-448B-96DD-94C6EAFA8EAF}" srcOrd="0" destOrd="0" presId="urn:microsoft.com/office/officeart/2005/8/layout/cycle6"/>
+    <dgm:cxn modelId="{C449C66B-5E1C-4168-BDCC-238DE879DBA3}" type="presOf" srcId="{36DE71AC-D546-49CA-8E77-83DD56A6E7A4}" destId="{2B0B578A-BF18-4116-BE46-FCA005D4A827}" srcOrd="0" destOrd="0" presId="urn:microsoft.com/office/officeart/2005/8/layout/cycle6"/>
+    <dgm:cxn modelId="{0C4A8AEE-2532-4496-93D3-2150A592CA01}" type="presOf" srcId="{C2FBC8A9-FDEB-486A-BE2D-4D0E4B6F6C27}" destId="{6267FEE5-6593-4914-A1D6-44B8E3A125C0}" srcOrd="0" destOrd="0" presId="urn:microsoft.com/office/officeart/2005/8/layout/cycle6"/>
+    <dgm:cxn modelId="{E8384680-8CA5-4295-B16D-F789501A5989}" srcId="{17688A5E-2CB5-48A9-9ED4-7EE56DB2A670}" destId="{7F3F6267-9A58-4F7C-9886-5257DFD3E8CC}" srcOrd="1" destOrd="0" parTransId="{DDB47620-D339-48F1-AB4E-9974B7AA59E5}" sibTransId="{FE9ECE1F-3B8C-4A16-95B5-E25A8D77BF62}"/>
+    <dgm:cxn modelId="{DA9DB2B2-2B29-4A4B-81A7-AD18A233E54E}" type="presOf" srcId="{703DC627-10A7-49C9-8E59-24C0F2B787F3}" destId="{DBD75833-00DC-4294-B216-7A62FC04BBAE}" srcOrd="0" destOrd="0" presId="urn:microsoft.com/office/officeart/2005/8/layout/cycle6"/>
+    <dgm:cxn modelId="{F5EAB1E9-65DC-4427-96DA-E290A8DC41F7}" type="presParOf" srcId="{6B489734-4C99-448B-96DD-94C6EAFA8EAF}" destId="{2B0B578A-BF18-4116-BE46-FCA005D4A827}" srcOrd="0" destOrd="0" presId="urn:microsoft.com/office/officeart/2005/8/layout/cycle6"/>
+    <dgm:cxn modelId="{BE8673EB-650A-4AAF-9228-072DB063D002}" type="presParOf" srcId="{6B489734-4C99-448B-96DD-94C6EAFA8EAF}" destId="{04273047-587D-42DD-9F91-9C47CC959A5D}" srcOrd="1" destOrd="0" presId="urn:microsoft.com/office/officeart/2005/8/layout/cycle6"/>
+    <dgm:cxn modelId="{00741B18-BEAF-425C-9C58-630078DB35F5}" type="presParOf" srcId="{6B489734-4C99-448B-96DD-94C6EAFA8EAF}" destId="{25D6F62C-D817-4BFF-B994-0353F0AF6C62}" srcOrd="2" destOrd="0" presId="urn:microsoft.com/office/officeart/2005/8/layout/cycle6"/>
+    <dgm:cxn modelId="{2255B7F1-78B8-41CD-B154-A3D1E5FEBC25}" type="presParOf" srcId="{6B489734-4C99-448B-96DD-94C6EAFA8EAF}" destId="{0810CC07-744C-45C0-BA70-83E14B5F35E9}" srcOrd="3" destOrd="0" presId="urn:microsoft.com/office/officeart/2005/8/layout/cycle6"/>
+    <dgm:cxn modelId="{43DAF3DF-D077-488B-98F4-7E725426757C}" type="presParOf" srcId="{6B489734-4C99-448B-96DD-94C6EAFA8EAF}" destId="{865C7CDD-98BB-478B-A813-A89DA50F646B}" srcOrd="4" destOrd="0" presId="urn:microsoft.com/office/officeart/2005/8/layout/cycle6"/>
+    <dgm:cxn modelId="{11DB1E74-AC19-4109-AFB7-4E8E194C35EE}" type="presParOf" srcId="{6B489734-4C99-448B-96DD-94C6EAFA8EAF}" destId="{4AB43272-5F2E-4F9A-ACFE-B0E5E6435972}" srcOrd="5" destOrd="0" presId="urn:microsoft.com/office/officeart/2005/8/layout/cycle6"/>
+    <dgm:cxn modelId="{D6CE1887-EAA5-450B-82B2-9F355521C48F}" type="presParOf" srcId="{6B489734-4C99-448B-96DD-94C6EAFA8EAF}" destId="{57CC0353-B57A-4593-9322-B08FAE93CA20}" srcOrd="6" destOrd="0" presId="urn:microsoft.com/office/officeart/2005/8/layout/cycle6"/>
+    <dgm:cxn modelId="{32FAB5E3-9F83-4DB8-B067-7EA5C02A1392}" type="presParOf" srcId="{6B489734-4C99-448B-96DD-94C6EAFA8EAF}" destId="{E679F8FB-FB35-4103-9CFA-D68B6167AA78}" srcOrd="7" destOrd="0" presId="urn:microsoft.com/office/officeart/2005/8/layout/cycle6"/>
+    <dgm:cxn modelId="{6A4CFAFB-9719-4C0A-BC1A-D4B92067A6DA}" type="presParOf" srcId="{6B489734-4C99-448B-96DD-94C6EAFA8EAF}" destId="{6267FEE5-6593-4914-A1D6-44B8E3A125C0}" srcOrd="8" destOrd="0" presId="urn:microsoft.com/office/officeart/2005/8/layout/cycle6"/>
+    <dgm:cxn modelId="{1E6FBF20-4149-488C-8174-CBA8A85530A5}" type="presParOf" srcId="{6B489734-4C99-448B-96DD-94C6EAFA8EAF}" destId="{1705D0AE-FDA5-4537-8AC6-57B1ED0EB0F5}" srcOrd="9" destOrd="0" presId="urn:microsoft.com/office/officeart/2005/8/layout/cycle6"/>
+    <dgm:cxn modelId="{F3C72635-3A96-44EC-BBEC-71CAF5A0A422}" type="presParOf" srcId="{6B489734-4C99-448B-96DD-94C6EAFA8EAF}" destId="{116C706D-22D0-42B9-854F-E2043D6E5B96}" srcOrd="10" destOrd="0" presId="urn:microsoft.com/office/officeart/2005/8/layout/cycle6"/>
+    <dgm:cxn modelId="{89EB55B8-1385-4072-9D2F-8B4EA3D57143}" type="presParOf" srcId="{6B489734-4C99-448B-96DD-94C6EAFA8EAF}" destId="{DBD75833-00DC-4294-B216-7A62FC04BBAE}" srcOrd="11" destOrd="0" presId="urn:microsoft.com/office/officeart/2005/8/layout/cycle6"/>
+    <dgm:cxn modelId="{73664E96-7F8E-4509-BC1B-7B767A62F4D6}" type="presParOf" srcId="{6B489734-4C99-448B-96DD-94C6EAFA8EAF}" destId="{BE8D759B-841D-41EE-B738-065764C8BA34}" srcOrd="12" destOrd="0" presId="urn:microsoft.com/office/officeart/2005/8/layout/cycle6"/>
+    <dgm:cxn modelId="{AC8D21BB-B021-4DD3-AEC6-52EC37623267}" type="presParOf" srcId="{6B489734-4C99-448B-96DD-94C6EAFA8EAF}" destId="{D07E9547-DCFE-49C5-9F67-C42E3AEEE689}" srcOrd="13" destOrd="0" presId="urn:microsoft.com/office/officeart/2005/8/layout/cycle6"/>
+    <dgm:cxn modelId="{EA76A50A-23C0-453C-8D06-F84B77D6A2A9}" type="presParOf" srcId="{6B489734-4C99-448B-96DD-94C6EAFA8EAF}" destId="{5643E929-4A9C-431E-90AA-BD6B10508C0B}" srcOrd="14" destOrd="0" presId="urn:microsoft.com/office/officeart/2005/8/layout/cycle6"/>
+  </dgm:cxnLst>
+  <dgm:bg/>
+  <dgm:whole/>
+  <dgm:extLst>
+    <a:ext uri="http://schemas.microsoft.com/office/drawing/2008/diagram">
+      <dsp:dataModelExt xmlns:dsp="http://schemas.microsoft.com/office/drawing/2008/diagram" relId="rId7" minVer="http://schemas.openxmlformats.org/drawingml/2006/diagram"/>
+    </a:ext>
+  </dgm:extLst>
+</dgm:dataModel>
+</file>
+
+<file path=ppt/diagrams/drawing1.xml><?xml version="1.0" encoding="utf-8"?>
+<dsp:drawing xmlns:dgm="http://schemas.openxmlformats.org/drawingml/2006/diagram" xmlns:dsp="http://schemas.microsoft.com/office/drawing/2008/diagram" xmlns:a="http://schemas.openxmlformats.org/drawingml/2006/main">
+  <dsp:spTree>
+    <dsp:nvGrpSpPr>
+      <dsp:cNvPr id="0" name=""/>
+      <dsp:cNvGrpSpPr/>
+    </dsp:nvGrpSpPr>
+    <dsp:grpSpPr/>
+    <dsp:sp modelId="{2B0B578A-BF18-4116-BE46-FCA005D4A827}">
+      <dsp:nvSpPr>
+        <dsp:cNvPr id="0" name=""/>
+        <dsp:cNvSpPr/>
+      </dsp:nvSpPr>
+      <dsp:spPr>
+        <a:xfrm>
+          <a:off x="3317155" y="3131"/>
+          <a:ext cx="1595288" cy="1036937"/>
+        </a:xfrm>
+        <a:prstGeom prst="roundRect">
+          <a:avLst/>
+        </a:prstGeom>
+        <a:solidFill>
+          <a:schemeClr val="accent1">
+            <a:hueOff val="0"/>
+            <a:satOff val="0"/>
+            <a:lumOff val="0"/>
+            <a:alphaOff val="0"/>
+          </a:schemeClr>
+        </a:solidFill>
+        <a:ln w="25400" cap="flat" cmpd="sng" algn="ctr">
+          <a:solidFill>
+            <a:schemeClr val="lt1">
+              <a:hueOff val="0"/>
+              <a:satOff val="0"/>
+              <a:lumOff val="0"/>
+              <a:alphaOff val="0"/>
+            </a:schemeClr>
+          </a:solidFill>
+          <a:prstDash val="solid"/>
+        </a:ln>
+        <a:effectLst/>
+      </dsp:spPr>
+      <dsp:style>
+        <a:lnRef idx="2">
+          <a:scrgbClr r="0" g="0" b="0"/>
+        </a:lnRef>
+        <a:fillRef idx="1">
+          <a:scrgbClr r="0" g="0" b="0"/>
+        </a:fillRef>
+        <a:effectRef idx="0">
+          <a:scrgbClr r="0" g="0" b="0"/>
+        </a:effectRef>
+        <a:fontRef idx="minor">
+          <a:schemeClr val="lt1"/>
+        </a:fontRef>
+      </dsp:style>
+      <dsp:txBody>
+        <a:bodyPr spcFirstLastPara="0" vert="horz" wrap="square" lIns="76200" tIns="76200" rIns="76200" bIns="76200" numCol="1" spcCol="1270" anchor="ctr" anchorCtr="0">
+          <a:noAutofit/>
+        </a:bodyPr>
+        <a:lstStyle/>
+        <a:p>
+          <a:pPr lvl="0" algn="ctr" defTabSz="889000">
+            <a:lnSpc>
+              <a:spcPct val="90000"/>
+            </a:lnSpc>
+            <a:spcBef>
+              <a:spcPct val="0"/>
+            </a:spcBef>
+            <a:spcAft>
+              <a:spcPct val="35000"/>
+            </a:spcAft>
+          </a:pPr>
+          <a:r>
+            <a:rPr lang="nl-BE" sz="2000" kern="1200" dirty="0" smtClean="0"/>
+            <a:t>Geen commentaar</a:t>
+          </a:r>
+          <a:endParaRPr lang="nl-BE" sz="2000" kern="1200" dirty="0"/>
+        </a:p>
+      </dsp:txBody>
+      <dsp:txXfrm>
+        <a:off x="3367774" y="53750"/>
+        <a:ext cx="1494050" cy="935699"/>
+      </dsp:txXfrm>
+    </dsp:sp>
+    <dsp:sp modelId="{25D6F62C-D817-4BFF-B994-0353F0AF6C62}">
+      <dsp:nvSpPr>
+        <dsp:cNvPr id="0" name=""/>
+        <dsp:cNvSpPr/>
+      </dsp:nvSpPr>
+      <dsp:spPr>
+        <a:xfrm>
+          <a:off x="2044181" y="521600"/>
+          <a:ext cx="4141236" cy="4141236"/>
+        </a:xfrm>
+        <a:custGeom>
+          <a:avLst/>
+          <a:gdLst/>
+          <a:ahLst/>
+          <a:cxnLst/>
+          <a:rect l="0" t="0" r="0" b="0"/>
+          <a:pathLst>
+            <a:path>
+              <a:moveTo>
+                <a:pt x="2879208" y="164406"/>
+              </a:moveTo>
+              <a:arcTo wR="2070618" hR="2070618" stAng="17579161" swAng="1960222"/>
+            </a:path>
+          </a:pathLst>
+        </a:custGeom>
+        <a:noFill/>
+        <a:ln w="9525" cap="flat" cmpd="sng" algn="ctr">
+          <a:solidFill>
+            <a:schemeClr val="accent1">
+              <a:hueOff val="0"/>
+              <a:satOff val="0"/>
+              <a:lumOff val="0"/>
+              <a:alphaOff val="0"/>
+            </a:schemeClr>
+          </a:solidFill>
+          <a:prstDash val="solid"/>
+        </a:ln>
+        <a:effectLst/>
+      </dsp:spPr>
+      <dsp:style>
+        <a:lnRef idx="1">
+          <a:scrgbClr r="0" g="0" b="0"/>
+        </a:lnRef>
+        <a:fillRef idx="0">
+          <a:scrgbClr r="0" g="0" b="0"/>
+        </a:fillRef>
+        <a:effectRef idx="0">
+          <a:scrgbClr r="0" g="0" b="0"/>
+        </a:effectRef>
+        <a:fontRef idx="minor"/>
+      </dsp:style>
+    </dsp:sp>
+    <dsp:sp modelId="{0810CC07-744C-45C0-BA70-83E14B5F35E9}">
+      <dsp:nvSpPr>
+        <dsp:cNvPr id="0" name=""/>
+        <dsp:cNvSpPr/>
+      </dsp:nvSpPr>
+      <dsp:spPr>
+        <a:xfrm>
+          <a:off x="5286430" y="1433893"/>
+          <a:ext cx="1595288" cy="1036937"/>
+        </a:xfrm>
+        <a:prstGeom prst="roundRect">
+          <a:avLst/>
+        </a:prstGeom>
+        <a:solidFill>
+          <a:schemeClr val="accent1">
+            <a:hueOff val="0"/>
+            <a:satOff val="0"/>
+            <a:lumOff val="0"/>
+            <a:alphaOff val="0"/>
+          </a:schemeClr>
+        </a:solidFill>
+        <a:ln w="25400" cap="flat" cmpd="sng" algn="ctr">
+          <a:solidFill>
+            <a:schemeClr val="lt1">
+              <a:hueOff val="0"/>
+              <a:satOff val="0"/>
+              <a:lumOff val="0"/>
+              <a:alphaOff val="0"/>
+            </a:schemeClr>
+          </a:solidFill>
+          <a:prstDash val="solid"/>
+        </a:ln>
+        <a:effectLst/>
+      </dsp:spPr>
+      <dsp:style>
+        <a:lnRef idx="2">
+          <a:scrgbClr r="0" g="0" b="0"/>
+        </a:lnRef>
+        <a:fillRef idx="1">
+          <a:scrgbClr r="0" g="0" b="0"/>
+        </a:fillRef>
+        <a:effectRef idx="0">
+          <a:scrgbClr r="0" g="0" b="0"/>
+        </a:effectRef>
+        <a:fontRef idx="minor">
+          <a:schemeClr val="lt1"/>
+        </a:fontRef>
+      </dsp:style>
+      <dsp:txBody>
+        <a:bodyPr spcFirstLastPara="0" vert="horz" wrap="square" lIns="76200" tIns="76200" rIns="76200" bIns="76200" numCol="1" spcCol="1270" anchor="ctr" anchorCtr="0">
+          <a:noAutofit/>
+        </a:bodyPr>
+        <a:lstStyle/>
+        <a:p>
+          <a:pPr lvl="0" algn="ctr" defTabSz="889000">
+            <a:lnSpc>
+              <a:spcPct val="90000"/>
+            </a:lnSpc>
+            <a:spcBef>
+              <a:spcPct val="0"/>
+            </a:spcBef>
+            <a:spcAft>
+              <a:spcPct val="35000"/>
+            </a:spcAft>
+          </a:pPr>
+          <a:r>
+            <a:rPr lang="nl-BE" sz="2000" kern="1200" dirty="0" smtClean="0"/>
+            <a:t>Betere namen</a:t>
+          </a:r>
+          <a:endParaRPr lang="nl-BE" sz="2000" kern="1200" dirty="0"/>
+        </a:p>
+      </dsp:txBody>
+      <dsp:txXfrm>
+        <a:off x="5337049" y="1484512"/>
+        <a:ext cx="1494050" cy="935699"/>
+      </dsp:txXfrm>
+    </dsp:sp>
+    <dsp:sp modelId="{4AB43272-5F2E-4F9A-ACFE-B0E5E6435972}">
+      <dsp:nvSpPr>
+        <dsp:cNvPr id="0" name=""/>
+        <dsp:cNvSpPr/>
+      </dsp:nvSpPr>
+      <dsp:spPr>
+        <a:xfrm>
+          <a:off x="2044181" y="521600"/>
+          <a:ext cx="4141236" cy="4141236"/>
+        </a:xfrm>
+        <a:custGeom>
+          <a:avLst/>
+          <a:gdLst/>
+          <a:ahLst/>
+          <a:cxnLst/>
+          <a:rect l="0" t="0" r="0" b="0"/>
+          <a:pathLst>
+            <a:path>
+              <a:moveTo>
+                <a:pt x="4138409" y="1962460"/>
+              </a:moveTo>
+              <a:arcTo wR="2070618" hR="2070618" stAng="21420350" swAng="2195291"/>
+            </a:path>
+          </a:pathLst>
+        </a:custGeom>
+        <a:noFill/>
+        <a:ln w="9525" cap="flat" cmpd="sng" algn="ctr">
+          <a:solidFill>
+            <a:schemeClr val="accent1">
+              <a:hueOff val="0"/>
+              <a:satOff val="0"/>
+              <a:lumOff val="0"/>
+              <a:alphaOff val="0"/>
+            </a:schemeClr>
+          </a:solidFill>
+          <a:prstDash val="solid"/>
+        </a:ln>
+        <a:effectLst/>
+      </dsp:spPr>
+      <dsp:style>
+        <a:lnRef idx="1">
+          <a:scrgbClr r="0" g="0" b="0"/>
+        </a:lnRef>
+        <a:fillRef idx="0">
+          <a:scrgbClr r="0" g="0" b="0"/>
+        </a:fillRef>
+        <a:effectRef idx="0">
+          <a:scrgbClr r="0" g="0" b="0"/>
+        </a:effectRef>
+        <a:fontRef idx="minor"/>
+      </dsp:style>
+    </dsp:sp>
+    <dsp:sp modelId="{57CC0353-B57A-4593-9322-B08FAE93CA20}">
+      <dsp:nvSpPr>
+        <dsp:cNvPr id="0" name=""/>
+        <dsp:cNvSpPr/>
+      </dsp:nvSpPr>
+      <dsp:spPr>
+        <a:xfrm>
+          <a:off x="4534234" y="3748915"/>
+          <a:ext cx="1595288" cy="1036937"/>
+        </a:xfrm>
+        <a:prstGeom prst="roundRect">
+          <a:avLst/>
+        </a:prstGeom>
+        <a:solidFill>
+          <a:schemeClr val="accent1">
+            <a:hueOff val="0"/>
+            <a:satOff val="0"/>
+            <a:lumOff val="0"/>
+            <a:alphaOff val="0"/>
+          </a:schemeClr>
+        </a:solidFill>
+        <a:ln w="25400" cap="flat" cmpd="sng" algn="ctr">
+          <a:solidFill>
+            <a:schemeClr val="lt1">
+              <a:hueOff val="0"/>
+              <a:satOff val="0"/>
+              <a:lumOff val="0"/>
+              <a:alphaOff val="0"/>
+            </a:schemeClr>
+          </a:solidFill>
+          <a:prstDash val="solid"/>
+        </a:ln>
+        <a:effectLst/>
+      </dsp:spPr>
+      <dsp:style>
+        <a:lnRef idx="2">
+          <a:scrgbClr r="0" g="0" b="0"/>
+        </a:lnRef>
+        <a:fillRef idx="1">
+          <a:scrgbClr r="0" g="0" b="0"/>
+        </a:fillRef>
+        <a:effectRef idx="0">
+          <a:scrgbClr r="0" g="0" b="0"/>
+        </a:effectRef>
+        <a:fontRef idx="minor">
+          <a:schemeClr val="lt1"/>
+        </a:fontRef>
+      </dsp:style>
+      <dsp:txBody>
+        <a:bodyPr spcFirstLastPara="0" vert="horz" wrap="square" lIns="76200" tIns="76200" rIns="76200" bIns="76200" numCol="1" spcCol="1270" anchor="ctr" anchorCtr="0">
+          <a:noAutofit/>
+        </a:bodyPr>
+        <a:lstStyle/>
+        <a:p>
+          <a:pPr lvl="0" algn="ctr" defTabSz="889000">
+            <a:lnSpc>
+              <a:spcPct val="90000"/>
+            </a:lnSpc>
+            <a:spcBef>
+              <a:spcPct val="0"/>
+            </a:spcBef>
+            <a:spcAft>
+              <a:spcPct val="35000"/>
+            </a:spcAft>
+          </a:pPr>
+          <a:r>
+            <a:rPr lang="nl-BE" sz="2000" kern="1200" dirty="0" smtClean="0"/>
+            <a:t>Kleinere functies</a:t>
+          </a:r>
+          <a:endParaRPr lang="nl-BE" sz="2000" kern="1200" dirty="0"/>
+        </a:p>
+      </dsp:txBody>
+      <dsp:txXfrm>
+        <a:off x="4584853" y="3799534"/>
+        <a:ext cx="1494050" cy="935699"/>
+      </dsp:txXfrm>
+    </dsp:sp>
+    <dsp:sp modelId="{6267FEE5-6593-4914-A1D6-44B8E3A125C0}">
+      <dsp:nvSpPr>
+        <dsp:cNvPr id="0" name=""/>
+        <dsp:cNvSpPr/>
+      </dsp:nvSpPr>
+      <dsp:spPr>
+        <a:xfrm>
+          <a:off x="2044181" y="521600"/>
+          <a:ext cx="4141236" cy="4141236"/>
+        </a:xfrm>
+        <a:custGeom>
+          <a:avLst/>
+          <a:gdLst/>
+          <a:ahLst/>
+          <a:cxnLst/>
+          <a:rect l="0" t="0" r="0" b="0"/>
+          <a:pathLst>
+            <a:path>
+              <a:moveTo>
+                <a:pt x="2481834" y="4099992"/>
+              </a:moveTo>
+              <a:arcTo wR="2070618" hR="2070618" stAng="4712708" swAng="1374584"/>
+            </a:path>
+          </a:pathLst>
+        </a:custGeom>
+        <a:noFill/>
+        <a:ln w="9525" cap="flat" cmpd="sng" algn="ctr">
+          <a:solidFill>
+            <a:schemeClr val="accent1">
+              <a:hueOff val="0"/>
+              <a:satOff val="0"/>
+              <a:lumOff val="0"/>
+              <a:alphaOff val="0"/>
+            </a:schemeClr>
+          </a:solidFill>
+          <a:prstDash val="solid"/>
+        </a:ln>
+        <a:effectLst/>
+      </dsp:spPr>
+      <dsp:style>
+        <a:lnRef idx="1">
+          <a:scrgbClr r="0" g="0" b="0"/>
+        </a:lnRef>
+        <a:fillRef idx="0">
+          <a:scrgbClr r="0" g="0" b="0"/>
+        </a:fillRef>
+        <a:effectRef idx="0">
+          <a:scrgbClr r="0" g="0" b="0"/>
+        </a:effectRef>
+        <a:fontRef idx="minor"/>
+      </dsp:style>
+    </dsp:sp>
+    <dsp:sp modelId="{1705D0AE-FDA5-4537-8AC6-57B1ED0EB0F5}">
+      <dsp:nvSpPr>
+        <dsp:cNvPr id="0" name=""/>
+        <dsp:cNvSpPr/>
+      </dsp:nvSpPr>
+      <dsp:spPr>
+        <a:xfrm>
+          <a:off x="2100076" y="3748915"/>
+          <a:ext cx="1595288" cy="1036937"/>
+        </a:xfrm>
+        <a:prstGeom prst="roundRect">
+          <a:avLst/>
+        </a:prstGeom>
+        <a:solidFill>
+          <a:schemeClr val="accent1">
+            <a:hueOff val="0"/>
+            <a:satOff val="0"/>
+            <a:lumOff val="0"/>
+            <a:alphaOff val="0"/>
+          </a:schemeClr>
+        </a:solidFill>
+        <a:ln w="25400" cap="flat" cmpd="sng" algn="ctr">
+          <a:solidFill>
+            <a:schemeClr val="lt1">
+              <a:hueOff val="0"/>
+              <a:satOff val="0"/>
+              <a:lumOff val="0"/>
+              <a:alphaOff val="0"/>
+            </a:schemeClr>
+          </a:solidFill>
+          <a:prstDash val="solid"/>
+        </a:ln>
+        <a:effectLst/>
+      </dsp:spPr>
+      <dsp:style>
+        <a:lnRef idx="2">
+          <a:scrgbClr r="0" g="0" b="0"/>
+        </a:lnRef>
+        <a:fillRef idx="1">
+          <a:scrgbClr r="0" g="0" b="0"/>
+        </a:fillRef>
+        <a:effectRef idx="0">
+          <a:scrgbClr r="0" g="0" b="0"/>
+        </a:effectRef>
+        <a:fontRef idx="minor">
+          <a:schemeClr val="lt1"/>
+        </a:fontRef>
+      </dsp:style>
+      <dsp:txBody>
+        <a:bodyPr spcFirstLastPara="0" vert="horz" wrap="square" lIns="76200" tIns="76200" rIns="76200" bIns="76200" numCol="1" spcCol="1270" anchor="ctr" anchorCtr="0">
+          <a:noAutofit/>
+        </a:bodyPr>
+        <a:lstStyle/>
+        <a:p>
+          <a:pPr lvl="0" algn="ctr" defTabSz="889000">
+            <a:lnSpc>
+              <a:spcPct val="90000"/>
+            </a:lnSpc>
+            <a:spcBef>
+              <a:spcPct val="0"/>
+            </a:spcBef>
+            <a:spcAft>
+              <a:spcPct val="35000"/>
+            </a:spcAft>
+          </a:pPr>
+          <a:r>
+            <a:rPr lang="nl-BE" sz="2000" kern="1200" dirty="0" smtClean="0"/>
+            <a:t>SOLID</a:t>
+          </a:r>
+          <a:endParaRPr lang="nl-BE" sz="2000" kern="1200" dirty="0"/>
+        </a:p>
+      </dsp:txBody>
+      <dsp:txXfrm>
+        <a:off x="2150695" y="3799534"/>
+        <a:ext cx="1494050" cy="935699"/>
+      </dsp:txXfrm>
+    </dsp:sp>
+    <dsp:sp modelId="{DBD75833-00DC-4294-B216-7A62FC04BBAE}">
+      <dsp:nvSpPr>
+        <dsp:cNvPr id="0" name=""/>
+        <dsp:cNvSpPr/>
+      </dsp:nvSpPr>
+      <dsp:spPr>
+        <a:xfrm>
+          <a:off x="2044181" y="521600"/>
+          <a:ext cx="4141236" cy="4141236"/>
+        </a:xfrm>
+        <a:custGeom>
+          <a:avLst/>
+          <a:gdLst/>
+          <a:ahLst/>
+          <a:cxnLst/>
+          <a:rect l="0" t="0" r="0" b="0"/>
+          <a:pathLst>
+            <a:path>
+              <a:moveTo>
+                <a:pt x="345836" y="3216300"/>
+              </a:moveTo>
+              <a:arcTo wR="2070618" hR="2070618" stAng="8784359" swAng="2195291"/>
+            </a:path>
+          </a:pathLst>
+        </a:custGeom>
+        <a:noFill/>
+        <a:ln w="9525" cap="flat" cmpd="sng" algn="ctr">
+          <a:solidFill>
+            <a:schemeClr val="accent1">
+              <a:hueOff val="0"/>
+              <a:satOff val="0"/>
+              <a:lumOff val="0"/>
+              <a:alphaOff val="0"/>
+            </a:schemeClr>
+          </a:solidFill>
+          <a:prstDash val="solid"/>
+        </a:ln>
+        <a:effectLst/>
+      </dsp:spPr>
+      <dsp:style>
+        <a:lnRef idx="1">
+          <a:scrgbClr r="0" g="0" b="0"/>
+        </a:lnRef>
+        <a:fillRef idx="0">
+          <a:scrgbClr r="0" g="0" b="0"/>
+        </a:fillRef>
+        <a:effectRef idx="0">
+          <a:scrgbClr r="0" g="0" b="0"/>
+        </a:effectRef>
+        <a:fontRef idx="minor"/>
+      </dsp:style>
+    </dsp:sp>
+    <dsp:sp modelId="{BE8D759B-841D-41EE-B738-065764C8BA34}">
+      <dsp:nvSpPr>
+        <dsp:cNvPr id="0" name=""/>
+        <dsp:cNvSpPr/>
+      </dsp:nvSpPr>
+      <dsp:spPr>
+        <a:xfrm>
+          <a:off x="1347880" y="1433893"/>
+          <a:ext cx="1595288" cy="1036937"/>
+        </a:xfrm>
+        <a:prstGeom prst="roundRect">
+          <a:avLst/>
+        </a:prstGeom>
+        <a:solidFill>
+          <a:schemeClr val="accent1">
+            <a:hueOff val="0"/>
+            <a:satOff val="0"/>
+            <a:lumOff val="0"/>
+            <a:alphaOff val="0"/>
+          </a:schemeClr>
+        </a:solidFill>
+        <a:ln w="25400" cap="flat" cmpd="sng" algn="ctr">
+          <a:solidFill>
+            <a:schemeClr val="lt1">
+              <a:hueOff val="0"/>
+              <a:satOff val="0"/>
+              <a:lumOff val="0"/>
+              <a:alphaOff val="0"/>
+            </a:schemeClr>
+          </a:solidFill>
+          <a:prstDash val="solid"/>
+        </a:ln>
+        <a:effectLst/>
+      </dsp:spPr>
+      <dsp:style>
+        <a:lnRef idx="2">
+          <a:scrgbClr r="0" g="0" b="0"/>
+        </a:lnRef>
+        <a:fillRef idx="1">
+          <a:scrgbClr r="0" g="0" b="0"/>
+        </a:fillRef>
+        <a:effectRef idx="0">
+          <a:scrgbClr r="0" g="0" b="0"/>
+        </a:effectRef>
+        <a:fontRef idx="minor">
+          <a:schemeClr val="lt1"/>
+        </a:fontRef>
+      </dsp:style>
+      <dsp:txBody>
+        <a:bodyPr spcFirstLastPara="0" vert="horz" wrap="square" lIns="76200" tIns="76200" rIns="76200" bIns="76200" numCol="1" spcCol="1270" anchor="ctr" anchorCtr="0">
+          <a:noAutofit/>
+        </a:bodyPr>
+        <a:lstStyle/>
+        <a:p>
+          <a:pPr lvl="0" algn="ctr" defTabSz="889000">
+            <a:lnSpc>
+              <a:spcPct val="90000"/>
+            </a:lnSpc>
+            <a:spcBef>
+              <a:spcPct val="0"/>
+            </a:spcBef>
+            <a:spcAft>
+              <a:spcPct val="35000"/>
+            </a:spcAft>
+          </a:pPr>
+          <a:r>
+            <a:rPr lang="nl-BE" sz="2000" kern="1200" dirty="0" smtClean="0"/>
+            <a:t>DI &amp; Unit Testing</a:t>
+          </a:r>
+          <a:endParaRPr lang="nl-BE" sz="2000" kern="1200" dirty="0"/>
+        </a:p>
+      </dsp:txBody>
+      <dsp:txXfrm>
+        <a:off x="1398499" y="1484512"/>
+        <a:ext cx="1494050" cy="935699"/>
+      </dsp:txXfrm>
+    </dsp:sp>
+    <dsp:sp modelId="{5643E929-4A9C-431E-90AA-BD6B10508C0B}">
+      <dsp:nvSpPr>
+        <dsp:cNvPr id="0" name=""/>
+        <dsp:cNvSpPr/>
+      </dsp:nvSpPr>
+      <dsp:spPr>
+        <a:xfrm>
+          <a:off x="2044181" y="521600"/>
+          <a:ext cx="4141236" cy="4141236"/>
+        </a:xfrm>
+        <a:custGeom>
+          <a:avLst/>
+          <a:gdLst/>
+          <a:ahLst/>
+          <a:cxnLst/>
+          <a:rect l="0" t="0" r="0" b="0"/>
+          <a:pathLst>
+            <a:path>
+              <a:moveTo>
+                <a:pt x="360972" y="902469"/>
+              </a:moveTo>
+              <a:arcTo wR="2070618" hR="2070618" stAng="12860617" swAng="1960222"/>
+            </a:path>
+          </a:pathLst>
+        </a:custGeom>
+        <a:noFill/>
+        <a:ln w="9525" cap="flat" cmpd="sng" algn="ctr">
+          <a:solidFill>
+            <a:schemeClr val="accent1">
+              <a:hueOff val="0"/>
+              <a:satOff val="0"/>
+              <a:lumOff val="0"/>
+              <a:alphaOff val="0"/>
+            </a:schemeClr>
+          </a:solidFill>
+          <a:prstDash val="solid"/>
+        </a:ln>
+        <a:effectLst/>
+      </dsp:spPr>
+      <dsp:style>
+        <a:lnRef idx="1">
+          <a:scrgbClr r="0" g="0" b="0"/>
+        </a:lnRef>
+        <a:fillRef idx="0">
+          <a:scrgbClr r="0" g="0" b="0"/>
+        </a:fillRef>
+        <a:effectRef idx="0">
+          <a:scrgbClr r="0" g="0" b="0"/>
+        </a:effectRef>
+        <a:fontRef idx="minor"/>
+      </dsp:style>
+    </dsp:sp>
+  </dsp:spTree>
+</dsp:drawing>
+</file>
+
+<file path=ppt/diagrams/layout1.xml><?xml version="1.0" encoding="utf-8"?>
+<dgm:layoutDef xmlns:dgm="http://schemas.openxmlformats.org/drawingml/2006/diagram" xmlns:a="http://schemas.openxmlformats.org/drawingml/2006/main" uniqueId="urn:microsoft.com/office/officeart/2005/8/layout/cycle6">
+  <dgm:title val=""/>
+  <dgm:desc val=""/>
+  <dgm:catLst>
+    <dgm:cat type="cycle" pri="4000"/>
+    <dgm:cat type="relationship" pri="24000"/>
+  </dgm:catLst>
+  <dgm:sampData>
+    <dgm:dataModel>
+      <dgm:ptLst>
+        <dgm:pt modelId="0" type="doc"/>
+        <dgm:pt modelId="1">
+          <dgm:prSet phldr="1"/>
+        </dgm:pt>
+        <dgm:pt modelId="2">
+          <dgm:prSet phldr="1"/>
+        </dgm:pt>
+        <dgm:pt modelId="3">
+          <dgm:prSet phldr="1"/>
+        </dgm:pt>
+        <dgm:pt modelId="4">
+          <dgm:prSet phldr="1"/>
+        </dgm:pt>
+        <dgm:pt modelId="5">
+          <dgm:prSet phldr="1"/>
+        </dgm:pt>
+      </dgm:ptLst>
+      <dgm:cxnLst>
+        <dgm:cxn modelId="6" srcId="0" destId="1" srcOrd="0" destOrd="0"/>
+        <dgm:cxn modelId="7" srcId="0" destId="2" srcOrd="1" destOrd="0"/>
+        <dgm:cxn modelId="8" srcId="0" destId="3" srcOrd="2" destOrd="0"/>
+        <dgm:cxn modelId="9" srcId="0" destId="4" srcOrd="3" destOrd="0"/>
+        <dgm:cxn modelId="10" srcId="0" destId="5" srcOrd="4" destOrd="0"/>
+      </dgm:cxnLst>
+      <dgm:bg/>
+      <dgm:whole/>
+    </dgm:dataModel>
+  </dgm:sampData>
+  <dgm:styleData>
+    <dgm:dataModel>
+      <dgm:ptLst>
+        <dgm:pt modelId="0" type="doc"/>
+        <dgm:pt modelId="1"/>
+        <dgm:pt modelId="2"/>
+        <dgm:pt modelId="3"/>
+      </dgm:ptLst>
+      <dgm:cxnLst>
+        <dgm:cxn modelId="4" srcId="0" destId="1" srcOrd="0" destOrd="0"/>
+        <dgm:cxn modelId="5" srcId="0" destId="2" srcOrd="1" destOrd="0"/>
+        <dgm:cxn modelId="6" srcId="0" destId="3" srcOrd="2" destOrd="0"/>
+      </dgm:cxnLst>
+      <dgm:bg/>
+      <dgm:whole/>
+    </dgm:dataModel>
+  </dgm:styleData>
+  <dgm:clrData>
+    <dgm:dataModel>
+      <dgm:ptLst>
+        <dgm:pt modelId="0" type="doc"/>
+        <dgm:pt modelId="1"/>
+        <dgm:pt modelId="2"/>
+        <dgm:pt modelId="3"/>
+        <dgm:pt modelId="4"/>
+        <dgm:pt modelId="5"/>
+        <dgm:pt modelId="6"/>
+      </dgm:ptLst>
+      <dgm:cxnLst>
+        <dgm:cxn modelId="7" srcId="0" destId="1" srcOrd="0" destOrd="0"/>
+        <dgm:cxn modelId="8" srcId="0" destId="2" srcOrd="1" destOrd="0"/>
+        <dgm:cxn modelId="9" srcId="0" destId="3" srcOrd="2" destOrd="0"/>
+        <dgm:cxn modelId="10" srcId="0" destId="4" srcOrd="3" destOrd="0"/>
+        <dgm:cxn modelId="11" srcId="0" destId="5" srcOrd="4" destOrd="0"/>
+        <dgm:cxn modelId="12" srcId="0" destId="6" srcOrd="5" destOrd="0"/>
+      </dgm:cxnLst>
+      <dgm:bg/>
+      <dgm:whole/>
+    </dgm:dataModel>
+  </dgm:clrData>
+  <dgm:layoutNode name="cycle">
+    <dgm:varLst>
+      <dgm:dir/>
+      <dgm:resizeHandles val="exact"/>
+    </dgm:varLst>
+    <dgm:choose name="Name0">
+      <dgm:if name="Name1" func="var" arg="dir" op="equ" val="norm">
+        <dgm:choose name="Name2">
+          <dgm:if name="Name3" axis="ch" ptType="node" func="cnt" op="gt" val="2">
+            <dgm:alg type="cycle">
+              <dgm:param type="stAng" val="0"/>
+              <dgm:param type="spanAng" val="360"/>
+            </dgm:alg>
+          </dgm:if>
+          <dgm:else name="Name4">
+            <dgm:alg type="cycle">
+              <dgm:param type="stAng" val="-90"/>
+              <dgm:param type="spanAng" val="360"/>
+            </dgm:alg>
+          </dgm:else>
+        </dgm:choose>
+      </dgm:if>
+      <dgm:else name="Name5">
+        <dgm:choose name="Name6">
+          <dgm:if name="Name7" axis="ch" ptType="node" func="cnt" op="gt" val="2">
+            <dgm:alg type="cycle">
+              <dgm:param type="stAng" val="0"/>
+              <dgm:param type="spanAng" val="-360"/>
+            </dgm:alg>
+          </dgm:if>
+          <dgm:else name="Name8">
+            <dgm:alg type="cycle">
+              <dgm:param type="stAng" val="90"/>
+              <dgm:param type="spanAng" val="-360"/>
+            </dgm:alg>
+          </dgm:else>
+        </dgm:choose>
+      </dgm:else>
+    </dgm:choose>
+    <dgm:shape xmlns:r="http://schemas.openxmlformats.org/officeDocument/2006/relationships" r:blip="">
+      <dgm:adjLst/>
+    </dgm:shape>
+    <dgm:presOf/>
+    <dgm:choose name="Name9">
+      <dgm:if name="Name10" func="var" arg="dir" op="equ" val="norm">
+        <dgm:constrLst>
+          <dgm:constr type="w" for="ch" forName="node" refType="w"/>
+          <dgm:constr type="w" for="ch" ptType="sibTrans" refType="w" refFor="ch" refForName="node" op="equ" fact="0.3"/>
+          <dgm:constr type="diam" for="ch" ptType="sibTrans" refType="diam" op="equ"/>
+          <dgm:constr type="sibSp" refType="w" refFor="ch" refForName="node" op="equ" fact="0.15"/>
+          <dgm:constr type="w" for="ch" forName="spNode" refType="sibSp" fact="1.6"/>
+          <dgm:constr type="primFontSz" for="ch" forName="node" op="equ" val="65"/>
+        </dgm:constrLst>
+      </dgm:if>
+      <dgm:else name="Name11">
+        <dgm:constrLst>
+          <dgm:constr type="w" for="ch" forName="node" refType="w"/>
+          <dgm:constr type="w" for="ch" ptType="sibTrans" refType="w" refFor="ch" refForName="node" op="equ" fact="0.3"/>
+          <dgm:constr type="diam" for="ch" ptType="sibTrans" refType="diam" op="equ" fact="-1"/>
+          <dgm:constr type="sibSp" refType="w" refFor="ch" refForName="node" op="equ" fact="0.15"/>
+          <dgm:constr type="w" for="ch" forName="spNode" refType="sibSp" fact="1.6"/>
+          <dgm:constr type="primFontSz" for="ch" forName="node" op="equ" val="65"/>
+        </dgm:constrLst>
+      </dgm:else>
+    </dgm:choose>
+    <dgm:ruleLst/>
+    <dgm:forEach name="Name12" axis="ch" ptType="node">
+      <dgm:layoutNode name="node">
+        <dgm:varLst>
+          <dgm:bulletEnabled val="1"/>
+        </dgm:varLst>
+        <dgm:alg type="tx"/>
+        <dgm:shape xmlns:r="http://schemas.openxmlformats.org/officeDocument/2006/relationships" type="roundRect" r:blip="">
+          <dgm:adjLst/>
+        </dgm:shape>
+        <dgm:presOf axis="desOrSelf" ptType="node"/>
+        <dgm:constrLst>
+          <dgm:constr type="h" refType="w" fact="0.65"/>
+          <dgm:constr type="tMarg" refType="primFontSz" fact="0.3"/>
+          <dgm:constr type="bMarg" refType="primFontSz" fact="0.3"/>
+          <dgm:constr type="lMarg" refType="primFontSz" fact="0.3"/>
+          <dgm:constr type="rMarg" refType="primFontSz" fact="0.3"/>
+        </dgm:constrLst>
+        <dgm:ruleLst>
+          <dgm:rule type="primFontSz" val="5" fact="NaN" max="NaN"/>
+        </dgm:ruleLst>
+      </dgm:layoutNode>
+      <dgm:choose name="Name13">
+        <dgm:if name="Name14" axis="par ch" ptType="doc node" func="cnt" op="gt" val="1">
+          <dgm:layoutNode name="spNode">
+            <dgm:alg type="sp"/>
+            <dgm:shape xmlns:r="http://schemas.openxmlformats.org/officeDocument/2006/relationships" r:blip="">
+              <dgm:adjLst/>
+            </dgm:shape>
+            <dgm:presOf/>
+            <dgm:constrLst>
+              <dgm:constr type="h" refType="w"/>
+            </dgm:constrLst>
+            <dgm:ruleLst/>
+          </dgm:layoutNode>
+          <dgm:forEach name="Name15" axis="followSib" ptType="sibTrans" hideLastTrans="0" cnt="1">
+            <dgm:layoutNode name="sibTrans">
+              <dgm:alg type="conn">
+                <dgm:param type="dim" val="1D"/>
+                <dgm:param type="connRout" val="curve"/>
+                <dgm:param type="begPts" val="radial"/>
+                <dgm:param type="endPts" val="radial"/>
+                <dgm:param type="endSty" val="noArr"/>
+              </dgm:alg>
+              <dgm:shape xmlns:r="http://schemas.openxmlformats.org/officeDocument/2006/relationships" type="conn" r:blip="">
+                <dgm:adjLst/>
+              </dgm:shape>
+              <dgm:presOf axis="self"/>
+              <dgm:constrLst>
+                <dgm:constr type="h" refType="w" fact="0.65"/>
+                <dgm:constr type="connDist"/>
+                <dgm:constr type="begPad" refType="connDist" fact="0.01"/>
+                <dgm:constr type="endPad" refType="connDist" fact="0.01"/>
+              </dgm:constrLst>
+              <dgm:ruleLst/>
+            </dgm:layoutNode>
+          </dgm:forEach>
+        </dgm:if>
+        <dgm:else name="Name16"/>
+      </dgm:choose>
+    </dgm:forEach>
+  </dgm:layoutNode>
+</dgm:layoutDef>
+</file>
+
+<file path=ppt/diagrams/quickStyle1.xml><?xml version="1.0" encoding="utf-8"?>
+<dgm:styleDef xmlns:dgm="http://schemas.openxmlformats.org/drawingml/2006/diagram" xmlns:a="http://schemas.openxmlformats.org/drawingml/2006/main" uniqueId="urn:microsoft.com/office/officeart/2005/8/quickstyle/simple1">
+  <dgm:title val=""/>
+  <dgm:desc val=""/>
+  <dgm:catLst>
+    <dgm:cat type="simple" pri="10100"/>
+  </dgm:catLst>
+  <dgm:scene3d>
+    <a:camera prst="orthographicFront"/>
+    <a:lightRig rig="threePt" dir="t"/>
+  </dgm:scene3d>
+  <dgm:styleLbl name="node0">
+    <dgm:scene3d>
+      <a:camera prst="orthographicFront"/>
+      <a:lightRig rig="threePt" dir="t"/>
+    </dgm:scene3d>
+    <dgm:sp3d/>
+    <dgm:txPr/>
+    <dgm:style>
+      <a:lnRef idx="2">
+        <a:scrgbClr r="0" g="0" b="0"/>
+      </a:lnRef>
+      <a:fillRef idx="1">
+        <a:scrgbClr r="0" g="0" b="0"/>
+      </a:fillRef>
+      <a:effectRef idx="0">
+        <a:scrgbClr r="0" g="0" b="0"/>
+      </a:effectRef>
+      <a:fontRef idx="minor">
+        <a:schemeClr val="lt1"/>
+      </a:fontRef>
+    </dgm:style>
+  </dgm:styleLbl>
+  <dgm:styleLbl name="lnNode1">
+    <dgm:scene3d>
+      <a:camera prst="orthographicFront"/>
+      <a:lightRig rig="threePt" dir="t"/>
+    </dgm:scene3d>
+    <dgm:sp3d/>
+    <dgm:txPr/>
+    <dgm:style>
+      <a:lnRef idx="2">
+        <a:scrgbClr r="0" g="0" b="0"/>
+      </a:lnRef>
+      <a:fillRef idx="1">
+        <a:scrgbClr r="0" g="0" b="0"/>
+      </a:fillRef>
+      <a:effectRef idx="0">
+        <a:scrgbClr r="0" g="0" b="0"/>
+      </a:effectRef>
+      <a:fontRef idx="minor">
+        <a:schemeClr val="lt1"/>
+      </a:fontRef>
+    </dgm:style>
+  </dgm:styleLbl>
+  <dgm:styleLbl name="vennNode1">
+    <dgm:scene3d>
+      <a:camera prst="orthographicFront"/>
+      <a:lightRig rig="threePt" dir="t"/>
+    </dgm:scene3d>
+    <dgm:sp3d/>
+    <dgm:txPr/>
+    <dgm:style>
+      <a:lnRef idx="2">
+        <a:scrgbClr r="0" g="0" b="0"/>
+      </a:lnRef>
+      <a:fillRef idx="1">
+        <a:scrgbClr r="0" g="0" b="0"/>
+      </a:fillRef>
+      <a:effectRef idx="0">
+        <a:scrgbClr r="0" g="0" b="0"/>
+      </a:effectRef>
+      <a:fontRef idx="minor">
+        <a:schemeClr val="tx1"/>
+      </a:fontRef>
+    </dgm:style>
+  </dgm:styleLbl>
+  <dgm:styleLbl name="alignNode1">
+    <dgm:scene3d>
+      <a:camera prst="orthographicFront"/>
+      <a:lightRig rig="threePt" dir="t"/>
+    </dgm:scene3d>
+    <dgm:sp3d/>
+    <dgm:txPr/>
+    <dgm:style>
+      <a:lnRef idx="2">
+        <a:scrgbClr r="0" g="0" b="0"/>
+      </a:lnRef>
+      <a:fillRef idx="1">
+        <a:scrgbClr r="0" g="0" b="0"/>
+      </a:fillRef>
+      <a:effectRef idx="0">
+        <a:scrgbClr r="0" g="0" b="0"/>
+      </a:effectRef>
+      <a:fontRef idx="minor">
+        <a:schemeClr val="lt1"/>
+      </a:fontRef>
+    </dgm:style>
+  </dgm:styleLbl>
+  <dgm:styleLbl name="node1">
+    <dgm:scene3d>
+      <a:camera prst="orthographicFront"/>
+      <a:lightRig rig="threePt" dir="t"/>
+    </dgm:scene3d>
+    <dgm:sp3d/>
+    <dgm:txPr/>
+    <dgm:style>
+      <a:lnRef idx="2">
+        <a:scrgbClr r="0" g="0" b="0"/>
+      </a:lnRef>
+      <a:fillRef idx="1">
+        <a:scrgbClr r="0" g="0" b="0"/>
+      </a:fillRef>
+      <a:effectRef idx="0">
+        <a:scrgbClr r="0" g="0" b="0"/>
+      </a:effectRef>
+      <a:fontRef idx="minor">
+        <a:schemeClr val="lt1"/>
+      </a:fontRef>
+    </dgm:style>
+  </dgm:styleLbl>
+  <dgm:styleLbl name="node2">
+    <dgm:scene3d>
+      <a:camera prst="orthographicFront"/>
+      <a:lightRig rig="threePt" dir="t"/>
+    </dgm:scene3d>
+    <dgm:sp3d/>
+    <dgm:txPr/>
+    <dgm:style>
+      <a:lnRef idx="2">
+        <a:scrgbClr r="0" g="0" b="0"/>
+      </a:lnRef>
+      <a:fillRef idx="1">
+        <a:scrgbClr r="0" g="0" b="0"/>
+      </a:fillRef>
+      <a:effectRef idx="0">
+        <a:scrgbClr r="0" g="0" b="0"/>
+      </a:effectRef>
+      <a:fontRef idx="minor">
+        <a:schemeClr val="lt1"/>
+      </a:fontRef>
+    </dgm:style>
+  </dgm:styleLbl>
+  <dgm:styleLbl name="node3">
+    <dgm:scene3d>
+      <a:camera prst="orthographicFront"/>
+      <a:lightRig rig="threePt" dir="t"/>
+    </dgm:scene3d>
+    <dgm:sp3d/>
+    <dgm:txPr/>
+    <dgm:style>
+      <a:lnRef idx="2">
+        <a:scrgbClr r="0" g="0" b="0"/>
+      </a:lnRef>
+      <a:fillRef idx="1">
+        <a:scrgbClr r="0" g="0" b="0"/>
+      </a:fillRef>
+      <a:effectRef idx="0">
+        <a:scrgbClr r="0" g="0" b="0"/>
+      </a:effectRef>
+      <a:fontRef idx="minor">
+        <a:schemeClr val="lt1"/>
+      </a:fontRef>
+    </dgm:style>
+  </dgm:styleLbl>
+  <dgm:styleLbl name="node4">
+    <dgm:scene3d>
+      <a:camera prst="orthographicFront"/>
+      <a:lightRig rig="threePt" dir="t"/>
+    </dgm:scene3d>
+    <dgm:sp3d/>
+    <dgm:txPr/>
+    <dgm:style>
+      <a:lnRef idx="2">
+        <a:scrgbClr r="0" g="0" b="0"/>
+      </a:lnRef>
+      <a:fillRef idx="1">
+        <a:scrgbClr r="0" g="0" b="0"/>
+      </a:fillRef>
+      <a:effectRef idx="0">
+        <a:scrgbClr r="0" g="0" b="0"/>
+      </a:effectRef>
+      <a:fontRef idx="minor">
+        <a:schemeClr val="lt1"/>
+      </a:fontRef>
+    </dgm:style>
+  </dgm:styleLbl>
+  <dgm:styleLbl name="fgImgPlace1">
+    <dgm:scene3d>
+      <a:camera prst="orthographicFront"/>
+      <a:lightRig rig="threePt" dir="t"/>
+    </dgm:scene3d>
+    <dgm:sp3d/>
+    <dgm:txPr/>
+    <dgm:style>
+      <a:lnRef idx="2">
+        <a:scrgbClr r="0" g="0" b="0"/>
+      </a:lnRef>
+      <a:fillRef idx="1">
+        <a:scrgbClr r="0" g="0" b="0"/>
+      </a:fillRef>
+      <a:effectRef idx="0">
+        <a:scrgbClr r="0" g="0" b="0"/>
+      </a:effectRef>
+      <a:fontRef idx="minor"/>
+    </dgm:style>
+  </dgm:styleLbl>
+  <dgm:styleLbl name="alignImgPlace1">
+    <dgm:scene3d>
+      <a:camera prst="orthographicFront"/>
+      <a:lightRig rig="threePt" dir="t"/>
+    </dgm:scene3d>
+    <dgm:sp3d/>
+    <dgm:txPr/>
+    <dgm:style>
+      <a:lnRef idx="2">
+        <a:scrgbClr r="0" g="0" b="0"/>
+      </a:lnRef>
+      <a:fillRef idx="1">
+        <a:scrgbClr r="0" g="0" b="0"/>
+      </a:fillRef>
+      <a:effectRef idx="0">
+        <a:scrgbClr r="0" g="0" b="0"/>
+      </a:effectRef>
+      <a:fontRef idx="minor"/>
+    </dgm:style>
+  </dgm:styleLbl>
+  <dgm:styleLbl name="bgImgPlace1">
+    <dgm:scene3d>
+      <a:camera prst="orthographicFront"/>
+      <a:lightRig rig="threePt" dir="t"/>
+    </dgm:scene3d>
+    <dgm:sp3d/>
+    <dgm:txPr/>
+    <dgm:style>
+      <a:lnRef idx="2">
+        <a:scrgbClr r="0" g="0" b="0"/>
+      </a:lnRef>
+      <a:fillRef idx="1">
+        <a:scrgbClr r="0" g="0" b="0"/>
+      </a:fillRef>
+      <a:effectRef idx="0">
+        <a:scrgbClr r="0" g="0" b="0"/>
+      </a:effectRef>
+      <a:fontRef idx="minor"/>
+    </dgm:style>
+  </dgm:styleLbl>
+  <dgm:styleLbl name="sibTrans2D1">
+    <dgm:scene3d>
+      <a:camera prst="orthographicFront"/>
+      <a:lightRig rig="threePt" dir="t"/>
+    </dgm:scene3d>
+    <dgm:sp3d/>
+    <dgm:txPr/>
+    <dgm:style>
+      <a:lnRef idx="0">
+        <a:scrgbClr r="0" g="0" b="0"/>
+      </a:lnRef>
+      <a:fillRef idx="1">
+        <a:scrgbClr r="0" g="0" b="0"/>
+      </a:fillRef>
+      <a:effectRef idx="0">
+        <a:scrgbClr r="0" g="0" b="0"/>
+      </a:effectRef>
+      <a:fontRef idx="minor">
+        <a:schemeClr val="lt1"/>
+      </a:fontRef>
+    </dgm:style>
+  </dgm:styleLbl>
+  <dgm:styleLbl name="fgSibTrans2D1">
+    <dgm:scene3d>
+      <a:camera prst="orthographicFront"/>
+      <a:lightRig rig="threePt" dir="t"/>
+    </dgm:scene3d>
+    <dgm:sp3d/>
+    <dgm:txPr/>
+    <dgm:style>
+      <a:lnRef idx="0">
+        <a:scrgbClr r="0" g="0" b="0"/>
+      </a:lnRef>
+      <a:fillRef idx="1">
+        <a:scrgbClr r="0" g="0" b="0"/>
+      </a:fillRef>
+      <a:effectRef idx="0">
+        <a:scrgbClr r="0" g="0" b="0"/>
+      </a:effectRef>
+      <a:fontRef idx="minor">
+        <a:schemeClr val="lt1"/>
+      </a:fontRef>
+    </dgm:style>
+  </dgm:styleLbl>
+  <dgm:styleLbl name="bgSibTrans2D1">
+    <dgm:scene3d>
+      <a:camera prst="orthographicFront"/>
+      <a:lightRig rig="threePt" dir="t"/>
+    </dgm:scene3d>
+    <dgm:sp3d/>
+    <dgm:txPr/>
+    <dgm:style>
+      <a:lnRef idx="0">
+        <a:scrgbClr r="0" g="0" b="0"/>
+      </a:lnRef>
+      <a:fillRef idx="1">
+        <a:scrgbClr r="0" g="0" b="0"/>
+      </a:fillRef>
+      <a:effectRef idx="0">
+        <a:scrgbClr r="0" g="0" b="0"/>
+      </a:effectRef>
+      <a:fontRef idx="minor">
+        <a:schemeClr val="lt1"/>
+      </a:fontRef>
+    </dgm:style>
+  </dgm:styleLbl>
+  <dgm:styleLbl name="sibTrans1D1">
+    <dgm:scene3d>
+      <a:camera prst="orthographicFront"/>
+      <a:lightRig rig="threePt" dir="t"/>
+    </dgm:scene3d>
+    <dgm:sp3d/>
+    <dgm:txPr/>
+    <dgm:style>
+      <a:lnRef idx="1">
+        <a:scrgbClr r="0" g="0" b="0"/>
+      </a:lnRef>
+      <a:fillRef idx="0">
+        <a:scrgbClr r="0" g="0" b="0"/>
+      </a:fillRef>
+      <a:effectRef idx="0">
+        <a:scrgbClr r="0" g="0" b="0"/>
+      </a:effectRef>
+      <a:fontRef idx="minor"/>
+    </dgm:style>
+  </dgm:styleLbl>
+  <dgm:styleLbl name="callout">
+    <dgm:scene3d>
+      <a:camera prst="orthographicFront"/>
+      <a:lightRig rig="threePt" dir="t"/>
+    </dgm:scene3d>
+    <dgm:sp3d/>
+    <dgm:txPr/>
+    <dgm:style>
+      <a:lnRef idx="2">
+        <a:scrgbClr r="0" g="0" b="0"/>
+      </a:lnRef>
+      <a:fillRef idx="1">
+        <a:scrgbClr r="0" g="0" b="0"/>
+      </a:fillRef>
+      <a:effectRef idx="0">
+        <a:scrgbClr r="0" g="0" b="0"/>
+      </a:effectRef>
+      <a:fontRef idx="minor"/>
+    </dgm:style>
+  </dgm:styleLbl>
+  <dgm:styleLbl name="asst0">
+    <dgm:scene3d>
+      <a:camera prst="orthographicFront"/>
+      <a:lightRig rig="threePt" dir="t"/>
+    </dgm:scene3d>
+    <dgm:sp3d/>
+    <dgm:txPr/>
+    <dgm:style>
+      <a:lnRef idx="2">
+        <a:scrgbClr r="0" g="0" b="0"/>
+      </a:lnRef>
+      <a:fillRef idx="1">
+        <a:scrgbClr r="0" g="0" b="0"/>
+      </a:fillRef>
+      <a:effectRef idx="0">
+        <a:scrgbClr r="0" g="0" b="0"/>
+      </a:effectRef>
+      <a:fontRef idx="minor">
+        <a:schemeClr val="lt1"/>
+      </a:fontRef>
+    </dgm:style>
+  </dgm:styleLbl>
+  <dgm:styleLbl name="asst1">
+    <dgm:scene3d>
+      <a:camera prst="orthographicFront"/>
+      <a:lightRig rig="threePt" dir="t"/>
+    </dgm:scene3d>
+    <dgm:sp3d/>
+    <dgm:txPr/>
+    <dgm:style>
+      <a:lnRef idx="2">
+        <a:scrgbClr r="0" g="0" b="0"/>
+      </a:lnRef>
+      <a:fillRef idx="1">
+        <a:scrgbClr r="0" g="0" b="0"/>
+      </a:fillRef>
+      <a:effectRef idx="0">
+        <a:scrgbClr r="0" g="0" b="0"/>
+      </a:effectRef>
+      <a:fontRef idx="minor">
+        <a:schemeClr val="lt1"/>
+      </a:fontRef>
+    </dgm:style>
+  </dgm:styleLbl>
+  <dgm:styleLbl name="asst2">
+    <dgm:scene3d>
+      <a:camera prst="orthographicFront"/>
+      <a:lightRig rig="threePt" dir="t"/>
+    </dgm:scene3d>
+    <dgm:sp3d/>
+    <dgm:txPr/>
+    <dgm:style>
+      <a:lnRef idx="2">
+        <a:scrgbClr r="0" g="0" b="0"/>
+      </a:lnRef>
+      <a:fillRef idx="1">
+        <a:scrgbClr r="0" g="0" b="0"/>
+      </a:fillRef>
+      <a:effectRef idx="0">
+        <a:scrgbClr r="0" g="0" b="0"/>
+      </a:effectRef>
+      <a:fontRef idx="minor">
+        <a:schemeClr val="lt1"/>
+      </a:fontRef>
+    </dgm:style>
+  </dgm:styleLbl>
+  <dgm:styleLbl name="asst3">
+    <dgm:scene3d>
+      <a:camera prst="orthographicFront"/>
+      <a:lightRig rig="threePt" dir="t"/>
+    </dgm:scene3d>
+    <dgm:sp3d/>
+    <dgm:txPr/>
+    <dgm:style>
+      <a:lnRef idx="2">
+        <a:scrgbClr r="0" g="0" b="0"/>
+      </a:lnRef>
+      <a:fillRef idx="1">
+        <a:scrgbClr r="0" g="0" b="0"/>
+      </a:fillRef>
+      <a:effectRef idx="0">
+        <a:scrgbClr r="0" g="0" b="0"/>
+      </a:effectRef>
+      <a:fontRef idx="minor">
+        <a:schemeClr val="lt1"/>
+      </a:fontRef>
+    </dgm:style>
+  </dgm:styleLbl>
+  <dgm:styleLbl name="asst4">
+    <dgm:scene3d>
+      <a:camera prst="orthographicFront"/>
+      <a:lightRig rig="threePt" dir="t"/>
+    </dgm:scene3d>
+    <dgm:sp3d/>
+    <dgm:txPr/>
+    <dgm:style>
+      <a:lnRef idx="2">
+        <a:scrgbClr r="0" g="0" b="0"/>
+      </a:lnRef>
+      <a:fillRef idx="1">
+        <a:scrgbClr r="0" g="0" b="0"/>
+      </a:fillRef>
+      <a:effectRef idx="0">
+        <a:scrgbClr r="0" g="0" b="0"/>
+      </a:effectRef>
+      <a:fontRef idx="minor">
+        <a:schemeClr val="lt1"/>
+      </a:fontRef>
+    </dgm:style>
+  </dgm:styleLbl>
+  <dgm:styleLbl name="parChTrans2D1">
+    <dgm:scene3d>
+      <a:camera prst="orthographicFront"/>
+      <a:lightRig rig="threePt" dir="t"/>
+    </dgm:scene3d>
+    <dgm:sp3d/>
+    <dgm:txPr/>
+    <dgm:style>
+      <a:lnRef idx="2">
+        <a:scrgbClr r="0" g="0" b="0"/>
+      </a:lnRef>
+      <a:fillRef idx="1">
+        <a:scrgbClr r="0" g="0" b="0"/>
+      </a:fillRef>
+      <a:effectRef idx="0">
+        <a:scrgbClr r="0" g="0" b="0"/>
+      </a:effectRef>
+      <a:fontRef idx="minor">
+        <a:schemeClr val="lt1"/>
+      </a:fontRef>
+    </dgm:style>
+  </dgm:styleLbl>
+  <dgm:styleLbl name="parChTrans2D2">
+    <dgm:scene3d>
+      <a:camera prst="orthographicFront"/>
+      <a:lightRig rig="threePt" dir="t"/>
+    </dgm:scene3d>
+    <dgm:sp3d/>
+    <dgm:txPr/>
+    <dgm:style>
+      <a:lnRef idx="2">
+        <a:scrgbClr r="0" g="0" b="0"/>
+      </a:lnRef>
+      <a:fillRef idx="1">
+        <a:scrgbClr r="0" g="0" b="0"/>
+      </a:fillRef>
+      <a:effectRef idx="0">
+        <a:scrgbClr r="0" g="0" b="0"/>
+      </a:effectRef>
+      <a:fontRef idx="minor">
+        <a:schemeClr val="lt1"/>
+      </a:fontRef>
+    </dgm:style>
+  </dgm:styleLbl>
+  <dgm:styleLbl name="parChTrans2D3">
+    <dgm:scene3d>
+      <a:camera prst="orthographicFront"/>
+      <a:lightRig rig="threePt" dir="t"/>
+    </dgm:scene3d>
+    <dgm:sp3d/>
+    <dgm:txPr/>
+    <dgm:style>
+      <a:lnRef idx="2">
+        <a:scrgbClr r="0" g="0" b="0"/>
+      </a:lnRef>
+      <a:fillRef idx="1">
+        <a:scrgbClr r="0" g="0" b="0"/>
+      </a:fillRef>
+      <a:effectRef idx="0">
+        <a:scrgbClr r="0" g="0" b="0"/>
+      </a:effectRef>
+      <a:fontRef idx="minor">
+        <a:schemeClr val="lt1"/>
+      </a:fontRef>
+    </dgm:style>
+  </dgm:styleLbl>
+  <dgm:styleLbl name="parChTrans2D4">
+    <dgm:scene3d>
+      <a:camera prst="orthographicFront"/>
+      <a:lightRig rig="threePt" dir="t"/>
+    </dgm:scene3d>
+    <dgm:sp3d/>
+    <dgm:txPr/>
+    <dgm:style>
+      <a:lnRef idx="2">
+        <a:scrgbClr r="0" g="0" b="0"/>
+      </a:lnRef>
+      <a:fillRef idx="1">
+        <a:scrgbClr r="0" g="0" b="0"/>
+      </a:fillRef>
+      <a:effectRef idx="0">
+        <a:scrgbClr r="0" g="0" b="0"/>
+      </a:effectRef>
+      <a:fontRef idx="minor">
+        <a:schemeClr val="lt1"/>
+      </a:fontRef>
+    </dgm:style>
+  </dgm:styleLbl>
+  <dgm:styleLbl name="parChTrans1D1">
+    <dgm:scene3d>
+      <a:camera prst="orthographicFront"/>
+      <a:lightRig rig="threePt" dir="t"/>
+    </dgm:scene3d>
+    <dgm:sp3d/>
+    <dgm:txPr/>
+    <dgm:style>
+      <a:lnRef idx="2">
+        <a:scrgbClr r="0" g="0" b="0"/>
+      </a:lnRef>
+      <a:fillRef idx="0">
+        <a:scrgbClr r="0" g="0" b="0"/>
+      </a:fillRef>
+      <a:effectRef idx="0">
+        <a:scrgbClr r="0" g="0" b="0"/>
+      </a:effectRef>
+      <a:fontRef idx="minor"/>
+    </dgm:style>
+  </dgm:styleLbl>
+  <dgm:styleLbl name="parChTrans1D2">
+    <dgm:scene3d>
+      <a:camera prst="orthographicFront"/>
+      <a:lightRig rig="threePt" dir="t"/>
+    </dgm:scene3d>
+    <dgm:sp3d/>
+    <dgm:txPr/>
+    <dgm:style>
+      <a:lnRef idx="2">
+        <a:scrgbClr r="0" g="0" b="0"/>
+      </a:lnRef>
+      <a:fillRef idx="0">
+        <a:scrgbClr r="0" g="0" b="0"/>
+      </a:fillRef>
+      <a:effectRef idx="0">
+        <a:scrgbClr r="0" g="0" b="0"/>
+      </a:effectRef>
+      <a:fontRef idx="minor"/>
+    </dgm:style>
+  </dgm:styleLbl>
+  <dgm:styleLbl name="parChTrans1D3">
+    <dgm:scene3d>
+      <a:camera prst="orthographicFront"/>
+      <a:lightRig rig="threePt" dir="t"/>
+    </dgm:scene3d>
+    <dgm:sp3d/>
+    <dgm:txPr/>
+    <dgm:style>
+      <a:lnRef idx="2">
+        <a:scrgbClr r="0" g="0" b="0"/>
+      </a:lnRef>
+      <a:fillRef idx="0">
+        <a:scrgbClr r="0" g="0" b="0"/>
+      </a:fillRef>
+      <a:effectRef idx="0">
+        <a:scrgbClr r="0" g="0" b="0"/>
+      </a:effectRef>
+      <a:fontRef idx="minor"/>
+    </dgm:style>
+  </dgm:styleLbl>
+  <dgm:styleLbl name="parChTrans1D4">
+    <dgm:scene3d>
+      <a:camera prst="orthographicFront"/>
+      <a:lightRig rig="threePt" dir="t"/>
+    </dgm:scene3d>
+    <dgm:sp3d/>
+    <dgm:txPr/>
+    <dgm:style>
+      <a:lnRef idx="2">
+        <a:scrgbClr r="0" g="0" b="0"/>
+      </a:lnRef>
+      <a:fillRef idx="0">
+        <a:scrgbClr r="0" g="0" b="0"/>
+      </a:fillRef>
+      <a:effectRef idx="0">
+        <a:scrgbClr r="0" g="0" b="0"/>
+      </a:effectRef>
+      <a:fontRef idx="minor"/>
+    </dgm:style>
+  </dgm:styleLbl>
+  <dgm:styleLbl name="fgAcc1">
+    <dgm:scene3d>
+      <a:camera prst="orthographicFront"/>
+      <a:lightRig rig="threePt" dir="t"/>
+    </dgm:scene3d>
+    <dgm:sp3d/>
+    <dgm:txPr/>
+    <dgm:style>
+      <a:lnRef idx="2">
+        <a:scrgbClr r="0" g="0" b="0"/>
+      </a:lnRef>
+      <a:fillRef idx="1">
+        <a:scrgbClr r="0" g="0" b="0"/>
+      </a:fillRef>
+      <a:effectRef idx="0">
+        <a:scrgbClr r="0" g="0" b="0"/>
+      </a:effectRef>
+      <a:fontRef idx="minor"/>
+    </dgm:style>
+  </dgm:styleLbl>
+  <dgm:styleLbl name="conFgAcc1">
+    <dgm:scene3d>
+      <a:camera prst="orthographicFront"/>
+      <a:lightRig rig="threePt" dir="t"/>
+    </dgm:scene3d>
+    <dgm:sp3d/>
+    <dgm:txPr/>
+    <dgm:style>
+      <a:lnRef idx="2">
+        <a:scrgbClr r="0" g="0" b="0"/>
+      </a:lnRef>
+      <a:fillRef idx="1">
+        <a:scrgbClr r="0" g="0" b="0"/>
+      </a:fillRef>
+      <a:effectRef idx="0">
+        <a:scrgbClr r="0" g="0" b="0"/>
+      </a:effectRef>
+      <a:fontRef idx="minor"/>
+    </dgm:style>
+  </dgm:styleLbl>
+  <dgm:styleLbl name="alignAcc1">
+    <dgm:scene3d>
+      <a:camera prst="orthographicFront"/>
+      <a:lightRig rig="threePt" dir="t"/>
+    </dgm:scene3d>
+    <dgm:sp3d/>
+    <dgm:txPr/>
+    <dgm:style>
+      <a:lnRef idx="2">
+        <a:scrgbClr r="0" g="0" b="0"/>
+      </a:lnRef>
+      <a:fillRef idx="1">
+        <a:scrgbClr r="0" g="0" b="0"/>
+      </a:fillRef>
+      <a:effectRef idx="0">
+        <a:scrgbClr r="0" g="0" b="0"/>
+      </a:effectRef>
+      <a:fontRef idx="minor"/>
+    </dgm:style>
+  </dgm:styleLbl>
+  <dgm:styleLbl name="trAlignAcc1">
+    <dgm:scene3d>
+      <a:camera prst="orthographicFront"/>
+      <a:lightRig rig="threePt" dir="t"/>
+    </dgm:scene3d>
+    <dgm:sp3d/>
+    <dgm:txPr/>
+    <dgm:style>
+      <a:lnRef idx="1">
+        <a:scrgbClr r="0" g="0" b="0"/>
+      </a:lnRef>
+      <a:fillRef idx="1">
+        <a:scrgbClr r="0" g="0" b="0"/>
+      </a:fillRef>
+      <a:effectRef idx="0">
+        <a:scrgbClr r="0" g="0" b="0"/>
+      </a:effectRef>
+      <a:fontRef idx="minor"/>
+    </dgm:style>
+  </dgm:styleLbl>
+  <dgm:styleLbl name="bgAcc1">
+    <dgm:scene3d>
+      <a:camera prst="orthographicFront"/>
+      <a:lightRig rig="threePt" dir="t"/>
+    </dgm:scene3d>
+    <dgm:sp3d/>
+    <dgm:txPr/>
+    <dgm:style>
+      <a:lnRef idx="2">
+        <a:scrgbClr r="0" g="0" b="0"/>
+      </a:lnRef>
+      <a:fillRef idx="1">
+        <a:scrgbClr r="0" g="0" b="0"/>
+      </a:fillRef>
+      <a:effectRef idx="0">
+        <a:scrgbClr r="0" g="0" b="0"/>
+      </a:effectRef>
+      <a:fontRef idx="minor"/>
+    </dgm:style>
+  </dgm:styleLbl>
+  <dgm:styleLbl name="solidFgAcc1">
+    <dgm:scene3d>
+      <a:camera prst="orthographicFront"/>
+      <a:lightRig rig="threePt" dir="t"/>
+    </dgm:scene3d>
+    <dgm:sp3d/>
+    <dgm:txPr/>
+    <dgm:style>
+      <a:lnRef idx="2">
+        <a:scrgbClr r="0" g="0" b="0"/>
+      </a:lnRef>
+      <a:fillRef idx="1">
+        <a:scrgbClr r="0" g="0" b="0"/>
+      </a:fillRef>
+      <a:effectRef idx="0">
+        <a:scrgbClr r="0" g="0" b="0"/>
+      </a:effectRef>
+      <a:fontRef idx="minor"/>
+    </dgm:style>
+  </dgm:styleLbl>
+  <dgm:styleLbl name="solidAlignAcc1">
+    <dgm:scene3d>
+      <a:camera prst="orthographicFront"/>
+      <a:lightRig rig="threePt" dir="t"/>
+    </dgm:scene3d>
+    <dgm:sp3d/>
+    <dgm:txPr/>
+    <dgm:style>
+      <a:lnRef idx="2">
+        <a:scrgbClr r="0" g="0" b="0"/>
+      </a:lnRef>
+      <a:fillRef idx="1">
+        <a:scrgbClr r="0" g="0" b="0"/>
+      </a:fillRef>
+      <a:effectRef idx="0">
+        <a:scrgbClr r="0" g="0" b="0"/>
+      </a:effectRef>
+      <a:fontRef idx="minor"/>
+    </dgm:style>
+  </dgm:styleLbl>
+  <dgm:styleLbl name="solidBgAcc1">
+    <dgm:scene3d>
+      <a:camera prst="orthographicFront"/>
+      <a:lightRig rig="threePt" dir="t"/>
+    </dgm:scene3d>
+    <dgm:sp3d/>
+    <dgm:txPr/>
+    <dgm:style>
+      <a:lnRef idx="2">
+        <a:scrgbClr r="0" g="0" b="0"/>
+      </a:lnRef>
+      <a:fillRef idx="1">
+        <a:scrgbClr r="0" g="0" b="0"/>
+      </a:fillRef>
+      <a:effectRef idx="0">
+        <a:scrgbClr r="0" g="0" b="0"/>
+      </a:effectRef>
+      <a:fontRef idx="minor"/>
+    </dgm:style>
+  </dgm:styleLbl>
+  <dgm:styleLbl name="fgAccFollowNode1">
+    <dgm:scene3d>
+      <a:camera prst="orthographicFront"/>
+      <a:lightRig rig="threePt" dir="t"/>
+    </dgm:scene3d>
+    <dgm:sp3d/>
+    <dgm:txPr/>
+    <dgm:style>
+      <a:lnRef idx="2">
+        <a:scrgbClr r="0" g="0" b="0"/>
+      </a:lnRef>
+      <a:fillRef idx="1">
+        <a:scrgbClr r="0" g="0" b="0"/>
+      </a:fillRef>
+      <a:effectRef idx="0">
+        <a:scrgbClr r="0" g="0" b="0"/>
+      </a:effectRef>
+      <a:fontRef idx="minor"/>
+    </dgm:style>
+  </dgm:styleLbl>
+  <dgm:styleLbl name="alignAccFollowNode1">
+    <dgm:scene3d>
+      <a:camera prst="orthographicFront"/>
+      <a:lightRig rig="threePt" dir="t"/>
+    </dgm:scene3d>
+    <dgm:sp3d/>
+    <dgm:txPr/>
+    <dgm:style>
+      <a:lnRef idx="2">
+        <a:scrgbClr r="0" g="0" b="0"/>
+      </a:lnRef>
+      <a:fillRef idx="1">
+        <a:scrgbClr r="0" g="0" b="0"/>
+      </a:fillRef>
+      <a:effectRef idx="0">
+        <a:scrgbClr r="0" g="0" b="0"/>
+      </a:effectRef>
+      <a:fontRef idx="minor"/>
+    </dgm:style>
+  </dgm:styleLbl>
+  <dgm:styleLbl name="bgAccFollowNode1">
+    <dgm:scene3d>
+      <a:camera prst="orthographicFront"/>
+      <a:lightRig rig="threePt" dir="t"/>
+    </dgm:scene3d>
+    <dgm:sp3d/>
+    <dgm:txPr/>
+    <dgm:style>
+      <a:lnRef idx="2">
+        <a:scrgbClr r="0" g="0" b="0"/>
+      </a:lnRef>
+      <a:fillRef idx="1">
+        <a:scrgbClr r="0" g="0" b="0"/>
+      </a:fillRef>
+      <a:effectRef idx="0">
+        <a:scrgbClr r="0" g="0" b="0"/>
+      </a:effectRef>
+      <a:fontRef idx="minor"/>
+    </dgm:style>
+  </dgm:styleLbl>
+  <dgm:styleLbl name="fgAcc0">
+    <dgm:scene3d>
+      <a:camera prst="orthographicFront"/>
+      <a:lightRig rig="threePt" dir="t"/>
+    </dgm:scene3d>
+    <dgm:sp3d/>
+    <dgm:txPr/>
+    <dgm:style>
+      <a:lnRef idx="2">
+        <a:scrgbClr r="0" g="0" b="0"/>
+      </a:lnRef>
+      <a:fillRef idx="1">
+        <a:scrgbClr r="0" g="0" b="0"/>
+      </a:fillRef>
+      <a:effectRef idx="0">
+        <a:scrgbClr r="0" g="0" b="0"/>
+      </a:effectRef>
+      <a:fontRef idx="minor"/>
+    </dgm:style>
+  </dgm:styleLbl>
+  <dgm:styleLbl name="fgAcc2">
+    <dgm:scene3d>
+      <a:camera prst="orthographicFront"/>
+      <a:lightRig rig="threePt" dir="t"/>
+    </dgm:scene3d>
+    <dgm:sp3d/>
+    <dgm:txPr/>
+    <dgm:style>
+      <a:lnRef idx="2">
+        <a:scrgbClr r="0" g="0" b="0"/>
+      </a:lnRef>
+      <a:fillRef idx="1">
+        <a:scrgbClr r="0" g="0" b="0"/>
+      </a:fillRef>
+      <a:effectRef idx="0">
+        <a:scrgbClr r="0" g="0" b="0"/>
+      </a:effectRef>
+      <a:fontRef idx="minor"/>
+    </dgm:style>
+  </dgm:styleLbl>
+  <dgm:styleLbl name="fgAcc3">
+    <dgm:scene3d>
+      <a:camera prst="orthographicFront"/>
+      <a:lightRig rig="threePt" dir="t"/>
+    </dgm:scene3d>
+    <dgm:sp3d/>
+    <dgm:txPr/>
+    <dgm:style>
+      <a:lnRef idx="2">
+        <a:scrgbClr r="0" g="0" b="0"/>
+      </a:lnRef>
+      <a:fillRef idx="1">
+        <a:scrgbClr r="0" g="0" b="0"/>
+      </a:fillRef>
+      <a:effectRef idx="0">
+        <a:scrgbClr r="0" g="0" b="0"/>
+      </a:effectRef>
+      <a:fontRef idx="minor"/>
+    </dgm:style>
+  </dgm:styleLbl>
+  <dgm:styleLbl name="fgAcc4">
+    <dgm:scene3d>
+      <a:camera prst="orthographicFront"/>
+      <a:lightRig rig="threePt" dir="t"/>
+    </dgm:scene3d>
+    <dgm:sp3d/>
+    <dgm:txPr/>
+    <dgm:style>
+      <a:lnRef idx="2">
+        <a:scrgbClr r="0" g="0" b="0"/>
+      </a:lnRef>
+      <a:fillRef idx="1">
+        <a:scrgbClr r="0" g="0" b="0"/>
+      </a:fillRef>
+      <a:effectRef idx="0">
+        <a:scrgbClr r="0" g="0" b="0"/>
+      </a:effectRef>
+      <a:fontRef idx="minor"/>
+    </dgm:style>
+  </dgm:styleLbl>
+  <dgm:styleLbl name="bgShp">
+    <dgm:scene3d>
+      <a:camera prst="orthographicFront"/>
+      <a:lightRig rig="threePt" dir="t"/>
+    </dgm:scene3d>
+    <dgm:sp3d/>
+    <dgm:txPr/>
+    <dgm:style>
+      <a:lnRef idx="0">
+        <a:scrgbClr r="0" g="0" b="0"/>
+      </a:lnRef>
+      <a:fillRef idx="1">
+        <a:scrgbClr r="0" g="0" b="0"/>
+      </a:fillRef>
+      <a:effectRef idx="0">
+        <a:scrgbClr r="0" g="0" b="0"/>
+      </a:effectRef>
+      <a:fontRef idx="minor"/>
+    </dgm:style>
+  </dgm:styleLbl>
+  <dgm:styleLbl name="dkBgShp">
+    <dgm:scene3d>
+      <a:camera prst="orthographicFront"/>
+      <a:lightRig rig="threePt" dir="t"/>
+    </dgm:scene3d>
+    <dgm:sp3d/>
+    <dgm:txPr/>
+    <dgm:style>
+      <a:lnRef idx="0">
+        <a:scrgbClr r="0" g="0" b="0"/>
+      </a:lnRef>
+      <a:fillRef idx="1">
+        <a:scrgbClr r="0" g="0" b="0"/>
+      </a:fillRef>
+      <a:effectRef idx="0">
+        <a:scrgbClr r="0" g="0" b="0"/>
+      </a:effectRef>
+      <a:fontRef idx="minor"/>
+    </dgm:style>
+  </dgm:styleLbl>
+  <dgm:styleLbl name="trBgShp">
+    <dgm:scene3d>
+      <a:camera prst="orthographicFront"/>
+      <a:lightRig rig="threePt" dir="t"/>
+    </dgm:scene3d>
+    <dgm:sp3d/>
+    <dgm:txPr/>
+    <dgm:style>
+      <a:lnRef idx="0">
+        <a:scrgbClr r="0" g="0" b="0"/>
+      </a:lnRef>
+      <a:fillRef idx="1">
+        <a:scrgbClr r="0" g="0" b="0"/>
+      </a:fillRef>
+      <a:effectRef idx="0">
+        <a:scrgbClr r="0" g="0" b="0"/>
+      </a:effectRef>
+      <a:fontRef idx="minor"/>
+    </dgm:style>
+  </dgm:styleLbl>
+  <dgm:styleLbl name="fgShp">
+    <dgm:scene3d>
+      <a:camera prst="orthographicFront"/>
+      <a:lightRig rig="threePt" dir="t"/>
+    </dgm:scene3d>
+    <dgm:sp3d/>
+    <dgm:txPr/>
+    <dgm:style>
+      <a:lnRef idx="2">
+        <a:scrgbClr r="0" g="0" b="0"/>
+      </a:lnRef>
+      <a:fillRef idx="1">
+        <a:scrgbClr r="0" g="0" b="0"/>
+      </a:fillRef>
+      <a:effectRef idx="0">
+        <a:scrgbClr r="0" g="0" b="0"/>
+      </a:effectRef>
+      <a:fontRef idx="minor"/>
+    </dgm:style>
+  </dgm:styleLbl>
+  <dgm:styleLbl name="revTx">
+    <dgm:scene3d>
+      <a:camera prst="orthographicFront"/>
+      <a:lightRig rig="threePt" dir="t"/>
+    </dgm:scene3d>
+    <dgm:sp3d/>
+    <dgm:txPr/>
+    <dgm:style>
+      <a:lnRef idx="0">
+        <a:scrgbClr r="0" g="0" b="0"/>
+      </a:lnRef>
+      <a:fillRef idx="0">
+        <a:scrgbClr r="0" g="0" b="0"/>
+      </a:fillRef>
+      <a:effectRef idx="0">
+        <a:scrgbClr r="0" g="0" b="0"/>
+      </a:effectRef>
+      <a:fontRef idx="minor"/>
+    </dgm:style>
+  </dgm:styleLbl>
+</dgm:styleDef>
+</file>
+
 <file path=ppt/notesMasters/notesMaster1.xml><?xml version="1.0" encoding="utf-8"?>
 <p:notesMaster xmlns:a="http://schemas.openxmlformats.org/drawingml/2006/main" xmlns:r="http://schemas.openxmlformats.org/officeDocument/2006/relationships" xmlns:p="http://schemas.openxmlformats.org/presentationml/2006/main">
   <p:cSld>
@@ -211,7 +3267,7 @@
           <a:p>
             <a:fld id="{D1AF23AB-C847-4667-90C1-8E7B707AE4C0}" type="datetimeFigureOut">
               <a:rPr lang="nl-BE" smtClean="0"/>
-              <a:t>20/08/2014</a:t>
+              <a:t>21/08/2014</a:t>
             </a:fld>
             <a:endParaRPr lang="nl-BE"/>
           </a:p>
@@ -1016,12 +4072,8 @@
           </a:p>
           <a:p>
             <a:r>
-              <a:rPr lang="nl-BE" baseline="0" smtClean="0"/>
-              <a:t>(demo</a:t>
-            </a:r>
-            <a:r>
               <a:rPr lang="nl-BE" baseline="0" dirty="0" smtClean="0"/>
-              <a:t>)</a:t>
+              <a:t>(demo)</a:t>
             </a:r>
             <a:endParaRPr lang="nl-BE" dirty="0"/>
           </a:p>
@@ -1185,6 +4237,151 @@
 </p:notes>
 </file>
 
+<file path=ppt/notesSlides/notesSlide14.xml><?xml version="1.0" encoding="utf-8"?>
+<p:notes xmlns:a="http://schemas.openxmlformats.org/drawingml/2006/main" xmlns:r="http://schemas.openxmlformats.org/officeDocument/2006/relationships" xmlns:p="http://schemas.openxmlformats.org/presentationml/2006/main">
+  <p:cSld>
+    <p:spTree>
+      <p:nvGrpSpPr>
+        <p:cNvPr id="1" name=""/>
+        <p:cNvGrpSpPr/>
+        <p:nvPr/>
+      </p:nvGrpSpPr>
+      <p:grpSpPr>
+        <a:xfrm>
+          <a:off x="0" y="0"/>
+          <a:ext cx="0" cy="0"/>
+          <a:chOff x="0" y="0"/>
+          <a:chExt cx="0" cy="0"/>
+        </a:xfrm>
+      </p:grpSpPr>
+      <p:sp>
+        <p:nvSpPr>
+          <p:cNvPr id="2" name="Slide Image Placeholder 1"/>
+          <p:cNvSpPr>
+            <a:spLocks noGrp="1" noRot="1" noChangeAspect="1"/>
+          </p:cNvSpPr>
+          <p:nvPr>
+            <p:ph type="sldImg"/>
+          </p:nvPr>
+        </p:nvSpPr>
+        <p:spPr/>
+      </p:sp>
+      <p:sp>
+        <p:nvSpPr>
+          <p:cNvPr id="3" name="Notes Placeholder 2"/>
+          <p:cNvSpPr>
+            <a:spLocks noGrp="1"/>
+          </p:cNvSpPr>
+          <p:nvPr>
+            <p:ph type="body" idx="1"/>
+          </p:nvPr>
+        </p:nvSpPr>
+        <p:spPr/>
+        <p:txBody>
+          <a:bodyPr/>
+          <a:lstStyle/>
+          <a:p>
+            <a:r>
+              <a:rPr lang="nl-BE" dirty="0" smtClean="0"/>
+              <a:t>Een bestaande</a:t>
+            </a:r>
+            <a:r>
+              <a:rPr lang="nl-BE" baseline="0" dirty="0" smtClean="0"/>
+              <a:t> applicatie kan je niet in 1 keer refactoren volgens de SOLID principes en goede design.</a:t>
+            </a:r>
+          </a:p>
+          <a:p>
+            <a:endParaRPr lang="nl-BE" baseline="0" dirty="0" smtClean="0"/>
+          </a:p>
+          <a:p>
+            <a:r>
+              <a:rPr lang="nl-BE" baseline="0" dirty="0" smtClean="0"/>
+              <a:t>Maar je kan wel elke keer dat je aan de code bezig bent, die een klein beetje verbeteren. Dat noemen ze het Boy Scout principe. Zij hebben als motto om elke kampplaats die ze bezoeken properder achter te laten dan dat ze was toen ze aankwamen.</a:t>
+            </a:r>
+          </a:p>
+          <a:p>
+            <a:endParaRPr lang="nl-BE" baseline="0" dirty="0" smtClean="0"/>
+          </a:p>
+          <a:p>
+            <a:r>
+              <a:rPr lang="nl-BE" baseline="0" dirty="0" smtClean="0"/>
+              <a:t>Dat kan je ook doen bij code.</a:t>
+            </a:r>
+          </a:p>
+          <a:p>
+            <a:endParaRPr lang="nl-BE" baseline="0" dirty="0" smtClean="0"/>
+          </a:p>
+          <a:p>
+            <a:r>
+              <a:rPr lang="nl-BE" baseline="0" dirty="0" smtClean="0"/>
+              <a:t>Een regel is daarbij dat als een bug wordt </a:t>
+            </a:r>
+            <a:r>
+              <a:rPr lang="nl-BE" baseline="0" dirty="0" err="1" smtClean="0"/>
+              <a:t>gefixed</a:t>
+            </a:r>
+            <a:r>
+              <a:rPr lang="nl-BE" baseline="0" dirty="0" smtClean="0"/>
+              <a:t>, er automatisch een Unit Test wordt geschreven.</a:t>
+            </a:r>
+          </a:p>
+          <a:p>
+            <a:endParaRPr lang="nl-BE" baseline="0" dirty="0" smtClean="0"/>
+          </a:p>
+          <a:p>
+            <a:r>
+              <a:rPr lang="nl-BE" baseline="0" dirty="0" smtClean="0"/>
+              <a:t>Dat verplicht je om de bug te isoleren, door de code die de bug bevat in een aparte klasse of functie onder te brengen.</a:t>
+            </a:r>
+          </a:p>
+          <a:p>
+            <a:endParaRPr lang="nl-BE" baseline="0" dirty="0" smtClean="0"/>
+          </a:p>
+          <a:p>
+            <a:r>
+              <a:rPr lang="nl-BE" baseline="0" dirty="0" smtClean="0"/>
+              <a:t>Met andere woorden, elke bug is een opportuniteit om de code te verbeteren. </a:t>
+            </a:r>
+            <a:endParaRPr lang="nl-BE" dirty="0"/>
+          </a:p>
+        </p:txBody>
+      </p:sp>
+      <p:sp>
+        <p:nvSpPr>
+          <p:cNvPr id="4" name="Slide Number Placeholder 3"/>
+          <p:cNvSpPr>
+            <a:spLocks noGrp="1"/>
+          </p:cNvSpPr>
+          <p:nvPr>
+            <p:ph type="sldNum" sz="quarter" idx="10"/>
+          </p:nvPr>
+        </p:nvSpPr>
+        <p:spPr/>
+        <p:txBody>
+          <a:bodyPr/>
+          <a:lstStyle/>
+          <a:p>
+            <a:fld id="{4277DD58-0888-4DED-BA01-09D4D7FCF701}" type="slidenum">
+              <a:rPr lang="nl-BE" smtClean="0"/>
+              <a:t>19</a:t>
+            </a:fld>
+            <a:endParaRPr lang="nl-BE"/>
+          </a:p>
+        </p:txBody>
+      </p:sp>
+    </p:spTree>
+    <p:extLst>
+      <p:ext uri="{BB962C8B-B14F-4D97-AF65-F5344CB8AC3E}">
+        <p14:creationId xmlns:p14="http://schemas.microsoft.com/office/powerpoint/2010/main" val="45503004"/>
+      </p:ext>
+    </p:extLst>
+  </p:cSld>
+  <p:clrMapOvr>
+    <a:masterClrMapping/>
+  </p:clrMapOvr>
+</p:notes>
+</file>
+
 <file path=ppt/notesSlides/notesSlide2.xml><?xml version="1.0" encoding="utf-8"?>
 <p:notes xmlns:a="http://schemas.openxmlformats.org/drawingml/2006/main" xmlns:r="http://schemas.openxmlformats.org/officeDocument/2006/relationships" xmlns:p="http://schemas.openxmlformats.org/presentationml/2006/main">
   <p:cSld>
@@ -1894,6 +5091,45 @@
           <a:p>
             <a:r>
               <a:rPr lang="nl-BE" baseline="0" dirty="0" smtClean="0"/>
+              <a:t>Soms, héél soms, en in </a:t>
+            </a:r>
+            <a:r>
+              <a:rPr lang="nl-BE" baseline="0" dirty="0" smtClean="0"/>
+              <a:t>het beste geval kunnen ze een nuttige </a:t>
+            </a:r>
+            <a:r>
+              <a:rPr lang="nl-BE" baseline="0" dirty="0" smtClean="0"/>
+              <a:t>aanduiding </a:t>
+            </a:r>
+            <a:r>
+              <a:rPr lang="nl-BE" baseline="0" dirty="0" smtClean="0"/>
+              <a:t>zijn.</a:t>
+            </a:r>
+          </a:p>
+          <a:p>
+            <a:endParaRPr lang="nl-BE" baseline="0" dirty="0" smtClean="0"/>
+          </a:p>
+          <a:p>
+            <a:r>
+              <a:rPr lang="nl-BE" baseline="0" dirty="0" smtClean="0"/>
+              <a:t>Maar meestal zijn ze zwerfvuil. Ooit hebben ze tot iets gediend, maar nu zijn ze overbodig, en niemand die ze opkuist.</a:t>
+            </a:r>
+          </a:p>
+          <a:p>
+            <a:endParaRPr lang="nl-BE" baseline="0" dirty="0" smtClean="0"/>
+          </a:p>
+          <a:p>
+            <a:r>
+              <a:rPr lang="nl-BE" baseline="0" dirty="0" smtClean="0"/>
+              <a:t>Dus in plaats van ze op te ruimen, kan men er beter geen maken !</a:t>
+            </a:r>
+          </a:p>
+          <a:p>
+            <a:endParaRPr lang="nl-BE" baseline="0" dirty="0" smtClean="0"/>
+          </a:p>
+          <a:p>
+            <a:r>
+              <a:rPr lang="nl-BE" baseline="0" dirty="0" smtClean="0"/>
               <a:t>Comments zijn te vermijden door :</a:t>
             </a:r>
           </a:p>
@@ -1992,8 +5228,27 @@
             </a:pPr>
             <a:r>
               <a:rPr lang="nl-BE" baseline="0" dirty="0" smtClean="0"/>
-              <a:t>Intentie-verklaring : gekenmerkt door algemene bewoordingen, meestal in business taal.</a:t>
-            </a:r>
+              <a:t>Intentie-verklaring : gekenmerkt door algemene bewoordingen, meestal in business taal</a:t>
+            </a:r>
+            <a:r>
+              <a:rPr lang="nl-BE" baseline="0" dirty="0" smtClean="0"/>
+              <a:t>.</a:t>
+            </a:r>
+          </a:p>
+          <a:p>
+            <a:pPr marL="171450" indent="-171450">
+              <a:buFontTx/>
+              <a:buChar char="-"/>
+            </a:pPr>
+            <a:r>
+              <a:rPr lang="nl-BE" baseline="0" dirty="0" err="1" smtClean="0"/>
+              <a:t>ReSharper</a:t>
+            </a:r>
+            <a:r>
+              <a:rPr lang="nl-BE" baseline="0" dirty="0" smtClean="0"/>
+              <a:t> indicaties</a:t>
+            </a:r>
+            <a:endParaRPr lang="nl-BE" baseline="0" dirty="0" smtClean="0"/>
           </a:p>
           <a:p>
             <a:pPr marL="171450" indent="-171450">
@@ -2442,15 +5697,7 @@
             </a:pPr>
             <a:r>
               <a:rPr lang="nl-BE" baseline="0" dirty="0" smtClean="0"/>
-              <a:t>In </a:t>
-            </a:r>
-            <a:r>
-              <a:rPr lang="nl-BE" baseline="0" dirty="0" smtClean="0"/>
-              <a:t>een functie : homogeen “level of abstraction</a:t>
-            </a:r>
-            <a:r>
-              <a:rPr lang="nl-BE" baseline="0" dirty="0" smtClean="0"/>
-              <a:t>”</a:t>
+              <a:t>In een functie : homogeen “level of abstraction”</a:t>
             </a:r>
           </a:p>
           <a:p>
@@ -2466,8 +5713,28 @@
               <a:buChar char="-"/>
             </a:pPr>
             <a:r>
-              <a:rPr lang="nl-BE" baseline="0" smtClean="0"/>
-              <a:t>Magic strings and magic numbers</a:t>
+              <a:rPr lang="nl-BE" baseline="0" dirty="0" smtClean="0"/>
+              <a:t>Magic strings </a:t>
+            </a:r>
+            <a:r>
+              <a:rPr lang="nl-BE" baseline="0" dirty="0" err="1" smtClean="0"/>
+              <a:t>and</a:t>
+            </a:r>
+            <a:r>
+              <a:rPr lang="nl-BE" baseline="0" dirty="0" smtClean="0"/>
+              <a:t> </a:t>
+            </a:r>
+            <a:r>
+              <a:rPr lang="nl-BE" baseline="0" dirty="0" err="1" smtClean="0"/>
+              <a:t>magic</a:t>
+            </a:r>
+            <a:r>
+              <a:rPr lang="nl-BE" baseline="0" dirty="0" smtClean="0"/>
+              <a:t> </a:t>
+            </a:r>
+            <a:r>
+              <a:rPr lang="nl-BE" baseline="0" dirty="0" err="1" smtClean="0"/>
+              <a:t>numbers</a:t>
             </a:r>
             <a:endParaRPr lang="nl-BE" dirty="0"/>
           </a:p>
@@ -2701,7 +5968,7 @@
           <a:p>
             <a:fld id="{E7EF4F3C-2DF5-4944-8DA1-53B88DB318C7}" type="datetimeFigureOut">
               <a:rPr lang="nl-BE" smtClean="0"/>
-              <a:t>20/08/2014</a:t>
+              <a:t>21/08/2014</a:t>
             </a:fld>
             <a:endParaRPr lang="nl-BE"/>
           </a:p>
@@ -2963,7 +6230,7 @@
           <a:p>
             <a:fld id="{E7EF4F3C-2DF5-4944-8DA1-53B88DB318C7}" type="datetimeFigureOut">
               <a:rPr lang="nl-BE" smtClean="0"/>
-              <a:t>20/08/2014</a:t>
+              <a:t>21/08/2014</a:t>
             </a:fld>
             <a:endParaRPr lang="nl-BE"/>
           </a:p>
@@ -3209,7 +6476,7 @@
           <a:p>
             <a:fld id="{E7EF4F3C-2DF5-4944-8DA1-53B88DB318C7}" type="datetimeFigureOut">
               <a:rPr lang="nl-BE" smtClean="0"/>
-              <a:t>20/08/2014</a:t>
+              <a:t>21/08/2014</a:t>
             </a:fld>
             <a:endParaRPr lang="nl-BE"/>
           </a:p>
@@ -3497,7 +6764,7 @@
           <a:p>
             <a:fld id="{E7EF4F3C-2DF5-4944-8DA1-53B88DB318C7}" type="datetimeFigureOut">
               <a:rPr lang="nl-BE" smtClean="0"/>
-              <a:t>20/08/2014</a:t>
+              <a:t>21/08/2014</a:t>
             </a:fld>
             <a:endParaRPr lang="nl-BE"/>
           </a:p>
@@ -3929,7 +7196,7 @@
           <a:p>
             <a:fld id="{E7EF4F3C-2DF5-4944-8DA1-53B88DB318C7}" type="datetimeFigureOut">
               <a:rPr lang="nl-BE" smtClean="0"/>
-              <a:t>20/08/2014</a:t>
+              <a:t>21/08/2014</a:t>
             </a:fld>
             <a:endParaRPr lang="nl-BE"/>
           </a:p>
@@ -4047,7 +7314,7 @@
           <a:p>
             <a:fld id="{E7EF4F3C-2DF5-4944-8DA1-53B88DB318C7}" type="datetimeFigureOut">
               <a:rPr lang="nl-BE" smtClean="0"/>
-              <a:t>20/08/2014</a:t>
+              <a:t>21/08/2014</a:t>
             </a:fld>
             <a:endParaRPr lang="nl-BE"/>
           </a:p>
@@ -4142,7 +7409,7 @@
           <a:p>
             <a:fld id="{E7EF4F3C-2DF5-4944-8DA1-53B88DB318C7}" type="datetimeFigureOut">
               <a:rPr lang="nl-BE" smtClean="0"/>
-              <a:t>20/08/2014</a:t>
+              <a:t>21/08/2014</a:t>
             </a:fld>
             <a:endParaRPr lang="nl-BE"/>
           </a:p>
@@ -4338,7 +7605,7 @@
           <a:p>
             <a:fld id="{E7EF4F3C-2DF5-4944-8DA1-53B88DB318C7}" type="datetimeFigureOut">
               <a:rPr lang="nl-BE" smtClean="0"/>
-              <a:t>20/08/2014</a:t>
+              <a:t>21/08/2014</a:t>
             </a:fld>
             <a:endParaRPr lang="nl-BE"/>
           </a:p>
@@ -4606,7 +7873,7 @@
           <a:p>
             <a:fld id="{E7EF4F3C-2DF5-4944-8DA1-53B88DB318C7}" type="datetimeFigureOut">
               <a:rPr lang="nl-BE" smtClean="0"/>
-              <a:t>20/08/2014</a:t>
+              <a:t>21/08/2014</a:t>
             </a:fld>
             <a:endParaRPr lang="nl-BE"/>
           </a:p>
@@ -5307,6 +8574,131 @@
           </a:extLst>
         </p:spPr>
       </p:pic>
+      <p:sp>
+        <p:nvSpPr>
+          <p:cNvPr id="3" name="Rectangle 2"/>
+          <p:cNvSpPr/>
+          <p:nvPr/>
+        </p:nvSpPr>
+        <p:spPr>
+          <a:xfrm>
+            <a:off x="3537987" y="5517232"/>
+            <a:ext cx="1903086" cy="923330"/>
+          </a:xfrm>
+          <a:prstGeom prst="rect">
+            <a:avLst/>
+          </a:prstGeom>
+          <a:noFill/>
+        </p:spPr>
+        <p:txBody>
+          <a:bodyPr wrap="none" lIns="91440" tIns="45720" rIns="91440" bIns="45720">
+            <a:spAutoFit/>
+          </a:bodyPr>
+          <a:lstStyle/>
+          <a:p>
+            <a:pPr algn="ctr"/>
+            <a:r>
+              <a:rPr lang="en-US" sz="5400" b="1" cap="none" spc="0" dirty="0" smtClean="0">
+                <a:ln w="10541" cmpd="sng">
+                  <a:solidFill>
+                    <a:srgbClr val="7D7D7D">
+                      <a:tint val="100000"/>
+                      <a:shade val="100000"/>
+                      <a:satMod val="110000"/>
+                    </a:srgbClr>
+                  </a:solidFill>
+                  <a:prstDash val="solid"/>
+                </a:ln>
+                <a:gradFill>
+                  <a:gsLst>
+                    <a:gs pos="0">
+                      <a:srgbClr val="FFFFFF">
+                        <a:tint val="40000"/>
+                        <a:satMod val="250000"/>
+                      </a:srgbClr>
+                    </a:gs>
+                    <a:gs pos="9000">
+                      <a:srgbClr val="FFFFFF">
+                        <a:tint val="52000"/>
+                        <a:satMod val="300000"/>
+                      </a:srgbClr>
+                    </a:gs>
+                    <a:gs pos="50000">
+                      <a:srgbClr val="FFFFFF">
+                        <a:shade val="20000"/>
+                        <a:satMod val="300000"/>
+                      </a:srgbClr>
+                    </a:gs>
+                    <a:gs pos="79000">
+                      <a:srgbClr val="FFFFFF">
+                        <a:tint val="52000"/>
+                        <a:satMod val="300000"/>
+                      </a:srgbClr>
+                    </a:gs>
+                    <a:gs pos="100000">
+                      <a:srgbClr val="FFFFFF">
+                        <a:tint val="40000"/>
+                        <a:satMod val="250000"/>
+                      </a:srgbClr>
+                    </a:gs>
+                  </a:gsLst>
+                  <a:lin ang="5400000"/>
+                </a:gradFill>
+                <a:effectLst/>
+              </a:rPr>
+              <a:t>Demo</a:t>
+            </a:r>
+            <a:endParaRPr lang="en-US" sz="5400" b="1" cap="none" spc="0" dirty="0">
+              <a:ln w="10541" cmpd="sng">
+                <a:solidFill>
+                  <a:srgbClr val="7D7D7D">
+                    <a:tint val="100000"/>
+                    <a:shade val="100000"/>
+                    <a:satMod val="110000"/>
+                  </a:srgbClr>
+                </a:solidFill>
+                <a:prstDash val="solid"/>
+              </a:ln>
+              <a:gradFill>
+                <a:gsLst>
+                  <a:gs pos="0">
+                    <a:srgbClr val="FFFFFF">
+                      <a:tint val="40000"/>
+                      <a:satMod val="250000"/>
+                    </a:srgbClr>
+                  </a:gs>
+                  <a:gs pos="9000">
+                    <a:srgbClr val="FFFFFF">
+                      <a:tint val="52000"/>
+                      <a:satMod val="300000"/>
+                    </a:srgbClr>
+                  </a:gs>
+                  <a:gs pos="50000">
+                    <a:srgbClr val="FFFFFF">
+                      <a:shade val="20000"/>
+                      <a:satMod val="300000"/>
+                    </a:srgbClr>
+                  </a:gs>
+                  <a:gs pos="79000">
+                    <a:srgbClr val="FFFFFF">
+                      <a:tint val="52000"/>
+                      <a:satMod val="300000"/>
+                    </a:srgbClr>
+                  </a:gs>
+                  <a:gs pos="100000">
+                    <a:srgbClr val="FFFFFF">
+                      <a:tint val="40000"/>
+                      <a:satMod val="250000"/>
+                    </a:srgbClr>
+                  </a:gs>
+                </a:gsLst>
+                <a:lin ang="5400000"/>
+              </a:gradFill>
+              <a:effectLst/>
+            </a:endParaRPr>
+          </a:p>
+        </p:txBody>
+      </p:sp>
     </p:spTree>
     <p:extLst>
       <p:ext uri="{BB962C8B-B14F-4D97-AF65-F5344CB8AC3E}">
@@ -5478,6 +8870,59 @@
                       </p:childTnLst>
                     </p:cTn>
                   </p:par>
+                  <p:par>
+                    <p:cTn id="17" fill="hold">
+                      <p:stCondLst>
+                        <p:cond delay="indefinite"/>
+                      </p:stCondLst>
+                      <p:childTnLst>
+                        <p:par>
+                          <p:cTn id="18" fill="hold">
+                            <p:stCondLst>
+                              <p:cond delay="0"/>
+                            </p:stCondLst>
+                            <p:childTnLst>
+                              <p:par>
+                                <p:cTn id="19" presetID="10" presetClass="entr" presetSubtype="0" fill="hold" grpId="0" nodeType="clickEffect">
+                                  <p:stCondLst>
+                                    <p:cond delay="0"/>
+                                  </p:stCondLst>
+                                  <p:childTnLst>
+                                    <p:set>
+                                      <p:cBhvr>
+                                        <p:cTn id="20" dur="1" fill="hold">
+                                          <p:stCondLst>
+                                            <p:cond delay="0"/>
+                                          </p:stCondLst>
+                                        </p:cTn>
+                                        <p:tgtEl>
+                                          <p:spTgt spid="3"/>
+                                        </p:tgtEl>
+                                        <p:attrNameLst>
+                                          <p:attrName>style.visibility</p:attrName>
+                                        </p:attrNameLst>
+                                      </p:cBhvr>
+                                      <p:to>
+                                        <p:strVal val="visible"/>
+                                      </p:to>
+                                    </p:set>
+                                    <p:animEffect transition="in" filter="fade">
+                                      <p:cBhvr>
+                                        <p:cTn id="21" dur="500"/>
+                                        <p:tgtEl>
+                                          <p:spTgt spid="3"/>
+                                        </p:tgtEl>
+                                      </p:cBhvr>
+                                    </p:animEffect>
+                                  </p:childTnLst>
+                                </p:cTn>
+                              </p:par>
+                            </p:childTnLst>
+                          </p:cTn>
+                        </p:par>
+                      </p:childTnLst>
+                    </p:cTn>
+                  </p:par>
                 </p:childTnLst>
               </p:cTn>
               <p:prevCondLst>
@@ -5501,6 +8946,7 @@
     </p:tnLst>
     <p:bldLst>
       <p:bldP spid="5" grpId="0" animBg="1"/>
+      <p:bldP spid="3" grpId="0"/>
     </p:bldLst>
   </p:timing>
 </p:sld>
@@ -5523,6 +8969,60 @@
           <a:chExt cx="0" cy="0"/>
         </a:xfrm>
       </p:grpSpPr>
+      <p:pic>
+        <p:nvPicPr>
+          <p:cNvPr id="1028" name="Picture 4"/>
+          <p:cNvPicPr>
+            <a:picLocks noChangeAspect="1" noChangeArrowheads="1"/>
+          </p:cNvPicPr>
+          <p:nvPr/>
+        </p:nvPicPr>
+        <p:blipFill>
+          <a:blip r:embed="rId3" cstate="print">
+            <a:extLst>
+              <a:ext uri="{28A0092B-C50C-407E-A947-70E740481C1C}">
+                <a14:useLocalDpi xmlns:a14="http://schemas.microsoft.com/office/drawing/2010/main" val="0"/>
+              </a:ext>
+            </a:extLst>
+          </a:blip>
+          <a:srcRect/>
+          <a:stretch>
+            <a:fillRect/>
+          </a:stretch>
+        </p:blipFill>
+        <p:spPr bwMode="auto">
+          <a:xfrm>
+            <a:off x="1835696" y="692696"/>
+            <a:ext cx="5472608" cy="5472608"/>
+          </a:xfrm>
+          <a:prstGeom prst="rect">
+            <a:avLst/>
+          </a:prstGeom>
+          <a:noFill/>
+          <a:ln>
+            <a:noFill/>
+          </a:ln>
+          <a:extLst>
+            <a:ext uri="{909E8E84-426E-40DD-AFC4-6F175D3DCCD1}">
+              <a14:hiddenFill xmlns:a14="http://schemas.microsoft.com/office/drawing/2010/main">
+                <a:solidFill>
+                  <a:schemeClr val="accent1"/>
+                </a:solidFill>
+              </a14:hiddenFill>
+            </a:ext>
+            <a:ext uri="{91240B29-F687-4F45-9708-019B960494DF}">
+              <a14:hiddenLine xmlns:a14="http://schemas.microsoft.com/office/drawing/2010/main" w="9525">
+                <a:solidFill>
+                  <a:schemeClr val="tx1"/>
+                </a:solidFill>
+                <a:miter lim="800000"/>
+                <a:headEnd/>
+                <a:tailEnd/>
+              </a14:hiddenLine>
+            </a:ext>
+          </a:extLst>
+        </p:spPr>
+      </p:pic>
       <p:sp>
         <p:nvSpPr>
           <p:cNvPr id="2" name="Title 1"/>
@@ -5558,18 +9058,328 @@
         </p:nvSpPr>
         <p:spPr/>
         <p:txBody>
-          <a:bodyPr/>
+          <a:bodyPr>
+            <a:normAutofit/>
+          </a:bodyPr>
           <a:lstStyle/>
           <a:p>
             <a:pPr lvl="0"/>
             <a:r>
               <a:rPr lang="nl-BE" dirty="0" smtClean="0"/>
-              <a:t>Maar wat met API specificatie</a:t>
+              <a:t>Nooit </a:t>
+            </a:r>
+            <a:r>
+              <a:rPr lang="nl-BE" dirty="0" err="1" smtClean="0"/>
+              <a:t>comments</a:t>
+            </a:r>
+            <a:r>
+              <a:rPr lang="nl-BE" dirty="0" smtClean="0"/>
+              <a:t> ? </a:t>
+            </a:r>
+            <a:r>
+              <a:rPr lang="nl-BE" dirty="0" smtClean="0"/>
+              <a:t>Wat </a:t>
+            </a:r>
+            <a:r>
+              <a:rPr lang="nl-BE" dirty="0" smtClean="0"/>
+              <a:t>met API specificatie</a:t>
             </a:r>
             <a:r>
               <a:rPr lang="nl-BE" baseline="0" dirty="0" smtClean="0"/>
               <a:t> ?</a:t>
             </a:r>
+          </a:p>
+        </p:txBody>
+      </p:sp>
+      <p:grpSp>
+        <p:nvGrpSpPr>
+          <p:cNvPr id="5" name="Group 4"/>
+          <p:cNvGrpSpPr/>
+          <p:nvPr/>
+        </p:nvGrpSpPr>
+        <p:grpSpPr>
+          <a:xfrm>
+            <a:off x="1691680" y="1693728"/>
+            <a:ext cx="5976664" cy="3319448"/>
+            <a:chOff x="4067944" y="1706425"/>
+            <a:chExt cx="4276725" cy="2333625"/>
+          </a:xfrm>
+        </p:grpSpPr>
+        <p:pic>
+          <p:nvPicPr>
+            <p:cNvPr id="1029" name="Picture 5"/>
+            <p:cNvPicPr>
+              <a:picLocks noChangeAspect="1" noChangeArrowheads="1"/>
+            </p:cNvPicPr>
+            <p:nvPr/>
+          </p:nvPicPr>
+          <p:blipFill>
+            <a:blip r:embed="rId4">
+              <a:extLst>
+                <a:ext uri="{28A0092B-C50C-407E-A947-70E740481C1C}">
+                  <a14:useLocalDpi xmlns:a14="http://schemas.microsoft.com/office/drawing/2010/main" val="0"/>
+                </a:ext>
+              </a:extLst>
+            </a:blip>
+            <a:srcRect/>
+            <a:stretch>
+              <a:fillRect/>
+            </a:stretch>
+          </p:blipFill>
+          <p:spPr bwMode="auto">
+            <a:xfrm>
+              <a:off x="4067944" y="1706425"/>
+              <a:ext cx="4276725" cy="2333625"/>
+            </a:xfrm>
+            <a:prstGeom prst="rect">
+              <a:avLst/>
+            </a:prstGeom>
+            <a:noFill/>
+            <a:ln>
+              <a:noFill/>
+            </a:ln>
+            <a:extLst>
+              <a:ext uri="{909E8E84-426E-40DD-AFC4-6F175D3DCCD1}">
+                <a14:hiddenFill xmlns:a14="http://schemas.microsoft.com/office/drawing/2010/main">
+                  <a:solidFill>
+                    <a:schemeClr val="accent1"/>
+                  </a:solidFill>
+                </a14:hiddenFill>
+              </a:ext>
+              <a:ext uri="{91240B29-F687-4F45-9708-019B960494DF}">
+                <a14:hiddenLine xmlns:a14="http://schemas.microsoft.com/office/drawing/2010/main" w="9525">
+                  <a:solidFill>
+                    <a:schemeClr val="tx1"/>
+                  </a:solidFill>
+                  <a:miter lim="800000"/>
+                  <a:headEnd/>
+                  <a:tailEnd/>
+                </a14:hiddenLine>
+              </a:ext>
+            </a:extLst>
+          </p:spPr>
+        </p:pic>
+        <p:sp>
+          <p:nvSpPr>
+            <p:cNvPr id="4" name="Oval 3"/>
+            <p:cNvSpPr/>
+            <p:nvPr/>
+          </p:nvSpPr>
+          <p:spPr>
+            <a:xfrm>
+              <a:off x="5337296" y="3284984"/>
+              <a:ext cx="1440160" cy="590748"/>
+            </a:xfrm>
+            <a:prstGeom prst="ellipse">
+              <a:avLst/>
+            </a:prstGeom>
+            <a:noFill/>
+            <a:ln w="57150">
+              <a:solidFill>
+                <a:srgbClr val="FF0000"/>
+              </a:solidFill>
+            </a:ln>
+          </p:spPr>
+          <p:style>
+            <a:lnRef idx="2">
+              <a:schemeClr val="accent1">
+                <a:shade val="50000"/>
+              </a:schemeClr>
+            </a:lnRef>
+            <a:fillRef idx="1">
+              <a:schemeClr val="accent1"/>
+            </a:fillRef>
+            <a:effectRef idx="0">
+              <a:schemeClr val="accent1"/>
+            </a:effectRef>
+            <a:fontRef idx="minor">
+              <a:schemeClr val="lt1"/>
+            </a:fontRef>
+          </p:style>
+          <p:txBody>
+            <a:bodyPr rtlCol="0" anchor="ctr"/>
+            <a:lstStyle/>
+            <a:p>
+              <a:pPr algn="ctr"/>
+              <a:endParaRPr lang="nl-BE"/>
+            </a:p>
+          </p:txBody>
+        </p:sp>
+      </p:grpSp>
+      <p:pic>
+        <p:nvPicPr>
+          <p:cNvPr id="1030" name="Picture 6"/>
+          <p:cNvPicPr>
+            <a:picLocks noChangeAspect="1" noChangeArrowheads="1"/>
+          </p:cNvPicPr>
+          <p:nvPr/>
+        </p:nvPicPr>
+        <p:blipFill rotWithShape="1">
+          <a:blip r:embed="rId5" cstate="print">
+            <a:extLst>
+              <a:ext uri="{28A0092B-C50C-407E-A947-70E740481C1C}">
+                <a14:useLocalDpi xmlns:a14="http://schemas.microsoft.com/office/drawing/2010/main" val="0"/>
+              </a:ext>
+            </a:extLst>
+          </a:blip>
+          <a:srcRect t="34020" r="13438" b="6429"/>
+          <a:stretch/>
+        </p:blipFill>
+        <p:spPr bwMode="auto">
+          <a:xfrm>
+            <a:off x="1979712" y="1302016"/>
+            <a:ext cx="4896544" cy="3927184"/>
+          </a:xfrm>
+          <a:prstGeom prst="rect">
+            <a:avLst/>
+          </a:prstGeom>
+          <a:noFill/>
+          <a:ln>
+            <a:noFill/>
+          </a:ln>
+          <a:extLst>
+            <a:ext uri="{909E8E84-426E-40DD-AFC4-6F175D3DCCD1}">
+              <a14:hiddenFill xmlns:a14="http://schemas.microsoft.com/office/drawing/2010/main">
+                <a:solidFill>
+                  <a:schemeClr val="accent1"/>
+                </a:solidFill>
+              </a14:hiddenFill>
+            </a:ext>
+            <a:ext uri="{91240B29-F687-4F45-9708-019B960494DF}">
+              <a14:hiddenLine xmlns:a14="http://schemas.microsoft.com/office/drawing/2010/main" w="9525">
+                <a:solidFill>
+                  <a:schemeClr val="tx1"/>
+                </a:solidFill>
+                <a:miter lim="800000"/>
+                <a:headEnd/>
+                <a:tailEnd/>
+              </a14:hiddenLine>
+            </a:ext>
+          </a:extLst>
+        </p:spPr>
+      </p:pic>
+      <p:sp>
+        <p:nvSpPr>
+          <p:cNvPr id="9" name="Rectangle 8"/>
+          <p:cNvSpPr/>
+          <p:nvPr/>
+        </p:nvSpPr>
+        <p:spPr>
+          <a:xfrm>
+            <a:off x="3537987" y="5517232"/>
+            <a:ext cx="1903086" cy="923330"/>
+          </a:xfrm>
+          <a:prstGeom prst="rect">
+            <a:avLst/>
+          </a:prstGeom>
+          <a:noFill/>
+        </p:spPr>
+        <p:txBody>
+          <a:bodyPr wrap="none" lIns="91440" tIns="45720" rIns="91440" bIns="45720">
+            <a:spAutoFit/>
+          </a:bodyPr>
+          <a:lstStyle/>
+          <a:p>
+            <a:pPr algn="ctr"/>
+            <a:r>
+              <a:rPr lang="en-US" sz="5400" b="1" cap="none" spc="0" dirty="0" smtClean="0">
+                <a:ln w="10541" cmpd="sng">
+                  <a:solidFill>
+                    <a:srgbClr val="7D7D7D">
+                      <a:tint val="100000"/>
+                      <a:shade val="100000"/>
+                      <a:satMod val="110000"/>
+                    </a:srgbClr>
+                  </a:solidFill>
+                  <a:prstDash val="solid"/>
+                </a:ln>
+                <a:gradFill>
+                  <a:gsLst>
+                    <a:gs pos="0">
+                      <a:srgbClr val="FFFFFF">
+                        <a:tint val="40000"/>
+                        <a:satMod val="250000"/>
+                      </a:srgbClr>
+                    </a:gs>
+                    <a:gs pos="9000">
+                      <a:srgbClr val="FFFFFF">
+                        <a:tint val="52000"/>
+                        <a:satMod val="300000"/>
+                      </a:srgbClr>
+                    </a:gs>
+                    <a:gs pos="50000">
+                      <a:srgbClr val="FFFFFF">
+                        <a:shade val="20000"/>
+                        <a:satMod val="300000"/>
+                      </a:srgbClr>
+                    </a:gs>
+                    <a:gs pos="79000">
+                      <a:srgbClr val="FFFFFF">
+                        <a:tint val="52000"/>
+                        <a:satMod val="300000"/>
+                      </a:srgbClr>
+                    </a:gs>
+                    <a:gs pos="100000">
+                      <a:srgbClr val="FFFFFF">
+                        <a:tint val="40000"/>
+                        <a:satMod val="250000"/>
+                      </a:srgbClr>
+                    </a:gs>
+                  </a:gsLst>
+                  <a:lin ang="5400000"/>
+                </a:gradFill>
+                <a:effectLst/>
+              </a:rPr>
+              <a:t>Demo</a:t>
+            </a:r>
+            <a:endParaRPr lang="en-US" sz="5400" b="1" cap="none" spc="0" dirty="0">
+              <a:ln w="10541" cmpd="sng">
+                <a:solidFill>
+                  <a:srgbClr val="7D7D7D">
+                    <a:tint val="100000"/>
+                    <a:shade val="100000"/>
+                    <a:satMod val="110000"/>
+                  </a:srgbClr>
+                </a:solidFill>
+                <a:prstDash val="solid"/>
+              </a:ln>
+              <a:gradFill>
+                <a:gsLst>
+                  <a:gs pos="0">
+                    <a:srgbClr val="FFFFFF">
+                      <a:tint val="40000"/>
+                      <a:satMod val="250000"/>
+                    </a:srgbClr>
+                  </a:gs>
+                  <a:gs pos="9000">
+                    <a:srgbClr val="FFFFFF">
+                      <a:tint val="52000"/>
+                      <a:satMod val="300000"/>
+                    </a:srgbClr>
+                  </a:gs>
+                  <a:gs pos="50000">
+                    <a:srgbClr val="FFFFFF">
+                      <a:shade val="20000"/>
+                      <a:satMod val="300000"/>
+                    </a:srgbClr>
+                  </a:gs>
+                  <a:gs pos="79000">
+                    <a:srgbClr val="FFFFFF">
+                      <a:tint val="52000"/>
+                      <a:satMod val="300000"/>
+                    </a:srgbClr>
+                  </a:gs>
+                  <a:gs pos="100000">
+                    <a:srgbClr val="FFFFFF">
+                      <a:tint val="40000"/>
+                      <a:satMod val="250000"/>
+                    </a:srgbClr>
+                  </a:gs>
+                </a:gsLst>
+                <a:lin ang="5400000"/>
+              </a:gradFill>
+              <a:effectLst/>
+            </a:endParaRPr>
           </a:p>
         </p:txBody>
       </p:sp>
@@ -5586,9 +9396,547 @@
   <p:timing>
     <p:tnLst>
       <p:par>
-        <p:cTn id="1" dur="indefinite" restart="never" nodeType="tmRoot"/>
+        <p:cTn id="1" dur="indefinite" restart="never" nodeType="tmRoot">
+          <p:childTnLst>
+            <p:seq concurrent="1" nextAc="seek">
+              <p:cTn id="2" dur="indefinite" nodeType="mainSeq">
+                <p:childTnLst>
+                  <p:par>
+                    <p:cTn id="3" fill="hold">
+                      <p:stCondLst>
+                        <p:cond delay="indefinite"/>
+                      </p:stCondLst>
+                      <p:childTnLst>
+                        <p:par>
+                          <p:cTn id="4" fill="hold">
+                            <p:stCondLst>
+                              <p:cond delay="0"/>
+                            </p:stCondLst>
+                            <p:childTnLst>
+                              <p:par>
+                                <p:cTn id="5" presetID="10" presetClass="entr" presetSubtype="0" fill="hold" nodeType="clickEffect">
+                                  <p:stCondLst>
+                                    <p:cond delay="0"/>
+                                  </p:stCondLst>
+                                  <p:childTnLst>
+                                    <p:set>
+                                      <p:cBhvr>
+                                        <p:cTn id="6" dur="1" fill="hold">
+                                          <p:stCondLst>
+                                            <p:cond delay="0"/>
+                                          </p:stCondLst>
+                                        </p:cTn>
+                                        <p:tgtEl>
+                                          <p:spTgt spid="1028"/>
+                                        </p:tgtEl>
+                                        <p:attrNameLst>
+                                          <p:attrName>style.visibility</p:attrName>
+                                        </p:attrNameLst>
+                                      </p:cBhvr>
+                                      <p:to>
+                                        <p:strVal val="visible"/>
+                                      </p:to>
+                                    </p:set>
+                                    <p:animEffect transition="in" filter="fade">
+                                      <p:cBhvr>
+                                        <p:cTn id="7" dur="500"/>
+                                        <p:tgtEl>
+                                          <p:spTgt spid="1028"/>
+                                        </p:tgtEl>
+                                      </p:cBhvr>
+                                    </p:animEffect>
+                                  </p:childTnLst>
+                                </p:cTn>
+                              </p:par>
+                            </p:childTnLst>
+                          </p:cTn>
+                        </p:par>
+                      </p:childTnLst>
+                    </p:cTn>
+                  </p:par>
+                  <p:par>
+                    <p:cTn id="8" fill="hold">
+                      <p:stCondLst>
+                        <p:cond delay="indefinite"/>
+                      </p:stCondLst>
+                      <p:childTnLst>
+                        <p:par>
+                          <p:cTn id="9" fill="hold">
+                            <p:stCondLst>
+                              <p:cond delay="0"/>
+                            </p:stCondLst>
+                            <p:childTnLst>
+                              <p:par>
+                                <p:cTn id="10" presetID="10" presetClass="entr" presetSubtype="0" fill="hold" nodeType="clickEffect">
+                                  <p:stCondLst>
+                                    <p:cond delay="0"/>
+                                  </p:stCondLst>
+                                  <p:childTnLst>
+                                    <p:set>
+                                      <p:cBhvr>
+                                        <p:cTn id="11" dur="1" fill="hold">
+                                          <p:stCondLst>
+                                            <p:cond delay="0"/>
+                                          </p:stCondLst>
+                                        </p:cTn>
+                                        <p:tgtEl>
+                                          <p:spTgt spid="5"/>
+                                        </p:tgtEl>
+                                        <p:attrNameLst>
+                                          <p:attrName>style.visibility</p:attrName>
+                                        </p:attrNameLst>
+                                      </p:cBhvr>
+                                      <p:to>
+                                        <p:strVal val="visible"/>
+                                      </p:to>
+                                    </p:set>
+                                    <p:animEffect transition="in" filter="fade">
+                                      <p:cBhvr>
+                                        <p:cTn id="12" dur="500"/>
+                                        <p:tgtEl>
+                                          <p:spTgt spid="5"/>
+                                        </p:tgtEl>
+                                      </p:cBhvr>
+                                    </p:animEffect>
+                                  </p:childTnLst>
+                                </p:cTn>
+                              </p:par>
+                              <p:par>
+                                <p:cTn id="13" presetID="10" presetClass="exit" presetSubtype="0" fill="hold" nodeType="withEffect">
+                                  <p:stCondLst>
+                                    <p:cond delay="0"/>
+                                  </p:stCondLst>
+                                  <p:childTnLst>
+                                    <p:animEffect transition="out" filter="fade">
+                                      <p:cBhvr>
+                                        <p:cTn id="14" dur="500"/>
+                                        <p:tgtEl>
+                                          <p:spTgt spid="1028"/>
+                                        </p:tgtEl>
+                                      </p:cBhvr>
+                                    </p:animEffect>
+                                    <p:set>
+                                      <p:cBhvr>
+                                        <p:cTn id="15" dur="1" fill="hold">
+                                          <p:stCondLst>
+                                            <p:cond delay="499"/>
+                                          </p:stCondLst>
+                                        </p:cTn>
+                                        <p:tgtEl>
+                                          <p:spTgt spid="1028"/>
+                                        </p:tgtEl>
+                                        <p:attrNameLst>
+                                          <p:attrName>style.visibility</p:attrName>
+                                        </p:attrNameLst>
+                                      </p:cBhvr>
+                                      <p:to>
+                                        <p:strVal val="hidden"/>
+                                      </p:to>
+                                    </p:set>
+                                  </p:childTnLst>
+                                </p:cTn>
+                              </p:par>
+                            </p:childTnLst>
+                          </p:cTn>
+                        </p:par>
+                      </p:childTnLst>
+                    </p:cTn>
+                  </p:par>
+                  <p:par>
+                    <p:cTn id="16" fill="hold">
+                      <p:stCondLst>
+                        <p:cond delay="indefinite"/>
+                      </p:stCondLst>
+                      <p:childTnLst>
+                        <p:par>
+                          <p:cTn id="17" fill="hold">
+                            <p:stCondLst>
+                              <p:cond delay="0"/>
+                            </p:stCondLst>
+                            <p:childTnLst>
+                              <p:par>
+                                <p:cTn id="18" presetID="10" presetClass="entr" presetSubtype="0" fill="hold" nodeType="clickEffect">
+                                  <p:stCondLst>
+                                    <p:cond delay="0"/>
+                                  </p:stCondLst>
+                                  <p:childTnLst>
+                                    <p:set>
+                                      <p:cBhvr>
+                                        <p:cTn id="19" dur="1" fill="hold">
+                                          <p:stCondLst>
+                                            <p:cond delay="0"/>
+                                          </p:stCondLst>
+                                        </p:cTn>
+                                        <p:tgtEl>
+                                          <p:spTgt spid="1030"/>
+                                        </p:tgtEl>
+                                        <p:attrNameLst>
+                                          <p:attrName>style.visibility</p:attrName>
+                                        </p:attrNameLst>
+                                      </p:cBhvr>
+                                      <p:to>
+                                        <p:strVal val="visible"/>
+                                      </p:to>
+                                    </p:set>
+                                    <p:animEffect transition="in" filter="fade">
+                                      <p:cBhvr>
+                                        <p:cTn id="20" dur="500"/>
+                                        <p:tgtEl>
+                                          <p:spTgt spid="1030"/>
+                                        </p:tgtEl>
+                                      </p:cBhvr>
+                                    </p:animEffect>
+                                  </p:childTnLst>
+                                </p:cTn>
+                              </p:par>
+                              <p:par>
+                                <p:cTn id="21" presetID="10" presetClass="exit" presetSubtype="0" fill="hold" nodeType="withEffect">
+                                  <p:stCondLst>
+                                    <p:cond delay="0"/>
+                                  </p:stCondLst>
+                                  <p:childTnLst>
+                                    <p:animEffect transition="out" filter="fade">
+                                      <p:cBhvr>
+                                        <p:cTn id="22" dur="500"/>
+                                        <p:tgtEl>
+                                          <p:spTgt spid="5"/>
+                                        </p:tgtEl>
+                                      </p:cBhvr>
+                                    </p:animEffect>
+                                    <p:set>
+                                      <p:cBhvr>
+                                        <p:cTn id="23" dur="1" fill="hold">
+                                          <p:stCondLst>
+                                            <p:cond delay="499"/>
+                                          </p:stCondLst>
+                                        </p:cTn>
+                                        <p:tgtEl>
+                                          <p:spTgt spid="5"/>
+                                        </p:tgtEl>
+                                        <p:attrNameLst>
+                                          <p:attrName>style.visibility</p:attrName>
+                                        </p:attrNameLst>
+                                      </p:cBhvr>
+                                      <p:to>
+                                        <p:strVal val="hidden"/>
+                                      </p:to>
+                                    </p:set>
+                                  </p:childTnLst>
+                                </p:cTn>
+                              </p:par>
+                            </p:childTnLst>
+                          </p:cTn>
+                        </p:par>
+                      </p:childTnLst>
+                    </p:cTn>
+                  </p:par>
+                  <p:par>
+                    <p:cTn id="24" fill="hold">
+                      <p:stCondLst>
+                        <p:cond delay="indefinite"/>
+                      </p:stCondLst>
+                      <p:childTnLst>
+                        <p:par>
+                          <p:cTn id="25" fill="hold">
+                            <p:stCondLst>
+                              <p:cond delay="0"/>
+                            </p:stCondLst>
+                            <p:childTnLst>
+                              <p:par>
+                                <p:cTn id="26" presetID="10" presetClass="entr" presetSubtype="0" fill="hold" grpId="0" nodeType="clickEffect">
+                                  <p:stCondLst>
+                                    <p:cond delay="0"/>
+                                  </p:stCondLst>
+                                  <p:childTnLst>
+                                    <p:set>
+                                      <p:cBhvr>
+                                        <p:cTn id="27" dur="1" fill="hold">
+                                          <p:stCondLst>
+                                            <p:cond delay="0"/>
+                                          </p:stCondLst>
+                                        </p:cTn>
+                                        <p:tgtEl>
+                                          <p:spTgt spid="9"/>
+                                        </p:tgtEl>
+                                        <p:attrNameLst>
+                                          <p:attrName>style.visibility</p:attrName>
+                                        </p:attrNameLst>
+                                      </p:cBhvr>
+                                      <p:to>
+                                        <p:strVal val="visible"/>
+                                      </p:to>
+                                    </p:set>
+                                    <p:animEffect transition="in" filter="fade">
+                                      <p:cBhvr>
+                                        <p:cTn id="28" dur="500"/>
+                                        <p:tgtEl>
+                                          <p:spTgt spid="9"/>
+                                        </p:tgtEl>
+                                      </p:cBhvr>
+                                    </p:animEffect>
+                                  </p:childTnLst>
+                                </p:cTn>
+                              </p:par>
+                            </p:childTnLst>
+                          </p:cTn>
+                        </p:par>
+                      </p:childTnLst>
+                    </p:cTn>
+                  </p:par>
+                  <p:par>
+                    <p:cTn id="29" fill="hold">
+                      <p:stCondLst>
+                        <p:cond delay="indefinite"/>
+                      </p:stCondLst>
+                      <p:childTnLst>
+                        <p:par>
+                          <p:cTn id="30" fill="hold">
+                            <p:stCondLst>
+                              <p:cond delay="0"/>
+                            </p:stCondLst>
+                            <p:childTnLst>
+                              <p:par>
+                                <p:cTn id="31" presetID="10" presetClass="entr" presetSubtype="0" fill="hold" grpId="0" nodeType="clickEffect">
+                                  <p:stCondLst>
+                                    <p:cond delay="0"/>
+                                  </p:stCondLst>
+                                  <p:childTnLst>
+                                    <p:set>
+                                      <p:cBhvr>
+                                        <p:cTn id="32" dur="1" fill="hold">
+                                          <p:stCondLst>
+                                            <p:cond delay="0"/>
+                                          </p:stCondLst>
+                                        </p:cTn>
+                                        <p:tgtEl>
+                                          <p:spTgt spid="3">
+                                            <p:txEl>
+                                              <p:pRg st="0" end="0"/>
+                                            </p:txEl>
+                                          </p:spTgt>
+                                        </p:tgtEl>
+                                        <p:attrNameLst>
+                                          <p:attrName>style.visibility</p:attrName>
+                                        </p:attrNameLst>
+                                      </p:cBhvr>
+                                      <p:to>
+                                        <p:strVal val="visible"/>
+                                      </p:to>
+                                    </p:set>
+                                    <p:animEffect transition="in" filter="fade">
+                                      <p:cBhvr>
+                                        <p:cTn id="33" dur="500"/>
+                                        <p:tgtEl>
+                                          <p:spTgt spid="3">
+                                            <p:txEl>
+                                              <p:pRg st="0" end="0"/>
+                                            </p:txEl>
+                                          </p:spTgt>
+                                        </p:tgtEl>
+                                      </p:cBhvr>
+                                    </p:animEffect>
+                                  </p:childTnLst>
+                                </p:cTn>
+                              </p:par>
+                              <p:par>
+                                <p:cTn id="34" presetID="10" presetClass="exit" presetSubtype="0" fill="hold" nodeType="withEffect">
+                                  <p:stCondLst>
+                                    <p:cond delay="0"/>
+                                  </p:stCondLst>
+                                  <p:childTnLst>
+                                    <p:animEffect transition="out" filter="fade">
+                                      <p:cBhvr>
+                                        <p:cTn id="35" dur="500"/>
+                                        <p:tgtEl>
+                                          <p:spTgt spid="1030"/>
+                                        </p:tgtEl>
+                                      </p:cBhvr>
+                                    </p:animEffect>
+                                    <p:set>
+                                      <p:cBhvr>
+                                        <p:cTn id="36" dur="1" fill="hold">
+                                          <p:stCondLst>
+                                            <p:cond delay="499"/>
+                                          </p:stCondLst>
+                                        </p:cTn>
+                                        <p:tgtEl>
+                                          <p:spTgt spid="1030"/>
+                                        </p:tgtEl>
+                                        <p:attrNameLst>
+                                          <p:attrName>style.visibility</p:attrName>
+                                        </p:attrNameLst>
+                                      </p:cBhvr>
+                                      <p:to>
+                                        <p:strVal val="hidden"/>
+                                      </p:to>
+                                    </p:set>
+                                  </p:childTnLst>
+                                </p:cTn>
+                              </p:par>
+                              <p:par>
+                                <p:cTn id="37" presetID="10" presetClass="exit" presetSubtype="0" fill="hold" grpId="1" nodeType="withEffect">
+                                  <p:stCondLst>
+                                    <p:cond delay="0"/>
+                                  </p:stCondLst>
+                                  <p:childTnLst>
+                                    <p:animEffect transition="out" filter="fade">
+                                      <p:cBhvr>
+                                        <p:cTn id="38" dur="500"/>
+                                        <p:tgtEl>
+                                          <p:spTgt spid="9"/>
+                                        </p:tgtEl>
+                                      </p:cBhvr>
+                                    </p:animEffect>
+                                    <p:set>
+                                      <p:cBhvr>
+                                        <p:cTn id="39" dur="1" fill="hold">
+                                          <p:stCondLst>
+                                            <p:cond delay="499"/>
+                                          </p:stCondLst>
+                                        </p:cTn>
+                                        <p:tgtEl>
+                                          <p:spTgt spid="9"/>
+                                        </p:tgtEl>
+                                        <p:attrNameLst>
+                                          <p:attrName>style.visibility</p:attrName>
+                                        </p:attrNameLst>
+                                      </p:cBhvr>
+                                      <p:to>
+                                        <p:strVal val="hidden"/>
+                                      </p:to>
+                                    </p:set>
+                                  </p:childTnLst>
+                                </p:cTn>
+                              </p:par>
+                            </p:childTnLst>
+                          </p:cTn>
+                        </p:par>
+                      </p:childTnLst>
+                    </p:cTn>
+                  </p:par>
+                  <p:par>
+                    <p:cTn id="40" fill="hold">
+                      <p:stCondLst>
+                        <p:cond delay="indefinite"/>
+                      </p:stCondLst>
+                      <p:childTnLst>
+                        <p:par>
+                          <p:cTn id="41" fill="hold">
+                            <p:stCondLst>
+                              <p:cond delay="0"/>
+                            </p:stCondLst>
+                            <p:childTnLst>
+                              <p:par>
+                                <p:cTn id="42" presetID="10" presetClass="entr" presetSubtype="0" fill="hold" nodeType="clickEffect">
+                                  <p:stCondLst>
+                                    <p:cond delay="0"/>
+                                  </p:stCondLst>
+                                  <p:childTnLst>
+                                    <p:set>
+                                      <p:cBhvr>
+                                        <p:cTn id="43" dur="1" fill="hold">
+                                          <p:stCondLst>
+                                            <p:cond delay="0"/>
+                                          </p:stCondLst>
+                                        </p:cTn>
+                                        <p:tgtEl>
+                                          <p:spTgt spid="1028"/>
+                                        </p:tgtEl>
+                                        <p:attrNameLst>
+                                          <p:attrName>style.visibility</p:attrName>
+                                        </p:attrNameLst>
+                                      </p:cBhvr>
+                                      <p:to>
+                                        <p:strVal val="visible"/>
+                                      </p:to>
+                                    </p:set>
+                                    <p:animEffect transition="in" filter="fade">
+                                      <p:cBhvr>
+                                        <p:cTn id="44" dur="500"/>
+                                        <p:tgtEl>
+                                          <p:spTgt spid="1028"/>
+                                        </p:tgtEl>
+                                      </p:cBhvr>
+                                    </p:animEffect>
+                                  </p:childTnLst>
+                                </p:cTn>
+                              </p:par>
+                              <p:par>
+                                <p:cTn id="45" presetID="10" presetClass="exit" presetSubtype="0" fill="hold" grpId="1" nodeType="withEffect">
+                                  <p:stCondLst>
+                                    <p:cond delay="0"/>
+                                  </p:stCondLst>
+                                  <p:childTnLst>
+                                    <p:animEffect transition="out" filter="fade">
+                                      <p:cBhvr>
+                                        <p:cTn id="46" dur="500"/>
+                                        <p:tgtEl>
+                                          <p:spTgt spid="3">
+                                            <p:txEl>
+                                              <p:pRg st="0" end="0"/>
+                                            </p:txEl>
+                                          </p:spTgt>
+                                        </p:tgtEl>
+                                      </p:cBhvr>
+                                    </p:animEffect>
+                                    <p:set>
+                                      <p:cBhvr>
+                                        <p:cTn id="47" dur="1" fill="hold">
+                                          <p:stCondLst>
+                                            <p:cond delay="499"/>
+                                          </p:stCondLst>
+                                        </p:cTn>
+                                        <p:tgtEl>
+                                          <p:spTgt spid="3">
+                                            <p:txEl>
+                                              <p:pRg st="0" end="0"/>
+                                            </p:txEl>
+                                          </p:spTgt>
+                                        </p:tgtEl>
+                                        <p:attrNameLst>
+                                          <p:attrName>style.visibility</p:attrName>
+                                        </p:attrNameLst>
+                                      </p:cBhvr>
+                                      <p:to>
+                                        <p:strVal val="hidden"/>
+                                      </p:to>
+                                    </p:set>
+                                  </p:childTnLst>
+                                </p:cTn>
+                              </p:par>
+                            </p:childTnLst>
+                          </p:cTn>
+                        </p:par>
+                      </p:childTnLst>
+                    </p:cTn>
+                  </p:par>
+                </p:childTnLst>
+              </p:cTn>
+              <p:prevCondLst>
+                <p:cond evt="onPrev" delay="0">
+                  <p:tgtEl>
+                    <p:sldTgt/>
+                  </p:tgtEl>
+                </p:cond>
+              </p:prevCondLst>
+              <p:nextCondLst>
+                <p:cond evt="onNext" delay="0">
+                  <p:tgtEl>
+                    <p:sldTgt/>
+                  </p:tgtEl>
+                </p:cond>
+              </p:nextCondLst>
+            </p:seq>
+          </p:childTnLst>
+        </p:cTn>
       </p:par>
     </p:tnLst>
+    <p:bldLst>
+      <p:bldP spid="3" grpId="0" build="p"/>
+      <p:bldP spid="3" grpId="1" build="p"/>
+      <p:bldP spid="9" grpId="0"/>
+      <p:bldP spid="9" grpId="1"/>
+    </p:bldLst>
   </p:timing>
 </p:sld>
 </file>
@@ -5648,7 +9996,225 @@
           <a:bodyPr/>
           <a:lstStyle/>
           <a:p>
-            <a:endParaRPr lang="nl-BE"/>
+            <a:r>
+              <a:rPr lang="nl-BE" dirty="0" err="1" smtClean="0"/>
+              <a:t>Naming</a:t>
+            </a:r>
+            <a:r>
+              <a:rPr lang="nl-BE" dirty="0" smtClean="0"/>
+              <a:t> </a:t>
+            </a:r>
+            <a:r>
+              <a:rPr lang="nl-BE" dirty="0" err="1" smtClean="0"/>
+              <a:t>conventions</a:t>
+            </a:r>
+            <a:r>
+              <a:rPr lang="nl-BE" dirty="0" smtClean="0"/>
+              <a:t> (</a:t>
+            </a:r>
+            <a:r>
+              <a:rPr lang="nl-BE" dirty="0" err="1" smtClean="0"/>
+              <a:t>ReSharper</a:t>
+            </a:r>
+            <a:r>
+              <a:rPr lang="nl-BE" dirty="0" smtClean="0"/>
+              <a:t> ?)</a:t>
+            </a:r>
+          </a:p>
+          <a:p>
+            <a:r>
+              <a:rPr lang="nl-BE" dirty="0" smtClean="0"/>
+              <a:t>Enkel algemeen herkenbare afkortingen (http, ICT, </a:t>
+            </a:r>
+            <a:r>
+              <a:rPr lang="nl-BE" dirty="0" err="1" smtClean="0"/>
+              <a:t>id</a:t>
+            </a:r>
+            <a:r>
+              <a:rPr lang="nl-BE" dirty="0" smtClean="0"/>
+              <a:t>, etc.)</a:t>
+            </a:r>
+          </a:p>
+          <a:p>
+            <a:r>
+              <a:rPr lang="nl-BE" dirty="0" smtClean="0"/>
+              <a:t>Bij gebruik </a:t>
+            </a:r>
+            <a:r>
+              <a:rPr lang="nl-BE" dirty="0" err="1" smtClean="0"/>
+              <a:t>pattern</a:t>
+            </a:r>
+            <a:r>
+              <a:rPr lang="nl-BE" dirty="0"/>
+              <a:t> </a:t>
+            </a:r>
+            <a:r>
+              <a:rPr lang="nl-BE" dirty="0" smtClean="0">
+                <a:sym typeface="Wingdings" panose="05000000000000000000" pitchFamily="2" charset="2"/>
+              </a:rPr>
+              <a:t> </a:t>
+            </a:r>
+            <a:r>
+              <a:rPr lang="nl-BE" dirty="0" err="1" smtClean="0">
+                <a:sym typeface="Wingdings" panose="05000000000000000000" pitchFamily="2" charset="2"/>
+              </a:rPr>
+              <a:t>pattern</a:t>
+            </a:r>
+            <a:r>
+              <a:rPr lang="nl-BE" dirty="0" smtClean="0">
+                <a:sym typeface="Wingdings" panose="05000000000000000000" pitchFamily="2" charset="2"/>
+              </a:rPr>
+              <a:t>-naam (</a:t>
+            </a:r>
+            <a:r>
+              <a:rPr lang="nl-BE" dirty="0" err="1" smtClean="0">
+                <a:sym typeface="Wingdings" panose="05000000000000000000" pitchFamily="2" charset="2"/>
+              </a:rPr>
+              <a:t>Factory</a:t>
+            </a:r>
+            <a:r>
+              <a:rPr lang="nl-BE" dirty="0" smtClean="0">
+                <a:sym typeface="Wingdings" panose="05000000000000000000" pitchFamily="2" charset="2"/>
+              </a:rPr>
+              <a:t>, </a:t>
+            </a:r>
+            <a:r>
+              <a:rPr lang="nl-BE" dirty="0" err="1" smtClean="0">
+                <a:sym typeface="Wingdings" panose="05000000000000000000" pitchFamily="2" charset="2"/>
+              </a:rPr>
+              <a:t>Facade</a:t>
+            </a:r>
+            <a:r>
+              <a:rPr lang="nl-BE" dirty="0" smtClean="0">
+                <a:sym typeface="Wingdings" panose="05000000000000000000" pitchFamily="2" charset="2"/>
+              </a:rPr>
+              <a:t>, Mediator…)</a:t>
+            </a:r>
+          </a:p>
+        </p:txBody>
+      </p:sp>
+      <p:sp>
+        <p:nvSpPr>
+          <p:cNvPr id="4" name="Rectangle 3"/>
+          <p:cNvSpPr/>
+          <p:nvPr/>
+        </p:nvSpPr>
+        <p:spPr>
+          <a:xfrm>
+            <a:off x="3537987" y="5517232"/>
+            <a:ext cx="1903086" cy="923330"/>
+          </a:xfrm>
+          <a:prstGeom prst="rect">
+            <a:avLst/>
+          </a:prstGeom>
+          <a:noFill/>
+        </p:spPr>
+        <p:txBody>
+          <a:bodyPr wrap="none" lIns="91440" tIns="45720" rIns="91440" bIns="45720">
+            <a:spAutoFit/>
+          </a:bodyPr>
+          <a:lstStyle/>
+          <a:p>
+            <a:pPr algn="ctr"/>
+            <a:r>
+              <a:rPr lang="en-US" sz="5400" b="1" cap="none" spc="0" dirty="0" smtClean="0">
+                <a:ln w="10541" cmpd="sng">
+                  <a:solidFill>
+                    <a:srgbClr val="7D7D7D">
+                      <a:tint val="100000"/>
+                      <a:shade val="100000"/>
+                      <a:satMod val="110000"/>
+                    </a:srgbClr>
+                  </a:solidFill>
+                  <a:prstDash val="solid"/>
+                </a:ln>
+                <a:gradFill>
+                  <a:gsLst>
+                    <a:gs pos="0">
+                      <a:srgbClr val="FFFFFF">
+                        <a:tint val="40000"/>
+                        <a:satMod val="250000"/>
+                      </a:srgbClr>
+                    </a:gs>
+                    <a:gs pos="9000">
+                      <a:srgbClr val="FFFFFF">
+                        <a:tint val="52000"/>
+                        <a:satMod val="300000"/>
+                      </a:srgbClr>
+                    </a:gs>
+                    <a:gs pos="50000">
+                      <a:srgbClr val="FFFFFF">
+                        <a:shade val="20000"/>
+                        <a:satMod val="300000"/>
+                      </a:srgbClr>
+                    </a:gs>
+                    <a:gs pos="79000">
+                      <a:srgbClr val="FFFFFF">
+                        <a:tint val="52000"/>
+                        <a:satMod val="300000"/>
+                      </a:srgbClr>
+                    </a:gs>
+                    <a:gs pos="100000">
+                      <a:srgbClr val="FFFFFF">
+                        <a:tint val="40000"/>
+                        <a:satMod val="250000"/>
+                      </a:srgbClr>
+                    </a:gs>
+                  </a:gsLst>
+                  <a:lin ang="5400000"/>
+                </a:gradFill>
+                <a:effectLst/>
+              </a:rPr>
+              <a:t>Demo</a:t>
+            </a:r>
+            <a:endParaRPr lang="en-US" sz="5400" b="1" cap="none" spc="0" dirty="0">
+              <a:ln w="10541" cmpd="sng">
+                <a:solidFill>
+                  <a:srgbClr val="7D7D7D">
+                    <a:tint val="100000"/>
+                    <a:shade val="100000"/>
+                    <a:satMod val="110000"/>
+                  </a:srgbClr>
+                </a:solidFill>
+                <a:prstDash val="solid"/>
+              </a:ln>
+              <a:gradFill>
+                <a:gsLst>
+                  <a:gs pos="0">
+                    <a:srgbClr val="FFFFFF">
+                      <a:tint val="40000"/>
+                      <a:satMod val="250000"/>
+                    </a:srgbClr>
+                  </a:gs>
+                  <a:gs pos="9000">
+                    <a:srgbClr val="FFFFFF">
+                      <a:tint val="52000"/>
+                      <a:satMod val="300000"/>
+                    </a:srgbClr>
+                  </a:gs>
+                  <a:gs pos="50000">
+                    <a:srgbClr val="FFFFFF">
+                      <a:shade val="20000"/>
+                      <a:satMod val="300000"/>
+                    </a:srgbClr>
+                  </a:gs>
+                  <a:gs pos="79000">
+                    <a:srgbClr val="FFFFFF">
+                      <a:tint val="52000"/>
+                      <a:satMod val="300000"/>
+                    </a:srgbClr>
+                  </a:gs>
+                  <a:gs pos="100000">
+                    <a:srgbClr val="FFFFFF">
+                      <a:tint val="40000"/>
+                      <a:satMod val="250000"/>
+                    </a:srgbClr>
+                  </a:gs>
+                </a:gsLst>
+                <a:lin ang="5400000"/>
+              </a:gradFill>
+              <a:effectLst/>
+            </a:endParaRPr>
           </a:p>
         </p:txBody>
       </p:sp>
@@ -5665,9 +10231,272 @@
   <p:timing>
     <p:tnLst>
       <p:par>
-        <p:cTn id="1" dur="indefinite" restart="never" nodeType="tmRoot"/>
+        <p:cTn id="1" dur="indefinite" restart="never" nodeType="tmRoot">
+          <p:childTnLst>
+            <p:seq concurrent="1" nextAc="seek">
+              <p:cTn id="2" dur="indefinite" nodeType="mainSeq">
+                <p:childTnLst>
+                  <p:par>
+                    <p:cTn id="3" fill="hold">
+                      <p:stCondLst>
+                        <p:cond delay="indefinite"/>
+                      </p:stCondLst>
+                      <p:childTnLst>
+                        <p:par>
+                          <p:cTn id="4" fill="hold">
+                            <p:stCondLst>
+                              <p:cond delay="0"/>
+                            </p:stCondLst>
+                            <p:childTnLst>
+                              <p:par>
+                                <p:cTn id="5" presetID="10" presetClass="entr" presetSubtype="0" fill="hold" grpId="0" nodeType="clickEffect">
+                                  <p:stCondLst>
+                                    <p:cond delay="0"/>
+                                  </p:stCondLst>
+                                  <p:childTnLst>
+                                    <p:set>
+                                      <p:cBhvr>
+                                        <p:cTn id="6" dur="1" fill="hold">
+                                          <p:stCondLst>
+                                            <p:cond delay="0"/>
+                                          </p:stCondLst>
+                                        </p:cTn>
+                                        <p:tgtEl>
+                                          <p:spTgt spid="3">
+                                            <p:txEl>
+                                              <p:pRg st="0" end="0"/>
+                                            </p:txEl>
+                                          </p:spTgt>
+                                        </p:tgtEl>
+                                        <p:attrNameLst>
+                                          <p:attrName>style.visibility</p:attrName>
+                                        </p:attrNameLst>
+                                      </p:cBhvr>
+                                      <p:to>
+                                        <p:strVal val="visible"/>
+                                      </p:to>
+                                    </p:set>
+                                    <p:animEffect transition="in" filter="fade">
+                                      <p:cBhvr>
+                                        <p:cTn id="7" dur="500"/>
+                                        <p:tgtEl>
+                                          <p:spTgt spid="3">
+                                            <p:txEl>
+                                              <p:pRg st="0" end="0"/>
+                                            </p:txEl>
+                                          </p:spTgt>
+                                        </p:tgtEl>
+                                      </p:cBhvr>
+                                    </p:animEffect>
+                                  </p:childTnLst>
+                                </p:cTn>
+                              </p:par>
+                            </p:childTnLst>
+                          </p:cTn>
+                        </p:par>
+                      </p:childTnLst>
+                    </p:cTn>
+                  </p:par>
+                  <p:par>
+                    <p:cTn id="8" fill="hold">
+                      <p:stCondLst>
+                        <p:cond delay="indefinite"/>
+                      </p:stCondLst>
+                      <p:childTnLst>
+                        <p:par>
+                          <p:cTn id="9" fill="hold">
+                            <p:stCondLst>
+                              <p:cond delay="0"/>
+                            </p:stCondLst>
+                            <p:childTnLst>
+                              <p:par>
+                                <p:cTn id="10" presetID="10" presetClass="entr" presetSubtype="0" fill="hold" grpId="0" nodeType="clickEffect">
+                                  <p:stCondLst>
+                                    <p:cond delay="0"/>
+                                  </p:stCondLst>
+                                  <p:childTnLst>
+                                    <p:set>
+                                      <p:cBhvr>
+                                        <p:cTn id="11" dur="1" fill="hold">
+                                          <p:stCondLst>
+                                            <p:cond delay="0"/>
+                                          </p:stCondLst>
+                                        </p:cTn>
+                                        <p:tgtEl>
+                                          <p:spTgt spid="3">
+                                            <p:txEl>
+                                              <p:pRg st="1" end="1"/>
+                                            </p:txEl>
+                                          </p:spTgt>
+                                        </p:tgtEl>
+                                        <p:attrNameLst>
+                                          <p:attrName>style.visibility</p:attrName>
+                                        </p:attrNameLst>
+                                      </p:cBhvr>
+                                      <p:to>
+                                        <p:strVal val="visible"/>
+                                      </p:to>
+                                    </p:set>
+                                    <p:animEffect transition="in" filter="fade">
+                                      <p:cBhvr>
+                                        <p:cTn id="12" dur="500"/>
+                                        <p:tgtEl>
+                                          <p:spTgt spid="3">
+                                            <p:txEl>
+                                              <p:pRg st="1" end="1"/>
+                                            </p:txEl>
+                                          </p:spTgt>
+                                        </p:tgtEl>
+                                      </p:cBhvr>
+                                    </p:animEffect>
+                                  </p:childTnLst>
+                                </p:cTn>
+                              </p:par>
+                            </p:childTnLst>
+                          </p:cTn>
+                        </p:par>
+                      </p:childTnLst>
+                    </p:cTn>
+                  </p:par>
+                  <p:par>
+                    <p:cTn id="13" fill="hold">
+                      <p:stCondLst>
+                        <p:cond delay="indefinite"/>
+                      </p:stCondLst>
+                      <p:childTnLst>
+                        <p:par>
+                          <p:cTn id="14" fill="hold">
+                            <p:stCondLst>
+                              <p:cond delay="0"/>
+                            </p:stCondLst>
+                            <p:childTnLst>
+                              <p:par>
+                                <p:cTn id="15" presetID="10" presetClass="entr" presetSubtype="0" fill="hold" grpId="0" nodeType="clickEffect">
+                                  <p:stCondLst>
+                                    <p:cond delay="0"/>
+                                  </p:stCondLst>
+                                  <p:childTnLst>
+                                    <p:set>
+                                      <p:cBhvr>
+                                        <p:cTn id="16" dur="1" fill="hold">
+                                          <p:stCondLst>
+                                            <p:cond delay="0"/>
+                                          </p:stCondLst>
+                                        </p:cTn>
+                                        <p:tgtEl>
+                                          <p:spTgt spid="3">
+                                            <p:txEl>
+                                              <p:pRg st="2" end="2"/>
+                                            </p:txEl>
+                                          </p:spTgt>
+                                        </p:tgtEl>
+                                        <p:attrNameLst>
+                                          <p:attrName>style.visibility</p:attrName>
+                                        </p:attrNameLst>
+                                      </p:cBhvr>
+                                      <p:to>
+                                        <p:strVal val="visible"/>
+                                      </p:to>
+                                    </p:set>
+                                    <p:animEffect transition="in" filter="fade">
+                                      <p:cBhvr>
+                                        <p:cTn id="17" dur="500"/>
+                                        <p:tgtEl>
+                                          <p:spTgt spid="3">
+                                            <p:txEl>
+                                              <p:pRg st="2" end="2"/>
+                                            </p:txEl>
+                                          </p:spTgt>
+                                        </p:tgtEl>
+                                      </p:cBhvr>
+                                    </p:animEffect>
+                                  </p:childTnLst>
+                                </p:cTn>
+                              </p:par>
+                            </p:childTnLst>
+                          </p:cTn>
+                        </p:par>
+                      </p:childTnLst>
+                    </p:cTn>
+                  </p:par>
+                  <p:par>
+                    <p:cTn id="18" fill="hold">
+                      <p:stCondLst>
+                        <p:cond delay="indefinite"/>
+                      </p:stCondLst>
+                      <p:childTnLst>
+                        <p:par>
+                          <p:cTn id="19" fill="hold">
+                            <p:stCondLst>
+                              <p:cond delay="0"/>
+                            </p:stCondLst>
+                            <p:childTnLst>
+                              <p:par>
+                                <p:cTn id="20" presetID="10" presetClass="entr" presetSubtype="0" fill="hold" grpId="0" nodeType="clickEffect">
+                                  <p:stCondLst>
+                                    <p:cond delay="0"/>
+                                  </p:stCondLst>
+                                  <p:childTnLst>
+                                    <p:set>
+                                      <p:cBhvr>
+                                        <p:cTn id="21" dur="1" fill="hold">
+                                          <p:stCondLst>
+                                            <p:cond delay="0"/>
+                                          </p:stCondLst>
+                                        </p:cTn>
+                                        <p:tgtEl>
+                                          <p:spTgt spid="4"/>
+                                        </p:tgtEl>
+                                        <p:attrNameLst>
+                                          <p:attrName>style.visibility</p:attrName>
+                                        </p:attrNameLst>
+                                      </p:cBhvr>
+                                      <p:to>
+                                        <p:strVal val="visible"/>
+                                      </p:to>
+                                    </p:set>
+                                    <p:animEffect transition="in" filter="fade">
+                                      <p:cBhvr>
+                                        <p:cTn id="22" dur="500"/>
+                                        <p:tgtEl>
+                                          <p:spTgt spid="4"/>
+                                        </p:tgtEl>
+                                      </p:cBhvr>
+                                    </p:animEffect>
+                                  </p:childTnLst>
+                                </p:cTn>
+                              </p:par>
+                            </p:childTnLst>
+                          </p:cTn>
+                        </p:par>
+                      </p:childTnLst>
+                    </p:cTn>
+                  </p:par>
+                </p:childTnLst>
+              </p:cTn>
+              <p:prevCondLst>
+                <p:cond evt="onPrev" delay="0">
+                  <p:tgtEl>
+                    <p:sldTgt/>
+                  </p:tgtEl>
+                </p:cond>
+              </p:prevCondLst>
+              <p:nextCondLst>
+                <p:cond evt="onNext" delay="0">
+                  <p:tgtEl>
+                    <p:sldTgt/>
+                  </p:tgtEl>
+                </p:cond>
+              </p:nextCondLst>
+            </p:seq>
+          </p:childTnLst>
+        </p:cTn>
       </p:par>
     </p:tnLst>
+    <p:bldLst>
+      <p:bldP spid="3" grpId="0" build="p"/>
+      <p:bldP spid="4" grpId="0"/>
+    </p:bldLst>
   </p:timing>
 </p:sld>
 </file>
@@ -5727,7 +10556,177 @@
           <a:bodyPr/>
           <a:lstStyle/>
           <a:p>
-            <a:endParaRPr lang="nl-BE"/>
+            <a:r>
+              <a:rPr lang="nl-BE" dirty="0" smtClean="0"/>
+              <a:t>Single </a:t>
+            </a:r>
+            <a:r>
+              <a:rPr lang="nl-BE" dirty="0" err="1" smtClean="0"/>
+              <a:t>Responsibility</a:t>
+            </a:r>
+            <a:r>
+              <a:rPr lang="nl-BE" dirty="0" smtClean="0"/>
+              <a:t> </a:t>
+            </a:r>
+            <a:r>
+              <a:rPr lang="nl-BE" dirty="0" err="1" smtClean="0"/>
+              <a:t>Principle</a:t>
+            </a:r>
+            <a:endParaRPr lang="nl-BE" dirty="0" smtClean="0"/>
+          </a:p>
+          <a:p>
+            <a:pPr lvl="1"/>
+            <a:r>
+              <a:rPr lang="nl-BE" dirty="0" smtClean="0"/>
+              <a:t>Get – Set</a:t>
+            </a:r>
+          </a:p>
+          <a:p>
+            <a:r>
+              <a:rPr lang="nl-BE" dirty="0" smtClean="0"/>
+              <a:t>Level Of </a:t>
+            </a:r>
+            <a:r>
+              <a:rPr lang="nl-BE" dirty="0" err="1" smtClean="0"/>
+              <a:t>Abstraction</a:t>
+            </a:r>
+            <a:endParaRPr lang="nl-BE" dirty="0" smtClean="0"/>
+          </a:p>
+          <a:p>
+            <a:r>
+              <a:rPr lang="nl-BE" dirty="0" smtClean="0"/>
+              <a:t>Magic strings en </a:t>
+            </a:r>
+            <a:r>
+              <a:rPr lang="nl-BE" dirty="0" err="1" smtClean="0"/>
+              <a:t>numbers</a:t>
+            </a:r>
+            <a:endParaRPr lang="nl-BE" dirty="0"/>
+          </a:p>
+        </p:txBody>
+      </p:sp>
+      <p:sp>
+        <p:nvSpPr>
+          <p:cNvPr id="4" name="Rectangle 3"/>
+          <p:cNvSpPr/>
+          <p:nvPr/>
+        </p:nvSpPr>
+        <p:spPr>
+          <a:xfrm>
+            <a:off x="3537987" y="5517232"/>
+            <a:ext cx="1903086" cy="923330"/>
+          </a:xfrm>
+          <a:prstGeom prst="rect">
+            <a:avLst/>
+          </a:prstGeom>
+          <a:noFill/>
+        </p:spPr>
+        <p:txBody>
+          <a:bodyPr wrap="none" lIns="91440" tIns="45720" rIns="91440" bIns="45720">
+            <a:spAutoFit/>
+          </a:bodyPr>
+          <a:lstStyle/>
+          <a:p>
+            <a:pPr algn="ctr"/>
+            <a:r>
+              <a:rPr lang="en-US" sz="5400" b="1" cap="none" spc="0" dirty="0" smtClean="0">
+                <a:ln w="10541" cmpd="sng">
+                  <a:solidFill>
+                    <a:srgbClr val="7D7D7D">
+                      <a:tint val="100000"/>
+                      <a:shade val="100000"/>
+                      <a:satMod val="110000"/>
+                    </a:srgbClr>
+                  </a:solidFill>
+                  <a:prstDash val="solid"/>
+                </a:ln>
+                <a:gradFill>
+                  <a:gsLst>
+                    <a:gs pos="0">
+                      <a:srgbClr val="FFFFFF">
+                        <a:tint val="40000"/>
+                        <a:satMod val="250000"/>
+                      </a:srgbClr>
+                    </a:gs>
+                    <a:gs pos="9000">
+                      <a:srgbClr val="FFFFFF">
+                        <a:tint val="52000"/>
+                        <a:satMod val="300000"/>
+                      </a:srgbClr>
+                    </a:gs>
+                    <a:gs pos="50000">
+                      <a:srgbClr val="FFFFFF">
+                        <a:shade val="20000"/>
+                        <a:satMod val="300000"/>
+                      </a:srgbClr>
+                    </a:gs>
+                    <a:gs pos="79000">
+                      <a:srgbClr val="FFFFFF">
+                        <a:tint val="52000"/>
+                        <a:satMod val="300000"/>
+                      </a:srgbClr>
+                    </a:gs>
+                    <a:gs pos="100000">
+                      <a:srgbClr val="FFFFFF">
+                        <a:tint val="40000"/>
+                        <a:satMod val="250000"/>
+                      </a:srgbClr>
+                    </a:gs>
+                  </a:gsLst>
+                  <a:lin ang="5400000"/>
+                </a:gradFill>
+                <a:effectLst/>
+              </a:rPr>
+              <a:t>Demo</a:t>
+            </a:r>
+            <a:endParaRPr lang="en-US" sz="5400" b="1" cap="none" spc="0" dirty="0">
+              <a:ln w="10541" cmpd="sng">
+                <a:solidFill>
+                  <a:srgbClr val="7D7D7D">
+                    <a:tint val="100000"/>
+                    <a:shade val="100000"/>
+                    <a:satMod val="110000"/>
+                  </a:srgbClr>
+                </a:solidFill>
+                <a:prstDash val="solid"/>
+              </a:ln>
+              <a:gradFill>
+                <a:gsLst>
+                  <a:gs pos="0">
+                    <a:srgbClr val="FFFFFF">
+                      <a:tint val="40000"/>
+                      <a:satMod val="250000"/>
+                    </a:srgbClr>
+                  </a:gs>
+                  <a:gs pos="9000">
+                    <a:srgbClr val="FFFFFF">
+                      <a:tint val="52000"/>
+                      <a:satMod val="300000"/>
+                    </a:srgbClr>
+                  </a:gs>
+                  <a:gs pos="50000">
+                    <a:srgbClr val="FFFFFF">
+                      <a:shade val="20000"/>
+                      <a:satMod val="300000"/>
+                    </a:srgbClr>
+                  </a:gs>
+                  <a:gs pos="79000">
+                    <a:srgbClr val="FFFFFF">
+                      <a:tint val="52000"/>
+                      <a:satMod val="300000"/>
+                    </a:srgbClr>
+                  </a:gs>
+                  <a:gs pos="100000">
+                    <a:srgbClr val="FFFFFF">
+                      <a:tint val="40000"/>
+                      <a:satMod val="250000"/>
+                    </a:srgbClr>
+                  </a:gs>
+                </a:gsLst>
+                <a:lin ang="5400000"/>
+              </a:gradFill>
+              <a:effectLst/>
+            </a:endParaRPr>
           </a:p>
         </p:txBody>
       </p:sp>
@@ -5744,9 +10743,315 @@
   <p:timing>
     <p:tnLst>
       <p:par>
-        <p:cTn id="1" dur="indefinite" restart="never" nodeType="tmRoot"/>
+        <p:cTn id="1" dur="indefinite" restart="never" nodeType="tmRoot">
+          <p:childTnLst>
+            <p:seq concurrent="1" nextAc="seek">
+              <p:cTn id="2" dur="indefinite" nodeType="mainSeq">
+                <p:childTnLst>
+                  <p:par>
+                    <p:cTn id="3" fill="hold">
+                      <p:stCondLst>
+                        <p:cond delay="indefinite"/>
+                      </p:stCondLst>
+                      <p:childTnLst>
+                        <p:par>
+                          <p:cTn id="4" fill="hold">
+                            <p:stCondLst>
+                              <p:cond delay="0"/>
+                            </p:stCondLst>
+                            <p:childTnLst>
+                              <p:par>
+                                <p:cTn id="5" presetID="10" presetClass="entr" presetSubtype="0" fill="hold" grpId="0" nodeType="clickEffect">
+                                  <p:stCondLst>
+                                    <p:cond delay="0"/>
+                                  </p:stCondLst>
+                                  <p:childTnLst>
+                                    <p:set>
+                                      <p:cBhvr>
+                                        <p:cTn id="6" dur="1" fill="hold">
+                                          <p:stCondLst>
+                                            <p:cond delay="0"/>
+                                          </p:stCondLst>
+                                        </p:cTn>
+                                        <p:tgtEl>
+                                          <p:spTgt spid="3">
+                                            <p:txEl>
+                                              <p:pRg st="0" end="0"/>
+                                            </p:txEl>
+                                          </p:spTgt>
+                                        </p:tgtEl>
+                                        <p:attrNameLst>
+                                          <p:attrName>style.visibility</p:attrName>
+                                        </p:attrNameLst>
+                                      </p:cBhvr>
+                                      <p:to>
+                                        <p:strVal val="visible"/>
+                                      </p:to>
+                                    </p:set>
+                                    <p:animEffect transition="in" filter="fade">
+                                      <p:cBhvr>
+                                        <p:cTn id="7" dur="500"/>
+                                        <p:tgtEl>
+                                          <p:spTgt spid="3">
+                                            <p:txEl>
+                                              <p:pRg st="0" end="0"/>
+                                            </p:txEl>
+                                          </p:spTgt>
+                                        </p:tgtEl>
+                                      </p:cBhvr>
+                                    </p:animEffect>
+                                  </p:childTnLst>
+                                </p:cTn>
+                              </p:par>
+                              <p:par>
+                                <p:cTn id="8" presetID="10" presetClass="entr" presetSubtype="0" fill="hold" grpId="0" nodeType="withEffect">
+                                  <p:stCondLst>
+                                    <p:cond delay="0"/>
+                                  </p:stCondLst>
+                                  <p:childTnLst>
+                                    <p:set>
+                                      <p:cBhvr>
+                                        <p:cTn id="9" dur="1" fill="hold">
+                                          <p:stCondLst>
+                                            <p:cond delay="0"/>
+                                          </p:stCondLst>
+                                        </p:cTn>
+                                        <p:tgtEl>
+                                          <p:spTgt spid="3">
+                                            <p:txEl>
+                                              <p:pRg st="1" end="1"/>
+                                            </p:txEl>
+                                          </p:spTgt>
+                                        </p:tgtEl>
+                                        <p:attrNameLst>
+                                          <p:attrName>style.visibility</p:attrName>
+                                        </p:attrNameLst>
+                                      </p:cBhvr>
+                                      <p:to>
+                                        <p:strVal val="visible"/>
+                                      </p:to>
+                                    </p:set>
+                                    <p:animEffect transition="in" filter="fade">
+                                      <p:cBhvr>
+                                        <p:cTn id="10" dur="500"/>
+                                        <p:tgtEl>
+                                          <p:spTgt spid="3">
+                                            <p:txEl>
+                                              <p:pRg st="1" end="1"/>
+                                            </p:txEl>
+                                          </p:spTgt>
+                                        </p:tgtEl>
+                                      </p:cBhvr>
+                                    </p:animEffect>
+                                  </p:childTnLst>
+                                </p:cTn>
+                              </p:par>
+                            </p:childTnLst>
+                          </p:cTn>
+                        </p:par>
+                      </p:childTnLst>
+                    </p:cTn>
+                  </p:par>
+                  <p:par>
+                    <p:cTn id="11" fill="hold">
+                      <p:stCondLst>
+                        <p:cond delay="indefinite"/>
+                      </p:stCondLst>
+                      <p:childTnLst>
+                        <p:par>
+                          <p:cTn id="12" fill="hold">
+                            <p:stCondLst>
+                              <p:cond delay="0"/>
+                            </p:stCondLst>
+                            <p:childTnLst>
+                              <p:par>
+                                <p:cTn id="13" presetID="10" presetClass="entr" presetSubtype="0" fill="hold" grpId="0" nodeType="clickEffect">
+                                  <p:stCondLst>
+                                    <p:cond delay="0"/>
+                                  </p:stCondLst>
+                                  <p:childTnLst>
+                                    <p:set>
+                                      <p:cBhvr>
+                                        <p:cTn id="14" dur="1" fill="hold">
+                                          <p:stCondLst>
+                                            <p:cond delay="0"/>
+                                          </p:stCondLst>
+                                        </p:cTn>
+                                        <p:tgtEl>
+                                          <p:spTgt spid="3">
+                                            <p:txEl>
+                                              <p:pRg st="2" end="2"/>
+                                            </p:txEl>
+                                          </p:spTgt>
+                                        </p:tgtEl>
+                                        <p:attrNameLst>
+                                          <p:attrName>style.visibility</p:attrName>
+                                        </p:attrNameLst>
+                                      </p:cBhvr>
+                                      <p:to>
+                                        <p:strVal val="visible"/>
+                                      </p:to>
+                                    </p:set>
+                                    <p:animEffect transition="in" filter="fade">
+                                      <p:cBhvr>
+                                        <p:cTn id="15" dur="500"/>
+                                        <p:tgtEl>
+                                          <p:spTgt spid="3">
+                                            <p:txEl>
+                                              <p:pRg st="2" end="2"/>
+                                            </p:txEl>
+                                          </p:spTgt>
+                                        </p:tgtEl>
+                                      </p:cBhvr>
+                                    </p:animEffect>
+                                  </p:childTnLst>
+                                </p:cTn>
+                              </p:par>
+                            </p:childTnLst>
+                          </p:cTn>
+                        </p:par>
+                      </p:childTnLst>
+                    </p:cTn>
+                  </p:par>
+                  <p:par>
+                    <p:cTn id="16" fill="hold">
+                      <p:stCondLst>
+                        <p:cond delay="indefinite"/>
+                      </p:stCondLst>
+                      <p:childTnLst>
+                        <p:par>
+                          <p:cTn id="17" fill="hold">
+                            <p:stCondLst>
+                              <p:cond delay="0"/>
+                            </p:stCondLst>
+                            <p:childTnLst>
+                              <p:par>
+                                <p:cTn id="18" presetID="10" presetClass="entr" presetSubtype="0" fill="hold" grpId="0" nodeType="clickEffect">
+                                  <p:stCondLst>
+                                    <p:cond delay="0"/>
+                                  </p:stCondLst>
+                                  <p:childTnLst>
+                                    <p:set>
+                                      <p:cBhvr>
+                                        <p:cTn id="19" dur="1" fill="hold">
+                                          <p:stCondLst>
+                                            <p:cond delay="0"/>
+                                          </p:stCondLst>
+                                        </p:cTn>
+                                        <p:tgtEl>
+                                          <p:spTgt spid="3">
+                                            <p:txEl>
+                                              <p:pRg st="3" end="3"/>
+                                            </p:txEl>
+                                          </p:spTgt>
+                                        </p:tgtEl>
+                                        <p:attrNameLst>
+                                          <p:attrName>style.visibility</p:attrName>
+                                        </p:attrNameLst>
+                                      </p:cBhvr>
+                                      <p:to>
+                                        <p:strVal val="visible"/>
+                                      </p:to>
+                                    </p:set>
+                                    <p:animEffect transition="in" filter="fade">
+                                      <p:cBhvr>
+                                        <p:cTn id="20" dur="500"/>
+                                        <p:tgtEl>
+                                          <p:spTgt spid="3">
+                                            <p:txEl>
+                                              <p:pRg st="3" end="3"/>
+                                            </p:txEl>
+                                          </p:spTgt>
+                                        </p:tgtEl>
+                                      </p:cBhvr>
+                                    </p:animEffect>
+                                  </p:childTnLst>
+                                </p:cTn>
+                              </p:par>
+                            </p:childTnLst>
+                          </p:cTn>
+                        </p:par>
+                      </p:childTnLst>
+                    </p:cTn>
+                  </p:par>
+                  <p:par>
+                    <p:cTn id="21" fill="hold">
+                      <p:stCondLst>
+                        <p:cond delay="indefinite"/>
+                      </p:stCondLst>
+                      <p:childTnLst>
+                        <p:par>
+                          <p:cTn id="22" fill="hold">
+                            <p:stCondLst>
+                              <p:cond delay="0"/>
+                            </p:stCondLst>
+                            <p:childTnLst>
+                              <p:par>
+                                <p:cTn id="23" presetID="10" presetClass="entr" presetSubtype="0" fill="hold" grpId="0" nodeType="clickEffect">
+                                  <p:stCondLst>
+                                    <p:cond delay="0"/>
+                                  </p:stCondLst>
+                                  <p:childTnLst>
+                                    <p:set>
+                                      <p:cBhvr>
+                                        <p:cTn id="24" dur="1" fill="hold">
+                                          <p:stCondLst>
+                                            <p:cond delay="0"/>
+                                          </p:stCondLst>
+                                        </p:cTn>
+                                        <p:tgtEl>
+                                          <p:spTgt spid="4"/>
+                                        </p:tgtEl>
+                                        <p:attrNameLst>
+                                          <p:attrName>style.visibility</p:attrName>
+                                        </p:attrNameLst>
+                                      </p:cBhvr>
+                                      <p:to>
+                                        <p:strVal val="visible"/>
+                                      </p:to>
+                                    </p:set>
+                                    <p:animEffect transition="in" filter="fade">
+                                      <p:cBhvr>
+                                        <p:cTn id="25" dur="500"/>
+                                        <p:tgtEl>
+                                          <p:spTgt spid="4"/>
+                                        </p:tgtEl>
+                                      </p:cBhvr>
+                                    </p:animEffect>
+                                  </p:childTnLst>
+                                </p:cTn>
+                              </p:par>
+                            </p:childTnLst>
+                          </p:cTn>
+                        </p:par>
+                      </p:childTnLst>
+                    </p:cTn>
+                  </p:par>
+                </p:childTnLst>
+              </p:cTn>
+              <p:prevCondLst>
+                <p:cond evt="onPrev" delay="0">
+                  <p:tgtEl>
+                    <p:sldTgt/>
+                  </p:tgtEl>
+                </p:cond>
+              </p:prevCondLst>
+              <p:nextCondLst>
+                <p:cond evt="onNext" delay="0">
+                  <p:tgtEl>
+                    <p:sldTgt/>
+                  </p:tgtEl>
+                </p:cond>
+              </p:nextCondLst>
+            </p:seq>
+          </p:childTnLst>
+        </p:cTn>
       </p:par>
     </p:tnLst>
+    <p:bldLst>
+      <p:bldP spid="3" grpId="0" build="p"/>
+      <p:bldP spid="4" grpId="0"/>
+    </p:bldLst>
   </p:timing>
 </p:sld>
 </file>
@@ -6559,6 +11864,131 @@
           </a:p>
         </p:txBody>
       </p:sp>
+      <p:sp>
+        <p:nvSpPr>
+          <p:cNvPr id="4" name="Rectangle 3"/>
+          <p:cNvSpPr/>
+          <p:nvPr/>
+        </p:nvSpPr>
+        <p:spPr>
+          <a:xfrm>
+            <a:off x="3537987" y="5517232"/>
+            <a:ext cx="1903086" cy="923330"/>
+          </a:xfrm>
+          <a:prstGeom prst="rect">
+            <a:avLst/>
+          </a:prstGeom>
+          <a:noFill/>
+        </p:spPr>
+        <p:txBody>
+          <a:bodyPr wrap="none" lIns="91440" tIns="45720" rIns="91440" bIns="45720">
+            <a:spAutoFit/>
+          </a:bodyPr>
+          <a:lstStyle/>
+          <a:p>
+            <a:pPr algn="ctr"/>
+            <a:r>
+              <a:rPr lang="en-US" sz="5400" b="1" cap="none" spc="0" dirty="0" smtClean="0">
+                <a:ln w="10541" cmpd="sng">
+                  <a:solidFill>
+                    <a:srgbClr val="7D7D7D">
+                      <a:tint val="100000"/>
+                      <a:shade val="100000"/>
+                      <a:satMod val="110000"/>
+                    </a:srgbClr>
+                  </a:solidFill>
+                  <a:prstDash val="solid"/>
+                </a:ln>
+                <a:gradFill>
+                  <a:gsLst>
+                    <a:gs pos="0">
+                      <a:srgbClr val="FFFFFF">
+                        <a:tint val="40000"/>
+                        <a:satMod val="250000"/>
+                      </a:srgbClr>
+                    </a:gs>
+                    <a:gs pos="9000">
+                      <a:srgbClr val="FFFFFF">
+                        <a:tint val="52000"/>
+                        <a:satMod val="300000"/>
+                      </a:srgbClr>
+                    </a:gs>
+                    <a:gs pos="50000">
+                      <a:srgbClr val="FFFFFF">
+                        <a:shade val="20000"/>
+                        <a:satMod val="300000"/>
+                      </a:srgbClr>
+                    </a:gs>
+                    <a:gs pos="79000">
+                      <a:srgbClr val="FFFFFF">
+                        <a:tint val="52000"/>
+                        <a:satMod val="300000"/>
+                      </a:srgbClr>
+                    </a:gs>
+                    <a:gs pos="100000">
+                      <a:srgbClr val="FFFFFF">
+                        <a:tint val="40000"/>
+                        <a:satMod val="250000"/>
+                      </a:srgbClr>
+                    </a:gs>
+                  </a:gsLst>
+                  <a:lin ang="5400000"/>
+                </a:gradFill>
+                <a:effectLst/>
+              </a:rPr>
+              <a:t>Demo</a:t>
+            </a:r>
+            <a:endParaRPr lang="en-US" sz="5400" b="1" cap="none" spc="0" dirty="0">
+              <a:ln w="10541" cmpd="sng">
+                <a:solidFill>
+                  <a:srgbClr val="7D7D7D">
+                    <a:tint val="100000"/>
+                    <a:shade val="100000"/>
+                    <a:satMod val="110000"/>
+                  </a:srgbClr>
+                </a:solidFill>
+                <a:prstDash val="solid"/>
+              </a:ln>
+              <a:gradFill>
+                <a:gsLst>
+                  <a:gs pos="0">
+                    <a:srgbClr val="FFFFFF">
+                      <a:tint val="40000"/>
+                      <a:satMod val="250000"/>
+                    </a:srgbClr>
+                  </a:gs>
+                  <a:gs pos="9000">
+                    <a:srgbClr val="FFFFFF">
+                      <a:tint val="52000"/>
+                      <a:satMod val="300000"/>
+                    </a:srgbClr>
+                  </a:gs>
+                  <a:gs pos="50000">
+                    <a:srgbClr val="FFFFFF">
+                      <a:shade val="20000"/>
+                      <a:satMod val="300000"/>
+                    </a:srgbClr>
+                  </a:gs>
+                  <a:gs pos="79000">
+                    <a:srgbClr val="FFFFFF">
+                      <a:tint val="52000"/>
+                      <a:satMod val="300000"/>
+                    </a:srgbClr>
+                  </a:gs>
+                  <a:gs pos="100000">
+                    <a:srgbClr val="FFFFFF">
+                      <a:tint val="40000"/>
+                      <a:satMod val="250000"/>
+                    </a:srgbClr>
+                  </a:gs>
+                </a:gsLst>
+                <a:lin ang="5400000"/>
+              </a:gradFill>
+              <a:effectLst/>
+            </a:endParaRPr>
+          </a:p>
+        </p:txBody>
+      </p:sp>
     </p:spTree>
     <p:extLst>
       <p:ext uri="{BB962C8B-B14F-4D97-AF65-F5344CB8AC3E}">
@@ -6639,6 +12069,131 @@
           <a:lstStyle/>
           <a:p>
             <a:endParaRPr lang="nl-BE"/>
+          </a:p>
+        </p:txBody>
+      </p:sp>
+      <p:sp>
+        <p:nvSpPr>
+          <p:cNvPr id="4" name="Rectangle 3"/>
+          <p:cNvSpPr/>
+          <p:nvPr/>
+        </p:nvSpPr>
+        <p:spPr>
+          <a:xfrm>
+            <a:off x="3537987" y="5517232"/>
+            <a:ext cx="1903086" cy="923330"/>
+          </a:xfrm>
+          <a:prstGeom prst="rect">
+            <a:avLst/>
+          </a:prstGeom>
+          <a:noFill/>
+        </p:spPr>
+        <p:txBody>
+          <a:bodyPr wrap="none" lIns="91440" tIns="45720" rIns="91440" bIns="45720">
+            <a:spAutoFit/>
+          </a:bodyPr>
+          <a:lstStyle/>
+          <a:p>
+            <a:pPr algn="ctr"/>
+            <a:r>
+              <a:rPr lang="en-US" sz="5400" b="1" cap="none" spc="0" dirty="0" smtClean="0">
+                <a:ln w="10541" cmpd="sng">
+                  <a:solidFill>
+                    <a:srgbClr val="7D7D7D">
+                      <a:tint val="100000"/>
+                      <a:shade val="100000"/>
+                      <a:satMod val="110000"/>
+                    </a:srgbClr>
+                  </a:solidFill>
+                  <a:prstDash val="solid"/>
+                </a:ln>
+                <a:gradFill>
+                  <a:gsLst>
+                    <a:gs pos="0">
+                      <a:srgbClr val="FFFFFF">
+                        <a:tint val="40000"/>
+                        <a:satMod val="250000"/>
+                      </a:srgbClr>
+                    </a:gs>
+                    <a:gs pos="9000">
+                      <a:srgbClr val="FFFFFF">
+                        <a:tint val="52000"/>
+                        <a:satMod val="300000"/>
+                      </a:srgbClr>
+                    </a:gs>
+                    <a:gs pos="50000">
+                      <a:srgbClr val="FFFFFF">
+                        <a:shade val="20000"/>
+                        <a:satMod val="300000"/>
+                      </a:srgbClr>
+                    </a:gs>
+                    <a:gs pos="79000">
+                      <a:srgbClr val="FFFFFF">
+                        <a:tint val="52000"/>
+                        <a:satMod val="300000"/>
+                      </a:srgbClr>
+                    </a:gs>
+                    <a:gs pos="100000">
+                      <a:srgbClr val="FFFFFF">
+                        <a:tint val="40000"/>
+                        <a:satMod val="250000"/>
+                      </a:srgbClr>
+                    </a:gs>
+                  </a:gsLst>
+                  <a:lin ang="5400000"/>
+                </a:gradFill>
+                <a:effectLst/>
+              </a:rPr>
+              <a:t>Demo</a:t>
+            </a:r>
+            <a:endParaRPr lang="en-US" sz="5400" b="1" cap="none" spc="0" dirty="0">
+              <a:ln w="10541" cmpd="sng">
+                <a:solidFill>
+                  <a:srgbClr val="7D7D7D">
+                    <a:tint val="100000"/>
+                    <a:shade val="100000"/>
+                    <a:satMod val="110000"/>
+                  </a:srgbClr>
+                </a:solidFill>
+                <a:prstDash val="solid"/>
+              </a:ln>
+              <a:gradFill>
+                <a:gsLst>
+                  <a:gs pos="0">
+                    <a:srgbClr val="FFFFFF">
+                      <a:tint val="40000"/>
+                      <a:satMod val="250000"/>
+                    </a:srgbClr>
+                  </a:gs>
+                  <a:gs pos="9000">
+                    <a:srgbClr val="FFFFFF">
+                      <a:tint val="52000"/>
+                      <a:satMod val="300000"/>
+                    </a:srgbClr>
+                  </a:gs>
+                  <a:gs pos="50000">
+                    <a:srgbClr val="FFFFFF">
+                      <a:shade val="20000"/>
+                      <a:satMod val="300000"/>
+                    </a:srgbClr>
+                  </a:gs>
+                  <a:gs pos="79000">
+                    <a:srgbClr val="FFFFFF">
+                      <a:tint val="52000"/>
+                      <a:satMod val="300000"/>
+                    </a:srgbClr>
+                  </a:gs>
+                  <a:gs pos="100000">
+                    <a:srgbClr val="FFFFFF">
+                      <a:tint val="40000"/>
+                      <a:satMod val="250000"/>
+                    </a:srgbClr>
+                  </a:gs>
+                </a:gsLst>
+                <a:lin ang="5400000"/>
+              </a:gradFill>
+              <a:effectLst/>
+            </a:endParaRPr>
           </a:p>
         </p:txBody>
       </p:sp>
@@ -6746,11 +12301,15 @@
             </a:r>
           </a:p>
           <a:p>
-            <a:r>
-              <a:rPr lang="nl-BE" baseline="0" dirty="0" smtClean="0"/>
+            <a:pPr marL="514350" indent="-514350">
+              <a:buFont typeface="+mj-lt"/>
+              <a:buAutoNum type="arabicPeriod" startAt="3"/>
+            </a:pPr>
+            <a:r>
+              <a:rPr lang="nl-BE" sz="4800" baseline="0" dirty="0" smtClean="0"/>
               <a:t>Hoe toepassen ?</a:t>
             </a:r>
-            <a:endParaRPr lang="nl-BE" dirty="0"/>
+            <a:endParaRPr lang="nl-BE" sz="4800" dirty="0"/>
           </a:p>
         </p:txBody>
       </p:sp>
@@ -6818,22 +12377,122 @@
           </a:p>
         </p:txBody>
       </p:sp>
+      <p:graphicFrame>
+        <p:nvGraphicFramePr>
+          <p:cNvPr id="4" name="Content Placeholder 3"/>
+          <p:cNvGraphicFramePr>
+            <a:graphicFrameLocks noGrp="1"/>
+          </p:cNvGraphicFramePr>
+          <p:nvPr>
+            <p:ph idx="1"/>
+            <p:extLst>
+              <p:ext uri="{D42A27DB-BD31-4B8C-83A1-F6EECF244321}">
+                <p14:modId xmlns:p14="http://schemas.microsoft.com/office/powerpoint/2010/main" val="3865800985"/>
+              </p:ext>
+            </p:extLst>
+          </p:nvPr>
+        </p:nvGraphicFramePr>
+        <p:xfrm>
+          <a:off x="457200" y="1268760"/>
+          <a:ext cx="8229600" cy="4857403"/>
+        </p:xfrm>
+        <a:graphic>
+          <a:graphicData uri="http://schemas.openxmlformats.org/drawingml/2006/diagram">
+            <dgm:relIds xmlns:dgm="http://schemas.openxmlformats.org/drawingml/2006/diagram" xmlns:r="http://schemas.openxmlformats.org/officeDocument/2006/relationships" r:dm="rId3" r:lo="rId4" r:qs="rId5" r:cs="rId6"/>
+          </a:graphicData>
+        </a:graphic>
+      </p:graphicFrame>
       <p:sp>
         <p:nvSpPr>
-          <p:cNvPr id="3" name="Content Placeholder 2"/>
-          <p:cNvSpPr>
-            <a:spLocks noGrp="1"/>
-          </p:cNvSpPr>
-          <p:nvPr>
-            <p:ph idx="1"/>
-          </p:nvPr>
+          <p:cNvPr id="5" name="Rectangle 4"/>
+          <p:cNvSpPr/>
+          <p:nvPr/>
         </p:nvSpPr>
-        <p:spPr/>
+        <p:spPr>
+          <a:xfrm>
+            <a:off x="3160691" y="2780928"/>
+            <a:ext cx="2851469" cy="1754326"/>
+          </a:xfrm>
+          <a:prstGeom prst="rect">
+            <a:avLst/>
+          </a:prstGeom>
+          <a:noFill/>
+        </p:spPr>
         <p:txBody>
-          <a:bodyPr/>
+          <a:bodyPr wrap="square" lIns="91440" tIns="45720" rIns="91440" bIns="45720">
+            <a:spAutoFit/>
+            <a:scene3d>
+              <a:camera prst="orthographicFront">
+                <a:rot lat="0" lon="0" rev="0"/>
+              </a:camera>
+              <a:lightRig rig="glow" dir="t">
+                <a:rot lat="0" lon="0" rev="3600000"/>
+              </a:lightRig>
+            </a:scene3d>
+            <a:sp3d prstMaterial="softEdge">
+              <a:bevelT w="29210" h="16510"/>
+              <a:contourClr>
+                <a:schemeClr val="accent4">
+                  <a:alpha val="95000"/>
+                </a:schemeClr>
+              </a:contourClr>
+            </a:sp3d>
+          </a:bodyPr>
           <a:lstStyle/>
           <a:p>
-            <a:endParaRPr lang="nl-BE"/>
+            <a:pPr algn="ctr"/>
+            <a:r>
+              <a:rPr lang="en-US" sz="5400" b="1" cap="none" spc="0" dirty="0" smtClean="0">
+                <a:ln>
+                  <a:prstDash val="solid"/>
+                </a:ln>
+                <a:gradFill rotWithShape="1">
+                  <a:gsLst>
+                    <a:gs pos="0">
+                      <a:schemeClr val="accent4">
+                        <a:tint val="70000"/>
+                        <a:satMod val="200000"/>
+                      </a:schemeClr>
+                    </a:gs>
+                    <a:gs pos="40000">
+                      <a:schemeClr val="accent4">
+                        <a:tint val="90000"/>
+                        <a:satMod val="130000"/>
+                      </a:schemeClr>
+                    </a:gs>
+                    <a:gs pos="50000">
+                      <a:schemeClr val="accent4">
+                        <a:tint val="90000"/>
+                        <a:satMod val="130000"/>
+                      </a:schemeClr>
+                    </a:gs>
+                    <a:gs pos="68000">
+                      <a:schemeClr val="accent4">
+                        <a:tint val="90000"/>
+                        <a:satMod val="130000"/>
+                      </a:schemeClr>
+                    </a:gs>
+                    <a:gs pos="100000">
+                      <a:schemeClr val="accent4">
+                        <a:tint val="70000"/>
+                        <a:satMod val="200000"/>
+                      </a:schemeClr>
+                    </a:gs>
+                  </a:gsLst>
+                  <a:lin ang="5400000"/>
+                </a:gradFill>
+                <a:effectLst>
+                  <a:outerShdw blurRad="88000" dist="50800" dir="5040000" algn="tl">
+                    <a:schemeClr val="accent4">
+                      <a:tint val="80000"/>
+                      <a:satMod val="250000"/>
+                      <a:alpha val="45000"/>
+                    </a:schemeClr>
+                  </a:outerShdw>
+                </a:effectLst>
+              </a:rPr>
+              <a:t>Clean Code</a:t>
+            </a:r>
           </a:p>
         </p:txBody>
       </p:sp>
@@ -6897,25 +12556,62 @@
           </a:p>
         </p:txBody>
       </p:sp>
-      <p:sp>
-        <p:nvSpPr>
-          <p:cNvPr id="3" name="Content Placeholder 2"/>
-          <p:cNvSpPr>
-            <a:spLocks noGrp="1"/>
-          </p:cNvSpPr>
+      <p:pic>
+        <p:nvPicPr>
+          <p:cNvPr id="2050" name="Picture 2"/>
+          <p:cNvPicPr>
+            <a:picLocks noGrp="1" noChangeAspect="1" noChangeArrowheads="1"/>
+          </p:cNvPicPr>
           <p:nvPr>
             <p:ph idx="1"/>
           </p:nvPr>
-        </p:nvSpPr>
-        <p:spPr/>
-        <p:txBody>
-          <a:bodyPr/>
-          <a:lstStyle/>
-          <a:p>
-            <a:endParaRPr lang="nl-BE"/>
-          </a:p>
-        </p:txBody>
-      </p:sp>
+        </p:nvPicPr>
+        <p:blipFill>
+          <a:blip r:embed="rId3">
+            <a:extLst>
+              <a:ext uri="{28A0092B-C50C-407E-A947-70E740481C1C}">
+                <a14:useLocalDpi xmlns:a14="http://schemas.microsoft.com/office/drawing/2010/main" val="0"/>
+              </a:ext>
+            </a:extLst>
+          </a:blip>
+          <a:srcRect/>
+          <a:stretch>
+            <a:fillRect/>
+          </a:stretch>
+        </p:blipFill>
+        <p:spPr bwMode="auto">
+          <a:xfrm>
+            <a:off x="3131840" y="1340768"/>
+            <a:ext cx="2825912" cy="4525963"/>
+          </a:xfrm>
+          <a:prstGeom prst="rect">
+            <a:avLst/>
+          </a:prstGeom>
+          <a:noFill/>
+          <a:ln>
+            <a:noFill/>
+          </a:ln>
+          <a:extLst>
+            <a:ext uri="{909E8E84-426E-40DD-AFC4-6F175D3DCCD1}">
+              <a14:hiddenFill xmlns:a14="http://schemas.microsoft.com/office/drawing/2010/main">
+                <a:solidFill>
+                  <a:schemeClr val="accent1"/>
+                </a:solidFill>
+              </a14:hiddenFill>
+            </a:ext>
+            <a:ext uri="{91240B29-F687-4F45-9708-019B960494DF}">
+              <a14:hiddenLine xmlns:a14="http://schemas.microsoft.com/office/drawing/2010/main" w="9525">
+                <a:solidFill>
+                  <a:schemeClr val="tx1"/>
+                </a:solidFill>
+                <a:miter lim="800000"/>
+                <a:headEnd/>
+                <a:tailEnd/>
+              </a14:hiddenLine>
+            </a:ext>
+          </a:extLst>
+        </p:spPr>
+      </p:pic>
     </p:spTree>
     <p:extLst>
       <p:ext uri="{BB962C8B-B14F-4D97-AF65-F5344CB8AC3E}">
@@ -6989,30 +12685,44 @@
         </p:nvSpPr>
         <p:spPr/>
         <p:txBody>
-          <a:bodyPr/>
+          <a:bodyPr>
+            <a:normAutofit/>
+          </a:bodyPr>
           <a:lstStyle/>
           <a:p>
-            <a:r>
-              <a:rPr lang="nl-BE" dirty="0" smtClean="0"/>
+            <a:pPr marL="514350" indent="-514350">
+              <a:buFont typeface="+mj-lt"/>
+              <a:buAutoNum type="arabicPeriod"/>
+            </a:pPr>
+            <a:r>
+              <a:rPr lang="nl-BE" sz="4800" dirty="0" smtClean="0"/>
               <a:t>Wat en waarom ?</a:t>
             </a:r>
           </a:p>
           <a:p>
-            <a:r>
-              <a:rPr lang="nl-BE" dirty="0" smtClean="0"/>
+            <a:pPr marL="514350" indent="-514350">
+              <a:buFont typeface="+mj-lt"/>
+              <a:buAutoNum type="arabicPeriod"/>
+            </a:pPr>
+            <a:r>
+              <a:rPr lang="nl-BE" sz="4800" dirty="0" smtClean="0"/>
               <a:t>Tips</a:t>
             </a:r>
             <a:r>
-              <a:rPr lang="nl-BE" baseline="0" dirty="0" smtClean="0"/>
+              <a:rPr lang="nl-BE" sz="4800" baseline="0" dirty="0" smtClean="0"/>
               <a:t> &amp; tricks</a:t>
             </a:r>
           </a:p>
           <a:p>
-            <a:r>
-              <a:rPr lang="nl-BE" baseline="0" dirty="0" smtClean="0"/>
+            <a:pPr marL="514350" indent="-514350">
+              <a:buFont typeface="+mj-lt"/>
+              <a:buAutoNum type="arabicPeriod"/>
+            </a:pPr>
+            <a:r>
+              <a:rPr lang="nl-BE" sz="4800" baseline="0" dirty="0" smtClean="0"/>
               <a:t>Hoe toepassen ?</a:t>
             </a:r>
-            <a:endParaRPr lang="nl-BE" dirty="0"/>
+            <a:endParaRPr lang="nl-BE" sz="4800" dirty="0"/>
           </a:p>
         </p:txBody>
       </p:sp>
@@ -7191,8 +12901,12 @@
           <a:bodyPr/>
           <a:lstStyle/>
           <a:p>
-            <a:r>
-              <a:rPr lang="nl-BE" dirty="0" smtClean="0"/>
+            <a:pPr marL="514350" indent="-514350">
+              <a:buFont typeface="+mj-lt"/>
+              <a:buAutoNum type="arabicPeriod"/>
+            </a:pPr>
+            <a:r>
+              <a:rPr lang="nl-BE" sz="4800" dirty="0" smtClean="0"/>
               <a:t>Wat en waarom ?</a:t>
             </a:r>
           </a:p>
@@ -8496,6 +14210,59 @@
                       </p:childTnLst>
                     </p:cTn>
                   </p:par>
+                  <p:par>
+                    <p:cTn id="8" fill="hold">
+                      <p:stCondLst>
+                        <p:cond delay="indefinite"/>
+                      </p:stCondLst>
+                      <p:childTnLst>
+                        <p:par>
+                          <p:cTn id="9" fill="hold">
+                            <p:stCondLst>
+                              <p:cond delay="0"/>
+                            </p:stCondLst>
+                            <p:childTnLst>
+                              <p:par>
+                                <p:cTn id="10" presetID="10" presetClass="entr" presetSubtype="0" fill="hold" nodeType="clickEffect">
+                                  <p:stCondLst>
+                                    <p:cond delay="0"/>
+                                  </p:stCondLst>
+                                  <p:childTnLst>
+                                    <p:set>
+                                      <p:cBhvr>
+                                        <p:cTn id="11" dur="1" fill="hold">
+                                          <p:stCondLst>
+                                            <p:cond delay="0"/>
+                                          </p:stCondLst>
+                                        </p:cTn>
+                                        <p:tgtEl>
+                                          <p:spTgt spid="1033"/>
+                                        </p:tgtEl>
+                                        <p:attrNameLst>
+                                          <p:attrName>style.visibility</p:attrName>
+                                        </p:attrNameLst>
+                                      </p:cBhvr>
+                                      <p:to>
+                                        <p:strVal val="visible"/>
+                                      </p:to>
+                                    </p:set>
+                                    <p:animEffect transition="in" filter="fade">
+                                      <p:cBhvr>
+                                        <p:cTn id="12" dur="500"/>
+                                        <p:tgtEl>
+                                          <p:spTgt spid="1033"/>
+                                        </p:tgtEl>
+                                      </p:cBhvr>
+                                    </p:animEffect>
+                                  </p:childTnLst>
+                                </p:cTn>
+                              </p:par>
+                            </p:childTnLst>
+                          </p:cTn>
+                        </p:par>
+                      </p:childTnLst>
+                    </p:cTn>
+                  </p:par>
                 </p:childTnLst>
               </p:cTn>
               <p:prevCondLst>
@@ -9105,12 +14872,16 @@
             </a:r>
           </a:p>
           <a:p>
-            <a:r>
-              <a:rPr lang="nl-BE" dirty="0" smtClean="0"/>
+            <a:pPr marL="514350" indent="-514350">
+              <a:buFont typeface="+mj-lt"/>
+              <a:buAutoNum type="arabicPeriod" startAt="2"/>
+            </a:pPr>
+            <a:r>
+              <a:rPr lang="nl-BE" sz="4800" dirty="0" smtClean="0"/>
               <a:t>Tips</a:t>
             </a:r>
             <a:r>
-              <a:rPr lang="nl-BE" baseline="0" dirty="0" smtClean="0"/>
+              <a:rPr lang="nl-BE" sz="4800" baseline="0" dirty="0" smtClean="0"/>
               <a:t> &amp; tricks</a:t>
             </a:r>
           </a:p>
